--- a/documentation/initiative citoyenne.pptx
+++ b/documentation/initiative citoyenne.pptx
@@ -144,7 +144,7 @@
 <file path=ppt/revisionInfo.xml><?xml version="1.0" encoding="utf-8"?>
 <p1510:revInfo xmlns:a="http://schemas.openxmlformats.org/drawingml/2006/main" xmlns:r="http://schemas.openxmlformats.org/officeDocument/2006/relationships" xmlns:p1510="http://schemas.microsoft.com/office/powerpoint/2015/10/main">
   <p1510:revLst>
-    <p1510:client id="{8CEBCC67-919E-4D59-8CCF-34FEEFE7FDFA}" v="22" dt="2022-01-09T20:03:32.807"/>
+    <p1510:client id="{8CEBCC67-919E-4D59-8CCF-34FEEFE7FDFA}" v="23" dt="2022-01-09T20:21:42.544"/>
   </p1510:revLst>
 </p1510:revInfo>
 </file>
@@ -154,7 +154,7 @@
   <pc:docChgLst>
     <pc:chgData name="THOMY Philippe" userId="9df777e5-71f9-47e3-9421-f7a221646164" providerId="ADAL" clId="{8CEBCC67-919E-4D59-8CCF-34FEEFE7FDFA}"/>
     <pc:docChg chg="undo custSel addSld delSld modSld sldOrd">
-      <pc:chgData name="THOMY Philippe" userId="9df777e5-71f9-47e3-9421-f7a221646164" providerId="ADAL" clId="{8CEBCC67-919E-4D59-8CCF-34FEEFE7FDFA}" dt="2022-01-09T20:04:56.855" v="8735" actId="1076"/>
+      <pc:chgData name="THOMY Philippe" userId="9df777e5-71f9-47e3-9421-f7a221646164" providerId="ADAL" clId="{8CEBCC67-919E-4D59-8CCF-34FEEFE7FDFA}" dt="2022-01-09T20:21:19.751" v="8751" actId="20577"/>
       <pc:docMkLst>
         <pc:docMk/>
       </pc:docMkLst>
@@ -1155,7 +1155,7 @@
         </pc:sldMkLst>
       </pc:sldChg>
       <pc:sldChg chg="modSp add mod">
-        <pc:chgData name="THOMY Philippe" userId="9df777e5-71f9-47e3-9421-f7a221646164" providerId="ADAL" clId="{8CEBCC67-919E-4D59-8CCF-34FEEFE7FDFA}" dt="2022-01-09T19:56:53.488" v="8670" actId="27636"/>
+        <pc:chgData name="THOMY Philippe" userId="9df777e5-71f9-47e3-9421-f7a221646164" providerId="ADAL" clId="{8CEBCC67-919E-4D59-8CCF-34FEEFE7FDFA}" dt="2022-01-09T20:21:19.751" v="8751" actId="20577"/>
         <pc:sldMkLst>
           <pc:docMk/>
           <pc:sldMk cId="3195881585" sldId="651"/>
@@ -1169,7 +1169,7 @@
           </ac:spMkLst>
         </pc:spChg>
         <pc:spChg chg="mod">
-          <ac:chgData name="THOMY Philippe" userId="9df777e5-71f9-47e3-9421-f7a221646164" providerId="ADAL" clId="{8CEBCC67-919E-4D59-8CCF-34FEEFE7FDFA}" dt="2022-01-09T19:56:53.488" v="8670" actId="27636"/>
+          <ac:chgData name="THOMY Philippe" userId="9df777e5-71f9-47e3-9421-f7a221646164" providerId="ADAL" clId="{8CEBCC67-919E-4D59-8CCF-34FEEFE7FDFA}" dt="2022-01-09T20:21:19.751" v="8751" actId="20577"/>
           <ac:spMkLst>
             <pc:docMk/>
             <pc:sldMk cId="3195881585" sldId="651"/>
@@ -1661,7 +1661,7 @@
             <a:fld id="{B61BEF0D-F0BB-DE4B-95CE-6DB70DBA9567}" type="datetimeFigureOut">
               <a:rPr lang="en-US" dirty="0"/>
               <a:pPr/>
-              <a:t>1/1/2022</a:t>
+              <a:t>1/9/2022</a:t>
             </a:fld>
             <a:endParaRPr lang="en-US" dirty="0"/>
           </a:p>
@@ -1996,7 +1996,7 @@
             <a:fld id="{B61BEF0D-F0BB-DE4B-95CE-6DB70DBA9567}" type="datetimeFigureOut">
               <a:rPr lang="en-US" dirty="0"/>
               <a:pPr/>
-              <a:t>1/1/2022</a:t>
+              <a:t>1/9/2022</a:t>
             </a:fld>
             <a:endParaRPr lang="en-US" dirty="0"/>
           </a:p>
@@ -2394,7 +2394,7 @@
             <a:fld id="{B61BEF0D-F0BB-DE4B-95CE-6DB70DBA9567}" type="datetimeFigureOut">
               <a:rPr lang="en-US" dirty="0"/>
               <a:pPr/>
-              <a:t>1/1/2022</a:t>
+              <a:t>1/9/2022</a:t>
             </a:fld>
             <a:endParaRPr lang="en-US" dirty="0"/>
           </a:p>
@@ -2727,7 +2727,7 @@
             <a:fld id="{B61BEF0D-F0BB-DE4B-95CE-6DB70DBA9567}" type="datetimeFigureOut">
               <a:rPr lang="en-US" dirty="0"/>
               <a:pPr/>
-              <a:t>1/1/2022</a:t>
+              <a:t>1/9/2022</a:t>
             </a:fld>
             <a:endParaRPr lang="en-US" dirty="0"/>
           </a:p>
@@ -3044,7 +3044,7 @@
             <a:fld id="{B61BEF0D-F0BB-DE4B-95CE-6DB70DBA9567}" type="datetimeFigureOut">
               <a:rPr lang="en-US" dirty="0"/>
               <a:pPr/>
-              <a:t>1/1/2022</a:t>
+              <a:t>1/9/2022</a:t>
             </a:fld>
             <a:endParaRPr lang="en-US" dirty="0"/>
           </a:p>
@@ -3437,7 +3437,7 @@
             <a:fld id="{B61BEF0D-F0BB-DE4B-95CE-6DB70DBA9567}" type="datetimeFigureOut">
               <a:rPr lang="en-US" dirty="0"/>
               <a:pPr/>
-              <a:t>1/1/2022</a:t>
+              <a:t>1/9/2022</a:t>
             </a:fld>
             <a:endParaRPr lang="en-US" dirty="0"/>
           </a:p>
@@ -3691,7 +3691,7 @@
             <a:fld id="{B61BEF0D-F0BB-DE4B-95CE-6DB70DBA9567}" type="datetimeFigureOut">
               <a:rPr lang="en-US" dirty="0"/>
               <a:pPr/>
-              <a:t>1/1/2022</a:t>
+              <a:t>1/9/2022</a:t>
             </a:fld>
             <a:endParaRPr lang="en-US" dirty="0"/>
           </a:p>
@@ -3950,7 +3950,7 @@
             <a:fld id="{B61BEF0D-F0BB-DE4B-95CE-6DB70DBA9567}" type="datetimeFigureOut">
               <a:rPr lang="en-US" dirty="0"/>
               <a:pPr/>
-              <a:t>1/1/2022</a:t>
+              <a:t>1/9/2022</a:t>
             </a:fld>
             <a:endParaRPr lang="en-US" dirty="0"/>
           </a:p>
@@ -4368,7 +4368,7 @@
             <a:fld id="{B61BEF0D-F0BB-DE4B-95CE-6DB70DBA9567}" type="datetimeFigureOut">
               <a:rPr lang="en-US" dirty="0"/>
               <a:pPr/>
-              <a:t>1/1/2022</a:t>
+              <a:t>1/9/2022</a:t>
             </a:fld>
             <a:endParaRPr lang="en-US" dirty="0"/>
           </a:p>
@@ -4906,7 +4906,7 @@
             <a:fld id="{B61BEF0D-F0BB-DE4B-95CE-6DB70DBA9567}" type="datetimeFigureOut">
               <a:rPr lang="en-US" dirty="0"/>
               <a:pPr/>
-              <a:t>1/1/2022</a:t>
+              <a:t>1/9/2022</a:t>
             </a:fld>
             <a:endParaRPr lang="en-US" dirty="0"/>
           </a:p>
@@ -5226,7 +5226,7 @@
             <a:fld id="{B61BEF0D-F0BB-DE4B-95CE-6DB70DBA9567}" type="datetimeFigureOut">
               <a:rPr lang="en-US" dirty="0"/>
               <a:pPr/>
-              <a:t>1/1/2022</a:t>
+              <a:t>1/9/2022</a:t>
             </a:fld>
             <a:endParaRPr lang="en-US" dirty="0"/>
           </a:p>
@@ -5680,7 +5680,7 @@
             <a:fld id="{B61BEF0D-F0BB-DE4B-95CE-6DB70DBA9567}" type="datetimeFigureOut">
               <a:rPr lang="en-US" dirty="0"/>
               <a:pPr/>
-              <a:t>1/1/2022</a:t>
+              <a:t>1/9/2022</a:t>
             </a:fld>
             <a:endParaRPr lang="en-US" dirty="0"/>
           </a:p>
@@ -5882,7 +5882,7 @@
             <a:fld id="{B61BEF0D-F0BB-DE4B-95CE-6DB70DBA9567}" type="datetimeFigureOut">
               <a:rPr lang="en-US" dirty="0"/>
               <a:pPr/>
-              <a:t>1/1/2022</a:t>
+              <a:t>1/9/2022</a:t>
             </a:fld>
             <a:endParaRPr lang="en-US" dirty="0"/>
           </a:p>
@@ -6056,7 +6056,7 @@
             <a:fld id="{B61BEF0D-F0BB-DE4B-95CE-6DB70DBA9567}" type="datetimeFigureOut">
               <a:rPr lang="en-US" dirty="0"/>
               <a:pPr/>
-              <a:t>1/1/2022</a:t>
+              <a:t>1/9/2022</a:t>
             </a:fld>
             <a:endParaRPr lang="en-US" dirty="0"/>
           </a:p>
@@ -6386,7 +6386,7 @@
             <a:fld id="{B61BEF0D-F0BB-DE4B-95CE-6DB70DBA9567}" type="datetimeFigureOut">
               <a:rPr lang="en-US" dirty="0"/>
               <a:pPr/>
-              <a:t>1/1/2022</a:t>
+              <a:t>1/9/2022</a:t>
             </a:fld>
             <a:endParaRPr lang="en-US" dirty="0"/>
           </a:p>
@@ -6728,7 +6728,7 @@
             <a:fld id="{B61BEF0D-F0BB-DE4B-95CE-6DB70DBA9567}" type="datetimeFigureOut">
               <a:rPr lang="en-US" dirty="0"/>
               <a:pPr/>
-              <a:t>1/1/2022</a:t>
+              <a:t>1/9/2022</a:t>
             </a:fld>
             <a:endParaRPr lang="en-US" dirty="0"/>
           </a:p>
@@ -8842,7 +8842,7 @@
             <a:fld id="{B61BEF0D-F0BB-DE4B-95CE-6DB70DBA9567}" type="datetimeFigureOut">
               <a:rPr lang="en-US" dirty="0"/>
               <a:pPr/>
-              <a:t>1/1/2022</a:t>
+              <a:t>1/9/2022</a:t>
             </a:fld>
             <a:endParaRPr lang="en-US" dirty="0"/>
           </a:p>
@@ -9933,7 +9933,7 @@
           <a:p>
             <a:fld id="{5023A80A-40FC-4210-9452-7B0942DCA00B}" type="datetime1">
               <a:rPr lang="fr-FR" smtClean="0"/>
-              <a:t>08/01/2022</a:t>
+              <a:t>09/01/2022</a:t>
             </a:fld>
             <a:endParaRPr lang="fr-FR" dirty="0"/>
           </a:p>
@@ -12391,7 +12391,7 @@
         </p:spPr>
         <p:txBody>
           <a:bodyPr vert="horz" lIns="82951" tIns="41475" rIns="82951" bIns="41475" rtlCol="0">
-            <a:normAutofit/>
+            <a:normAutofit lnSpcReduction="10000"/>
           </a:bodyPr>
           <a:lstStyle>
             <a:lvl1pPr marL="251986" indent="-251986" algn="l" defTabSz="1007943" rtl="0" eaLnBrk="1" latinLnBrk="0" hangingPunct="1">
@@ -12642,6 +12642,18 @@
             <a:pPr lvl="0"/>
             <a:r>
               <a:rPr lang="fr-FR" sz="1200" u="sng" dirty="0">
+                <a:hlinkClick r:id="rId3"/>
+              </a:rPr>
+              <a:t>Format ObsJSON</a:t>
+            </a:r>
+            <a:endParaRPr lang="fr-FR" sz="1200" u="sng" dirty="0">
+              <a:hlinkClick r:id="rId2"/>
+            </a:endParaRPr>
+          </a:p>
+          <a:p>
+            <a:pPr lvl="0"/>
+            <a:r>
+              <a:rPr lang="fr-FR" sz="1200" u="sng" dirty="0">
                 <a:hlinkClick r:id="rId2"/>
               </a:rPr>
               <a:t>Connecteurs ES open-source (version python)</a:t>
@@ -12779,7 +12791,7 @@
           <a:p>
             <a:fld id="{5023A80A-40FC-4210-9452-7B0942DCA00B}" type="datetime1">
               <a:rPr lang="fr-FR" smtClean="0"/>
-              <a:t>01/01/2022</a:t>
+              <a:t>09/01/2022</a:t>
             </a:fld>
             <a:endParaRPr lang="fr-FR" dirty="0"/>
           </a:p>
@@ -30296,7 +30308,7 @@
           <a:p>
             <a:fld id="{5023A80A-40FC-4210-9452-7B0942DCA00B}" type="datetime1">
               <a:rPr lang="fr-FR" smtClean="0"/>
-              <a:t>01/01/2022</a:t>
+              <a:t>09/01/2022</a:t>
             </a:fld>
             <a:endParaRPr lang="fr-FR" dirty="0"/>
           </a:p>
@@ -33315,7 +33327,7 @@
           <a:p>
             <a:fld id="{5023A80A-40FC-4210-9452-7B0942DCA00B}" type="datetime1">
               <a:rPr lang="fr-FR" smtClean="0"/>
-              <a:t>01/01/2022</a:t>
+              <a:t>09/01/2022</a:t>
             </a:fld>
             <a:endParaRPr lang="fr-FR" dirty="0"/>
           </a:p>
@@ -37422,7 +37434,7 @@
           <a:p>
             <a:fld id="{5023A80A-40FC-4210-9452-7B0942DCA00B}" type="datetime1">
               <a:rPr lang="fr-FR" smtClean="0"/>
-              <a:t>01/01/2022</a:t>
+              <a:t>09/01/2022</a:t>
             </a:fld>
             <a:endParaRPr lang="fr-FR" dirty="0"/>
           </a:p>

--- a/documentation/initiative citoyenne.pptx
+++ b/documentation/initiative citoyenne.pptx
@@ -14,29 +14,30 @@
     <p:sldId id="580" r:id="rId8"/>
     <p:sldId id="657" r:id="rId9"/>
     <p:sldId id="570" r:id="rId10"/>
-    <p:sldId id="660" r:id="rId11"/>
-    <p:sldId id="581" r:id="rId12"/>
-    <p:sldId id="627" r:id="rId13"/>
-    <p:sldId id="640" r:id="rId14"/>
-    <p:sldId id="641" r:id="rId15"/>
-    <p:sldId id="642" r:id="rId16"/>
-    <p:sldId id="644" r:id="rId17"/>
-    <p:sldId id="645" r:id="rId18"/>
-    <p:sldId id="646" r:id="rId19"/>
-    <p:sldId id="647" r:id="rId20"/>
-    <p:sldId id="648" r:id="rId21"/>
-    <p:sldId id="649" r:id="rId22"/>
-    <p:sldId id="650" r:id="rId23"/>
-    <p:sldId id="651" r:id="rId24"/>
-    <p:sldId id="625" r:id="rId25"/>
-    <p:sldId id="604" r:id="rId26"/>
-    <p:sldId id="596" r:id="rId27"/>
-    <p:sldId id="607" r:id="rId28"/>
-    <p:sldId id="639" r:id="rId29"/>
-    <p:sldId id="610" r:id="rId30"/>
-    <p:sldId id="609" r:id="rId31"/>
-    <p:sldId id="608" r:id="rId32"/>
-    <p:sldId id="601" r:id="rId33"/>
+    <p:sldId id="663" r:id="rId11"/>
+    <p:sldId id="660" r:id="rId12"/>
+    <p:sldId id="581" r:id="rId13"/>
+    <p:sldId id="627" r:id="rId14"/>
+    <p:sldId id="640" r:id="rId15"/>
+    <p:sldId id="641" r:id="rId16"/>
+    <p:sldId id="642" r:id="rId17"/>
+    <p:sldId id="644" r:id="rId18"/>
+    <p:sldId id="645" r:id="rId19"/>
+    <p:sldId id="646" r:id="rId20"/>
+    <p:sldId id="647" r:id="rId21"/>
+    <p:sldId id="648" r:id="rId22"/>
+    <p:sldId id="649" r:id="rId23"/>
+    <p:sldId id="650" r:id="rId24"/>
+    <p:sldId id="651" r:id="rId25"/>
+    <p:sldId id="625" r:id="rId26"/>
+    <p:sldId id="604" r:id="rId27"/>
+    <p:sldId id="596" r:id="rId28"/>
+    <p:sldId id="607" r:id="rId29"/>
+    <p:sldId id="639" r:id="rId30"/>
+    <p:sldId id="610" r:id="rId31"/>
+    <p:sldId id="609" r:id="rId32"/>
+    <p:sldId id="608" r:id="rId33"/>
+    <p:sldId id="601" r:id="rId34"/>
   </p:sldIdLst>
   <p:sldSz cx="12192000" cy="6858000"/>
   <p:notesSz cx="6858000" cy="9144000"/>
@@ -146,7 +147,7 @@
 <file path=ppt/revisionInfo.xml><?xml version="1.0" encoding="utf-8"?>
 <p1510:revInfo xmlns:a="http://schemas.openxmlformats.org/drawingml/2006/main" xmlns:r="http://schemas.openxmlformats.org/officeDocument/2006/relationships" xmlns:p1510="http://schemas.microsoft.com/office/powerpoint/2015/10/main">
   <p1510:revLst>
-    <p1510:client id="{8CEBCC67-919E-4D59-8CCF-34FEEFE7FDFA}" v="77" dt="2022-01-17T16:46:15.974"/>
+    <p1510:client id="{8CEBCC67-919E-4D59-8CCF-34FEEFE7FDFA}" v="89" dt="2022-01-20T09:31:55.488"/>
   </p1510:revLst>
 </p1510:revInfo>
 </file>
@@ -156,7 +157,7 @@
   <pc:docChgLst>
     <pc:chgData name="THOMY Philippe" userId="9df777e5-71f9-47e3-9421-f7a221646164" providerId="ADAL" clId="{8CEBCC67-919E-4D59-8CCF-34FEEFE7FDFA}"/>
     <pc:docChg chg="undo custSel addSld delSld modSld sldOrd">
-      <pc:chgData name="THOMY Philippe" userId="9df777e5-71f9-47e3-9421-f7a221646164" providerId="ADAL" clId="{8CEBCC67-919E-4D59-8CCF-34FEEFE7FDFA}" dt="2022-01-17T16:51:48.937" v="11903" actId="20577"/>
+      <pc:chgData name="THOMY Philippe" userId="9df777e5-71f9-47e3-9421-f7a221646164" providerId="ADAL" clId="{8CEBCC67-919E-4D59-8CCF-34FEEFE7FDFA}" dt="2022-01-20T10:28:05.616" v="13529" actId="6549"/>
       <pc:docMkLst>
         <pc:docMk/>
       </pc:docMkLst>
@@ -612,13 +613,13 @@
         </pc:picChg>
       </pc:sldChg>
       <pc:sldChg chg="modSp add mod">
-        <pc:chgData name="THOMY Philippe" userId="9df777e5-71f9-47e3-9421-f7a221646164" providerId="ADAL" clId="{8CEBCC67-919E-4D59-8CCF-34FEEFE7FDFA}" dt="2022-01-17T16:49:31.923" v="11813" actId="20577"/>
+        <pc:chgData name="THOMY Philippe" userId="9df777e5-71f9-47e3-9421-f7a221646164" providerId="ADAL" clId="{8CEBCC67-919E-4D59-8CCF-34FEEFE7FDFA}" dt="2022-01-20T09:03:59.667" v="11912" actId="20577"/>
         <pc:sldMkLst>
           <pc:docMk/>
           <pc:sldMk cId="459321918" sldId="570"/>
         </pc:sldMkLst>
         <pc:spChg chg="mod">
-          <ac:chgData name="THOMY Philippe" userId="9df777e5-71f9-47e3-9421-f7a221646164" providerId="ADAL" clId="{8CEBCC67-919E-4D59-8CCF-34FEEFE7FDFA}" dt="2022-01-17T16:49:31.923" v="11813" actId="20577"/>
+          <ac:chgData name="THOMY Philippe" userId="9df777e5-71f9-47e3-9421-f7a221646164" providerId="ADAL" clId="{8CEBCC67-919E-4D59-8CCF-34FEEFE7FDFA}" dt="2022-01-20T09:03:59.667" v="11912" actId="20577"/>
           <ac:spMkLst>
             <pc:docMk/>
             <pc:sldMk cId="459321918" sldId="570"/>
@@ -1540,13 +1541,13 @@
         </pc:sldMkLst>
       </pc:sldChg>
       <pc:sldChg chg="modSp mod">
-        <pc:chgData name="THOMY Philippe" userId="9df777e5-71f9-47e3-9421-f7a221646164" providerId="ADAL" clId="{8CEBCC67-919E-4D59-8CCF-34FEEFE7FDFA}" dt="2022-01-09T18:06:23.272" v="8291" actId="404"/>
+        <pc:chgData name="THOMY Philippe" userId="9df777e5-71f9-47e3-9421-f7a221646164" providerId="ADAL" clId="{8CEBCC67-919E-4D59-8CCF-34FEEFE7FDFA}" dt="2022-01-20T10:28:05.616" v="13529" actId="6549"/>
         <pc:sldMkLst>
           <pc:docMk/>
           <pc:sldMk cId="2357459822" sldId="596"/>
         </pc:sldMkLst>
         <pc:spChg chg="mod">
-          <ac:chgData name="THOMY Philippe" userId="9df777e5-71f9-47e3-9421-f7a221646164" providerId="ADAL" clId="{8CEBCC67-919E-4D59-8CCF-34FEEFE7FDFA}" dt="2022-01-09T18:06:23.272" v="8291" actId="404"/>
+          <ac:chgData name="THOMY Philippe" userId="9df777e5-71f9-47e3-9421-f7a221646164" providerId="ADAL" clId="{8CEBCC67-919E-4D59-8CCF-34FEEFE7FDFA}" dt="2022-01-20T10:28:05.616" v="13529" actId="6549"/>
           <ac:spMkLst>
             <pc:docMk/>
             <pc:sldMk cId="2357459822" sldId="596"/>
@@ -1682,7 +1683,7 @@
         </pc:spChg>
       </pc:sldChg>
       <pc:sldChg chg="delSp modSp mod">
-        <pc:chgData name="THOMY Philippe" userId="9df777e5-71f9-47e3-9421-f7a221646164" providerId="ADAL" clId="{8CEBCC67-919E-4D59-8CCF-34FEEFE7FDFA}" dt="2022-01-09T14:23:21.563" v="3398" actId="6549"/>
+        <pc:chgData name="THOMY Philippe" userId="9df777e5-71f9-47e3-9421-f7a221646164" providerId="ADAL" clId="{8CEBCC67-919E-4D59-8CCF-34FEEFE7FDFA}" dt="2022-01-20T09:37:07.834" v="13205" actId="20577"/>
         <pc:sldMkLst>
           <pc:docMk/>
           <pc:sldMk cId="4242581994" sldId="627"/>
@@ -1704,7 +1705,7 @@
           </ac:spMkLst>
         </pc:spChg>
         <pc:spChg chg="mod">
-          <ac:chgData name="THOMY Philippe" userId="9df777e5-71f9-47e3-9421-f7a221646164" providerId="ADAL" clId="{8CEBCC67-919E-4D59-8CCF-34FEEFE7FDFA}" dt="2022-01-09T14:23:21.563" v="3398" actId="6549"/>
+          <ac:chgData name="THOMY Philippe" userId="9df777e5-71f9-47e3-9421-f7a221646164" providerId="ADAL" clId="{8CEBCC67-919E-4D59-8CCF-34FEEFE7FDFA}" dt="2022-01-20T09:37:07.834" v="13205" actId="20577"/>
           <ac:spMkLst>
             <pc:docMk/>
             <pc:sldMk cId="4242581994" sldId="627"/>
@@ -2091,7 +2092,7 @@
         </pc:sldMkLst>
       </pc:sldChg>
       <pc:sldChg chg="modSp add mod">
-        <pc:chgData name="THOMY Philippe" userId="9df777e5-71f9-47e3-9421-f7a221646164" providerId="ADAL" clId="{8CEBCC67-919E-4D59-8CCF-34FEEFE7FDFA}" dt="2022-01-09T14:25:35.928" v="3520" actId="20577"/>
+        <pc:chgData name="THOMY Philippe" userId="9df777e5-71f9-47e3-9421-f7a221646164" providerId="ADAL" clId="{8CEBCC67-919E-4D59-8CCF-34FEEFE7FDFA}" dt="2022-01-20T09:37:53.141" v="13219" actId="20577"/>
         <pc:sldMkLst>
           <pc:docMk/>
           <pc:sldMk cId="142482662" sldId="640"/>
@@ -2105,7 +2106,7 @@
           </ac:spMkLst>
         </pc:spChg>
         <pc:spChg chg="mod">
-          <ac:chgData name="THOMY Philippe" userId="9df777e5-71f9-47e3-9421-f7a221646164" providerId="ADAL" clId="{8CEBCC67-919E-4D59-8CCF-34FEEFE7FDFA}" dt="2022-01-09T14:25:35.928" v="3520" actId="20577"/>
+          <ac:chgData name="THOMY Philippe" userId="9df777e5-71f9-47e3-9421-f7a221646164" providerId="ADAL" clId="{8CEBCC67-919E-4D59-8CCF-34FEEFE7FDFA}" dt="2022-01-20T09:37:53.141" v="13219" actId="20577"/>
           <ac:spMkLst>
             <pc:docMk/>
             <pc:sldMk cId="142482662" sldId="640"/>
@@ -2174,7 +2175,7 @@
         </pc:spChg>
       </pc:sldChg>
       <pc:sldChg chg="modSp add mod">
-        <pc:chgData name="THOMY Philippe" userId="9df777e5-71f9-47e3-9421-f7a221646164" providerId="ADAL" clId="{8CEBCC67-919E-4D59-8CCF-34FEEFE7FDFA}" dt="2022-01-09T14:59:16.900" v="5913" actId="6549"/>
+        <pc:chgData name="THOMY Philippe" userId="9df777e5-71f9-47e3-9421-f7a221646164" providerId="ADAL" clId="{8CEBCC67-919E-4D59-8CCF-34FEEFE7FDFA}" dt="2022-01-20T09:39:51.125" v="13300" actId="20577"/>
         <pc:sldMkLst>
           <pc:docMk/>
           <pc:sldMk cId="2588821957" sldId="645"/>
@@ -2188,7 +2189,7 @@
           </ac:spMkLst>
         </pc:spChg>
         <pc:spChg chg="mod">
-          <ac:chgData name="THOMY Philippe" userId="9df777e5-71f9-47e3-9421-f7a221646164" providerId="ADAL" clId="{8CEBCC67-919E-4D59-8CCF-34FEEFE7FDFA}" dt="2022-01-09T14:59:16.900" v="5913" actId="6549"/>
+          <ac:chgData name="THOMY Philippe" userId="9df777e5-71f9-47e3-9421-f7a221646164" providerId="ADAL" clId="{8CEBCC67-919E-4D59-8CCF-34FEEFE7FDFA}" dt="2022-01-20T09:39:51.125" v="13300" actId="20577"/>
           <ac:spMkLst>
             <pc:docMk/>
             <pc:sldMk cId="2588821957" sldId="645"/>
@@ -2212,7 +2213,7 @@
         </pc:spChg>
       </pc:sldChg>
       <pc:sldChg chg="modSp add mod">
-        <pc:chgData name="THOMY Philippe" userId="9df777e5-71f9-47e3-9421-f7a221646164" providerId="ADAL" clId="{8CEBCC67-919E-4D59-8CCF-34FEEFE7FDFA}" dt="2022-01-09T15:02:25.013" v="6055" actId="6549"/>
+        <pc:chgData name="THOMY Philippe" userId="9df777e5-71f9-47e3-9421-f7a221646164" providerId="ADAL" clId="{8CEBCC67-919E-4D59-8CCF-34FEEFE7FDFA}" dt="2022-01-20T10:00:46.425" v="13378" actId="20577"/>
         <pc:sldMkLst>
           <pc:docMk/>
           <pc:sldMk cId="3642858116" sldId="647"/>
@@ -2226,7 +2227,7 @@
           </ac:spMkLst>
         </pc:spChg>
         <pc:spChg chg="mod">
-          <ac:chgData name="THOMY Philippe" userId="9df777e5-71f9-47e3-9421-f7a221646164" providerId="ADAL" clId="{8CEBCC67-919E-4D59-8CCF-34FEEFE7FDFA}" dt="2022-01-09T15:02:25.013" v="6055" actId="6549"/>
+          <ac:chgData name="THOMY Philippe" userId="9df777e5-71f9-47e3-9421-f7a221646164" providerId="ADAL" clId="{8CEBCC67-919E-4D59-8CCF-34FEEFE7FDFA}" dt="2022-01-20T10:00:46.425" v="13378" actId="20577"/>
           <ac:spMkLst>
             <pc:docMk/>
             <pc:sldMk cId="3642858116" sldId="647"/>
@@ -2250,7 +2251,7 @@
         </pc:spChg>
       </pc:sldChg>
       <pc:sldChg chg="modSp add mod">
-        <pc:chgData name="THOMY Philippe" userId="9df777e5-71f9-47e3-9421-f7a221646164" providerId="ADAL" clId="{8CEBCC67-919E-4D59-8CCF-34FEEFE7FDFA}" dt="2022-01-09T16:58:34.351" v="7718" actId="20577"/>
+        <pc:chgData name="THOMY Philippe" userId="9df777e5-71f9-47e3-9421-f7a221646164" providerId="ADAL" clId="{8CEBCC67-919E-4D59-8CCF-34FEEFE7FDFA}" dt="2022-01-20T10:01:28.492" v="13383" actId="1076"/>
         <pc:sldMkLst>
           <pc:docMk/>
           <pc:sldMk cId="934178996" sldId="649"/>
@@ -2264,7 +2265,7 @@
           </ac:spMkLst>
         </pc:spChg>
         <pc:spChg chg="mod">
-          <ac:chgData name="THOMY Philippe" userId="9df777e5-71f9-47e3-9421-f7a221646164" providerId="ADAL" clId="{8CEBCC67-919E-4D59-8CCF-34FEEFE7FDFA}" dt="2022-01-09T16:58:34.351" v="7718" actId="20577"/>
+          <ac:chgData name="THOMY Philippe" userId="9df777e5-71f9-47e3-9421-f7a221646164" providerId="ADAL" clId="{8CEBCC67-919E-4D59-8CCF-34FEEFE7FDFA}" dt="2022-01-20T10:01:28.492" v="13383" actId="1076"/>
           <ac:spMkLst>
             <pc:docMk/>
             <pc:sldMk cId="934178996" sldId="649"/>
@@ -2295,7 +2296,7 @@
         </pc:sldMkLst>
       </pc:sldChg>
       <pc:sldChg chg="modSp add mod">
-        <pc:chgData name="THOMY Philippe" userId="9df777e5-71f9-47e3-9421-f7a221646164" providerId="ADAL" clId="{8CEBCC67-919E-4D59-8CCF-34FEEFE7FDFA}" dt="2022-01-17T16:13:40.476" v="11307" actId="403"/>
+        <pc:chgData name="THOMY Philippe" userId="9df777e5-71f9-47e3-9421-f7a221646164" providerId="ADAL" clId="{8CEBCC67-919E-4D59-8CCF-34FEEFE7FDFA}" dt="2022-01-20T10:27:19.976" v="13495" actId="6549"/>
         <pc:sldMkLst>
           <pc:docMk/>
           <pc:sldMk cId="3195881585" sldId="651"/>
@@ -2309,7 +2310,7 @@
           </ac:spMkLst>
         </pc:spChg>
         <pc:spChg chg="mod">
-          <ac:chgData name="THOMY Philippe" userId="9df777e5-71f9-47e3-9421-f7a221646164" providerId="ADAL" clId="{8CEBCC67-919E-4D59-8CCF-34FEEFE7FDFA}" dt="2022-01-17T16:13:40.476" v="11307" actId="403"/>
+          <ac:chgData name="THOMY Philippe" userId="9df777e5-71f9-47e3-9421-f7a221646164" providerId="ADAL" clId="{8CEBCC67-919E-4D59-8CCF-34FEEFE7FDFA}" dt="2022-01-20T10:27:19.976" v="13495" actId="6549"/>
           <ac:spMkLst>
             <pc:docMk/>
             <pc:sldMk cId="3195881585" sldId="651"/>
@@ -2516,12 +2517,20 @@
           <pc:sldMk cId="3662488841" sldId="659"/>
         </pc:sldMkLst>
       </pc:sldChg>
-      <pc:sldChg chg="modSp add mod">
-        <pc:chgData name="THOMY Philippe" userId="9df777e5-71f9-47e3-9421-f7a221646164" providerId="ADAL" clId="{8CEBCC67-919E-4D59-8CCF-34FEEFE7FDFA}" dt="2022-01-17T16:50:47.371" v="11823" actId="14100"/>
+      <pc:sldChg chg="modSp add mod ord">
+        <pc:chgData name="THOMY Philippe" userId="9df777e5-71f9-47e3-9421-f7a221646164" providerId="ADAL" clId="{8CEBCC67-919E-4D59-8CCF-34FEEFE7FDFA}" dt="2022-01-20T09:33:11.009" v="13182" actId="20577"/>
         <pc:sldMkLst>
           <pc:docMk/>
           <pc:sldMk cId="1779732772" sldId="660"/>
         </pc:sldMkLst>
+        <pc:spChg chg="mod">
+          <ac:chgData name="THOMY Philippe" userId="9df777e5-71f9-47e3-9421-f7a221646164" providerId="ADAL" clId="{8CEBCC67-919E-4D59-8CCF-34FEEFE7FDFA}" dt="2022-01-20T09:33:11.009" v="13182" actId="20577"/>
+          <ac:spMkLst>
+            <pc:docMk/>
+            <pc:sldMk cId="1779732772" sldId="660"/>
+            <ac:spMk id="2" creationId="{13FE6080-3BF6-4325-8A88-D4284622C441}"/>
+          </ac:spMkLst>
+        </pc:spChg>
         <pc:spChg chg="mod">
           <ac:chgData name="THOMY Philippe" userId="9df777e5-71f9-47e3-9421-f7a221646164" providerId="ADAL" clId="{8CEBCC67-919E-4D59-8CCF-34FEEFE7FDFA}" dt="2022-01-17T16:50:20.981" v="11815" actId="403"/>
           <ac:spMkLst>
@@ -3016,6 +3025,477 @@
           </ac:picMkLst>
         </pc:picChg>
       </pc:sldChg>
+      <pc:sldChg chg="addSp delSp modSp add mod">
+        <pc:chgData name="THOMY Philippe" userId="9df777e5-71f9-47e3-9421-f7a221646164" providerId="ADAL" clId="{8CEBCC67-919E-4D59-8CCF-34FEEFE7FDFA}" dt="2022-01-20T09:35:17.925" v="13204" actId="1038"/>
+        <pc:sldMkLst>
+          <pc:docMk/>
+          <pc:sldMk cId="1772287133" sldId="663"/>
+        </pc:sldMkLst>
+        <pc:spChg chg="mod">
+          <ac:chgData name="THOMY Philippe" userId="9df777e5-71f9-47e3-9421-f7a221646164" providerId="ADAL" clId="{8CEBCC67-919E-4D59-8CCF-34FEEFE7FDFA}" dt="2022-01-20T09:05:06.693" v="11926" actId="20577"/>
+          <ac:spMkLst>
+            <pc:docMk/>
+            <pc:sldMk cId="1772287133" sldId="663"/>
+            <ac:spMk id="2" creationId="{13FE6080-3BF6-4325-8A88-D4284622C441}"/>
+          </ac:spMkLst>
+        </pc:spChg>
+        <pc:spChg chg="mod">
+          <ac:chgData name="THOMY Philippe" userId="9df777e5-71f9-47e3-9421-f7a221646164" providerId="ADAL" clId="{8CEBCC67-919E-4D59-8CCF-34FEEFE7FDFA}" dt="2022-01-20T09:28:23.956" v="13082" actId="6549"/>
+          <ac:spMkLst>
+            <pc:docMk/>
+            <pc:sldMk cId="1772287133" sldId="663"/>
+            <ac:spMk id="3" creationId="{A66C6D5E-300E-44DE-B323-0D31F952DDC2}"/>
+          </ac:spMkLst>
+        </pc:spChg>
+        <pc:spChg chg="add mod">
+          <ac:chgData name="THOMY Philippe" userId="9df777e5-71f9-47e3-9421-f7a221646164" providerId="ADAL" clId="{8CEBCC67-919E-4D59-8CCF-34FEEFE7FDFA}" dt="2022-01-20T09:35:11.440" v="13202" actId="12788"/>
+          <ac:spMkLst>
+            <pc:docMk/>
+            <pc:sldMk cId="1772287133" sldId="663"/>
+            <ac:spMk id="10" creationId="{3EC5E7A8-97B3-4623-93A3-74798D5D70B5}"/>
+          </ac:spMkLst>
+        </pc:spChg>
+        <pc:spChg chg="add mod">
+          <ac:chgData name="THOMY Philippe" userId="9df777e5-71f9-47e3-9421-f7a221646164" providerId="ADAL" clId="{8CEBCC67-919E-4D59-8CCF-34FEEFE7FDFA}" dt="2022-01-20T09:35:11.440" v="13202" actId="12788"/>
+          <ac:spMkLst>
+            <pc:docMk/>
+            <pc:sldMk cId="1772287133" sldId="663"/>
+            <ac:spMk id="55" creationId="{45082502-2ED8-4C7F-8FD1-72A5F462C9E1}"/>
+          </ac:spMkLst>
+        </pc:spChg>
+        <pc:spChg chg="add mod">
+          <ac:chgData name="THOMY Philippe" userId="9df777e5-71f9-47e3-9421-f7a221646164" providerId="ADAL" clId="{8CEBCC67-919E-4D59-8CCF-34FEEFE7FDFA}" dt="2022-01-20T09:24:53.123" v="12977" actId="1076"/>
+          <ac:spMkLst>
+            <pc:docMk/>
+            <pc:sldMk cId="1772287133" sldId="663"/>
+            <ac:spMk id="56" creationId="{B2374D23-F076-4272-94EC-8E705805BCC6}"/>
+          </ac:spMkLst>
+        </pc:spChg>
+        <pc:spChg chg="add mod">
+          <ac:chgData name="THOMY Philippe" userId="9df777e5-71f9-47e3-9421-f7a221646164" providerId="ADAL" clId="{8CEBCC67-919E-4D59-8CCF-34FEEFE7FDFA}" dt="2022-01-20T09:35:17.925" v="13204" actId="1038"/>
+          <ac:spMkLst>
+            <pc:docMk/>
+            <pc:sldMk cId="1772287133" sldId="663"/>
+            <ac:spMk id="57" creationId="{20768692-B606-4AE3-8D39-3685E25B26AD}"/>
+          </ac:spMkLst>
+        </pc:spChg>
+        <pc:spChg chg="add mod">
+          <ac:chgData name="THOMY Philippe" userId="9df777e5-71f9-47e3-9421-f7a221646164" providerId="ADAL" clId="{8CEBCC67-919E-4D59-8CCF-34FEEFE7FDFA}" dt="2022-01-20T09:35:11.440" v="13202" actId="12788"/>
+          <ac:spMkLst>
+            <pc:docMk/>
+            <pc:sldMk cId="1772287133" sldId="663"/>
+            <ac:spMk id="58" creationId="{BBD5EC5C-9A96-41A1-8195-201D108206F4}"/>
+          </ac:spMkLst>
+        </pc:spChg>
+        <pc:spChg chg="add mod">
+          <ac:chgData name="THOMY Philippe" userId="9df777e5-71f9-47e3-9421-f7a221646164" providerId="ADAL" clId="{8CEBCC67-919E-4D59-8CCF-34FEEFE7FDFA}" dt="2022-01-20T09:35:11.440" v="13202" actId="12788"/>
+          <ac:spMkLst>
+            <pc:docMk/>
+            <pc:sldMk cId="1772287133" sldId="663"/>
+            <ac:spMk id="59" creationId="{ACFDA339-2643-426E-AD8D-A24ADF69EDD4}"/>
+          </ac:spMkLst>
+        </pc:spChg>
+        <pc:spChg chg="del">
+          <ac:chgData name="THOMY Philippe" userId="9df777e5-71f9-47e3-9421-f7a221646164" providerId="ADAL" clId="{8CEBCC67-919E-4D59-8CCF-34FEEFE7FDFA}" dt="2022-01-20T09:17:40.726" v="12857" actId="478"/>
+          <ac:spMkLst>
+            <pc:docMk/>
+            <pc:sldMk cId="1772287133" sldId="663"/>
+            <ac:spMk id="71" creationId="{296BEECB-B6BF-428F-A18E-FA5125BBD587}"/>
+          </ac:spMkLst>
+        </pc:spChg>
+        <pc:spChg chg="del">
+          <ac:chgData name="THOMY Philippe" userId="9df777e5-71f9-47e3-9421-f7a221646164" providerId="ADAL" clId="{8CEBCC67-919E-4D59-8CCF-34FEEFE7FDFA}" dt="2022-01-20T09:10:32.732" v="12404" actId="478"/>
+          <ac:spMkLst>
+            <pc:docMk/>
+            <pc:sldMk cId="1772287133" sldId="663"/>
+            <ac:spMk id="72" creationId="{B380184F-44D2-4FA0-93CD-300C23F9F9DC}"/>
+          </ac:spMkLst>
+        </pc:spChg>
+        <pc:spChg chg="add del mod">
+          <ac:chgData name="THOMY Philippe" userId="9df777e5-71f9-47e3-9421-f7a221646164" providerId="ADAL" clId="{8CEBCC67-919E-4D59-8CCF-34FEEFE7FDFA}" dt="2022-01-20T09:22:07.077" v="12939" actId="478"/>
+          <ac:spMkLst>
+            <pc:docMk/>
+            <pc:sldMk cId="1772287133" sldId="663"/>
+            <ac:spMk id="73" creationId="{31E57AF2-A036-4B85-8CFD-3ADE2BF6313A}"/>
+          </ac:spMkLst>
+        </pc:spChg>
+        <pc:spChg chg="add del mod">
+          <ac:chgData name="THOMY Philippe" userId="9df777e5-71f9-47e3-9421-f7a221646164" providerId="ADAL" clId="{8CEBCC67-919E-4D59-8CCF-34FEEFE7FDFA}" dt="2022-01-20T09:22:07.077" v="12939" actId="478"/>
+          <ac:spMkLst>
+            <pc:docMk/>
+            <pc:sldMk cId="1772287133" sldId="663"/>
+            <ac:spMk id="77" creationId="{BA84DBB9-1DF5-46C9-86A0-4235960121A5}"/>
+          </ac:spMkLst>
+        </pc:spChg>
+        <pc:spChg chg="add del mod">
+          <ac:chgData name="THOMY Philippe" userId="9df777e5-71f9-47e3-9421-f7a221646164" providerId="ADAL" clId="{8CEBCC67-919E-4D59-8CCF-34FEEFE7FDFA}" dt="2022-01-20T09:22:07.077" v="12939" actId="478"/>
+          <ac:spMkLst>
+            <pc:docMk/>
+            <pc:sldMk cId="1772287133" sldId="663"/>
+            <ac:spMk id="78" creationId="{454ABC90-6A21-405E-99FF-C9E1A4249D02}"/>
+          </ac:spMkLst>
+        </pc:spChg>
+        <pc:spChg chg="add del mod">
+          <ac:chgData name="THOMY Philippe" userId="9df777e5-71f9-47e3-9421-f7a221646164" providerId="ADAL" clId="{8CEBCC67-919E-4D59-8CCF-34FEEFE7FDFA}" dt="2022-01-20T09:22:07.077" v="12939" actId="478"/>
+          <ac:spMkLst>
+            <pc:docMk/>
+            <pc:sldMk cId="1772287133" sldId="663"/>
+            <ac:spMk id="81" creationId="{26DD714D-AC0A-476B-A60F-FE57CE05E2F1}"/>
+          </ac:spMkLst>
+        </pc:spChg>
+        <pc:spChg chg="add del mod">
+          <ac:chgData name="THOMY Philippe" userId="9df777e5-71f9-47e3-9421-f7a221646164" providerId="ADAL" clId="{8CEBCC67-919E-4D59-8CCF-34FEEFE7FDFA}" dt="2022-01-20T09:22:07.077" v="12939" actId="478"/>
+          <ac:spMkLst>
+            <pc:docMk/>
+            <pc:sldMk cId="1772287133" sldId="663"/>
+            <ac:spMk id="82" creationId="{035DE633-FFC9-48C6-9B7F-0DD10A5C6500}"/>
+          </ac:spMkLst>
+        </pc:spChg>
+        <pc:spChg chg="add mod">
+          <ac:chgData name="THOMY Philippe" userId="9df777e5-71f9-47e3-9421-f7a221646164" providerId="ADAL" clId="{8CEBCC67-919E-4D59-8CCF-34FEEFE7FDFA}" dt="2022-01-20T09:35:11.440" v="13202" actId="12788"/>
+          <ac:spMkLst>
+            <pc:docMk/>
+            <pc:sldMk cId="1772287133" sldId="663"/>
+            <ac:spMk id="90" creationId="{9ABA0543-AFBA-42E4-A08E-8FB35BEA6D1F}"/>
+          </ac:spMkLst>
+        </pc:spChg>
+        <pc:spChg chg="del">
+          <ac:chgData name="THOMY Philippe" userId="9df777e5-71f9-47e3-9421-f7a221646164" providerId="ADAL" clId="{8CEBCC67-919E-4D59-8CCF-34FEEFE7FDFA}" dt="2022-01-20T09:10:32.732" v="12404" actId="478"/>
+          <ac:spMkLst>
+            <pc:docMk/>
+            <pc:sldMk cId="1772287133" sldId="663"/>
+            <ac:spMk id="93" creationId="{C56FAA65-10B6-4751-BBB6-74991B7DF2DD}"/>
+          </ac:spMkLst>
+        </pc:spChg>
+        <pc:spChg chg="add mod">
+          <ac:chgData name="THOMY Philippe" userId="9df777e5-71f9-47e3-9421-f7a221646164" providerId="ADAL" clId="{8CEBCC67-919E-4D59-8CCF-34FEEFE7FDFA}" dt="2022-01-20T09:35:11.440" v="13202" actId="12788"/>
+          <ac:spMkLst>
+            <pc:docMk/>
+            <pc:sldMk cId="1772287133" sldId="663"/>
+            <ac:spMk id="95" creationId="{E591AA33-4947-4A84-8035-D81CC6F7BDC4}"/>
+          </ac:spMkLst>
+        </pc:spChg>
+        <pc:spChg chg="add mod">
+          <ac:chgData name="THOMY Philippe" userId="9df777e5-71f9-47e3-9421-f7a221646164" providerId="ADAL" clId="{8CEBCC67-919E-4D59-8CCF-34FEEFE7FDFA}" dt="2022-01-20T09:35:11.440" v="13202" actId="12788"/>
+          <ac:spMkLst>
+            <pc:docMk/>
+            <pc:sldMk cId="1772287133" sldId="663"/>
+            <ac:spMk id="96" creationId="{E3741B73-F5AF-4B8C-B827-F732DBF8AD93}"/>
+          </ac:spMkLst>
+        </pc:spChg>
+        <pc:spChg chg="add mod">
+          <ac:chgData name="THOMY Philippe" userId="9df777e5-71f9-47e3-9421-f7a221646164" providerId="ADAL" clId="{8CEBCC67-919E-4D59-8CCF-34FEEFE7FDFA}" dt="2022-01-20T09:35:11.440" v="13202" actId="12788"/>
+          <ac:spMkLst>
+            <pc:docMk/>
+            <pc:sldMk cId="1772287133" sldId="663"/>
+            <ac:spMk id="97" creationId="{234FCD7F-179C-46B5-85E6-2D8638BBD398}"/>
+          </ac:spMkLst>
+        </pc:spChg>
+        <pc:spChg chg="del">
+          <ac:chgData name="THOMY Philippe" userId="9df777e5-71f9-47e3-9421-f7a221646164" providerId="ADAL" clId="{8CEBCC67-919E-4D59-8CCF-34FEEFE7FDFA}" dt="2022-01-20T09:10:32.732" v="12404" actId="478"/>
+          <ac:spMkLst>
+            <pc:docMk/>
+            <pc:sldMk cId="1772287133" sldId="663"/>
+            <ac:spMk id="98" creationId="{804FEDFA-985A-40A3-BD23-D1D2001822E6}"/>
+          </ac:spMkLst>
+        </pc:spChg>
+        <pc:spChg chg="del">
+          <ac:chgData name="THOMY Philippe" userId="9df777e5-71f9-47e3-9421-f7a221646164" providerId="ADAL" clId="{8CEBCC67-919E-4D59-8CCF-34FEEFE7FDFA}" dt="2022-01-20T09:10:32.732" v="12404" actId="478"/>
+          <ac:spMkLst>
+            <pc:docMk/>
+            <pc:sldMk cId="1772287133" sldId="663"/>
+            <ac:spMk id="100" creationId="{17CBA071-669E-4691-8A37-2864FCB4B326}"/>
+          </ac:spMkLst>
+        </pc:spChg>
+        <pc:spChg chg="mod">
+          <ac:chgData name="THOMY Philippe" userId="9df777e5-71f9-47e3-9421-f7a221646164" providerId="ADAL" clId="{8CEBCC67-919E-4D59-8CCF-34FEEFE7FDFA}" dt="2022-01-20T09:30:38.261" v="13159" actId="1076"/>
+          <ac:spMkLst>
+            <pc:docMk/>
+            <pc:sldMk cId="1772287133" sldId="663"/>
+            <ac:spMk id="101" creationId="{F35427DE-FDED-4FE9-9381-D6DF66797498}"/>
+          </ac:spMkLst>
+        </pc:spChg>
+        <pc:spChg chg="del">
+          <ac:chgData name="THOMY Philippe" userId="9df777e5-71f9-47e3-9421-f7a221646164" providerId="ADAL" clId="{8CEBCC67-919E-4D59-8CCF-34FEEFE7FDFA}" dt="2022-01-20T09:28:45.680" v="13083" actId="478"/>
+          <ac:spMkLst>
+            <pc:docMk/>
+            <pc:sldMk cId="1772287133" sldId="663"/>
+            <ac:spMk id="109" creationId="{1BB7C1E8-3D9F-448B-A791-09674B1696AF}"/>
+          </ac:spMkLst>
+        </pc:spChg>
+        <pc:spChg chg="del">
+          <ac:chgData name="THOMY Philippe" userId="9df777e5-71f9-47e3-9421-f7a221646164" providerId="ADAL" clId="{8CEBCC67-919E-4D59-8CCF-34FEEFE7FDFA}" dt="2022-01-20T09:28:45.680" v="13083" actId="478"/>
+          <ac:spMkLst>
+            <pc:docMk/>
+            <pc:sldMk cId="1772287133" sldId="663"/>
+            <ac:spMk id="111" creationId="{629AC479-F6C3-441E-A7C6-2907B75ECDE2}"/>
+          </ac:spMkLst>
+        </pc:spChg>
+        <pc:spChg chg="del">
+          <ac:chgData name="THOMY Philippe" userId="9df777e5-71f9-47e3-9421-f7a221646164" providerId="ADAL" clId="{8CEBCC67-919E-4D59-8CCF-34FEEFE7FDFA}" dt="2022-01-20T09:28:45.680" v="13083" actId="478"/>
+          <ac:spMkLst>
+            <pc:docMk/>
+            <pc:sldMk cId="1772287133" sldId="663"/>
+            <ac:spMk id="115" creationId="{5526422A-80F5-4548-9E69-6CFF2869B950}"/>
+          </ac:spMkLst>
+        </pc:spChg>
+        <pc:spChg chg="del">
+          <ac:chgData name="THOMY Philippe" userId="9df777e5-71f9-47e3-9421-f7a221646164" providerId="ADAL" clId="{8CEBCC67-919E-4D59-8CCF-34FEEFE7FDFA}" dt="2022-01-20T09:28:45.680" v="13083" actId="478"/>
+          <ac:spMkLst>
+            <pc:docMk/>
+            <pc:sldMk cId="1772287133" sldId="663"/>
+            <ac:spMk id="116" creationId="{8B68E2C0-263E-467B-BA05-875C11C5D337}"/>
+          </ac:spMkLst>
+        </pc:spChg>
+        <pc:spChg chg="mod">
+          <ac:chgData name="THOMY Philippe" userId="9df777e5-71f9-47e3-9421-f7a221646164" providerId="ADAL" clId="{8CEBCC67-919E-4D59-8CCF-34FEEFE7FDFA}" dt="2022-01-20T09:16:15.348" v="12802" actId="14100"/>
+          <ac:spMkLst>
+            <pc:docMk/>
+            <pc:sldMk cId="1772287133" sldId="663"/>
+            <ac:spMk id="122" creationId="{744F38EA-BD58-4FA9-9CDD-D1E63509B44E}"/>
+          </ac:spMkLst>
+        </pc:spChg>
+        <pc:spChg chg="del">
+          <ac:chgData name="THOMY Philippe" userId="9df777e5-71f9-47e3-9421-f7a221646164" providerId="ADAL" clId="{8CEBCC67-919E-4D59-8CCF-34FEEFE7FDFA}" dt="2022-01-20T09:10:32.732" v="12404" actId="478"/>
+          <ac:spMkLst>
+            <pc:docMk/>
+            <pc:sldMk cId="1772287133" sldId="663"/>
+            <ac:spMk id="123" creationId="{41F4FD3C-9E8B-43A5-826C-45944BFE104B}"/>
+          </ac:spMkLst>
+        </pc:spChg>
+        <pc:spChg chg="mod">
+          <ac:chgData name="THOMY Philippe" userId="9df777e5-71f9-47e3-9421-f7a221646164" providerId="ADAL" clId="{8CEBCC67-919E-4D59-8CCF-34FEEFE7FDFA}" dt="2022-01-20T09:30:33.732" v="13158" actId="14100"/>
+          <ac:spMkLst>
+            <pc:docMk/>
+            <pc:sldMk cId="1772287133" sldId="663"/>
+            <ac:spMk id="124" creationId="{EBF98A3F-A2AD-4685-AFE9-61E5B3406735}"/>
+          </ac:spMkLst>
+        </pc:spChg>
+        <pc:spChg chg="add mod">
+          <ac:chgData name="THOMY Philippe" userId="9df777e5-71f9-47e3-9421-f7a221646164" providerId="ADAL" clId="{8CEBCC67-919E-4D59-8CCF-34FEEFE7FDFA}" dt="2022-01-20T09:35:11.440" v="13202" actId="12788"/>
+          <ac:spMkLst>
+            <pc:docMk/>
+            <pc:sldMk cId="1772287133" sldId="663"/>
+            <ac:spMk id="125" creationId="{747E0223-17BE-4A19-9F47-13B14BB9BE91}"/>
+          </ac:spMkLst>
+        </pc:spChg>
+        <pc:spChg chg="add mod">
+          <ac:chgData name="THOMY Philippe" userId="9df777e5-71f9-47e3-9421-f7a221646164" providerId="ADAL" clId="{8CEBCC67-919E-4D59-8CCF-34FEEFE7FDFA}" dt="2022-01-20T09:35:11.440" v="13202" actId="12788"/>
+          <ac:spMkLst>
+            <pc:docMk/>
+            <pc:sldMk cId="1772287133" sldId="663"/>
+            <ac:spMk id="126" creationId="{C888F139-C34E-4DAF-A2C5-D0D2A054C0C2}"/>
+          </ac:spMkLst>
+        </pc:spChg>
+        <pc:spChg chg="add mod">
+          <ac:chgData name="THOMY Philippe" userId="9df777e5-71f9-47e3-9421-f7a221646164" providerId="ADAL" clId="{8CEBCC67-919E-4D59-8CCF-34FEEFE7FDFA}" dt="2022-01-20T09:35:11.440" v="13202" actId="12788"/>
+          <ac:spMkLst>
+            <pc:docMk/>
+            <pc:sldMk cId="1772287133" sldId="663"/>
+            <ac:spMk id="127" creationId="{27DEB356-A859-4719-A2A4-78EB4CD91E9E}"/>
+          </ac:spMkLst>
+        </pc:spChg>
+        <pc:spChg chg="add mod">
+          <ac:chgData name="THOMY Philippe" userId="9df777e5-71f9-47e3-9421-f7a221646164" providerId="ADAL" clId="{8CEBCC67-919E-4D59-8CCF-34FEEFE7FDFA}" dt="2022-01-20T09:35:11.440" v="13202" actId="12788"/>
+          <ac:spMkLst>
+            <pc:docMk/>
+            <pc:sldMk cId="1772287133" sldId="663"/>
+            <ac:spMk id="128" creationId="{3EF3A6FF-BBC6-41B9-8CE1-0B991A3B3520}"/>
+          </ac:spMkLst>
+        </pc:spChg>
+        <pc:grpChg chg="del">
+          <ac:chgData name="THOMY Philippe" userId="9df777e5-71f9-47e3-9421-f7a221646164" providerId="ADAL" clId="{8CEBCC67-919E-4D59-8CCF-34FEEFE7FDFA}" dt="2022-01-20T09:17:40.726" v="12857" actId="478"/>
+          <ac:grpSpMkLst>
+            <pc:docMk/>
+            <pc:sldMk cId="1772287133" sldId="663"/>
+            <ac:grpSpMk id="6" creationId="{F50EE740-9DCF-46C5-BB5B-49110E62D47F}"/>
+          </ac:grpSpMkLst>
+        </pc:grpChg>
+        <pc:grpChg chg="del">
+          <ac:chgData name="THOMY Philippe" userId="9df777e5-71f9-47e3-9421-f7a221646164" providerId="ADAL" clId="{8CEBCC67-919E-4D59-8CCF-34FEEFE7FDFA}" dt="2022-01-20T09:17:40.726" v="12857" actId="478"/>
+          <ac:grpSpMkLst>
+            <pc:docMk/>
+            <pc:sldMk cId="1772287133" sldId="663"/>
+            <ac:grpSpMk id="16" creationId="{19B8DEED-7B0D-44A6-8825-67A1F03BB3AA}"/>
+          </ac:grpSpMkLst>
+        </pc:grpChg>
+        <pc:grpChg chg="del">
+          <ac:chgData name="THOMY Philippe" userId="9df777e5-71f9-47e3-9421-f7a221646164" providerId="ADAL" clId="{8CEBCC67-919E-4D59-8CCF-34FEEFE7FDFA}" dt="2022-01-20T09:10:32.732" v="12404" actId="478"/>
+          <ac:grpSpMkLst>
+            <pc:docMk/>
+            <pc:sldMk cId="1772287133" sldId="663"/>
+            <ac:grpSpMk id="17" creationId="{006BC4D4-AD41-488C-A317-2C5A26F8EA96}"/>
+          </ac:grpSpMkLst>
+        </pc:grpChg>
+        <pc:grpChg chg="del">
+          <ac:chgData name="THOMY Philippe" userId="9df777e5-71f9-47e3-9421-f7a221646164" providerId="ADAL" clId="{8CEBCC67-919E-4D59-8CCF-34FEEFE7FDFA}" dt="2022-01-20T09:10:32.732" v="12404" actId="478"/>
+          <ac:grpSpMkLst>
+            <pc:docMk/>
+            <pc:sldMk cId="1772287133" sldId="663"/>
+            <ac:grpSpMk id="32" creationId="{8844D80A-8DDE-4079-BD19-466ACE7F9657}"/>
+          </ac:grpSpMkLst>
+        </pc:grpChg>
+        <pc:grpChg chg="del">
+          <ac:chgData name="THOMY Philippe" userId="9df777e5-71f9-47e3-9421-f7a221646164" providerId="ADAL" clId="{8CEBCC67-919E-4D59-8CCF-34FEEFE7FDFA}" dt="2022-01-20T09:10:32.732" v="12404" actId="478"/>
+          <ac:grpSpMkLst>
+            <pc:docMk/>
+            <pc:sldMk cId="1772287133" sldId="663"/>
+            <ac:grpSpMk id="88" creationId="{FD6CD210-B5A9-4326-BD79-EE294C149304}"/>
+          </ac:grpSpMkLst>
+        </pc:grpChg>
+        <pc:grpChg chg="del">
+          <ac:chgData name="THOMY Philippe" userId="9df777e5-71f9-47e3-9421-f7a221646164" providerId="ADAL" clId="{8CEBCC67-919E-4D59-8CCF-34FEEFE7FDFA}" dt="2022-01-20T09:28:45.680" v="13083" actId="478"/>
+          <ac:grpSpMkLst>
+            <pc:docMk/>
+            <pc:sldMk cId="1772287133" sldId="663"/>
+            <ac:grpSpMk id="102" creationId="{BF56890A-D264-4A36-BA49-13C8D2C51BEE}"/>
+          </ac:grpSpMkLst>
+        </pc:grpChg>
+        <pc:grpChg chg="del">
+          <ac:chgData name="THOMY Philippe" userId="9df777e5-71f9-47e3-9421-f7a221646164" providerId="ADAL" clId="{8CEBCC67-919E-4D59-8CCF-34FEEFE7FDFA}" dt="2022-01-20T09:28:45.680" v="13083" actId="478"/>
+          <ac:grpSpMkLst>
+            <pc:docMk/>
+            <pc:sldMk cId="1772287133" sldId="663"/>
+            <ac:grpSpMk id="106" creationId="{8E4EDFBF-7CDD-4298-A04E-2522C3362CA9}"/>
+          </ac:grpSpMkLst>
+        </pc:grpChg>
+        <pc:grpChg chg="del">
+          <ac:chgData name="THOMY Philippe" userId="9df777e5-71f9-47e3-9421-f7a221646164" providerId="ADAL" clId="{8CEBCC67-919E-4D59-8CCF-34FEEFE7FDFA}" dt="2022-01-20T09:28:45.680" v="13083" actId="478"/>
+          <ac:grpSpMkLst>
+            <pc:docMk/>
+            <pc:sldMk cId="1772287133" sldId="663"/>
+            <ac:grpSpMk id="112" creationId="{ECD0E52A-19AC-4879-AB27-7BACFC2BF127}"/>
+          </ac:grpSpMkLst>
+        </pc:grpChg>
+        <pc:grpChg chg="del">
+          <ac:chgData name="THOMY Philippe" userId="9df777e5-71f9-47e3-9421-f7a221646164" providerId="ADAL" clId="{8CEBCC67-919E-4D59-8CCF-34FEEFE7FDFA}" dt="2022-01-20T09:28:45.680" v="13083" actId="478"/>
+          <ac:grpSpMkLst>
+            <pc:docMk/>
+            <pc:sldMk cId="1772287133" sldId="663"/>
+            <ac:grpSpMk id="117" creationId="{A2D444B1-8DFF-4000-9273-F0F5CC2FBC5C}"/>
+          </ac:grpSpMkLst>
+        </pc:grpChg>
+        <pc:graphicFrameChg chg="add mod modGraphic">
+          <ac:chgData name="THOMY Philippe" userId="9df777e5-71f9-47e3-9421-f7a221646164" providerId="ADAL" clId="{8CEBCC67-919E-4D59-8CCF-34FEEFE7FDFA}" dt="2022-01-20T09:35:11.440" v="13202" actId="12788"/>
+          <ac:graphicFrameMkLst>
+            <pc:docMk/>
+            <pc:sldMk cId="1772287133" sldId="663"/>
+            <ac:graphicFrameMk id="89" creationId="{FBEDEF14-22D5-4403-B63C-DB5A22A3FBAC}"/>
+          </ac:graphicFrameMkLst>
+        </pc:graphicFrameChg>
+        <pc:cxnChg chg="add mod">
+          <ac:chgData name="THOMY Philippe" userId="9df777e5-71f9-47e3-9421-f7a221646164" providerId="ADAL" clId="{8CEBCC67-919E-4D59-8CCF-34FEEFE7FDFA}" dt="2022-01-20T09:24:53.123" v="12977" actId="1076"/>
+          <ac:cxnSpMkLst>
+            <pc:docMk/>
+            <pc:sldMk cId="1772287133" sldId="663"/>
+            <ac:cxnSpMk id="60" creationId="{CFE6118C-1BB5-4934-A08D-BE06421B72B0}"/>
+          </ac:cxnSpMkLst>
+        </pc:cxnChg>
+        <pc:cxnChg chg="add del mod">
+          <ac:chgData name="THOMY Philippe" userId="9df777e5-71f9-47e3-9421-f7a221646164" providerId="ADAL" clId="{8CEBCC67-919E-4D59-8CCF-34FEEFE7FDFA}" dt="2022-01-20T09:20:28.059" v="12926" actId="478"/>
+          <ac:cxnSpMkLst>
+            <pc:docMk/>
+            <pc:sldMk cId="1772287133" sldId="663"/>
+            <ac:cxnSpMk id="65" creationId="{2ECAFEEA-4687-4FA4-AAFA-5D6CF99E1835}"/>
+          </ac:cxnSpMkLst>
+        </pc:cxnChg>
+        <pc:cxnChg chg="add mod">
+          <ac:chgData name="THOMY Philippe" userId="9df777e5-71f9-47e3-9421-f7a221646164" providerId="ADAL" clId="{8CEBCC67-919E-4D59-8CCF-34FEEFE7FDFA}" dt="2022-01-20T09:35:11.440" v="13202" actId="12788"/>
+          <ac:cxnSpMkLst>
+            <pc:docMk/>
+            <pc:sldMk cId="1772287133" sldId="663"/>
+            <ac:cxnSpMk id="66" creationId="{DD00C8DC-26CD-46FE-8C5E-C1D622C5E54F}"/>
+          </ac:cxnSpMkLst>
+        </pc:cxnChg>
+        <pc:cxnChg chg="add mod">
+          <ac:chgData name="THOMY Philippe" userId="9df777e5-71f9-47e3-9421-f7a221646164" providerId="ADAL" clId="{8CEBCC67-919E-4D59-8CCF-34FEEFE7FDFA}" dt="2022-01-20T09:24:53.123" v="12977" actId="1076"/>
+          <ac:cxnSpMkLst>
+            <pc:docMk/>
+            <pc:sldMk cId="1772287133" sldId="663"/>
+            <ac:cxnSpMk id="68" creationId="{0DF34F43-2A28-4BB0-93D9-F457640C860A}"/>
+          </ac:cxnSpMkLst>
+        </pc:cxnChg>
+        <pc:cxnChg chg="del">
+          <ac:chgData name="THOMY Philippe" userId="9df777e5-71f9-47e3-9421-f7a221646164" providerId="ADAL" clId="{8CEBCC67-919E-4D59-8CCF-34FEEFE7FDFA}" dt="2022-01-20T09:17:40.726" v="12857" actId="478"/>
+          <ac:cxnSpMkLst>
+            <pc:docMk/>
+            <pc:sldMk cId="1772287133" sldId="663"/>
+            <ac:cxnSpMk id="70" creationId="{32001134-3904-4923-BB13-93134F0053C5}"/>
+          </ac:cxnSpMkLst>
+        </pc:cxnChg>
+        <pc:cxnChg chg="add del mod">
+          <ac:chgData name="THOMY Philippe" userId="9df777e5-71f9-47e3-9421-f7a221646164" providerId="ADAL" clId="{8CEBCC67-919E-4D59-8CCF-34FEEFE7FDFA}" dt="2022-01-20T09:22:07.077" v="12939" actId="478"/>
+          <ac:cxnSpMkLst>
+            <pc:docMk/>
+            <pc:sldMk cId="1772287133" sldId="663"/>
+            <ac:cxnSpMk id="83" creationId="{6CD6B40F-65A3-4D9B-8524-3A4E67C58323}"/>
+          </ac:cxnSpMkLst>
+        </pc:cxnChg>
+        <pc:cxnChg chg="add del mod">
+          <ac:chgData name="THOMY Philippe" userId="9df777e5-71f9-47e3-9421-f7a221646164" providerId="ADAL" clId="{8CEBCC67-919E-4D59-8CCF-34FEEFE7FDFA}" dt="2022-01-20T09:22:07.077" v="12939" actId="478"/>
+          <ac:cxnSpMkLst>
+            <pc:docMk/>
+            <pc:sldMk cId="1772287133" sldId="663"/>
+            <ac:cxnSpMk id="84" creationId="{11244FE6-3152-4623-BCBD-A3734654F0F1}"/>
+          </ac:cxnSpMkLst>
+        </pc:cxnChg>
+        <pc:cxnChg chg="add del mod">
+          <ac:chgData name="THOMY Philippe" userId="9df777e5-71f9-47e3-9421-f7a221646164" providerId="ADAL" clId="{8CEBCC67-919E-4D59-8CCF-34FEEFE7FDFA}" dt="2022-01-20T09:22:07.077" v="12939" actId="478"/>
+          <ac:cxnSpMkLst>
+            <pc:docMk/>
+            <pc:sldMk cId="1772287133" sldId="663"/>
+            <ac:cxnSpMk id="85" creationId="{A6DD06B2-F584-4C74-A6FF-9EA995C9A695}"/>
+          </ac:cxnSpMkLst>
+        </pc:cxnChg>
+        <pc:cxnChg chg="add del mod">
+          <ac:chgData name="THOMY Philippe" userId="9df777e5-71f9-47e3-9421-f7a221646164" providerId="ADAL" clId="{8CEBCC67-919E-4D59-8CCF-34FEEFE7FDFA}" dt="2022-01-20T09:22:07.077" v="12939" actId="478"/>
+          <ac:cxnSpMkLst>
+            <pc:docMk/>
+            <pc:sldMk cId="1772287133" sldId="663"/>
+            <ac:cxnSpMk id="86" creationId="{5A39BCB2-BC5E-46B3-887B-872EE127D319}"/>
+          </ac:cxnSpMkLst>
+        </pc:cxnChg>
+        <pc:cxnChg chg="del">
+          <ac:chgData name="THOMY Philippe" userId="9df777e5-71f9-47e3-9421-f7a221646164" providerId="ADAL" clId="{8CEBCC67-919E-4D59-8CCF-34FEEFE7FDFA}" dt="2022-01-20T09:10:32.732" v="12404" actId="478"/>
+          <ac:cxnSpMkLst>
+            <pc:docMk/>
+            <pc:sldMk cId="1772287133" sldId="663"/>
+            <ac:cxnSpMk id="94" creationId="{C2021BF4-4353-49A2-982D-9DE9C4A485B7}"/>
+          </ac:cxnSpMkLst>
+        </pc:cxnChg>
+        <pc:cxnChg chg="del">
+          <ac:chgData name="THOMY Philippe" userId="9df777e5-71f9-47e3-9421-f7a221646164" providerId="ADAL" clId="{8CEBCC67-919E-4D59-8CCF-34FEEFE7FDFA}" dt="2022-01-20T09:10:32.732" v="12404" actId="478"/>
+          <ac:cxnSpMkLst>
+            <pc:docMk/>
+            <pc:sldMk cId="1772287133" sldId="663"/>
+            <ac:cxnSpMk id="99" creationId="{E97C1EB8-C334-4218-BA98-20ACE5297164}"/>
+          </ac:cxnSpMkLst>
+        </pc:cxnChg>
+        <pc:cxnChg chg="del">
+          <ac:chgData name="THOMY Philippe" userId="9df777e5-71f9-47e3-9421-f7a221646164" providerId="ADAL" clId="{8CEBCC67-919E-4D59-8CCF-34FEEFE7FDFA}" dt="2022-01-20T09:28:45.680" v="13083" actId="478"/>
+          <ac:cxnSpMkLst>
+            <pc:docMk/>
+            <pc:sldMk cId="1772287133" sldId="663"/>
+            <ac:cxnSpMk id="110" creationId="{2853BFF9-18CB-4FEB-ABAB-9F27358649B8}"/>
+          </ac:cxnSpMkLst>
+        </pc:cxnChg>
+        <pc:cxnChg chg="del">
+          <ac:chgData name="THOMY Philippe" userId="9df777e5-71f9-47e3-9421-f7a221646164" providerId="ADAL" clId="{8CEBCC67-919E-4D59-8CCF-34FEEFE7FDFA}" dt="2022-01-20T09:28:45.680" v="13083" actId="478"/>
+          <ac:cxnSpMkLst>
+            <pc:docMk/>
+            <pc:sldMk cId="1772287133" sldId="663"/>
+            <ac:cxnSpMk id="120" creationId="{50B9A8EB-012C-45CF-B930-85434B79E74B}"/>
+          </ac:cxnSpMkLst>
+        </pc:cxnChg>
+        <pc:cxnChg chg="del mod">
+          <ac:chgData name="THOMY Philippe" userId="9df777e5-71f9-47e3-9421-f7a221646164" providerId="ADAL" clId="{8CEBCC67-919E-4D59-8CCF-34FEEFE7FDFA}" dt="2022-01-20T09:28:45.680" v="13083" actId="478"/>
+          <ac:cxnSpMkLst>
+            <pc:docMk/>
+            <pc:sldMk cId="1772287133" sldId="663"/>
+            <ac:cxnSpMk id="121" creationId="{236E18EA-5CAE-4A1A-BE97-F182BF65A1D0}"/>
+          </ac:cxnSpMkLst>
+        </pc:cxnChg>
+      </pc:sldChg>
       <pc:sldMasterChg chg="delSldLayout">
         <pc:chgData name="THOMY Philippe" userId="9df777e5-71f9-47e3-9421-f7a221646164" providerId="ADAL" clId="{8CEBCC67-919E-4D59-8CCF-34FEEFE7FDFA}" dt="2022-01-17T15:04:44.253" v="11299" actId="2696"/>
         <pc:sldMasterMkLst>
@@ -3417,7 +3897,7 @@
             <a:fld id="{B61BEF0D-F0BB-DE4B-95CE-6DB70DBA9567}" type="datetimeFigureOut">
               <a:rPr lang="en-US" dirty="0"/>
               <a:pPr/>
-              <a:t>1/17/2022</a:t>
+              <a:t>1/20/2022</a:t>
             </a:fld>
             <a:endParaRPr lang="en-US" dirty="0"/>
           </a:p>
@@ -3752,7 +4232,7 @@
             <a:fld id="{B61BEF0D-F0BB-DE4B-95CE-6DB70DBA9567}" type="datetimeFigureOut">
               <a:rPr lang="en-US" dirty="0"/>
               <a:pPr/>
-              <a:t>1/17/2022</a:t>
+              <a:t>1/20/2022</a:t>
             </a:fld>
             <a:endParaRPr lang="en-US" dirty="0"/>
           </a:p>
@@ -4150,7 +4630,7 @@
             <a:fld id="{B61BEF0D-F0BB-DE4B-95CE-6DB70DBA9567}" type="datetimeFigureOut">
               <a:rPr lang="en-US" dirty="0"/>
               <a:pPr/>
-              <a:t>1/17/2022</a:t>
+              <a:t>1/20/2022</a:t>
             </a:fld>
             <a:endParaRPr lang="en-US" dirty="0"/>
           </a:p>
@@ -4483,7 +4963,7 @@
             <a:fld id="{B61BEF0D-F0BB-DE4B-95CE-6DB70DBA9567}" type="datetimeFigureOut">
               <a:rPr lang="en-US" dirty="0"/>
               <a:pPr/>
-              <a:t>1/17/2022</a:t>
+              <a:t>1/20/2022</a:t>
             </a:fld>
             <a:endParaRPr lang="en-US" dirty="0"/>
           </a:p>
@@ -4800,7 +5280,7 @@
             <a:fld id="{B61BEF0D-F0BB-DE4B-95CE-6DB70DBA9567}" type="datetimeFigureOut">
               <a:rPr lang="en-US" dirty="0"/>
               <a:pPr/>
-              <a:t>1/17/2022</a:t>
+              <a:t>1/20/2022</a:t>
             </a:fld>
             <a:endParaRPr lang="en-US" dirty="0"/>
           </a:p>
@@ -5193,7 +5673,7 @@
             <a:fld id="{B61BEF0D-F0BB-DE4B-95CE-6DB70DBA9567}" type="datetimeFigureOut">
               <a:rPr lang="en-US" dirty="0"/>
               <a:pPr/>
-              <a:t>1/17/2022</a:t>
+              <a:t>1/20/2022</a:t>
             </a:fld>
             <a:endParaRPr lang="en-US" dirty="0"/>
           </a:p>
@@ -5447,7 +5927,7 @@
             <a:fld id="{B61BEF0D-F0BB-DE4B-95CE-6DB70DBA9567}" type="datetimeFigureOut">
               <a:rPr lang="en-US" dirty="0"/>
               <a:pPr/>
-              <a:t>1/17/2022</a:t>
+              <a:t>1/20/2022</a:t>
             </a:fld>
             <a:endParaRPr lang="en-US" dirty="0"/>
           </a:p>
@@ -5706,7 +6186,7 @@
             <a:fld id="{B61BEF0D-F0BB-DE4B-95CE-6DB70DBA9567}" type="datetimeFigureOut">
               <a:rPr lang="en-US" dirty="0"/>
               <a:pPr/>
-              <a:t>1/17/2022</a:t>
+              <a:t>1/20/2022</a:t>
             </a:fld>
             <a:endParaRPr lang="en-US" dirty="0"/>
           </a:p>
@@ -6124,7 +6604,7 @@
             <a:fld id="{B61BEF0D-F0BB-DE4B-95CE-6DB70DBA9567}" type="datetimeFigureOut">
               <a:rPr lang="en-US" dirty="0"/>
               <a:pPr/>
-              <a:t>1/17/2022</a:t>
+              <a:t>1/20/2022</a:t>
             </a:fld>
             <a:endParaRPr lang="en-US" dirty="0"/>
           </a:p>
@@ -6556,7 +7036,7 @@
             <a:fld id="{B61BEF0D-F0BB-DE4B-95CE-6DB70DBA9567}" type="datetimeFigureOut">
               <a:rPr lang="en-US" dirty="0"/>
               <a:pPr/>
-              <a:t>1/17/2022</a:t>
+              <a:t>1/20/2022</a:t>
             </a:fld>
             <a:endParaRPr lang="en-US" dirty="0"/>
           </a:p>
@@ -6876,7 +7356,7 @@
             <a:fld id="{B61BEF0D-F0BB-DE4B-95CE-6DB70DBA9567}" type="datetimeFigureOut">
               <a:rPr lang="en-US" dirty="0"/>
               <a:pPr/>
-              <a:t>1/17/2022</a:t>
+              <a:t>1/20/2022</a:t>
             </a:fld>
             <a:endParaRPr lang="en-US" dirty="0"/>
           </a:p>
@@ -7330,7 +7810,7 @@
             <a:fld id="{B61BEF0D-F0BB-DE4B-95CE-6DB70DBA9567}" type="datetimeFigureOut">
               <a:rPr lang="en-US" dirty="0"/>
               <a:pPr/>
-              <a:t>1/17/2022</a:t>
+              <a:t>1/20/2022</a:t>
             </a:fld>
             <a:endParaRPr lang="en-US" dirty="0"/>
           </a:p>
@@ -7532,7 +8012,7 @@
             <a:fld id="{B61BEF0D-F0BB-DE4B-95CE-6DB70DBA9567}" type="datetimeFigureOut">
               <a:rPr lang="en-US" dirty="0"/>
               <a:pPr/>
-              <a:t>1/17/2022</a:t>
+              <a:t>1/20/2022</a:t>
             </a:fld>
             <a:endParaRPr lang="en-US" dirty="0"/>
           </a:p>
@@ -7706,7 +8186,7 @@
             <a:fld id="{B61BEF0D-F0BB-DE4B-95CE-6DB70DBA9567}" type="datetimeFigureOut">
               <a:rPr lang="en-US" dirty="0"/>
               <a:pPr/>
-              <a:t>1/17/2022</a:t>
+              <a:t>1/20/2022</a:t>
             </a:fld>
             <a:endParaRPr lang="en-US" dirty="0"/>
           </a:p>
@@ -8036,7 +8516,7 @@
             <a:fld id="{B61BEF0D-F0BB-DE4B-95CE-6DB70DBA9567}" type="datetimeFigureOut">
               <a:rPr lang="en-US" dirty="0"/>
               <a:pPr/>
-              <a:t>1/17/2022</a:t>
+              <a:t>1/20/2022</a:t>
             </a:fld>
             <a:endParaRPr lang="en-US" dirty="0"/>
           </a:p>
@@ -8378,7 +8858,7 @@
             <a:fld id="{B61BEF0D-F0BB-DE4B-95CE-6DB70DBA9567}" type="datetimeFigureOut">
               <a:rPr lang="en-US" dirty="0"/>
               <a:pPr/>
-              <a:t>1/17/2022</a:t>
+              <a:t>1/20/2022</a:t>
             </a:fld>
             <a:endParaRPr lang="en-US" dirty="0"/>
           </a:p>
@@ -10492,7 +10972,7 @@
             <a:fld id="{B61BEF0D-F0BB-DE4B-95CE-6DB70DBA9567}" type="datetimeFigureOut">
               <a:rPr lang="en-US" dirty="0"/>
               <a:pPr/>
-              <a:t>1/17/2022</a:t>
+              <a:t>1/20/2022</a:t>
             </a:fld>
             <a:endParaRPr lang="en-US" dirty="0"/>
           </a:p>
@@ -11149,6 +11629,2045 @@
       </p:grpSpPr>
       <p:sp>
         <p:nvSpPr>
+          <p:cNvPr id="124" name="Rectangle : coins arrondis 123">
+            <a:extLst>
+              <a:ext uri="{FF2B5EF4-FFF2-40B4-BE49-F238E27FC236}">
+                <a16:creationId xmlns:a16="http://schemas.microsoft.com/office/drawing/2014/main" id="{EBF98A3F-A2AD-4685-AFE9-61E5B3406735}"/>
+              </a:ext>
+            </a:extLst>
+          </p:cNvPr>
+          <p:cNvSpPr/>
+          <p:nvPr/>
+        </p:nvSpPr>
+        <p:spPr>
+          <a:xfrm>
+            <a:off x="348792" y="4324827"/>
+            <a:ext cx="11637297" cy="2377631"/>
+          </a:xfrm>
+          <a:prstGeom prst="roundRect">
+            <a:avLst/>
+          </a:prstGeom>
+          <a:solidFill>
+            <a:schemeClr val="accent1">
+              <a:alpha val="20000"/>
+            </a:schemeClr>
+          </a:solidFill>
+          <a:ln>
+            <a:noFill/>
+          </a:ln>
+        </p:spPr>
+        <p:style>
+          <a:lnRef idx="2">
+            <a:schemeClr val="accent1">
+              <a:shade val="50000"/>
+            </a:schemeClr>
+          </a:lnRef>
+          <a:fillRef idx="1">
+            <a:schemeClr val="accent1"/>
+          </a:fillRef>
+          <a:effectRef idx="0">
+            <a:schemeClr val="accent1"/>
+          </a:effectRef>
+          <a:fontRef idx="minor">
+            <a:schemeClr val="lt1"/>
+          </a:fontRef>
+        </p:style>
+        <p:txBody>
+          <a:bodyPr rtlCol="0" anchor="ctr"/>
+          <a:lstStyle/>
+          <a:p>
+            <a:pPr algn="ctr"/>
+            <a:endParaRPr lang="fr-FR" sz="1270"/>
+          </a:p>
+        </p:txBody>
+      </p:sp>
+      <p:sp>
+        <p:nvSpPr>
+          <p:cNvPr id="122" name="Rectangle : coins arrondis 121">
+            <a:extLst>
+              <a:ext uri="{FF2B5EF4-FFF2-40B4-BE49-F238E27FC236}">
+                <a16:creationId xmlns:a16="http://schemas.microsoft.com/office/drawing/2014/main" id="{744F38EA-BD58-4FA9-9CDD-D1E63509B44E}"/>
+              </a:ext>
+            </a:extLst>
+          </p:cNvPr>
+          <p:cNvSpPr/>
+          <p:nvPr/>
+        </p:nvSpPr>
+        <p:spPr>
+          <a:xfrm>
+            <a:off x="348792" y="1058209"/>
+            <a:ext cx="11637297" cy="3036328"/>
+          </a:xfrm>
+          <a:prstGeom prst="roundRect">
+            <a:avLst/>
+          </a:prstGeom>
+          <a:solidFill>
+            <a:schemeClr val="accent1">
+              <a:alpha val="20000"/>
+            </a:schemeClr>
+          </a:solidFill>
+          <a:ln>
+            <a:noFill/>
+          </a:ln>
+        </p:spPr>
+        <p:style>
+          <a:lnRef idx="2">
+            <a:schemeClr val="accent1">
+              <a:shade val="50000"/>
+            </a:schemeClr>
+          </a:lnRef>
+          <a:fillRef idx="1">
+            <a:schemeClr val="accent1"/>
+          </a:fillRef>
+          <a:effectRef idx="0">
+            <a:schemeClr val="accent1"/>
+          </a:effectRef>
+          <a:fontRef idx="minor">
+            <a:schemeClr val="lt1"/>
+          </a:fontRef>
+        </p:style>
+        <p:txBody>
+          <a:bodyPr rtlCol="0" anchor="ctr"/>
+          <a:lstStyle/>
+          <a:p>
+            <a:pPr algn="ctr"/>
+            <a:endParaRPr lang="fr-FR" sz="1270"/>
+          </a:p>
+        </p:txBody>
+      </p:sp>
+      <p:sp>
+        <p:nvSpPr>
+          <p:cNvPr id="2" name="Titre 1">
+            <a:extLst>
+              <a:ext uri="{FF2B5EF4-FFF2-40B4-BE49-F238E27FC236}">
+                <a16:creationId xmlns:a16="http://schemas.microsoft.com/office/drawing/2014/main" id="{13FE6080-3BF6-4325-8A88-D4284622C441}"/>
+              </a:ext>
+            </a:extLst>
+          </p:cNvPr>
+          <p:cNvSpPr>
+            <a:spLocks noGrp="1"/>
+          </p:cNvSpPr>
+          <p:nvPr>
+            <p:ph type="title"/>
+          </p:nvPr>
+        </p:nvSpPr>
+        <p:spPr>
+          <a:xfrm>
+            <a:off x="1030085" y="272032"/>
+            <a:ext cx="10515600" cy="655166"/>
+          </a:xfrm>
+        </p:spPr>
+        <p:txBody>
+          <a:bodyPr/>
+          <a:lstStyle/>
+          <a:p>
+            <a:r>
+              <a:rPr lang="fr-FR" dirty="0"/>
+              <a:t>Exemple 2 : open-data</a:t>
+            </a:r>
+          </a:p>
+        </p:txBody>
+      </p:sp>
+      <p:sp>
+        <p:nvSpPr>
+          <p:cNvPr id="3" name="Espace réservé du contenu 2">
+            <a:extLst>
+              <a:ext uri="{FF2B5EF4-FFF2-40B4-BE49-F238E27FC236}">
+                <a16:creationId xmlns:a16="http://schemas.microsoft.com/office/drawing/2014/main" id="{A66C6D5E-300E-44DE-B323-0D31F952DDC2}"/>
+              </a:ext>
+            </a:extLst>
+          </p:cNvPr>
+          <p:cNvSpPr>
+            <a:spLocks noGrp="1"/>
+          </p:cNvSpPr>
+          <p:nvPr>
+            <p:ph idx="4294967295"/>
+          </p:nvPr>
+        </p:nvSpPr>
+        <p:spPr>
+          <a:xfrm>
+            <a:off x="535015" y="1160857"/>
+            <a:ext cx="6582971" cy="2853781"/>
+          </a:xfrm>
+        </p:spPr>
+        <p:txBody>
+          <a:bodyPr>
+            <a:normAutofit fontScale="92500" lnSpcReduction="20000"/>
+          </a:bodyPr>
+          <a:lstStyle/>
+          <a:p>
+            <a:r>
+              <a:rPr lang="fr-FR" sz="1600" dirty="0"/>
+              <a:t>Les données de mesure de la qualité de l’air sont caractérisées suivant trois paramètres :</a:t>
+            </a:r>
+          </a:p>
+          <a:p>
+            <a:pPr lvl="1"/>
+            <a:r>
+              <a:rPr lang="fr-FR" sz="1400" dirty="0"/>
+              <a:t>Les stations de mesure (localisation géographique)</a:t>
+            </a:r>
+          </a:p>
+          <a:p>
+            <a:pPr lvl="1"/>
+            <a:r>
+              <a:rPr lang="fr-FR" sz="1400" dirty="0"/>
+              <a:t>Les polluants (propriétés physiques)</a:t>
+            </a:r>
+          </a:p>
+          <a:p>
+            <a:pPr lvl="1"/>
+            <a:r>
+              <a:rPr lang="fr-FR" sz="1400" dirty="0"/>
+              <a:t>Un échantillonnage horaire (datation)</a:t>
+            </a:r>
+          </a:p>
+          <a:p>
+            <a:r>
+              <a:rPr lang="fr-FR" sz="1600" dirty="0"/>
+              <a:t>Il n’existe pas de format de partage (et de stockage) :</a:t>
+            </a:r>
+          </a:p>
+          <a:p>
+            <a:pPr lvl="1"/>
+            <a:r>
+              <a:rPr lang="fr-FR" sz="1400" dirty="0"/>
+              <a:t>soit fichier csv par station et polluants (lignes) et les valeurs horaires (colonnes)</a:t>
+            </a:r>
+          </a:p>
+          <a:p>
+            <a:pPr lvl="1"/>
+            <a:r>
+              <a:rPr lang="fr-FR" sz="1400" dirty="0"/>
+              <a:t>Soit un fichier </a:t>
+            </a:r>
+            <a:r>
+              <a:rPr lang="fr-FR" sz="1400" dirty="0" err="1"/>
+              <a:t>GeoJson</a:t>
+            </a:r>
+            <a:r>
+              <a:rPr lang="fr-FR" sz="1400" dirty="0"/>
+              <a:t> mais sans les valeurs horaires</a:t>
+            </a:r>
+          </a:p>
+          <a:p>
+            <a:r>
+              <a:rPr lang="fr-FR" sz="1600" dirty="0"/>
+              <a:t>Il n’y a pas de traitement simple et automatisable pour analyser ces données</a:t>
+            </a:r>
+          </a:p>
+        </p:txBody>
+      </p:sp>
+      <p:sp>
+        <p:nvSpPr>
+          <p:cNvPr id="101" name="Espace réservé du contenu 2">
+            <a:extLst>
+              <a:ext uri="{FF2B5EF4-FFF2-40B4-BE49-F238E27FC236}">
+                <a16:creationId xmlns:a16="http://schemas.microsoft.com/office/drawing/2014/main" id="{F35427DE-FDED-4FE9-9381-D6DF66797498}"/>
+              </a:ext>
+            </a:extLst>
+          </p:cNvPr>
+          <p:cNvSpPr txBox="1">
+            <a:spLocks/>
+          </p:cNvSpPr>
+          <p:nvPr/>
+        </p:nvSpPr>
+        <p:spPr>
+          <a:xfrm>
+            <a:off x="535015" y="4590759"/>
+            <a:ext cx="6260120" cy="1788956"/>
+          </a:xfrm>
+          <a:prstGeom prst="rect">
+            <a:avLst/>
+          </a:prstGeom>
+        </p:spPr>
+        <p:txBody>
+          <a:bodyPr vert="horz" lIns="91440" tIns="45720" rIns="91440" bIns="45720" rtlCol="0">
+            <a:normAutofit fontScale="92500" lnSpcReduction="10000"/>
+          </a:bodyPr>
+          <a:lstStyle>
+            <a:lvl1pPr marL="342900" indent="-342900" algn="l" defTabSz="457200" rtl="0" eaLnBrk="1" latinLnBrk="0" hangingPunct="1">
+              <a:spcBef>
+                <a:spcPts val="1000"/>
+              </a:spcBef>
+              <a:spcAft>
+                <a:spcPts val="0"/>
+              </a:spcAft>
+              <a:buClr>
+                <a:schemeClr val="accent1"/>
+              </a:buClr>
+              <a:buFont typeface="Wingdings 3" charset="2"/>
+              <a:buChar char=""/>
+              <a:defRPr sz="1800" kern="1200">
+                <a:solidFill>
+                  <a:schemeClr val="tx1">
+                    <a:lumMod val="75000"/>
+                    <a:lumOff val="25000"/>
+                  </a:schemeClr>
+                </a:solidFill>
+                <a:latin typeface="+mn-lt"/>
+                <a:ea typeface="+mn-ea"/>
+                <a:cs typeface="+mn-cs"/>
+              </a:defRPr>
+            </a:lvl1pPr>
+            <a:lvl2pPr marL="742950" indent="-285750" algn="l" defTabSz="457200" rtl="0" eaLnBrk="1" latinLnBrk="0" hangingPunct="1">
+              <a:spcBef>
+                <a:spcPts val="1000"/>
+              </a:spcBef>
+              <a:spcAft>
+                <a:spcPts val="0"/>
+              </a:spcAft>
+              <a:buClr>
+                <a:schemeClr val="accent1"/>
+              </a:buClr>
+              <a:buFont typeface="Wingdings 3" charset="2"/>
+              <a:buChar char=""/>
+              <a:defRPr sz="1600" kern="1200">
+                <a:solidFill>
+                  <a:schemeClr val="tx1">
+                    <a:lumMod val="75000"/>
+                    <a:lumOff val="25000"/>
+                  </a:schemeClr>
+                </a:solidFill>
+                <a:latin typeface="+mn-lt"/>
+                <a:ea typeface="+mn-ea"/>
+                <a:cs typeface="+mn-cs"/>
+              </a:defRPr>
+            </a:lvl2pPr>
+            <a:lvl3pPr marL="1143000" indent="-228600" algn="l" defTabSz="457200" rtl="0" eaLnBrk="1" latinLnBrk="0" hangingPunct="1">
+              <a:spcBef>
+                <a:spcPts val="1000"/>
+              </a:spcBef>
+              <a:spcAft>
+                <a:spcPts val="0"/>
+              </a:spcAft>
+              <a:buClr>
+                <a:schemeClr val="accent1"/>
+              </a:buClr>
+              <a:buFont typeface="Wingdings 3" charset="2"/>
+              <a:buChar char=""/>
+              <a:defRPr sz="1400" kern="1200">
+                <a:solidFill>
+                  <a:schemeClr val="tx1">
+                    <a:lumMod val="75000"/>
+                    <a:lumOff val="25000"/>
+                  </a:schemeClr>
+                </a:solidFill>
+                <a:latin typeface="+mn-lt"/>
+                <a:ea typeface="+mn-ea"/>
+                <a:cs typeface="+mn-cs"/>
+              </a:defRPr>
+            </a:lvl3pPr>
+            <a:lvl4pPr marL="1600200" indent="-228600" algn="l" defTabSz="457200" rtl="0" eaLnBrk="1" latinLnBrk="0" hangingPunct="1">
+              <a:spcBef>
+                <a:spcPts val="1000"/>
+              </a:spcBef>
+              <a:spcAft>
+                <a:spcPts val="0"/>
+              </a:spcAft>
+              <a:buClr>
+                <a:schemeClr val="accent1"/>
+              </a:buClr>
+              <a:buFont typeface="Wingdings 3" charset="2"/>
+              <a:buChar char=""/>
+              <a:defRPr sz="1200" kern="1200">
+                <a:solidFill>
+                  <a:schemeClr val="tx1">
+                    <a:lumMod val="75000"/>
+                    <a:lumOff val="25000"/>
+                  </a:schemeClr>
+                </a:solidFill>
+                <a:latin typeface="+mn-lt"/>
+                <a:ea typeface="+mn-ea"/>
+                <a:cs typeface="+mn-cs"/>
+              </a:defRPr>
+            </a:lvl4pPr>
+            <a:lvl5pPr marL="2057400" indent="-228600" algn="l" defTabSz="457200" rtl="0" eaLnBrk="1" latinLnBrk="0" hangingPunct="1">
+              <a:spcBef>
+                <a:spcPts val="1000"/>
+              </a:spcBef>
+              <a:spcAft>
+                <a:spcPts val="0"/>
+              </a:spcAft>
+              <a:buClr>
+                <a:schemeClr val="accent1"/>
+              </a:buClr>
+              <a:buFont typeface="Wingdings 3" charset="2"/>
+              <a:buChar char=""/>
+              <a:defRPr sz="1200" kern="1200">
+                <a:solidFill>
+                  <a:schemeClr val="tx1">
+                    <a:lumMod val="75000"/>
+                    <a:lumOff val="25000"/>
+                  </a:schemeClr>
+                </a:solidFill>
+                <a:latin typeface="+mn-lt"/>
+                <a:ea typeface="+mn-ea"/>
+                <a:cs typeface="+mn-cs"/>
+              </a:defRPr>
+            </a:lvl5pPr>
+            <a:lvl6pPr marL="2514600" indent="-228600" algn="l" defTabSz="457200" rtl="0" eaLnBrk="1" latinLnBrk="0" hangingPunct="1">
+              <a:spcBef>
+                <a:spcPts val="1000"/>
+              </a:spcBef>
+              <a:spcAft>
+                <a:spcPts val="0"/>
+              </a:spcAft>
+              <a:buClr>
+                <a:schemeClr val="accent1"/>
+              </a:buClr>
+              <a:buFont typeface="Wingdings 3" charset="2"/>
+              <a:buChar char=""/>
+              <a:defRPr sz="1200" kern="1200">
+                <a:solidFill>
+                  <a:schemeClr val="tx1">
+                    <a:lumMod val="75000"/>
+                    <a:lumOff val="25000"/>
+                  </a:schemeClr>
+                </a:solidFill>
+                <a:latin typeface="+mn-lt"/>
+                <a:ea typeface="+mn-ea"/>
+                <a:cs typeface="+mn-cs"/>
+              </a:defRPr>
+            </a:lvl6pPr>
+            <a:lvl7pPr marL="2971800" indent="-228600" algn="l" defTabSz="457200" rtl="0" eaLnBrk="1" latinLnBrk="0" hangingPunct="1">
+              <a:spcBef>
+                <a:spcPts val="1000"/>
+              </a:spcBef>
+              <a:spcAft>
+                <a:spcPts val="0"/>
+              </a:spcAft>
+              <a:buClr>
+                <a:schemeClr val="accent1"/>
+              </a:buClr>
+              <a:buFont typeface="Wingdings 3" charset="2"/>
+              <a:buChar char=""/>
+              <a:defRPr sz="1200" kern="1200">
+                <a:solidFill>
+                  <a:schemeClr val="tx1">
+                    <a:lumMod val="75000"/>
+                    <a:lumOff val="25000"/>
+                  </a:schemeClr>
+                </a:solidFill>
+                <a:latin typeface="+mn-lt"/>
+                <a:ea typeface="+mn-ea"/>
+                <a:cs typeface="+mn-cs"/>
+              </a:defRPr>
+            </a:lvl7pPr>
+            <a:lvl8pPr marL="3429000" indent="-228600" algn="l" defTabSz="457200" rtl="0" eaLnBrk="1" latinLnBrk="0" hangingPunct="1">
+              <a:spcBef>
+                <a:spcPts val="1000"/>
+              </a:spcBef>
+              <a:spcAft>
+                <a:spcPts val="0"/>
+              </a:spcAft>
+              <a:buClr>
+                <a:schemeClr val="accent1"/>
+              </a:buClr>
+              <a:buFont typeface="Wingdings 3" charset="2"/>
+              <a:buChar char=""/>
+              <a:defRPr sz="1200" kern="1200">
+                <a:solidFill>
+                  <a:schemeClr val="tx1">
+                    <a:lumMod val="75000"/>
+                    <a:lumOff val="25000"/>
+                  </a:schemeClr>
+                </a:solidFill>
+                <a:latin typeface="+mn-lt"/>
+                <a:ea typeface="+mn-ea"/>
+                <a:cs typeface="+mn-cs"/>
+              </a:defRPr>
+            </a:lvl8pPr>
+            <a:lvl9pPr marL="3886200" indent="-228600" algn="l" defTabSz="457200" rtl="0" eaLnBrk="1" latinLnBrk="0" hangingPunct="1">
+              <a:spcBef>
+                <a:spcPts val="1000"/>
+              </a:spcBef>
+              <a:spcAft>
+                <a:spcPts val="0"/>
+              </a:spcAft>
+              <a:buClr>
+                <a:schemeClr val="accent1"/>
+              </a:buClr>
+              <a:buFont typeface="Wingdings 3" charset="2"/>
+              <a:buChar char=""/>
+              <a:defRPr sz="1200" kern="1200">
+                <a:solidFill>
+                  <a:schemeClr val="tx1">
+                    <a:lumMod val="75000"/>
+                    <a:lumOff val="25000"/>
+                  </a:schemeClr>
+                </a:solidFill>
+                <a:latin typeface="+mn-lt"/>
+                <a:ea typeface="+mn-ea"/>
+                <a:cs typeface="+mn-cs"/>
+              </a:defRPr>
+            </a:lvl9pPr>
+          </a:lstStyle>
+          <a:p>
+            <a:r>
+              <a:rPr lang="fr-FR" sz="1600" dirty="0"/>
+              <a:t>Je peux faire une demande portant sur un périmètre géographique, une tranche horaire, une liste de polluants (API)</a:t>
+            </a:r>
+          </a:p>
+          <a:p>
+            <a:r>
+              <a:rPr lang="fr-FR" sz="1600" dirty="0"/>
+              <a:t>Je récupère ces données suivant le format standard ObsJSON</a:t>
+            </a:r>
+          </a:p>
+          <a:p>
+            <a:r>
+              <a:rPr lang="fr-FR" sz="1600" dirty="0"/>
+              <a:t>Je les exploite automatiquement suivant mon centre d’intérêt grâce aux outils supportant ce standard</a:t>
+            </a:r>
+          </a:p>
+        </p:txBody>
+      </p:sp>
+      <p:sp>
+        <p:nvSpPr>
+          <p:cNvPr id="55" name="Rectangle : coins arrondis 54">
+            <a:extLst>
+              <a:ext uri="{FF2B5EF4-FFF2-40B4-BE49-F238E27FC236}">
+                <a16:creationId xmlns:a16="http://schemas.microsoft.com/office/drawing/2014/main" id="{45082502-2ED8-4C7F-8FD1-72A5F462C9E1}"/>
+              </a:ext>
+            </a:extLst>
+          </p:cNvPr>
+          <p:cNvSpPr/>
+          <p:nvPr/>
+        </p:nvSpPr>
+        <p:spPr>
+          <a:xfrm>
+            <a:off x="8981888" y="1880011"/>
+            <a:ext cx="1140301" cy="291410"/>
+          </a:xfrm>
+          <a:prstGeom prst="roundRect">
+            <a:avLst/>
+          </a:prstGeom>
+          <a:effectLst>
+            <a:outerShdw blurRad="50800" dist="38100" dir="2700000" algn="tl" rotWithShape="0">
+              <a:prstClr val="black">
+                <a:alpha val="40000"/>
+              </a:prstClr>
+            </a:outerShdw>
+          </a:effectLst>
+        </p:spPr>
+        <p:style>
+          <a:lnRef idx="0">
+            <a:schemeClr val="accent1"/>
+          </a:lnRef>
+          <a:fillRef idx="3">
+            <a:schemeClr val="accent1"/>
+          </a:fillRef>
+          <a:effectRef idx="3">
+            <a:schemeClr val="accent1"/>
+          </a:effectRef>
+          <a:fontRef idx="minor">
+            <a:schemeClr val="lt1"/>
+          </a:fontRef>
+        </p:style>
+        <p:txBody>
+          <a:bodyPr rtlCol="0" anchor="ctr"/>
+          <a:lstStyle/>
+          <a:p>
+            <a:pPr algn="ctr"/>
+            <a:r>
+              <a:rPr lang="fr-FR" sz="1400" dirty="0"/>
+              <a:t>Mesure air</a:t>
+            </a:r>
+          </a:p>
+        </p:txBody>
+      </p:sp>
+      <p:sp>
+        <p:nvSpPr>
+          <p:cNvPr id="56" name="Rectangle : coins arrondis 55">
+            <a:extLst>
+              <a:ext uri="{FF2B5EF4-FFF2-40B4-BE49-F238E27FC236}">
+                <a16:creationId xmlns:a16="http://schemas.microsoft.com/office/drawing/2014/main" id="{B2374D23-F076-4272-94EC-8E705805BCC6}"/>
+              </a:ext>
+            </a:extLst>
+          </p:cNvPr>
+          <p:cNvSpPr/>
+          <p:nvPr/>
+        </p:nvSpPr>
+        <p:spPr>
+          <a:xfrm>
+            <a:off x="7849780" y="1143173"/>
+            <a:ext cx="1069495" cy="380443"/>
+          </a:xfrm>
+          <a:prstGeom prst="roundRect">
+            <a:avLst>
+              <a:gd name="adj" fmla="val 50000"/>
+            </a:avLst>
+          </a:prstGeom>
+          <a:solidFill>
+            <a:srgbClr val="00B050"/>
+          </a:solidFill>
+          <a:effectLst>
+            <a:outerShdw blurRad="50800" dist="38100" dir="2700000" algn="tl" rotWithShape="0">
+              <a:prstClr val="black">
+                <a:alpha val="40000"/>
+              </a:prstClr>
+            </a:outerShdw>
+          </a:effectLst>
+        </p:spPr>
+        <p:style>
+          <a:lnRef idx="0">
+            <a:schemeClr val="accent1"/>
+          </a:lnRef>
+          <a:fillRef idx="3">
+            <a:schemeClr val="accent1"/>
+          </a:fillRef>
+          <a:effectRef idx="3">
+            <a:schemeClr val="accent1"/>
+          </a:effectRef>
+          <a:fontRef idx="minor">
+            <a:schemeClr val="lt1"/>
+          </a:fontRef>
+        </p:style>
+        <p:txBody>
+          <a:bodyPr rtlCol="0" anchor="ctr"/>
+          <a:lstStyle/>
+          <a:p>
+            <a:pPr algn="ctr"/>
+            <a:r>
+              <a:rPr lang="fr-FR" sz="1000" dirty="0"/>
+              <a:t>localisation</a:t>
+            </a:r>
+          </a:p>
+        </p:txBody>
+      </p:sp>
+      <p:sp>
+        <p:nvSpPr>
+          <p:cNvPr id="57" name="Rectangle : coins arrondis 56">
+            <a:extLst>
+              <a:ext uri="{FF2B5EF4-FFF2-40B4-BE49-F238E27FC236}">
+                <a16:creationId xmlns:a16="http://schemas.microsoft.com/office/drawing/2014/main" id="{20768692-B606-4AE3-8D39-3685E25B26AD}"/>
+              </a:ext>
+            </a:extLst>
+          </p:cNvPr>
+          <p:cNvSpPr/>
+          <p:nvPr/>
+        </p:nvSpPr>
+        <p:spPr>
+          <a:xfrm>
+            <a:off x="10157927" y="1159162"/>
+            <a:ext cx="977774" cy="380443"/>
+          </a:xfrm>
+          <a:prstGeom prst="roundRect">
+            <a:avLst>
+              <a:gd name="adj" fmla="val 50000"/>
+            </a:avLst>
+          </a:prstGeom>
+          <a:solidFill>
+            <a:srgbClr val="00B050"/>
+          </a:solidFill>
+          <a:effectLst>
+            <a:outerShdw blurRad="50800" dist="38100" dir="2700000" algn="tl" rotWithShape="0">
+              <a:prstClr val="black">
+                <a:alpha val="40000"/>
+              </a:prstClr>
+            </a:outerShdw>
+          </a:effectLst>
+        </p:spPr>
+        <p:style>
+          <a:lnRef idx="0">
+            <a:schemeClr val="accent1"/>
+          </a:lnRef>
+          <a:fillRef idx="3">
+            <a:schemeClr val="accent1"/>
+          </a:fillRef>
+          <a:effectRef idx="3">
+            <a:schemeClr val="accent1"/>
+          </a:effectRef>
+          <a:fontRef idx="minor">
+            <a:schemeClr val="lt1"/>
+          </a:fontRef>
+        </p:style>
+        <p:txBody>
+          <a:bodyPr rtlCol="0" anchor="ctr"/>
+          <a:lstStyle/>
+          <a:p>
+            <a:pPr algn="ctr"/>
+            <a:r>
+              <a:rPr lang="fr-FR" sz="1000" dirty="0"/>
+              <a:t>datation</a:t>
+            </a:r>
+          </a:p>
+        </p:txBody>
+      </p:sp>
+      <p:sp>
+        <p:nvSpPr>
+          <p:cNvPr id="58" name="Rectangle : coins arrondis 57">
+            <a:extLst>
+              <a:ext uri="{FF2B5EF4-FFF2-40B4-BE49-F238E27FC236}">
+                <a16:creationId xmlns:a16="http://schemas.microsoft.com/office/drawing/2014/main" id="{BBD5EC5C-9A96-41A1-8195-201D108206F4}"/>
+              </a:ext>
+            </a:extLst>
+          </p:cNvPr>
+          <p:cNvSpPr/>
+          <p:nvPr/>
+        </p:nvSpPr>
+        <p:spPr>
+          <a:xfrm>
+            <a:off x="9099541" y="1154380"/>
+            <a:ext cx="904995" cy="369236"/>
+          </a:xfrm>
+          <a:prstGeom prst="roundRect">
+            <a:avLst>
+              <a:gd name="adj" fmla="val 50000"/>
+            </a:avLst>
+          </a:prstGeom>
+          <a:solidFill>
+            <a:srgbClr val="00B050"/>
+          </a:solidFill>
+          <a:effectLst>
+            <a:outerShdw blurRad="50800" dist="38100" dir="2700000" algn="tl" rotWithShape="0">
+              <a:prstClr val="black">
+                <a:alpha val="40000"/>
+              </a:prstClr>
+            </a:outerShdw>
+          </a:effectLst>
+        </p:spPr>
+        <p:style>
+          <a:lnRef idx="0">
+            <a:schemeClr val="accent1"/>
+          </a:lnRef>
+          <a:fillRef idx="3">
+            <a:schemeClr val="accent1"/>
+          </a:fillRef>
+          <a:effectRef idx="3">
+            <a:schemeClr val="accent1"/>
+          </a:effectRef>
+          <a:fontRef idx="minor">
+            <a:schemeClr val="lt1"/>
+          </a:fontRef>
+        </p:style>
+        <p:txBody>
+          <a:bodyPr rtlCol="0" anchor="ctr"/>
+          <a:lstStyle/>
+          <a:p>
+            <a:pPr algn="ctr"/>
+            <a:r>
+              <a:rPr lang="fr-FR" sz="1000" dirty="0"/>
+              <a:t>polluant</a:t>
+            </a:r>
+          </a:p>
+        </p:txBody>
+      </p:sp>
+      <p:sp>
+        <p:nvSpPr>
+          <p:cNvPr id="59" name="Rectangle : coins arrondis 58">
+            <a:extLst>
+              <a:ext uri="{FF2B5EF4-FFF2-40B4-BE49-F238E27FC236}">
+                <a16:creationId xmlns:a16="http://schemas.microsoft.com/office/drawing/2014/main" id="{ACFDA339-2643-426E-AD8D-A24ADF69EDD4}"/>
+              </a:ext>
+            </a:extLst>
+          </p:cNvPr>
+          <p:cNvSpPr/>
+          <p:nvPr/>
+        </p:nvSpPr>
+        <p:spPr>
+          <a:xfrm>
+            <a:off x="8244071" y="3654279"/>
+            <a:ext cx="2615935" cy="362241"/>
+          </a:xfrm>
+          <a:prstGeom prst="roundRect">
+            <a:avLst>
+              <a:gd name="adj" fmla="val 50000"/>
+            </a:avLst>
+          </a:prstGeom>
+          <a:solidFill>
+            <a:srgbClr val="C00000"/>
+          </a:solidFill>
+          <a:effectLst>
+            <a:outerShdw blurRad="50800" dist="38100" dir="2700000" algn="tl" rotWithShape="0">
+              <a:prstClr val="black">
+                <a:alpha val="40000"/>
+              </a:prstClr>
+            </a:outerShdw>
+          </a:effectLst>
+        </p:spPr>
+        <p:style>
+          <a:lnRef idx="0">
+            <a:schemeClr val="accent1"/>
+          </a:lnRef>
+          <a:fillRef idx="3">
+            <a:schemeClr val="accent1"/>
+          </a:fillRef>
+          <a:effectRef idx="3">
+            <a:schemeClr val="accent1"/>
+          </a:effectRef>
+          <a:fontRef idx="minor">
+            <a:schemeClr val="lt1"/>
+          </a:fontRef>
+        </p:style>
+        <p:txBody>
+          <a:bodyPr rtlCol="0" anchor="ctr"/>
+          <a:lstStyle/>
+          <a:p>
+            <a:pPr algn="ctr"/>
+            <a:r>
+              <a:rPr lang="fr-FR" sz="1400" dirty="0"/>
+              <a:t>Traitement manuel</a:t>
+            </a:r>
+          </a:p>
+        </p:txBody>
+      </p:sp>
+      <p:cxnSp>
+        <p:nvCxnSpPr>
+          <p:cNvPr id="60" name="Connecteur droit avec flèche 59">
+            <a:extLst>
+              <a:ext uri="{FF2B5EF4-FFF2-40B4-BE49-F238E27FC236}">
+                <a16:creationId xmlns:a16="http://schemas.microsoft.com/office/drawing/2014/main" id="{CFE6118C-1BB5-4934-A08D-BE06421B72B0}"/>
+              </a:ext>
+            </a:extLst>
+          </p:cNvPr>
+          <p:cNvCxnSpPr>
+            <a:cxnSpLocks/>
+          </p:cNvCxnSpPr>
+          <p:nvPr/>
+        </p:nvCxnSpPr>
+        <p:spPr>
+          <a:xfrm flipH="1">
+            <a:off x="9900767" y="1555477"/>
+            <a:ext cx="306730" cy="272901"/>
+          </a:xfrm>
+          <a:prstGeom prst="straightConnector1">
+            <a:avLst/>
+          </a:prstGeom>
+          <a:ln w="47625" cmpd="dbl">
+            <a:headEnd type="stealth" w="lg" len="lg"/>
+            <a:tailEnd type="none"/>
+          </a:ln>
+        </p:spPr>
+        <p:style>
+          <a:lnRef idx="1">
+            <a:schemeClr val="accent1"/>
+          </a:lnRef>
+          <a:fillRef idx="0">
+            <a:schemeClr val="accent1"/>
+          </a:fillRef>
+          <a:effectRef idx="0">
+            <a:schemeClr val="accent1"/>
+          </a:effectRef>
+          <a:fontRef idx="minor">
+            <a:schemeClr val="tx1"/>
+          </a:fontRef>
+        </p:style>
+      </p:cxnSp>
+      <p:cxnSp>
+        <p:nvCxnSpPr>
+          <p:cNvPr id="66" name="Connecteur droit avec flèche 65">
+            <a:extLst>
+              <a:ext uri="{FF2B5EF4-FFF2-40B4-BE49-F238E27FC236}">
+                <a16:creationId xmlns:a16="http://schemas.microsoft.com/office/drawing/2014/main" id="{DD00C8DC-26CD-46FE-8C5E-C1D622C5E54F}"/>
+              </a:ext>
+            </a:extLst>
+          </p:cNvPr>
+          <p:cNvCxnSpPr>
+            <a:cxnSpLocks/>
+          </p:cNvCxnSpPr>
+          <p:nvPr/>
+        </p:nvCxnSpPr>
+        <p:spPr>
+          <a:xfrm>
+            <a:off x="9552038" y="1523616"/>
+            <a:ext cx="0" cy="279828"/>
+          </a:xfrm>
+          <a:prstGeom prst="straightConnector1">
+            <a:avLst/>
+          </a:prstGeom>
+          <a:ln w="47625" cmpd="dbl">
+            <a:headEnd type="stealth" w="lg" len="lg"/>
+            <a:tailEnd type="none"/>
+          </a:ln>
+        </p:spPr>
+        <p:style>
+          <a:lnRef idx="1">
+            <a:schemeClr val="accent1"/>
+          </a:lnRef>
+          <a:fillRef idx="0">
+            <a:schemeClr val="accent1"/>
+          </a:fillRef>
+          <a:effectRef idx="0">
+            <a:schemeClr val="accent1"/>
+          </a:effectRef>
+          <a:fontRef idx="minor">
+            <a:schemeClr val="tx1"/>
+          </a:fontRef>
+        </p:style>
+      </p:cxnSp>
+      <p:cxnSp>
+        <p:nvCxnSpPr>
+          <p:cNvPr id="68" name="Connecteur droit avec flèche 67">
+            <a:extLst>
+              <a:ext uri="{FF2B5EF4-FFF2-40B4-BE49-F238E27FC236}">
+                <a16:creationId xmlns:a16="http://schemas.microsoft.com/office/drawing/2014/main" id="{0DF34F43-2A28-4BB0-93D9-F457640C860A}"/>
+              </a:ext>
+            </a:extLst>
+          </p:cNvPr>
+          <p:cNvCxnSpPr>
+            <a:cxnSpLocks/>
+          </p:cNvCxnSpPr>
+          <p:nvPr/>
+        </p:nvCxnSpPr>
+        <p:spPr>
+          <a:xfrm>
+            <a:off x="8803413" y="1555477"/>
+            <a:ext cx="237323" cy="276284"/>
+          </a:xfrm>
+          <a:prstGeom prst="straightConnector1">
+            <a:avLst/>
+          </a:prstGeom>
+          <a:ln w="47625" cmpd="dbl">
+            <a:headEnd type="stealth" w="lg" len="lg"/>
+            <a:tailEnd type="none"/>
+          </a:ln>
+        </p:spPr>
+        <p:style>
+          <a:lnRef idx="1">
+            <a:schemeClr val="accent1"/>
+          </a:lnRef>
+          <a:fillRef idx="0">
+            <a:schemeClr val="accent1"/>
+          </a:fillRef>
+          <a:effectRef idx="0">
+            <a:schemeClr val="accent1"/>
+          </a:effectRef>
+          <a:fontRef idx="minor">
+            <a:schemeClr val="tx1"/>
+          </a:fontRef>
+        </p:style>
+      </p:cxnSp>
+      <p:graphicFrame>
+        <p:nvGraphicFramePr>
+          <p:cNvPr id="89" name="Tableau 11">
+            <a:extLst>
+              <a:ext uri="{FF2B5EF4-FFF2-40B4-BE49-F238E27FC236}">
+                <a16:creationId xmlns:a16="http://schemas.microsoft.com/office/drawing/2014/main" id="{FBEDEF14-22D5-4403-B63C-DB5A22A3FBAC}"/>
+              </a:ext>
+            </a:extLst>
+          </p:cNvPr>
+          <p:cNvGraphicFramePr>
+            <a:graphicFrameLocks/>
+          </p:cNvGraphicFramePr>
+          <p:nvPr>
+            <p:extLst>
+              <p:ext uri="{D42A27DB-BD31-4B8C-83A1-F6EECF244321}">
+                <p14:modId xmlns:p14="http://schemas.microsoft.com/office/powerpoint/2010/main" val="3681867423"/>
+              </p:ext>
+            </p:extLst>
+          </p:nvPr>
+        </p:nvGraphicFramePr>
+        <p:xfrm>
+          <a:off x="7577122" y="2531996"/>
+          <a:ext cx="3949832" cy="880440"/>
+        </p:xfrm>
+        <a:graphic>
+          <a:graphicData uri="http://schemas.openxmlformats.org/drawingml/2006/table">
+            <a:tbl>
+              <a:tblPr firstRow="1" bandRow="1">
+                <a:tableStyleId>{5C22544A-7EE6-4342-B048-85BDC9FD1C3A}</a:tableStyleId>
+              </a:tblPr>
+              <a:tblGrid>
+                <a:gridCol w="405636">
+                  <a:extLst>
+                    <a:ext uri="{9D8B030D-6E8A-4147-A177-3AD203B41FA5}">
+                      <a16:colId xmlns:a16="http://schemas.microsoft.com/office/drawing/2014/main" val="4201465443"/>
+                    </a:ext>
+                  </a:extLst>
+                </a:gridCol>
+                <a:gridCol w="348817">
+                  <a:extLst>
+                    <a:ext uri="{9D8B030D-6E8A-4147-A177-3AD203B41FA5}">
+                      <a16:colId xmlns:a16="http://schemas.microsoft.com/office/drawing/2014/main" val="3555002132"/>
+                    </a:ext>
+                  </a:extLst>
+                </a:gridCol>
+                <a:gridCol w="284866">
+                  <a:extLst>
+                    <a:ext uri="{9D8B030D-6E8A-4147-A177-3AD203B41FA5}">
+                      <a16:colId xmlns:a16="http://schemas.microsoft.com/office/drawing/2014/main" val="1792911921"/>
+                    </a:ext>
+                  </a:extLst>
+                </a:gridCol>
+                <a:gridCol w="346440">
+                  <a:extLst>
+                    <a:ext uri="{9D8B030D-6E8A-4147-A177-3AD203B41FA5}">
+                      <a16:colId xmlns:a16="http://schemas.microsoft.com/office/drawing/2014/main" val="527619674"/>
+                    </a:ext>
+                  </a:extLst>
+                </a:gridCol>
+                <a:gridCol w="352029">
+                  <a:extLst>
+                    <a:ext uri="{9D8B030D-6E8A-4147-A177-3AD203B41FA5}">
+                      <a16:colId xmlns:a16="http://schemas.microsoft.com/office/drawing/2014/main" val="905076484"/>
+                    </a:ext>
+                  </a:extLst>
+                </a:gridCol>
+                <a:gridCol w="352029">
+                  <a:extLst>
+                    <a:ext uri="{9D8B030D-6E8A-4147-A177-3AD203B41FA5}">
+                      <a16:colId xmlns:a16="http://schemas.microsoft.com/office/drawing/2014/main" val="4157188487"/>
+                    </a:ext>
+                  </a:extLst>
+                </a:gridCol>
+                <a:gridCol w="372003">
+                  <a:extLst>
+                    <a:ext uri="{9D8B030D-6E8A-4147-A177-3AD203B41FA5}">
+                      <a16:colId xmlns:a16="http://schemas.microsoft.com/office/drawing/2014/main" val="3636296814"/>
+                    </a:ext>
+                  </a:extLst>
+                </a:gridCol>
+                <a:gridCol w="372003">
+                  <a:extLst>
+                    <a:ext uri="{9D8B030D-6E8A-4147-A177-3AD203B41FA5}">
+                      <a16:colId xmlns:a16="http://schemas.microsoft.com/office/drawing/2014/main" val="1870353858"/>
+                    </a:ext>
+                  </a:extLst>
+                </a:gridCol>
+                <a:gridCol w="372003">
+                  <a:extLst>
+                    <a:ext uri="{9D8B030D-6E8A-4147-A177-3AD203B41FA5}">
+                      <a16:colId xmlns:a16="http://schemas.microsoft.com/office/drawing/2014/main" val="3188876929"/>
+                    </a:ext>
+                  </a:extLst>
+                </a:gridCol>
+                <a:gridCol w="372003">
+                  <a:extLst>
+                    <a:ext uri="{9D8B030D-6E8A-4147-A177-3AD203B41FA5}">
+                      <a16:colId xmlns:a16="http://schemas.microsoft.com/office/drawing/2014/main" val="275140166"/>
+                    </a:ext>
+                  </a:extLst>
+                </a:gridCol>
+                <a:gridCol w="372003">
+                  <a:extLst>
+                    <a:ext uri="{9D8B030D-6E8A-4147-A177-3AD203B41FA5}">
+                      <a16:colId xmlns:a16="http://schemas.microsoft.com/office/drawing/2014/main" val="1203488174"/>
+                    </a:ext>
+                  </a:extLst>
+                </a:gridCol>
+              </a:tblGrid>
+              <a:tr h="219461">
+                <a:tc gridSpan="2">
+                  <a:txBody>
+                    <a:bodyPr/>
+                    <a:lstStyle/>
+                    <a:p>
+                      <a:pPr algn="ctr"/>
+                      <a:r>
+                        <a:rPr lang="fr-FR" sz="900" dirty="0"/>
+                        <a:t>Station</a:t>
+                      </a:r>
+                    </a:p>
+                  </a:txBody>
+                  <a:tcPr marL="82951" marR="82951" marT="41475" marB="41475"/>
+                </a:tc>
+                <a:tc hMerge="1">
+                  <a:txBody>
+                    <a:bodyPr/>
+                    <a:lstStyle/>
+                    <a:p>
+                      <a:endParaRPr lang="fr-FR" sz="900" dirty="0"/>
+                    </a:p>
+                  </a:txBody>
+                  <a:tcPr marL="82951" marR="82951" marT="41475" marB="41475"/>
+                </a:tc>
+                <a:tc gridSpan="2">
+                  <a:txBody>
+                    <a:bodyPr/>
+                    <a:lstStyle/>
+                    <a:p>
+                      <a:pPr algn="ctr"/>
+                      <a:r>
+                        <a:rPr lang="fr-FR" sz="900" dirty="0"/>
+                        <a:t>Polluant</a:t>
+                      </a:r>
+                    </a:p>
+                  </a:txBody>
+                  <a:tcPr marL="82951" marR="82951" marT="41475" marB="41475"/>
+                </a:tc>
+                <a:tc hMerge="1">
+                  <a:txBody>
+                    <a:bodyPr/>
+                    <a:lstStyle/>
+                    <a:p>
+                      <a:endParaRPr lang="fr-FR" sz="900" dirty="0"/>
+                    </a:p>
+                  </a:txBody>
+                  <a:tcPr marL="82951" marR="82951" marT="41475" marB="41475"/>
+                </a:tc>
+                <a:tc gridSpan="7">
+                  <a:txBody>
+                    <a:bodyPr/>
+                    <a:lstStyle/>
+                    <a:p>
+                      <a:pPr algn="ctr"/>
+                      <a:r>
+                        <a:rPr lang="fr-FR" sz="900" dirty="0"/>
+                        <a:t>Heure </a:t>
+                      </a:r>
+                    </a:p>
+                  </a:txBody>
+                  <a:tcPr marL="82951" marR="82951" marT="41475" marB="41475"/>
+                </a:tc>
+                <a:tc hMerge="1">
+                  <a:txBody>
+                    <a:bodyPr/>
+                    <a:lstStyle/>
+                    <a:p>
+                      <a:endParaRPr lang="fr-FR" sz="900" dirty="0"/>
+                    </a:p>
+                  </a:txBody>
+                  <a:tcPr marL="82951" marR="82951" marT="41475" marB="41475"/>
+                </a:tc>
+                <a:tc hMerge="1">
+                  <a:txBody>
+                    <a:bodyPr/>
+                    <a:lstStyle/>
+                    <a:p>
+                      <a:r>
+                        <a:rPr lang="fr-FR" sz="900" dirty="0" err="1"/>
+                        <a:t>Result</a:t>
+                      </a:r>
+                      <a:endParaRPr lang="fr-FR" sz="900" dirty="0"/>
+                    </a:p>
+                  </a:txBody>
+                  <a:tcPr marL="82951" marR="82951" marT="41475" marB="41475"/>
+                </a:tc>
+                <a:tc hMerge="1">
+                  <a:txBody>
+                    <a:bodyPr/>
+                    <a:lstStyle/>
+                    <a:p>
+                      <a:pPr algn="ctr"/>
+                      <a:endParaRPr lang="fr-FR" sz="900" dirty="0"/>
+                    </a:p>
+                  </a:txBody>
+                  <a:tcPr marL="82951" marR="82951" marT="41475" marB="41475"/>
+                </a:tc>
+                <a:tc hMerge="1">
+                  <a:txBody>
+                    <a:bodyPr/>
+                    <a:lstStyle/>
+                    <a:p>
+                      <a:pPr algn="ctr"/>
+                      <a:endParaRPr lang="fr-FR" sz="900" dirty="0"/>
+                    </a:p>
+                  </a:txBody>
+                  <a:tcPr marL="82951" marR="82951" marT="41475" marB="41475"/>
+                </a:tc>
+                <a:tc hMerge="1">
+                  <a:txBody>
+                    <a:bodyPr/>
+                    <a:lstStyle/>
+                    <a:p>
+                      <a:pPr algn="ctr"/>
+                      <a:endParaRPr lang="fr-FR" sz="900" dirty="0"/>
+                    </a:p>
+                  </a:txBody>
+                  <a:tcPr marL="82951" marR="82951" marT="41475" marB="41475"/>
+                </a:tc>
+                <a:tc hMerge="1">
+                  <a:txBody>
+                    <a:bodyPr/>
+                    <a:lstStyle/>
+                    <a:p>
+                      <a:pPr algn="ctr"/>
+                      <a:endParaRPr lang="fr-FR" sz="900" dirty="0"/>
+                    </a:p>
+                  </a:txBody>
+                  <a:tcPr marL="82951" marR="82951" marT="41475" marB="41475"/>
+                </a:tc>
+                <a:extLst>
+                  <a:ext uri="{0D108BD9-81ED-4DB2-BD59-A6C34878D82A}">
+                    <a16:rowId xmlns:a16="http://schemas.microsoft.com/office/drawing/2014/main" val="3221545621"/>
+                  </a:ext>
+                </a:extLst>
+              </a:tr>
+              <a:tr h="131677">
+                <a:tc>
+                  <a:txBody>
+                    <a:bodyPr/>
+                    <a:lstStyle/>
+                    <a:p>
+                      <a:endParaRPr lang="fr-FR" sz="900" dirty="0"/>
+                    </a:p>
+                  </a:txBody>
+                  <a:tcPr marL="82951" marR="82951" marT="41475" marB="41475"/>
+                </a:tc>
+                <a:tc>
+                  <a:txBody>
+                    <a:bodyPr/>
+                    <a:lstStyle/>
+                    <a:p>
+                      <a:endParaRPr lang="fr-FR" sz="900" dirty="0"/>
+                    </a:p>
+                  </a:txBody>
+                  <a:tcPr marL="82951" marR="82951" marT="41475" marB="41475"/>
+                </a:tc>
+                <a:tc>
+                  <a:txBody>
+                    <a:bodyPr/>
+                    <a:lstStyle/>
+                    <a:p>
+                      <a:endParaRPr lang="fr-FR" sz="900" dirty="0"/>
+                    </a:p>
+                  </a:txBody>
+                  <a:tcPr marL="82951" marR="82951" marT="41475" marB="41475"/>
+                </a:tc>
+                <a:tc>
+                  <a:txBody>
+                    <a:bodyPr/>
+                    <a:lstStyle/>
+                    <a:p>
+                      <a:endParaRPr lang="fr-FR" sz="900" dirty="0"/>
+                    </a:p>
+                  </a:txBody>
+                  <a:tcPr marL="82951" marR="82951" marT="41475" marB="41475"/>
+                </a:tc>
+                <a:tc>
+                  <a:txBody>
+                    <a:bodyPr/>
+                    <a:lstStyle/>
+                    <a:p>
+                      <a:endParaRPr lang="fr-FR" sz="900" dirty="0"/>
+                    </a:p>
+                  </a:txBody>
+                  <a:tcPr marL="82951" marR="82951" marT="41475" marB="41475"/>
+                </a:tc>
+                <a:tc>
+                  <a:txBody>
+                    <a:bodyPr/>
+                    <a:lstStyle/>
+                    <a:p>
+                      <a:endParaRPr lang="fr-FR" sz="900" dirty="0"/>
+                    </a:p>
+                  </a:txBody>
+                  <a:tcPr marL="82951" marR="82951" marT="41475" marB="41475"/>
+                </a:tc>
+                <a:tc>
+                  <a:txBody>
+                    <a:bodyPr/>
+                    <a:lstStyle/>
+                    <a:p>
+                      <a:endParaRPr lang="fr-FR" sz="900" dirty="0"/>
+                    </a:p>
+                  </a:txBody>
+                  <a:tcPr marL="82951" marR="82951" marT="41475" marB="41475"/>
+                </a:tc>
+                <a:tc>
+                  <a:txBody>
+                    <a:bodyPr/>
+                    <a:lstStyle/>
+                    <a:p>
+                      <a:endParaRPr lang="fr-FR" sz="900" dirty="0"/>
+                    </a:p>
+                  </a:txBody>
+                  <a:tcPr marL="82951" marR="82951" marT="41475" marB="41475"/>
+                </a:tc>
+                <a:tc>
+                  <a:txBody>
+                    <a:bodyPr/>
+                    <a:lstStyle/>
+                    <a:p>
+                      <a:endParaRPr lang="fr-FR" sz="900" dirty="0"/>
+                    </a:p>
+                  </a:txBody>
+                  <a:tcPr marL="82951" marR="82951" marT="41475" marB="41475"/>
+                </a:tc>
+                <a:tc>
+                  <a:txBody>
+                    <a:bodyPr/>
+                    <a:lstStyle/>
+                    <a:p>
+                      <a:endParaRPr lang="fr-FR" sz="900" dirty="0"/>
+                    </a:p>
+                  </a:txBody>
+                  <a:tcPr marL="82951" marR="82951" marT="41475" marB="41475"/>
+                </a:tc>
+                <a:tc>
+                  <a:txBody>
+                    <a:bodyPr/>
+                    <a:lstStyle/>
+                    <a:p>
+                      <a:endParaRPr lang="fr-FR" sz="900" dirty="0"/>
+                    </a:p>
+                  </a:txBody>
+                  <a:tcPr marL="82951" marR="82951" marT="41475" marB="41475"/>
+                </a:tc>
+                <a:extLst>
+                  <a:ext uri="{0D108BD9-81ED-4DB2-BD59-A6C34878D82A}">
+                    <a16:rowId xmlns:a16="http://schemas.microsoft.com/office/drawing/2014/main" val="1022889219"/>
+                  </a:ext>
+                </a:extLst>
+              </a:tr>
+              <a:tr h="131677">
+                <a:tc>
+                  <a:txBody>
+                    <a:bodyPr/>
+                    <a:lstStyle/>
+                    <a:p>
+                      <a:endParaRPr lang="fr-FR" sz="900" dirty="0"/>
+                    </a:p>
+                  </a:txBody>
+                  <a:tcPr marL="82951" marR="82951" marT="41475" marB="41475"/>
+                </a:tc>
+                <a:tc>
+                  <a:txBody>
+                    <a:bodyPr/>
+                    <a:lstStyle/>
+                    <a:p>
+                      <a:endParaRPr lang="fr-FR" sz="900" dirty="0"/>
+                    </a:p>
+                  </a:txBody>
+                  <a:tcPr marL="82951" marR="82951" marT="41475" marB="41475"/>
+                </a:tc>
+                <a:tc>
+                  <a:txBody>
+                    <a:bodyPr/>
+                    <a:lstStyle/>
+                    <a:p>
+                      <a:endParaRPr lang="fr-FR" sz="900" dirty="0"/>
+                    </a:p>
+                  </a:txBody>
+                  <a:tcPr marL="82951" marR="82951" marT="41475" marB="41475"/>
+                </a:tc>
+                <a:tc>
+                  <a:txBody>
+                    <a:bodyPr/>
+                    <a:lstStyle/>
+                    <a:p>
+                      <a:endParaRPr lang="fr-FR" sz="900" dirty="0"/>
+                    </a:p>
+                  </a:txBody>
+                  <a:tcPr marL="82951" marR="82951" marT="41475" marB="41475"/>
+                </a:tc>
+                <a:tc>
+                  <a:txBody>
+                    <a:bodyPr/>
+                    <a:lstStyle/>
+                    <a:p>
+                      <a:endParaRPr lang="fr-FR" sz="900" dirty="0"/>
+                    </a:p>
+                  </a:txBody>
+                  <a:tcPr marL="82951" marR="82951" marT="41475" marB="41475"/>
+                </a:tc>
+                <a:tc>
+                  <a:txBody>
+                    <a:bodyPr/>
+                    <a:lstStyle/>
+                    <a:p>
+                      <a:endParaRPr lang="fr-FR" sz="900" dirty="0"/>
+                    </a:p>
+                  </a:txBody>
+                  <a:tcPr marL="82951" marR="82951" marT="41475" marB="41475"/>
+                </a:tc>
+                <a:tc>
+                  <a:txBody>
+                    <a:bodyPr/>
+                    <a:lstStyle/>
+                    <a:p>
+                      <a:endParaRPr lang="fr-FR" sz="900" dirty="0"/>
+                    </a:p>
+                  </a:txBody>
+                  <a:tcPr marL="82951" marR="82951" marT="41475" marB="41475"/>
+                </a:tc>
+                <a:tc>
+                  <a:txBody>
+                    <a:bodyPr/>
+                    <a:lstStyle/>
+                    <a:p>
+                      <a:endParaRPr lang="fr-FR" sz="900" dirty="0"/>
+                    </a:p>
+                  </a:txBody>
+                  <a:tcPr marL="82951" marR="82951" marT="41475" marB="41475"/>
+                </a:tc>
+                <a:tc>
+                  <a:txBody>
+                    <a:bodyPr/>
+                    <a:lstStyle/>
+                    <a:p>
+                      <a:endParaRPr lang="fr-FR" sz="900" dirty="0"/>
+                    </a:p>
+                  </a:txBody>
+                  <a:tcPr marL="82951" marR="82951" marT="41475" marB="41475"/>
+                </a:tc>
+                <a:tc>
+                  <a:txBody>
+                    <a:bodyPr/>
+                    <a:lstStyle/>
+                    <a:p>
+                      <a:endParaRPr lang="fr-FR" sz="900" dirty="0"/>
+                    </a:p>
+                  </a:txBody>
+                  <a:tcPr marL="82951" marR="82951" marT="41475" marB="41475"/>
+                </a:tc>
+                <a:tc>
+                  <a:txBody>
+                    <a:bodyPr/>
+                    <a:lstStyle/>
+                    <a:p>
+                      <a:endParaRPr lang="fr-FR" sz="900" dirty="0"/>
+                    </a:p>
+                  </a:txBody>
+                  <a:tcPr marL="82951" marR="82951" marT="41475" marB="41475"/>
+                </a:tc>
+                <a:extLst>
+                  <a:ext uri="{0D108BD9-81ED-4DB2-BD59-A6C34878D82A}">
+                    <a16:rowId xmlns:a16="http://schemas.microsoft.com/office/drawing/2014/main" val="368185239"/>
+                  </a:ext>
+                </a:extLst>
+              </a:tr>
+              <a:tr h="131677">
+                <a:tc>
+                  <a:txBody>
+                    <a:bodyPr/>
+                    <a:lstStyle/>
+                    <a:p>
+                      <a:endParaRPr lang="fr-FR" sz="900" dirty="0"/>
+                    </a:p>
+                  </a:txBody>
+                  <a:tcPr marL="82951" marR="82951" marT="41475" marB="41475"/>
+                </a:tc>
+                <a:tc>
+                  <a:txBody>
+                    <a:bodyPr/>
+                    <a:lstStyle/>
+                    <a:p>
+                      <a:endParaRPr lang="fr-FR" sz="900" dirty="0"/>
+                    </a:p>
+                  </a:txBody>
+                  <a:tcPr marL="82951" marR="82951" marT="41475" marB="41475"/>
+                </a:tc>
+                <a:tc>
+                  <a:txBody>
+                    <a:bodyPr/>
+                    <a:lstStyle/>
+                    <a:p>
+                      <a:endParaRPr lang="fr-FR" sz="900" dirty="0"/>
+                    </a:p>
+                  </a:txBody>
+                  <a:tcPr marL="82951" marR="82951" marT="41475" marB="41475"/>
+                </a:tc>
+                <a:tc>
+                  <a:txBody>
+                    <a:bodyPr/>
+                    <a:lstStyle/>
+                    <a:p>
+                      <a:endParaRPr lang="fr-FR" sz="900" dirty="0"/>
+                    </a:p>
+                  </a:txBody>
+                  <a:tcPr marL="82951" marR="82951" marT="41475" marB="41475"/>
+                </a:tc>
+                <a:tc>
+                  <a:txBody>
+                    <a:bodyPr/>
+                    <a:lstStyle/>
+                    <a:p>
+                      <a:endParaRPr lang="fr-FR" sz="900" dirty="0"/>
+                    </a:p>
+                  </a:txBody>
+                  <a:tcPr marL="82951" marR="82951" marT="41475" marB="41475"/>
+                </a:tc>
+                <a:tc>
+                  <a:txBody>
+                    <a:bodyPr/>
+                    <a:lstStyle/>
+                    <a:p>
+                      <a:endParaRPr lang="fr-FR" sz="900" dirty="0"/>
+                    </a:p>
+                  </a:txBody>
+                  <a:tcPr marL="82951" marR="82951" marT="41475" marB="41475"/>
+                </a:tc>
+                <a:tc>
+                  <a:txBody>
+                    <a:bodyPr/>
+                    <a:lstStyle/>
+                    <a:p>
+                      <a:endParaRPr lang="fr-FR" sz="900" dirty="0"/>
+                    </a:p>
+                  </a:txBody>
+                  <a:tcPr marL="82951" marR="82951" marT="41475" marB="41475"/>
+                </a:tc>
+                <a:tc>
+                  <a:txBody>
+                    <a:bodyPr/>
+                    <a:lstStyle/>
+                    <a:p>
+                      <a:endParaRPr lang="fr-FR" sz="900" dirty="0"/>
+                    </a:p>
+                  </a:txBody>
+                  <a:tcPr marL="82951" marR="82951" marT="41475" marB="41475"/>
+                </a:tc>
+                <a:tc>
+                  <a:txBody>
+                    <a:bodyPr/>
+                    <a:lstStyle/>
+                    <a:p>
+                      <a:endParaRPr lang="fr-FR" sz="900" dirty="0"/>
+                    </a:p>
+                  </a:txBody>
+                  <a:tcPr marL="82951" marR="82951" marT="41475" marB="41475"/>
+                </a:tc>
+                <a:tc>
+                  <a:txBody>
+                    <a:bodyPr/>
+                    <a:lstStyle/>
+                    <a:p>
+                      <a:endParaRPr lang="fr-FR" sz="900" dirty="0"/>
+                    </a:p>
+                  </a:txBody>
+                  <a:tcPr marL="82951" marR="82951" marT="41475" marB="41475"/>
+                </a:tc>
+                <a:tc>
+                  <a:txBody>
+                    <a:bodyPr/>
+                    <a:lstStyle/>
+                    <a:p>
+                      <a:endParaRPr lang="fr-FR" sz="900" dirty="0"/>
+                    </a:p>
+                  </a:txBody>
+                  <a:tcPr marL="82951" marR="82951" marT="41475" marB="41475"/>
+                </a:tc>
+                <a:extLst>
+                  <a:ext uri="{0D108BD9-81ED-4DB2-BD59-A6C34878D82A}">
+                    <a16:rowId xmlns:a16="http://schemas.microsoft.com/office/drawing/2014/main" val="3108020006"/>
+                  </a:ext>
+                </a:extLst>
+              </a:tr>
+            </a:tbl>
+          </a:graphicData>
+        </a:graphic>
+      </p:graphicFrame>
+      <p:sp>
+        <p:nvSpPr>
+          <p:cNvPr id="10" name="Flèche : bas 9">
+            <a:extLst>
+              <a:ext uri="{FF2B5EF4-FFF2-40B4-BE49-F238E27FC236}">
+                <a16:creationId xmlns:a16="http://schemas.microsoft.com/office/drawing/2014/main" id="{3EC5E7A8-97B3-4623-93A3-74798D5D70B5}"/>
+              </a:ext>
+            </a:extLst>
+          </p:cNvPr>
+          <p:cNvSpPr/>
+          <p:nvPr/>
+        </p:nvSpPr>
+        <p:spPr>
+          <a:xfrm>
+            <a:off x="9367904" y="2214379"/>
+            <a:ext cx="368269" cy="439295"/>
+          </a:xfrm>
+          <a:prstGeom prst="downArrow">
+            <a:avLst/>
+          </a:prstGeom>
+          <a:solidFill>
+            <a:srgbClr val="002060"/>
+          </a:solidFill>
+          <a:ln>
+            <a:noFill/>
+          </a:ln>
+        </p:spPr>
+        <p:style>
+          <a:lnRef idx="2">
+            <a:schemeClr val="accent1">
+              <a:shade val="50000"/>
+            </a:schemeClr>
+          </a:lnRef>
+          <a:fillRef idx="1">
+            <a:schemeClr val="accent1"/>
+          </a:fillRef>
+          <a:effectRef idx="0">
+            <a:schemeClr val="accent1"/>
+          </a:effectRef>
+          <a:fontRef idx="minor">
+            <a:schemeClr val="lt1"/>
+          </a:fontRef>
+        </p:style>
+        <p:txBody>
+          <a:bodyPr rtlCol="0" anchor="ctr"/>
+          <a:lstStyle/>
+          <a:p>
+            <a:pPr algn="ctr"/>
+            <a:endParaRPr lang="fr-FR"/>
+          </a:p>
+        </p:txBody>
+      </p:sp>
+      <p:sp>
+        <p:nvSpPr>
+          <p:cNvPr id="90" name="Flèche : bas 89">
+            <a:extLst>
+              <a:ext uri="{FF2B5EF4-FFF2-40B4-BE49-F238E27FC236}">
+                <a16:creationId xmlns:a16="http://schemas.microsoft.com/office/drawing/2014/main" id="{9ABA0543-AFBA-42E4-A08E-8FB35BEA6D1F}"/>
+              </a:ext>
+            </a:extLst>
+          </p:cNvPr>
+          <p:cNvSpPr/>
+          <p:nvPr/>
+        </p:nvSpPr>
+        <p:spPr>
+          <a:xfrm>
+            <a:off x="9367904" y="3276664"/>
+            <a:ext cx="368269" cy="439295"/>
+          </a:xfrm>
+          <a:prstGeom prst="downArrow">
+            <a:avLst/>
+          </a:prstGeom>
+          <a:solidFill>
+            <a:srgbClr val="002060"/>
+          </a:solidFill>
+          <a:ln>
+            <a:noFill/>
+          </a:ln>
+        </p:spPr>
+        <p:style>
+          <a:lnRef idx="2">
+            <a:schemeClr val="accent1">
+              <a:shade val="50000"/>
+            </a:schemeClr>
+          </a:lnRef>
+          <a:fillRef idx="1">
+            <a:schemeClr val="accent1"/>
+          </a:fillRef>
+          <a:effectRef idx="0">
+            <a:schemeClr val="accent1"/>
+          </a:effectRef>
+          <a:fontRef idx="minor">
+            <a:schemeClr val="lt1"/>
+          </a:fontRef>
+        </p:style>
+        <p:txBody>
+          <a:bodyPr rtlCol="0" anchor="ctr"/>
+          <a:lstStyle/>
+          <a:p>
+            <a:pPr algn="ctr"/>
+            <a:endParaRPr lang="fr-FR"/>
+          </a:p>
+        </p:txBody>
+      </p:sp>
+      <p:sp>
+        <p:nvSpPr>
+          <p:cNvPr id="95" name="Rectangle : coins arrondis 94">
+            <a:extLst>
+              <a:ext uri="{FF2B5EF4-FFF2-40B4-BE49-F238E27FC236}">
+                <a16:creationId xmlns:a16="http://schemas.microsoft.com/office/drawing/2014/main" id="{E591AA33-4947-4A84-8035-D81CC6F7BDC4}"/>
+              </a:ext>
+            </a:extLst>
+          </p:cNvPr>
+          <p:cNvSpPr/>
+          <p:nvPr/>
+        </p:nvSpPr>
+        <p:spPr>
+          <a:xfrm>
+            <a:off x="8244071" y="4409639"/>
+            <a:ext cx="2615935" cy="362241"/>
+          </a:xfrm>
+          <a:prstGeom prst="roundRect">
+            <a:avLst>
+              <a:gd name="adj" fmla="val 50000"/>
+            </a:avLst>
+          </a:prstGeom>
+          <a:solidFill>
+            <a:srgbClr val="00B050"/>
+          </a:solidFill>
+          <a:effectLst>
+            <a:outerShdw blurRad="50800" dist="38100" dir="2700000" algn="tl" rotWithShape="0">
+              <a:prstClr val="black">
+                <a:alpha val="40000"/>
+              </a:prstClr>
+            </a:outerShdw>
+          </a:effectLst>
+        </p:spPr>
+        <p:style>
+          <a:lnRef idx="0">
+            <a:schemeClr val="accent1"/>
+          </a:lnRef>
+          <a:fillRef idx="3">
+            <a:schemeClr val="accent1"/>
+          </a:fillRef>
+          <a:effectRef idx="3">
+            <a:schemeClr val="accent1"/>
+          </a:effectRef>
+          <a:fontRef idx="minor">
+            <a:schemeClr val="lt1"/>
+          </a:fontRef>
+        </p:style>
+        <p:txBody>
+          <a:bodyPr rtlCol="0" anchor="ctr"/>
+          <a:lstStyle/>
+          <a:p>
+            <a:pPr algn="ctr"/>
+            <a:r>
+              <a:rPr lang="fr-FR" sz="1400" dirty="0"/>
+              <a:t>Stockage « standard »</a:t>
+            </a:r>
+          </a:p>
+        </p:txBody>
+      </p:sp>
+      <p:sp>
+        <p:nvSpPr>
+          <p:cNvPr id="96" name="Rectangle : coins arrondis 95">
+            <a:extLst>
+              <a:ext uri="{FF2B5EF4-FFF2-40B4-BE49-F238E27FC236}">
+                <a16:creationId xmlns:a16="http://schemas.microsoft.com/office/drawing/2014/main" id="{E3741B73-F5AF-4B8C-B827-F732DBF8AD93}"/>
+              </a:ext>
+            </a:extLst>
+          </p:cNvPr>
+          <p:cNvSpPr/>
+          <p:nvPr/>
+        </p:nvSpPr>
+        <p:spPr>
+          <a:xfrm>
+            <a:off x="8244071" y="5027271"/>
+            <a:ext cx="2615935" cy="362241"/>
+          </a:xfrm>
+          <a:prstGeom prst="roundRect">
+            <a:avLst>
+              <a:gd name="adj" fmla="val 50000"/>
+            </a:avLst>
+          </a:prstGeom>
+          <a:solidFill>
+            <a:srgbClr val="00B050"/>
+          </a:solidFill>
+          <a:effectLst>
+            <a:outerShdw blurRad="50800" dist="38100" dir="2700000" algn="tl" rotWithShape="0">
+              <a:prstClr val="black">
+                <a:alpha val="40000"/>
+              </a:prstClr>
+            </a:outerShdw>
+          </a:effectLst>
+        </p:spPr>
+        <p:style>
+          <a:lnRef idx="0">
+            <a:schemeClr val="accent1"/>
+          </a:lnRef>
+          <a:fillRef idx="3">
+            <a:schemeClr val="accent1"/>
+          </a:fillRef>
+          <a:effectRef idx="3">
+            <a:schemeClr val="accent1"/>
+          </a:effectRef>
+          <a:fontRef idx="minor">
+            <a:schemeClr val="lt1"/>
+          </a:fontRef>
+        </p:style>
+        <p:txBody>
+          <a:bodyPr rtlCol="0" anchor="ctr"/>
+          <a:lstStyle/>
+          <a:p>
+            <a:pPr algn="ctr"/>
+            <a:r>
+              <a:rPr lang="fr-FR" sz="1400" dirty="0"/>
+              <a:t>API « standard »</a:t>
+            </a:r>
+          </a:p>
+        </p:txBody>
+      </p:sp>
+      <p:sp>
+        <p:nvSpPr>
+          <p:cNvPr id="97" name="Rectangle : coins arrondis 96">
+            <a:extLst>
+              <a:ext uri="{FF2B5EF4-FFF2-40B4-BE49-F238E27FC236}">
+                <a16:creationId xmlns:a16="http://schemas.microsoft.com/office/drawing/2014/main" id="{234FCD7F-179C-46B5-85E6-2D8638BBD398}"/>
+              </a:ext>
+            </a:extLst>
+          </p:cNvPr>
+          <p:cNvSpPr/>
+          <p:nvPr/>
+        </p:nvSpPr>
+        <p:spPr>
+          <a:xfrm>
+            <a:off x="7915810" y="5644903"/>
+            <a:ext cx="3272457" cy="362241"/>
+          </a:xfrm>
+          <a:prstGeom prst="roundRect">
+            <a:avLst>
+              <a:gd name="adj" fmla="val 50000"/>
+            </a:avLst>
+          </a:prstGeom>
+          <a:solidFill>
+            <a:srgbClr val="00B050"/>
+          </a:solidFill>
+          <a:effectLst>
+            <a:outerShdw blurRad="50800" dist="38100" dir="2700000" algn="tl" rotWithShape="0">
+              <a:prstClr val="black">
+                <a:alpha val="40000"/>
+              </a:prstClr>
+            </a:outerShdw>
+          </a:effectLst>
+        </p:spPr>
+        <p:style>
+          <a:lnRef idx="0">
+            <a:schemeClr val="accent1"/>
+          </a:lnRef>
+          <a:fillRef idx="3">
+            <a:schemeClr val="accent1"/>
+          </a:fillRef>
+          <a:effectRef idx="3">
+            <a:schemeClr val="accent1"/>
+          </a:effectRef>
+          <a:fontRef idx="minor">
+            <a:schemeClr val="lt1"/>
+          </a:fontRef>
+        </p:style>
+        <p:txBody>
+          <a:bodyPr rtlCol="0" anchor="ctr"/>
+          <a:lstStyle/>
+          <a:p>
+            <a:pPr algn="ctr"/>
+            <a:r>
+              <a:rPr lang="fr-FR" sz="1400" dirty="0"/>
+              <a:t>Format de données « standard »</a:t>
+            </a:r>
+          </a:p>
+        </p:txBody>
+      </p:sp>
+      <p:sp>
+        <p:nvSpPr>
+          <p:cNvPr id="125" name="Rectangle : coins arrondis 124">
+            <a:extLst>
+              <a:ext uri="{FF2B5EF4-FFF2-40B4-BE49-F238E27FC236}">
+                <a16:creationId xmlns:a16="http://schemas.microsoft.com/office/drawing/2014/main" id="{747E0223-17BE-4A19-9F47-13B14BB9BE91}"/>
+              </a:ext>
+            </a:extLst>
+          </p:cNvPr>
+          <p:cNvSpPr/>
+          <p:nvPr/>
+        </p:nvSpPr>
+        <p:spPr>
+          <a:xfrm>
+            <a:off x="7915810" y="6262536"/>
+            <a:ext cx="3272457" cy="362241"/>
+          </a:xfrm>
+          <a:prstGeom prst="roundRect">
+            <a:avLst>
+              <a:gd name="adj" fmla="val 50000"/>
+            </a:avLst>
+          </a:prstGeom>
+          <a:solidFill>
+            <a:srgbClr val="00B050"/>
+          </a:solidFill>
+          <a:effectLst>
+            <a:outerShdw blurRad="50800" dist="38100" dir="2700000" algn="tl" rotWithShape="0">
+              <a:prstClr val="black">
+                <a:alpha val="40000"/>
+              </a:prstClr>
+            </a:outerShdw>
+          </a:effectLst>
+        </p:spPr>
+        <p:style>
+          <a:lnRef idx="0">
+            <a:schemeClr val="accent1"/>
+          </a:lnRef>
+          <a:fillRef idx="3">
+            <a:schemeClr val="accent1"/>
+          </a:fillRef>
+          <a:effectRef idx="3">
+            <a:schemeClr val="accent1"/>
+          </a:effectRef>
+          <a:fontRef idx="minor">
+            <a:schemeClr val="lt1"/>
+          </a:fontRef>
+        </p:style>
+        <p:txBody>
+          <a:bodyPr rtlCol="0" anchor="ctr"/>
+          <a:lstStyle/>
+          <a:p>
+            <a:pPr algn="ctr"/>
+            <a:r>
+              <a:rPr lang="fr-FR" sz="1400" dirty="0"/>
+              <a:t>Outils d’exploitation « standard »</a:t>
+            </a:r>
+          </a:p>
+        </p:txBody>
+      </p:sp>
+      <p:sp>
+        <p:nvSpPr>
+          <p:cNvPr id="126" name="Flèche : bas 125">
+            <a:extLst>
+              <a:ext uri="{FF2B5EF4-FFF2-40B4-BE49-F238E27FC236}">
+                <a16:creationId xmlns:a16="http://schemas.microsoft.com/office/drawing/2014/main" id="{C888F139-C34E-4DAF-A2C5-D0D2A054C0C2}"/>
+              </a:ext>
+            </a:extLst>
+          </p:cNvPr>
+          <p:cNvSpPr/>
+          <p:nvPr/>
+        </p:nvSpPr>
+        <p:spPr>
+          <a:xfrm>
+            <a:off x="9367904" y="4736381"/>
+            <a:ext cx="368269" cy="369401"/>
+          </a:xfrm>
+          <a:prstGeom prst="downArrow">
+            <a:avLst/>
+          </a:prstGeom>
+          <a:solidFill>
+            <a:srgbClr val="002060"/>
+          </a:solidFill>
+          <a:ln>
+            <a:noFill/>
+          </a:ln>
+        </p:spPr>
+        <p:style>
+          <a:lnRef idx="2">
+            <a:schemeClr val="accent1">
+              <a:shade val="50000"/>
+            </a:schemeClr>
+          </a:lnRef>
+          <a:fillRef idx="1">
+            <a:schemeClr val="accent1"/>
+          </a:fillRef>
+          <a:effectRef idx="0">
+            <a:schemeClr val="accent1"/>
+          </a:effectRef>
+          <a:fontRef idx="minor">
+            <a:schemeClr val="lt1"/>
+          </a:fontRef>
+        </p:style>
+        <p:txBody>
+          <a:bodyPr rtlCol="0" anchor="ctr"/>
+          <a:lstStyle/>
+          <a:p>
+            <a:pPr algn="ctr"/>
+            <a:endParaRPr lang="fr-FR"/>
+          </a:p>
+        </p:txBody>
+      </p:sp>
+      <p:sp>
+        <p:nvSpPr>
+          <p:cNvPr id="127" name="Flèche : bas 126">
+            <a:extLst>
+              <a:ext uri="{FF2B5EF4-FFF2-40B4-BE49-F238E27FC236}">
+                <a16:creationId xmlns:a16="http://schemas.microsoft.com/office/drawing/2014/main" id="{27DEB356-A859-4719-A2A4-78EB4CD91E9E}"/>
+              </a:ext>
+            </a:extLst>
+          </p:cNvPr>
+          <p:cNvSpPr/>
+          <p:nvPr/>
+        </p:nvSpPr>
+        <p:spPr>
+          <a:xfrm>
+            <a:off x="9367904" y="5340565"/>
+            <a:ext cx="368269" cy="369401"/>
+          </a:xfrm>
+          <a:prstGeom prst="downArrow">
+            <a:avLst/>
+          </a:prstGeom>
+          <a:solidFill>
+            <a:srgbClr val="002060"/>
+          </a:solidFill>
+          <a:ln>
+            <a:noFill/>
+          </a:ln>
+        </p:spPr>
+        <p:style>
+          <a:lnRef idx="2">
+            <a:schemeClr val="accent1">
+              <a:shade val="50000"/>
+            </a:schemeClr>
+          </a:lnRef>
+          <a:fillRef idx="1">
+            <a:schemeClr val="accent1"/>
+          </a:fillRef>
+          <a:effectRef idx="0">
+            <a:schemeClr val="accent1"/>
+          </a:effectRef>
+          <a:fontRef idx="minor">
+            <a:schemeClr val="lt1"/>
+          </a:fontRef>
+        </p:style>
+        <p:txBody>
+          <a:bodyPr rtlCol="0" anchor="ctr"/>
+          <a:lstStyle/>
+          <a:p>
+            <a:pPr algn="ctr"/>
+            <a:endParaRPr lang="fr-FR"/>
+          </a:p>
+        </p:txBody>
+      </p:sp>
+      <p:sp>
+        <p:nvSpPr>
+          <p:cNvPr id="128" name="Flèche : bas 127">
+            <a:extLst>
+              <a:ext uri="{FF2B5EF4-FFF2-40B4-BE49-F238E27FC236}">
+                <a16:creationId xmlns:a16="http://schemas.microsoft.com/office/drawing/2014/main" id="{3EF3A6FF-BBC6-41B9-8CE1-0B991A3B3520}"/>
+              </a:ext>
+            </a:extLst>
+          </p:cNvPr>
+          <p:cNvSpPr/>
+          <p:nvPr/>
+        </p:nvSpPr>
+        <p:spPr>
+          <a:xfrm>
+            <a:off x="9367904" y="5944749"/>
+            <a:ext cx="368269" cy="369401"/>
+          </a:xfrm>
+          <a:prstGeom prst="downArrow">
+            <a:avLst/>
+          </a:prstGeom>
+          <a:solidFill>
+            <a:srgbClr val="002060"/>
+          </a:solidFill>
+          <a:ln>
+            <a:noFill/>
+          </a:ln>
+        </p:spPr>
+        <p:style>
+          <a:lnRef idx="2">
+            <a:schemeClr val="accent1">
+              <a:shade val="50000"/>
+            </a:schemeClr>
+          </a:lnRef>
+          <a:fillRef idx="1">
+            <a:schemeClr val="accent1"/>
+          </a:fillRef>
+          <a:effectRef idx="0">
+            <a:schemeClr val="accent1"/>
+          </a:effectRef>
+          <a:fontRef idx="minor">
+            <a:schemeClr val="lt1"/>
+          </a:fontRef>
+        </p:style>
+        <p:txBody>
+          <a:bodyPr rtlCol="0" anchor="ctr"/>
+          <a:lstStyle/>
+          <a:p>
+            <a:pPr algn="ctr"/>
+            <a:endParaRPr lang="fr-FR"/>
+          </a:p>
+        </p:txBody>
+      </p:sp>
+    </p:spTree>
+    <p:extLst>
+      <p:ext uri="{BB962C8B-B14F-4D97-AF65-F5344CB8AC3E}">
+        <p14:creationId xmlns:p14="http://schemas.microsoft.com/office/powerpoint/2010/main" val="1772287133"/>
+      </p:ext>
+    </p:extLst>
+  </p:cSld>
+  <p:clrMapOvr>
+    <a:masterClrMapping/>
+  </p:clrMapOvr>
+</p:sld>
+</file>
+
+<file path=ppt/slides/slide11.xml><?xml version="1.0" encoding="utf-8"?>
+<p:sld xmlns:a="http://schemas.openxmlformats.org/drawingml/2006/main" xmlns:r="http://schemas.openxmlformats.org/officeDocument/2006/relationships" xmlns:p="http://schemas.openxmlformats.org/presentationml/2006/main">
+  <p:cSld>
+    <p:spTree>
+      <p:nvGrpSpPr>
+        <p:cNvPr id="1" name=""/>
+        <p:cNvGrpSpPr/>
+        <p:nvPr/>
+      </p:nvGrpSpPr>
+      <p:grpSpPr>
+        <a:xfrm>
+          <a:off x="0" y="0"/>
+          <a:ext cx="0" cy="0"/>
+          <a:chOff x="0" y="0"/>
+          <a:chExt cx="0" cy="0"/>
+        </a:xfrm>
+      </p:grpSpPr>
+      <p:sp>
+        <p:nvSpPr>
           <p:cNvPr id="2" name="Titre 1">
             <a:extLst>
               <a:ext uri="{FF2B5EF4-FFF2-40B4-BE49-F238E27FC236}">
@@ -11175,7 +13694,7 @@
           <a:p>
             <a:r>
               <a:rPr lang="fr-FR" dirty="0"/>
-              <a:t>Exemple - explication</a:t>
+              <a:t>Exemples - explication</a:t>
             </a:r>
           </a:p>
         </p:txBody>
@@ -13359,7 +15878,7 @@
 </p:sld>
 </file>
 
-<file path=ppt/slides/slide11.xml><?xml version="1.0" encoding="utf-8"?>
+<file path=ppt/slides/slide12.xml><?xml version="1.0" encoding="utf-8"?>
 <p:sld xmlns:a="http://schemas.openxmlformats.org/drawingml/2006/main" xmlns:r="http://schemas.openxmlformats.org/officeDocument/2006/relationships" xmlns:p="http://schemas.openxmlformats.org/presentationml/2006/main">
   <p:cSld>
     <p:spTree>
@@ -13442,7 +15961,7 @@
           <a:p>
             <a:fld id="{5023A80A-40FC-4210-9452-7B0942DCA00B}" type="datetime1">
               <a:rPr lang="fr-FR" smtClean="0"/>
-              <a:t>17/01/2022</a:t>
+              <a:t>20/01/2022</a:t>
             </a:fld>
             <a:endParaRPr lang="fr-FR" dirty="0"/>
           </a:p>
@@ -13507,7 +16026,7 @@
             <a:fld id="{A15E53C2-24D8-4AC7-A695-9D161D6D0C6E}" type="slidenum">
               <a:rPr lang="fr-FR" smtClean="0"/>
               <a:pPr/>
-              <a:t>11</a:t>
+              <a:t>12</a:t>
             </a:fld>
             <a:endParaRPr lang="fr-FR" dirty="0"/>
           </a:p>
@@ -13526,7 +16045,7 @@
 </p:sld>
 </file>
 
-<file path=ppt/slides/slide12.xml><?xml version="1.0" encoding="utf-8"?>
+<file path=ppt/slides/slide13.xml><?xml version="1.0" encoding="utf-8"?>
 <p:sld xmlns:a="http://schemas.openxmlformats.org/drawingml/2006/main" xmlns:r="http://schemas.openxmlformats.org/officeDocument/2006/relationships" xmlns:p="http://schemas.openxmlformats.org/presentationml/2006/main">
   <p:cSld>
     <p:spTree>
@@ -13834,7 +16353,7 @@
                 <a:ea typeface="Times New Roman" panose="02020603050405020304" pitchFamily="18" charset="0"/>
                 <a:cs typeface="Arial" panose="020B0604020202020204" pitchFamily="34" charset="0"/>
               </a:rPr>
-              <a:t>pas au niveau sémantique (nécessite également l’usage d’un décodeur pour chaque format).</a:t>
+              <a:t>pas au niveau sémantique (nécessite l’usage d’un décodeur pour chaque format).</a:t>
             </a:r>
           </a:p>
           <a:p>
@@ -14025,7 +16544,7 @@
 </p:sld>
 </file>
 
-<file path=ppt/slides/slide13.xml><?xml version="1.0" encoding="utf-8"?>
+<file path=ppt/slides/slide14.xml><?xml version="1.0" encoding="utf-8"?>
 <p:sld xmlns:a="http://schemas.openxmlformats.org/drawingml/2006/main" xmlns:r="http://schemas.openxmlformats.org/officeDocument/2006/relationships" xmlns:p="http://schemas.openxmlformats.org/presentationml/2006/main">
   <p:cSld>
     <p:spTree>
@@ -14350,7 +16869,7 @@
             </a:pPr>
             <a:r>
               <a:rPr lang="fr-FR" sz="2000" b="1" dirty="0"/>
-              <a:t>Fournir une open-information compréhensible (open-data de plus haut niveau qu’aujourd’hui) </a:t>
+              <a:t>Fournir une open-information compréhensible et accessible (open-data de plus haut niveau qu’aujourd’hui) </a:t>
             </a:r>
           </a:p>
           <a:p>
@@ -14393,7 +16912,7 @@
 </p:sld>
 </file>
 
-<file path=ppt/slides/slide14.xml><?xml version="1.0" encoding="utf-8"?>
+<file path=ppt/slides/slide15.xml><?xml version="1.0" encoding="utf-8"?>
 <p:sld xmlns:a="http://schemas.openxmlformats.org/drawingml/2006/main" xmlns:r="http://schemas.openxmlformats.org/officeDocument/2006/relationships" xmlns:p="http://schemas.openxmlformats.org/presentationml/2006/main">
   <p:cSld>
     <p:spTree>
@@ -14476,7 +16995,7 @@
           <a:p>
             <a:fld id="{5023A80A-40FC-4210-9452-7B0942DCA00B}" type="datetime1">
               <a:rPr lang="fr-FR" smtClean="0"/>
-              <a:t>17/01/2022</a:t>
+              <a:t>20/01/2022</a:t>
             </a:fld>
             <a:endParaRPr lang="fr-FR" dirty="0"/>
           </a:p>
@@ -14541,7 +17060,7 @@
             <a:fld id="{A15E53C2-24D8-4AC7-A695-9D161D6D0C6E}" type="slidenum">
               <a:rPr lang="fr-FR" smtClean="0"/>
               <a:pPr/>
-              <a:t>14</a:t>
+              <a:t>15</a:t>
             </a:fld>
             <a:endParaRPr lang="fr-FR" dirty="0"/>
           </a:p>
@@ -14560,7 +17079,7 @@
 </p:sld>
 </file>
 
-<file path=ppt/slides/slide15.xml><?xml version="1.0" encoding="utf-8"?>
+<file path=ppt/slides/slide16.xml><?xml version="1.0" encoding="utf-8"?>
 <p:sld xmlns:a="http://schemas.openxmlformats.org/drawingml/2006/main" xmlns:r="http://schemas.openxmlformats.org/officeDocument/2006/relationships" xmlns:p="http://schemas.openxmlformats.org/presentationml/2006/main">
   <p:cSld>
     <p:spTree>
@@ -14906,7 +17425,7 @@
 </p:sld>
 </file>
 
-<file path=ppt/slides/slide16.xml><?xml version="1.0" encoding="utf-8"?>
+<file path=ppt/slides/slide17.xml><?xml version="1.0" encoding="utf-8"?>
 <p:sld xmlns:a="http://schemas.openxmlformats.org/drawingml/2006/main" xmlns:r="http://schemas.openxmlformats.org/officeDocument/2006/relationships" xmlns:p="http://schemas.openxmlformats.org/presentationml/2006/main">
   <p:cSld>
     <p:spTree>
@@ -14989,7 +17508,7 @@
           <a:p>
             <a:fld id="{5023A80A-40FC-4210-9452-7B0942DCA00B}" type="datetime1">
               <a:rPr lang="fr-FR" smtClean="0"/>
-              <a:t>17/01/2022</a:t>
+              <a:t>20/01/2022</a:t>
             </a:fld>
             <a:endParaRPr lang="fr-FR" dirty="0"/>
           </a:p>
@@ -15054,7 +17573,7 @@
             <a:fld id="{A15E53C2-24D8-4AC7-A695-9D161D6D0C6E}" type="slidenum">
               <a:rPr lang="fr-FR" smtClean="0"/>
               <a:pPr/>
-              <a:t>16</a:t>
+              <a:t>17</a:t>
             </a:fld>
             <a:endParaRPr lang="fr-FR" dirty="0"/>
           </a:p>
@@ -15073,7 +17592,7 @@
 </p:sld>
 </file>
 
-<file path=ppt/slides/slide17.xml><?xml version="1.0" encoding="utf-8"?>
+<file path=ppt/slides/slide18.xml><?xml version="1.0" encoding="utf-8"?>
 <p:sld xmlns:a="http://schemas.openxmlformats.org/drawingml/2006/main" xmlns:r="http://schemas.openxmlformats.org/officeDocument/2006/relationships" xmlns:p="http://schemas.openxmlformats.org/presentationml/2006/main">
   <p:cSld>
     <p:spTree>
@@ -15448,13 +17967,17 @@
             <a:pPr lvl="1"/>
             <a:r>
               <a:rPr lang="fr-FR" sz="1560" b="1" dirty="0"/>
-              <a:t>Un expert informatique ayant une forte compétence en architecture </a:t>
-            </a:r>
-            <a:r>
-              <a:rPr lang="fr-FR" sz="1560" b="1" dirty="0" err="1"/>
-              <a:t>logiciell</a:t>
-            </a:r>
-            <a:endParaRPr lang="fr-FR" sz="1560" b="1" dirty="0"/>
+              <a:t>Un expert informatique ayant une forte compétence en architecture logicielle</a:t>
+            </a:r>
+          </a:p>
+          <a:p>
+            <a:pPr marL="503971" lvl="1" indent="0">
+              <a:buNone/>
+            </a:pPr>
+            <a:r>
+              <a:rPr lang="fr-FR" sz="1560" b="1" dirty="0"/>
+              <a:t>Le pilote du projet consacre 100 % de son temps de travail à ce projet</a:t>
+            </a:r>
           </a:p>
         </p:txBody>
       </p:sp>
@@ -15471,7 +17994,7 @@
 </p:sld>
 </file>
 
-<file path=ppt/slides/slide18.xml><?xml version="1.0" encoding="utf-8"?>
+<file path=ppt/slides/slide19.xml><?xml version="1.0" encoding="utf-8"?>
 <p:sld xmlns:a="http://schemas.openxmlformats.org/drawingml/2006/main" xmlns:r="http://schemas.openxmlformats.org/officeDocument/2006/relationships" xmlns:p="http://schemas.openxmlformats.org/presentationml/2006/main">
   <p:cSld>
     <p:spTree>
@@ -15554,7 +18077,7 @@
           <a:p>
             <a:fld id="{5023A80A-40FC-4210-9452-7B0942DCA00B}" type="datetime1">
               <a:rPr lang="fr-FR" smtClean="0"/>
-              <a:t>17/01/2022</a:t>
+              <a:t>20/01/2022</a:t>
             </a:fld>
             <a:endParaRPr lang="fr-FR" dirty="0"/>
           </a:p>
@@ -15619,7 +18142,7 @@
             <a:fld id="{A15E53C2-24D8-4AC7-A695-9D161D6D0C6E}" type="slidenum">
               <a:rPr lang="fr-FR" smtClean="0"/>
               <a:pPr/>
-              <a:t>18</a:t>
+              <a:t>19</a:t>
             </a:fld>
             <a:endParaRPr lang="fr-FR" dirty="0"/>
           </a:p>
@@ -15638,7 +18161,187 @@
 </p:sld>
 </file>
 
-<file path=ppt/slides/slide19.xml><?xml version="1.0" encoding="utf-8"?>
+<file path=ppt/slides/slide2.xml><?xml version="1.0" encoding="utf-8"?>
+<p:sld xmlns:a="http://schemas.openxmlformats.org/drawingml/2006/main" xmlns:r="http://schemas.openxmlformats.org/officeDocument/2006/relationships" xmlns:p="http://schemas.openxmlformats.org/presentationml/2006/main">
+  <p:cSld>
+    <p:spTree>
+      <p:nvGrpSpPr>
+        <p:cNvPr id="1" name=""/>
+        <p:cNvGrpSpPr/>
+        <p:nvPr/>
+      </p:nvGrpSpPr>
+      <p:grpSpPr>
+        <a:xfrm>
+          <a:off x="0" y="0"/>
+          <a:ext cx="0" cy="0"/>
+          <a:chOff x="0" y="0"/>
+          <a:chExt cx="0" cy="0"/>
+        </a:xfrm>
+      </p:grpSpPr>
+      <p:sp>
+        <p:nvSpPr>
+          <p:cNvPr id="2" name="Titre 1">
+            <a:extLst>
+              <a:ext uri="{FF2B5EF4-FFF2-40B4-BE49-F238E27FC236}">
+                <a16:creationId xmlns:a16="http://schemas.microsoft.com/office/drawing/2014/main" id="{EF5BB174-02DB-4DB6-AAA2-3C38728B1102}"/>
+              </a:ext>
+            </a:extLst>
+          </p:cNvPr>
+          <p:cNvSpPr>
+            <a:spLocks noGrp="1"/>
+          </p:cNvSpPr>
+          <p:nvPr>
+            <p:ph type="title"/>
+          </p:nvPr>
+        </p:nvSpPr>
+        <p:spPr/>
+        <p:txBody>
+          <a:bodyPr/>
+          <a:lstStyle/>
+          <a:p>
+            <a:r>
+              <a:rPr lang="fr-FR" dirty="0"/>
+              <a:t>Sommaire</a:t>
+            </a:r>
+          </a:p>
+        </p:txBody>
+      </p:sp>
+      <p:sp>
+        <p:nvSpPr>
+          <p:cNvPr id="3" name="Espace réservé du contenu 2">
+            <a:extLst>
+              <a:ext uri="{FF2B5EF4-FFF2-40B4-BE49-F238E27FC236}">
+                <a16:creationId xmlns:a16="http://schemas.microsoft.com/office/drawing/2014/main" id="{ADB236CE-92C8-4653-8C5E-A41BC60B2457}"/>
+              </a:ext>
+            </a:extLst>
+          </p:cNvPr>
+          <p:cNvSpPr>
+            <a:spLocks noGrp="1"/>
+          </p:cNvSpPr>
+          <p:nvPr>
+            <p:ph idx="1"/>
+          </p:nvPr>
+        </p:nvSpPr>
+        <p:spPr>
+          <a:xfrm>
+            <a:off x="1621410" y="1564849"/>
+            <a:ext cx="10570590" cy="5052767"/>
+          </a:xfrm>
+        </p:spPr>
+        <p:txBody>
+          <a:bodyPr>
+            <a:normAutofit fontScale="92500" lnSpcReduction="20000"/>
+          </a:bodyPr>
+          <a:lstStyle/>
+          <a:p>
+            <a:r>
+              <a:rPr lang="fr-FR" sz="2000" dirty="0"/>
+              <a:t>Introduction</a:t>
+            </a:r>
+          </a:p>
+          <a:p>
+            <a:r>
+              <a:rPr lang="fr-FR" sz="2000" dirty="0"/>
+              <a:t>Projet</a:t>
+            </a:r>
+          </a:p>
+          <a:p>
+            <a:r>
+              <a:rPr lang="fr-FR" sz="2000" dirty="0"/>
+              <a:t>Exemple</a:t>
+            </a:r>
+          </a:p>
+          <a:p>
+            <a:pPr marL="0" indent="0">
+              <a:buNone/>
+            </a:pPr>
+            <a:endParaRPr lang="fr-FR" sz="2000" dirty="0"/>
+          </a:p>
+          <a:p>
+            <a:r>
+              <a:rPr lang="fr-FR" sz="2000" dirty="0"/>
+              <a:t>Critère 1 : La finalité d’intérêt général</a:t>
+            </a:r>
+          </a:p>
+          <a:p>
+            <a:r>
+              <a:rPr lang="fr-FR" sz="2000" dirty="0"/>
+              <a:t>Critère 2 : L’impact</a:t>
+            </a:r>
+          </a:p>
+          <a:p>
+            <a:r>
+              <a:rPr lang="fr-FR" sz="2000" dirty="0"/>
+              <a:t>Critère 3 : La maturité et la structuration du projet</a:t>
+            </a:r>
+          </a:p>
+          <a:p>
+            <a:r>
+              <a:rPr lang="fr-FR" sz="2000" dirty="0"/>
+              <a:t>Critère 4 : L’ouverture, la transparence et l’intégrité</a:t>
+            </a:r>
+          </a:p>
+          <a:p>
+            <a:r>
+              <a:rPr lang="fr-FR" sz="2000" dirty="0"/>
+              <a:t>Critère 5 : Potentiel d'effet de levier de l'accompagnement par l'administration</a:t>
+            </a:r>
+          </a:p>
+          <a:p>
+            <a:endParaRPr lang="fr-FR" sz="2000" dirty="0"/>
+          </a:p>
+          <a:p>
+            <a:r>
+              <a:rPr lang="fr-FR" sz="2000" dirty="0"/>
+              <a:t>Synthèse</a:t>
+            </a:r>
+          </a:p>
+          <a:p>
+            <a:endParaRPr lang="fr-FR" sz="2000" dirty="0"/>
+          </a:p>
+          <a:p>
+            <a:r>
+              <a:rPr lang="fr-FR" sz="2000" i="1" dirty="0"/>
+              <a:t>Annexe : Référentiel normes et standards</a:t>
+            </a:r>
+          </a:p>
+          <a:p>
+            <a:r>
+              <a:rPr lang="fr-FR" sz="2000" i="1" dirty="0"/>
+              <a:t>Annexe : Données environnementales</a:t>
+            </a:r>
+          </a:p>
+          <a:p>
+            <a:endParaRPr lang="fr-FR" sz="2000" dirty="0"/>
+          </a:p>
+          <a:p>
+            <a:endParaRPr lang="fr-FR" sz="2000" dirty="0"/>
+          </a:p>
+          <a:p>
+            <a:endParaRPr lang="fr-FR" sz="2000" dirty="0"/>
+          </a:p>
+          <a:p>
+            <a:endParaRPr lang="fr-FR" sz="2000" dirty="0"/>
+          </a:p>
+          <a:p>
+            <a:endParaRPr lang="fr-FR" sz="2000" dirty="0"/>
+          </a:p>
+        </p:txBody>
+      </p:sp>
+    </p:spTree>
+    <p:extLst>
+      <p:ext uri="{BB962C8B-B14F-4D97-AF65-F5344CB8AC3E}">
+        <p14:creationId xmlns:p14="http://schemas.microsoft.com/office/powerpoint/2010/main" val="2486580531"/>
+      </p:ext>
+    </p:extLst>
+  </p:cSld>
+  <p:clrMapOvr>
+    <a:masterClrMapping/>
+  </p:clrMapOvr>
+</p:sld>
+</file>
+
+<file path=ppt/slides/slide20.xml><?xml version="1.0" encoding="utf-8"?>
 <p:sld xmlns:a="http://schemas.openxmlformats.org/drawingml/2006/main" xmlns:r="http://schemas.openxmlformats.org/officeDocument/2006/relationships" xmlns:p="http://schemas.openxmlformats.org/presentationml/2006/main">
   <p:cSld>
     <p:spTree>
@@ -15886,7 +18589,7 @@
               <a:buNone/>
             </a:pPr>
             <a:r>
-              <a:rPr lang="fr-FR" sz="2000" b="1" dirty="0"/>
+              <a:rPr lang="fr-FR" sz="2400" b="1" dirty="0"/>
               <a:t>Initiative ouverte et transparente:</a:t>
             </a:r>
           </a:p>
@@ -15895,8 +18598,8 @@
               <a:buNone/>
             </a:pPr>
             <a:r>
-              <a:rPr lang="fr-FR" sz="1560" b="1" dirty="0"/>
-              <a:t>Un standard ne peut être défini, construit, mis en œuvre et déployé sans approche ouverte et transparente.</a:t>
+              <a:rPr lang="fr-FR" sz="1600" b="1" dirty="0"/>
+              <a:t>Un standard ne peut être défini, construit, mis en œuvre et déployé sans une approche ouverte et transparente.</a:t>
             </a:r>
           </a:p>
           <a:p>
@@ -15904,15 +18607,15 @@
               <a:buNone/>
             </a:pPr>
             <a:r>
-              <a:rPr lang="fr-FR" sz="1560" b="1" dirty="0"/>
+              <a:rPr lang="fr-FR" sz="1600" b="1" dirty="0"/>
               <a:t>Les premiers travaux réalisés sont totalement ouverts (partage sur la plateforme </a:t>
             </a:r>
             <a:r>
-              <a:rPr lang="fr-FR" sz="1560" b="1" dirty="0" err="1"/>
+              <a:rPr lang="fr-FR" sz="1600" b="1" dirty="0" err="1"/>
               <a:t>Github</a:t>
             </a:r>
             <a:r>
-              <a:rPr lang="fr-FR" sz="1560" b="1" dirty="0"/>
+              <a:rPr lang="fr-FR" sz="1600" b="1" dirty="0"/>
               <a:t>) et transparents  (les principes sous-jacents sont expliqués et partagés).</a:t>
             </a:r>
           </a:p>
@@ -15920,14 +18623,23 @@
             <a:pPr marL="503971" lvl="1" indent="0">
               <a:buNone/>
             </a:pPr>
-            <a:endParaRPr lang="fr-FR" sz="1560" b="1" dirty="0"/>
+            <a:r>
+              <a:rPr lang="fr-FR" sz="1600" b="1" dirty="0"/>
+              <a:t>Les travaux sont menés exclusivement sur des logiciels libres </a:t>
+            </a:r>
+          </a:p>
+          <a:p>
+            <a:pPr marL="503971" lvl="1" indent="0">
+              <a:buNone/>
+            </a:pPr>
+            <a:endParaRPr lang="fr-FR" sz="1600" b="1" dirty="0"/>
           </a:p>
           <a:p>
             <a:pPr marL="0" indent="0">
               <a:buNone/>
             </a:pPr>
             <a:r>
-              <a:rPr lang="fr-FR" sz="2000" b="1" dirty="0"/>
+              <a:rPr lang="fr-FR" sz="2400" b="1" dirty="0"/>
               <a:t>Respect du cadre légal en vigueur</a:t>
             </a:r>
           </a:p>
@@ -15936,36 +18648,36 @@
               <a:buNone/>
             </a:pPr>
             <a:r>
-              <a:rPr lang="fr-FR" sz="1560" b="1" dirty="0"/>
+              <a:rPr lang="fr-FR" sz="1600" b="1" dirty="0"/>
               <a:t>La mise en œuvre du projet s’appuiera sur une structure adaptée. Plusieurs solutions sont possibles :</a:t>
             </a:r>
           </a:p>
           <a:p>
             <a:pPr lvl="1"/>
             <a:r>
-              <a:rPr lang="fr-FR" sz="1560" b="1" dirty="0"/>
+              <a:rPr lang="fr-FR" sz="1600" b="1" dirty="0"/>
               <a:t>Structure dédiée de type SCIC</a:t>
             </a:r>
           </a:p>
           <a:p>
             <a:pPr lvl="1"/>
             <a:r>
-              <a:rPr lang="fr-FR" sz="1560" b="1" dirty="0"/>
+              <a:rPr lang="fr-FR" sz="1600" b="1" dirty="0"/>
               <a:t>Intégration à des structures d’innovation ou de projets déjà existantes (France / Europe)</a:t>
             </a:r>
           </a:p>
           <a:p>
             <a:pPr lvl="1"/>
             <a:r>
-              <a:rPr lang="fr-FR" sz="1560" b="1" dirty="0"/>
+              <a:rPr lang="fr-FR" sz="1600" b="1" dirty="0"/>
               <a:t>Adossé à des structures spécialisées (ex. </a:t>
             </a:r>
             <a:r>
-              <a:rPr lang="fr-FR" sz="1560" b="1" dirty="0" err="1"/>
+              <a:rPr lang="fr-FR" sz="1600" b="1" dirty="0" err="1"/>
               <a:t>NumFOCUS</a:t>
             </a:r>
             <a:r>
-              <a:rPr lang="fr-FR" sz="1560" b="1" dirty="0"/>
+              <a:rPr lang="fr-FR" sz="1600" b="1" dirty="0"/>
               <a:t>)</a:t>
             </a:r>
           </a:p>
@@ -15984,187 +18696,7 @@
 </p:sld>
 </file>
 
-<file path=ppt/slides/slide2.xml><?xml version="1.0" encoding="utf-8"?>
-<p:sld xmlns:a="http://schemas.openxmlformats.org/drawingml/2006/main" xmlns:r="http://schemas.openxmlformats.org/officeDocument/2006/relationships" xmlns:p="http://schemas.openxmlformats.org/presentationml/2006/main">
-  <p:cSld>
-    <p:spTree>
-      <p:nvGrpSpPr>
-        <p:cNvPr id="1" name=""/>
-        <p:cNvGrpSpPr/>
-        <p:nvPr/>
-      </p:nvGrpSpPr>
-      <p:grpSpPr>
-        <a:xfrm>
-          <a:off x="0" y="0"/>
-          <a:ext cx="0" cy="0"/>
-          <a:chOff x="0" y="0"/>
-          <a:chExt cx="0" cy="0"/>
-        </a:xfrm>
-      </p:grpSpPr>
-      <p:sp>
-        <p:nvSpPr>
-          <p:cNvPr id="2" name="Titre 1">
-            <a:extLst>
-              <a:ext uri="{FF2B5EF4-FFF2-40B4-BE49-F238E27FC236}">
-                <a16:creationId xmlns:a16="http://schemas.microsoft.com/office/drawing/2014/main" id="{EF5BB174-02DB-4DB6-AAA2-3C38728B1102}"/>
-              </a:ext>
-            </a:extLst>
-          </p:cNvPr>
-          <p:cNvSpPr>
-            <a:spLocks noGrp="1"/>
-          </p:cNvSpPr>
-          <p:nvPr>
-            <p:ph type="title"/>
-          </p:nvPr>
-        </p:nvSpPr>
-        <p:spPr/>
-        <p:txBody>
-          <a:bodyPr/>
-          <a:lstStyle/>
-          <a:p>
-            <a:r>
-              <a:rPr lang="fr-FR" dirty="0"/>
-              <a:t>Sommaire</a:t>
-            </a:r>
-          </a:p>
-        </p:txBody>
-      </p:sp>
-      <p:sp>
-        <p:nvSpPr>
-          <p:cNvPr id="3" name="Espace réservé du contenu 2">
-            <a:extLst>
-              <a:ext uri="{FF2B5EF4-FFF2-40B4-BE49-F238E27FC236}">
-                <a16:creationId xmlns:a16="http://schemas.microsoft.com/office/drawing/2014/main" id="{ADB236CE-92C8-4653-8C5E-A41BC60B2457}"/>
-              </a:ext>
-            </a:extLst>
-          </p:cNvPr>
-          <p:cNvSpPr>
-            <a:spLocks noGrp="1"/>
-          </p:cNvSpPr>
-          <p:nvPr>
-            <p:ph idx="1"/>
-          </p:nvPr>
-        </p:nvSpPr>
-        <p:spPr>
-          <a:xfrm>
-            <a:off x="1621410" y="1564849"/>
-            <a:ext cx="10570590" cy="5052767"/>
-          </a:xfrm>
-        </p:spPr>
-        <p:txBody>
-          <a:bodyPr>
-            <a:normAutofit fontScale="92500" lnSpcReduction="20000"/>
-          </a:bodyPr>
-          <a:lstStyle/>
-          <a:p>
-            <a:r>
-              <a:rPr lang="fr-FR" sz="2000" dirty="0"/>
-              <a:t>Introduction</a:t>
-            </a:r>
-          </a:p>
-          <a:p>
-            <a:r>
-              <a:rPr lang="fr-FR" sz="2000" dirty="0"/>
-              <a:t>Projet</a:t>
-            </a:r>
-          </a:p>
-          <a:p>
-            <a:r>
-              <a:rPr lang="fr-FR" sz="2000" dirty="0"/>
-              <a:t>Exemple</a:t>
-            </a:r>
-          </a:p>
-          <a:p>
-            <a:pPr marL="0" indent="0">
-              <a:buNone/>
-            </a:pPr>
-            <a:endParaRPr lang="fr-FR" sz="2000" dirty="0"/>
-          </a:p>
-          <a:p>
-            <a:r>
-              <a:rPr lang="fr-FR" sz="2000" dirty="0"/>
-              <a:t>Critère 1 : La finalité d’intérêt général</a:t>
-            </a:r>
-          </a:p>
-          <a:p>
-            <a:r>
-              <a:rPr lang="fr-FR" sz="2000" dirty="0"/>
-              <a:t>Critère 2 : L’impact</a:t>
-            </a:r>
-          </a:p>
-          <a:p>
-            <a:r>
-              <a:rPr lang="fr-FR" sz="2000" dirty="0"/>
-              <a:t>Critère 3 : La maturité et la structuration du projet</a:t>
-            </a:r>
-          </a:p>
-          <a:p>
-            <a:r>
-              <a:rPr lang="fr-FR" sz="2000" dirty="0"/>
-              <a:t>Critère 4 : L’ouverture, la transparence et l’intégrité</a:t>
-            </a:r>
-          </a:p>
-          <a:p>
-            <a:r>
-              <a:rPr lang="fr-FR" sz="2000" dirty="0"/>
-              <a:t>Critère 5 : Potentiel d'effet de levier de l'accompagnement par l'administration</a:t>
-            </a:r>
-          </a:p>
-          <a:p>
-            <a:endParaRPr lang="fr-FR" sz="2000" dirty="0"/>
-          </a:p>
-          <a:p>
-            <a:r>
-              <a:rPr lang="fr-FR" sz="2000" dirty="0"/>
-              <a:t>Synthèse</a:t>
-            </a:r>
-          </a:p>
-          <a:p>
-            <a:endParaRPr lang="fr-FR" sz="2000" dirty="0"/>
-          </a:p>
-          <a:p>
-            <a:r>
-              <a:rPr lang="fr-FR" sz="2000" i="1" dirty="0"/>
-              <a:t>Annexe : Référentiel normes et standards</a:t>
-            </a:r>
-          </a:p>
-          <a:p>
-            <a:r>
-              <a:rPr lang="fr-FR" sz="2000" i="1" dirty="0"/>
-              <a:t>Annexe : Données environnementales</a:t>
-            </a:r>
-          </a:p>
-          <a:p>
-            <a:endParaRPr lang="fr-FR" sz="2000" dirty="0"/>
-          </a:p>
-          <a:p>
-            <a:endParaRPr lang="fr-FR" sz="2000" dirty="0"/>
-          </a:p>
-          <a:p>
-            <a:endParaRPr lang="fr-FR" sz="2000" dirty="0"/>
-          </a:p>
-          <a:p>
-            <a:endParaRPr lang="fr-FR" sz="2000" dirty="0"/>
-          </a:p>
-          <a:p>
-            <a:endParaRPr lang="fr-FR" sz="2000" dirty="0"/>
-          </a:p>
-        </p:txBody>
-      </p:sp>
-    </p:spTree>
-    <p:extLst>
-      <p:ext uri="{BB962C8B-B14F-4D97-AF65-F5344CB8AC3E}">
-        <p14:creationId xmlns:p14="http://schemas.microsoft.com/office/powerpoint/2010/main" val="2486580531"/>
-      </p:ext>
-    </p:extLst>
-  </p:cSld>
-  <p:clrMapOvr>
-    <a:masterClrMapping/>
-  </p:clrMapOvr>
-</p:sld>
-</file>
-
-<file path=ppt/slides/slide20.xml><?xml version="1.0" encoding="utf-8"?>
+<file path=ppt/slides/slide21.xml><?xml version="1.0" encoding="utf-8"?>
 <p:sld xmlns:a="http://schemas.openxmlformats.org/drawingml/2006/main" xmlns:r="http://schemas.openxmlformats.org/officeDocument/2006/relationships" xmlns:p="http://schemas.openxmlformats.org/presentationml/2006/main">
   <p:cSld>
     <p:spTree>
@@ -16247,7 +18779,7 @@
           <a:p>
             <a:fld id="{5023A80A-40FC-4210-9452-7B0942DCA00B}" type="datetime1">
               <a:rPr lang="fr-FR" smtClean="0"/>
-              <a:t>17/01/2022</a:t>
+              <a:t>20/01/2022</a:t>
             </a:fld>
             <a:endParaRPr lang="fr-FR" dirty="0"/>
           </a:p>
@@ -16312,7 +18844,7 @@
             <a:fld id="{A15E53C2-24D8-4AC7-A695-9D161D6D0C6E}" type="slidenum">
               <a:rPr lang="fr-FR" smtClean="0"/>
               <a:pPr/>
-              <a:t>20</a:t>
+              <a:t>21</a:t>
             </a:fld>
             <a:endParaRPr lang="fr-FR" dirty="0"/>
           </a:p>
@@ -16331,7 +18863,7 @@
 </p:sld>
 </file>
 
-<file path=ppt/slides/slide21.xml><?xml version="1.0" encoding="utf-8"?>
+<file path=ppt/slides/slide22.xml><?xml version="1.0" encoding="utf-8"?>
 <p:sld xmlns:a="http://schemas.openxmlformats.org/drawingml/2006/main" xmlns:r="http://schemas.openxmlformats.org/officeDocument/2006/relationships" xmlns:p="http://schemas.openxmlformats.org/presentationml/2006/main">
   <p:cSld>
     <p:spTree>
@@ -16399,7 +18931,7 @@
         </p:nvSpPr>
         <p:spPr>
           <a:xfrm>
-            <a:off x="1117265" y="1153239"/>
+            <a:off x="838199" y="917569"/>
             <a:ext cx="10769656" cy="5509023"/>
           </a:xfrm>
           <a:prstGeom prst="rect">
@@ -16579,7 +19111,7 @@
               <a:buNone/>
             </a:pPr>
             <a:r>
-              <a:rPr lang="fr-FR" sz="2000" b="1" dirty="0"/>
+              <a:rPr lang="fr-FR" sz="2800" b="1" dirty="0"/>
               <a:t>Aide demandée à l’administration:</a:t>
             </a:r>
           </a:p>
@@ -16588,15 +19120,15 @@
               <a:buNone/>
             </a:pPr>
             <a:r>
-              <a:rPr lang="fr-FR" sz="1560" b="1" dirty="0"/>
+              <a:rPr lang="fr-FR" sz="1800" b="1" dirty="0"/>
               <a:t>Le soutien des services publics est indispensable pour la réussite de ce type de projet qui rentre difficilement dans une logique de </a:t>
             </a:r>
             <a:r>
-              <a:rPr lang="fr-FR" sz="1560" b="1" dirty="0" err="1"/>
+              <a:rPr lang="fr-FR" sz="1800" b="1" dirty="0" err="1"/>
               <a:t>start’up</a:t>
             </a:r>
             <a:r>
-              <a:rPr lang="fr-FR" sz="1560" b="1" dirty="0"/>
+              <a:rPr lang="fr-FR" sz="1800" b="1" dirty="0"/>
               <a:t> ou de structure privée.</a:t>
             </a:r>
           </a:p>
@@ -16605,7 +19137,7 @@
               <a:buNone/>
             </a:pPr>
             <a:r>
-              <a:rPr lang="fr-FR" sz="2000" b="1" dirty="0"/>
+              <a:rPr lang="fr-FR" sz="2800" b="1" dirty="0"/>
               <a:t>Leviers identifiés</a:t>
             </a:r>
           </a:p>
@@ -16614,7 +19146,7 @@
               <a:buNone/>
             </a:pPr>
             <a:r>
-              <a:rPr lang="fr-FR" sz="1560" b="1" dirty="0"/>
+              <a:rPr lang="fr-FR" sz="1800" b="1" dirty="0"/>
               <a:t>Mise en réseau avec les lieux et communautés d’innovation</a:t>
             </a:r>
           </a:p>
@@ -16623,7 +19155,7 @@
               <a:buNone/>
             </a:pPr>
             <a:r>
-              <a:rPr lang="fr-FR" sz="1119" b="1" dirty="0"/>
+              <a:rPr lang="fr-FR" sz="1400" b="1" dirty="0"/>
               <a:t>Ce levier est important pour permettre de valider les concepts et choix effectués, finaliser la définition de la solution et construire un premier cercle de soutien et de support.</a:t>
             </a:r>
           </a:p>
@@ -16632,7 +19164,7 @@
               <a:buNone/>
             </a:pPr>
             <a:r>
-              <a:rPr lang="fr-FR" sz="1560" b="1" dirty="0"/>
+              <a:rPr lang="fr-FR" sz="1800" b="1" dirty="0"/>
               <a:t>Promotion et valorisation du projet</a:t>
             </a:r>
           </a:p>
@@ -16641,7 +19173,7 @@
               <a:buNone/>
             </a:pPr>
             <a:r>
-              <a:rPr lang="fr-FR" sz="1119" b="1" dirty="0"/>
+              <a:rPr lang="fr-FR" sz="1400" b="1" dirty="0"/>
               <a:t>L’état est à la fois le principal prescripteur de normes et standards et son principal bénéficiaire. La promotion et la valorisation du projet par les services publics est un gage de réussite du projet. </a:t>
             </a:r>
           </a:p>
@@ -16650,7 +19182,7 @@
               <a:buNone/>
             </a:pPr>
             <a:r>
-              <a:rPr lang="fr-FR" sz="1560" b="1" dirty="0"/>
+              <a:rPr lang="fr-FR" sz="1800" b="1" dirty="0"/>
               <a:t>Solutions de financement et aide au montage juridique</a:t>
             </a:r>
           </a:p>
@@ -16659,7 +19191,7 @@
               <a:buNone/>
             </a:pPr>
             <a:r>
-              <a:rPr lang="fr-FR" sz="1119" b="1" dirty="0"/>
+              <a:rPr lang="fr-FR" sz="1400" b="1" dirty="0"/>
               <a:t>Les dispositifs existants ne sont pas explicitement adaptés pour ce projet. Une aide de l’administration pour structurer ce projet aussi bien dans sa phase de conception que dans sa phase de déploiement est importante.</a:t>
             </a:r>
           </a:p>
@@ -16668,7 +19200,7 @@
               <a:buNone/>
             </a:pPr>
             <a:r>
-              <a:rPr lang="fr-FR" sz="1560" b="1" dirty="0"/>
+              <a:rPr lang="fr-FR" sz="1800" b="1" dirty="0"/>
               <a:t>Distribution de la solution et terrains d'expérimentation</a:t>
             </a:r>
           </a:p>
@@ -16677,7 +19209,7 @@
               <a:buNone/>
             </a:pPr>
             <a:r>
-              <a:rPr lang="fr-FR" sz="1119" b="1" dirty="0"/>
+              <a:rPr lang="fr-FR" sz="1400" b="1" dirty="0"/>
               <a:t>L’expérimentation est nécessaire pour valider la solution et ses apports. L’état est à même de fournir des cadres d’expérimentation pertinents pour ce type de projet.</a:t>
             </a:r>
           </a:p>
@@ -16686,7 +19218,7 @@
               <a:buNone/>
             </a:pPr>
             <a:r>
-              <a:rPr lang="fr-FR" sz="1119" b="1" dirty="0"/>
+              <a:rPr lang="fr-FR" sz="1400" b="1" dirty="0"/>
               <a:t>Les services publics ont également un rôle de prescripteur qui facilite dans un second temps la distribution de la solution.</a:t>
             </a:r>
           </a:p>
@@ -16705,7 +19237,7 @@
 </p:sld>
 </file>
 
-<file path=ppt/slides/slide22.xml><?xml version="1.0" encoding="utf-8"?>
+<file path=ppt/slides/slide23.xml><?xml version="1.0" encoding="utf-8"?>
 <p:sld xmlns:a="http://schemas.openxmlformats.org/drawingml/2006/main" xmlns:r="http://schemas.openxmlformats.org/officeDocument/2006/relationships" xmlns:p="http://schemas.openxmlformats.org/presentationml/2006/main">
   <p:cSld>
     <p:spTree>
@@ -16788,7 +19320,7 @@
           <a:p>
             <a:fld id="{5023A80A-40FC-4210-9452-7B0942DCA00B}" type="datetime1">
               <a:rPr lang="fr-FR" smtClean="0"/>
-              <a:t>17/01/2022</a:t>
+              <a:t>20/01/2022</a:t>
             </a:fld>
             <a:endParaRPr lang="fr-FR" dirty="0"/>
           </a:p>
@@ -16853,7 +19385,7 @@
             <a:fld id="{A15E53C2-24D8-4AC7-A695-9D161D6D0C6E}" type="slidenum">
               <a:rPr lang="fr-FR" smtClean="0"/>
               <a:pPr/>
-              <a:t>22</a:t>
+              <a:t>23</a:t>
             </a:fld>
             <a:endParaRPr lang="fr-FR" dirty="0"/>
           </a:p>
@@ -16872,7 +19404,7 @@
 </p:sld>
 </file>
 
-<file path=ppt/slides/slide23.xml><?xml version="1.0" encoding="utf-8"?>
+<file path=ppt/slides/slide24.xml><?xml version="1.0" encoding="utf-8"?>
 <p:sld xmlns:a="http://schemas.openxmlformats.org/drawingml/2006/main" xmlns:r="http://schemas.openxmlformats.org/officeDocument/2006/relationships" xmlns:p="http://schemas.openxmlformats.org/presentationml/2006/main">
   <p:cSld>
     <p:spTree>
@@ -16949,7 +19481,7 @@
         </p:spPr>
         <p:txBody>
           <a:bodyPr vert="horz" lIns="82951" tIns="41475" rIns="82951" bIns="41475" rtlCol="0">
-            <a:normAutofit lnSpcReduction="10000"/>
+            <a:normAutofit fontScale="92500" lnSpcReduction="10000"/>
           </a:bodyPr>
           <a:lstStyle>
             <a:lvl1pPr marL="251986" indent="-251986" algn="l" defTabSz="1007943" rtl="0" eaLnBrk="1" latinLnBrk="0" hangingPunct="1">
@@ -17240,6 +19772,19 @@
             <a:endParaRPr lang="fr-FR" sz="1600" b="1" u="sng" dirty="0"/>
           </a:p>
           <a:p>
+            <a:r>
+              <a:rPr lang="fr-FR" sz="1600" b="1" u="sng" dirty="0">
+                <a:hlinkClick r:id="rId4"/>
+              </a:rPr>
+              <a:t>Exemple d’analyse de données open-data </a:t>
+            </a:r>
+            <a:endParaRPr lang="fr-FR" sz="1600" b="1" dirty="0"/>
+          </a:p>
+          <a:p>
+            <a:pPr lvl="0"/>
+            <a:endParaRPr lang="fr-FR" sz="1600" b="1" u="sng" dirty="0"/>
+          </a:p>
+          <a:p>
             <a:pPr marL="0" indent="0">
               <a:buNone/>
             </a:pPr>
@@ -17266,7 +19811,7 @@
 </p:sld>
 </file>
 
-<file path=ppt/slides/slide24.xml><?xml version="1.0" encoding="utf-8"?>
+<file path=ppt/slides/slide25.xml><?xml version="1.0" encoding="utf-8"?>
 <p:sld xmlns:a="http://schemas.openxmlformats.org/drawingml/2006/main" xmlns:r="http://schemas.openxmlformats.org/officeDocument/2006/relationships" xmlns:p="http://schemas.openxmlformats.org/presentationml/2006/main">
   <p:cSld>
     <p:spTree>
@@ -17349,7 +19894,7 @@
           <a:p>
             <a:fld id="{5023A80A-40FC-4210-9452-7B0942DCA00B}" type="datetime1">
               <a:rPr lang="fr-FR" smtClean="0"/>
-              <a:t>17/01/2022</a:t>
+              <a:t>20/01/2022</a:t>
             </a:fld>
             <a:endParaRPr lang="fr-FR" dirty="0"/>
           </a:p>
@@ -17414,7 +19959,7 @@
             <a:fld id="{A15E53C2-24D8-4AC7-A695-9D161D6D0C6E}" type="slidenum">
               <a:rPr lang="fr-FR" smtClean="0"/>
               <a:pPr/>
-              <a:t>24</a:t>
+              <a:t>25</a:t>
             </a:fld>
             <a:endParaRPr lang="fr-FR" dirty="0"/>
           </a:p>
@@ -17433,7 +19978,7 @@
 </p:sld>
 </file>
 
-<file path=ppt/slides/slide25.xml><?xml version="1.0" encoding="utf-8"?>
+<file path=ppt/slides/slide26.xml><?xml version="1.0" encoding="utf-8"?>
 <p:sld xmlns:a="http://schemas.openxmlformats.org/drawingml/2006/main" xmlns:r="http://schemas.openxmlformats.org/officeDocument/2006/relationships" xmlns:p="http://schemas.openxmlformats.org/presentationml/2006/main">
   <p:cSld>
     <p:spTree>
@@ -17603,7 +20148,7 @@
           <a:p>
             <a:fld id="{5023A80A-40FC-4210-9452-7B0942DCA00B}" type="datetime1">
               <a:rPr lang="fr-FR" smtClean="0"/>
-              <a:t>17/01/2022</a:t>
+              <a:t>20/01/2022</a:t>
             </a:fld>
             <a:endParaRPr lang="fr-FR" dirty="0"/>
           </a:p>
@@ -17668,7 +20213,7 @@
             <a:fld id="{A15E53C2-24D8-4AC7-A695-9D161D6D0C6E}" type="slidenum">
               <a:rPr lang="fr-FR" sz="1140"/>
               <a:pPr/>
-              <a:t>25</a:t>
+              <a:t>26</a:t>
             </a:fld>
             <a:endParaRPr lang="fr-FR" sz="1140" dirty="0"/>
           </a:p>
@@ -20539,7 +23084,7 @@
 </p:sld>
 </file>
 
-<file path=ppt/slides/slide26.xml><?xml version="1.0" encoding="utf-8"?>
+<file path=ppt/slides/slide27.xml><?xml version="1.0" encoding="utf-8"?>
 <p:sld xmlns:a="http://schemas.openxmlformats.org/drawingml/2006/main" xmlns:r="http://schemas.openxmlformats.org/officeDocument/2006/relationships" xmlns:p="http://schemas.openxmlformats.org/presentationml/2006/main">
   <p:cSld>
     <p:spTree>
@@ -20589,7 +23134,7 @@
             </a:pPr>
             <a:r>
               <a:rPr lang="fr-FR" sz="4400" b="1" dirty="0"/>
-              <a:t>Annexe : Données environnementales</a:t>
+              <a:t>Annexe : Extrait d’études</a:t>
             </a:r>
           </a:p>
         </p:txBody>
@@ -20622,7 +23167,7 @@
           <a:p>
             <a:fld id="{5023A80A-40FC-4210-9452-7B0942DCA00B}" type="datetime1">
               <a:rPr lang="fr-FR" smtClean="0"/>
-              <a:t>17/01/2022</a:t>
+              <a:t>20/01/2022</a:t>
             </a:fld>
             <a:endParaRPr lang="fr-FR" dirty="0"/>
           </a:p>
@@ -20687,7 +23232,7 @@
             <a:fld id="{A15E53C2-24D8-4AC7-A695-9D161D6D0C6E}" type="slidenum">
               <a:rPr lang="fr-FR" smtClean="0"/>
               <a:pPr/>
-              <a:t>26</a:t>
+              <a:t>27</a:t>
             </a:fld>
             <a:endParaRPr lang="fr-FR" dirty="0"/>
           </a:p>
@@ -20706,7 +23251,7 @@
 </p:sld>
 </file>
 
-<file path=ppt/slides/slide27.xml><?xml version="1.0" encoding="utf-8"?>
+<file path=ppt/slides/slide28.xml><?xml version="1.0" encoding="utf-8"?>
 <p:sld xmlns:a="http://schemas.openxmlformats.org/drawingml/2006/main" xmlns:r="http://schemas.openxmlformats.org/officeDocument/2006/relationships" xmlns:p="http://schemas.openxmlformats.org/presentationml/2006/main">
   <p:cSld>
     <p:spTree>
@@ -20928,7 +23473,7 @@
 </p:sld>
 </file>
 
-<file path=ppt/slides/slide28.xml><?xml version="1.0" encoding="utf-8"?>
+<file path=ppt/slides/slide29.xml><?xml version="1.0" encoding="utf-8"?>
 <p:sld xmlns:a="http://schemas.openxmlformats.org/drawingml/2006/main" xmlns:r="http://schemas.openxmlformats.org/officeDocument/2006/relationships" xmlns:p="http://schemas.openxmlformats.org/presentationml/2006/main">
   <p:cSld>
     <p:spTree>
@@ -21183,7 +23728,174 @@
 </p:sld>
 </file>
 
-<file path=ppt/slides/slide29.xml><?xml version="1.0" encoding="utf-8"?>
+<file path=ppt/slides/slide3.xml><?xml version="1.0" encoding="utf-8"?>
+<p:sld xmlns:a="http://schemas.openxmlformats.org/drawingml/2006/main" xmlns:r="http://schemas.openxmlformats.org/officeDocument/2006/relationships" xmlns:p="http://schemas.openxmlformats.org/presentationml/2006/main">
+  <p:cSld>
+    <p:spTree>
+      <p:nvGrpSpPr>
+        <p:cNvPr id="1" name=""/>
+        <p:cNvGrpSpPr/>
+        <p:nvPr/>
+      </p:nvGrpSpPr>
+      <p:grpSpPr>
+        <a:xfrm>
+          <a:off x="0" y="0"/>
+          <a:ext cx="0" cy="0"/>
+          <a:chOff x="0" y="0"/>
+          <a:chExt cx="0" cy="0"/>
+        </a:xfrm>
+      </p:grpSpPr>
+      <p:sp>
+        <p:nvSpPr>
+          <p:cNvPr id="13" name="Espace réservé du contenu 12">
+            <a:extLst>
+              <a:ext uri="{FF2B5EF4-FFF2-40B4-BE49-F238E27FC236}">
+                <a16:creationId xmlns:a16="http://schemas.microsoft.com/office/drawing/2014/main" id="{423A7093-E76B-4D29-A59E-5FB662695568}"/>
+              </a:ext>
+            </a:extLst>
+          </p:cNvPr>
+          <p:cNvSpPr>
+            <a:spLocks noGrp="1"/>
+          </p:cNvSpPr>
+          <p:nvPr>
+            <p:ph idx="4294967295"/>
+          </p:nvPr>
+        </p:nvSpPr>
+        <p:spPr>
+          <a:xfrm>
+            <a:off x="678905" y="2504783"/>
+            <a:ext cx="10755267" cy="4518372"/>
+          </a:xfrm>
+        </p:spPr>
+        <p:txBody>
+          <a:bodyPr>
+            <a:normAutofit/>
+          </a:bodyPr>
+          <a:lstStyle/>
+          <a:p>
+            <a:pPr marL="0" indent="0">
+              <a:buNone/>
+            </a:pPr>
+            <a:r>
+              <a:rPr lang="fr-FR" sz="4400" b="1" dirty="0"/>
+              <a:t>Introduction</a:t>
+            </a:r>
+          </a:p>
+        </p:txBody>
+      </p:sp>
+      <p:sp>
+        <p:nvSpPr>
+          <p:cNvPr id="3" name="Espace réservé de la date 2">
+            <a:extLst>
+              <a:ext uri="{FF2B5EF4-FFF2-40B4-BE49-F238E27FC236}">
+                <a16:creationId xmlns:a16="http://schemas.microsoft.com/office/drawing/2014/main" id="{7ECD9F17-EC3F-48F2-AA4E-5EB02661C7AE}"/>
+              </a:ext>
+            </a:extLst>
+          </p:cNvPr>
+          <p:cNvSpPr>
+            <a:spLocks noGrp="1"/>
+          </p:cNvSpPr>
+          <p:nvPr>
+            <p:ph type="dt" sz="half" idx="4294967295"/>
+          </p:nvPr>
+        </p:nvSpPr>
+        <p:spPr>
+          <a:xfrm>
+            <a:off x="838201" y="6356274"/>
+            <a:ext cx="2743200" cy="365116"/>
+          </a:xfrm>
+        </p:spPr>
+        <p:txBody>
+          <a:bodyPr/>
+          <a:lstStyle/>
+          <a:p>
+            <a:fld id="{5023A80A-40FC-4210-9452-7B0942DCA00B}" type="datetime1">
+              <a:rPr lang="fr-FR" smtClean="0"/>
+              <a:t>20/01/2022</a:t>
+            </a:fld>
+            <a:endParaRPr lang="fr-FR" dirty="0"/>
+          </a:p>
+        </p:txBody>
+      </p:sp>
+      <p:sp>
+        <p:nvSpPr>
+          <p:cNvPr id="4" name="Espace réservé du pied de page 3">
+            <a:extLst>
+              <a:ext uri="{FF2B5EF4-FFF2-40B4-BE49-F238E27FC236}">
+                <a16:creationId xmlns:a16="http://schemas.microsoft.com/office/drawing/2014/main" id="{B86D65C0-7073-46CE-9C42-F218DFDC8707}"/>
+              </a:ext>
+            </a:extLst>
+          </p:cNvPr>
+          <p:cNvSpPr>
+            <a:spLocks noGrp="1"/>
+          </p:cNvSpPr>
+          <p:nvPr>
+            <p:ph type="ftr" sz="quarter" idx="4294967295"/>
+          </p:nvPr>
+        </p:nvSpPr>
+        <p:spPr>
+          <a:xfrm>
+            <a:off x="4038601" y="6356274"/>
+            <a:ext cx="4114800" cy="365116"/>
+          </a:xfrm>
+        </p:spPr>
+        <p:txBody>
+          <a:bodyPr/>
+          <a:lstStyle/>
+          <a:p>
+            <a:endParaRPr lang="fr-FR"/>
+          </a:p>
+        </p:txBody>
+      </p:sp>
+      <p:sp>
+        <p:nvSpPr>
+          <p:cNvPr id="5" name="Espace réservé du numéro de diapositive 4">
+            <a:extLst>
+              <a:ext uri="{FF2B5EF4-FFF2-40B4-BE49-F238E27FC236}">
+                <a16:creationId xmlns:a16="http://schemas.microsoft.com/office/drawing/2014/main" id="{65F645CD-FD01-4959-AC3F-F6A91E9FCBFC}"/>
+              </a:ext>
+            </a:extLst>
+          </p:cNvPr>
+          <p:cNvSpPr>
+            <a:spLocks noGrp="1"/>
+          </p:cNvSpPr>
+          <p:nvPr>
+            <p:ph type="sldNum" sz="quarter" idx="4294967295"/>
+          </p:nvPr>
+        </p:nvSpPr>
+        <p:spPr>
+          <a:xfrm>
+            <a:off x="8610601" y="6356274"/>
+            <a:ext cx="2743200" cy="365116"/>
+          </a:xfrm>
+        </p:spPr>
+        <p:txBody>
+          <a:bodyPr/>
+          <a:lstStyle/>
+          <a:p>
+            <a:fld id="{A15E53C2-24D8-4AC7-A695-9D161D6D0C6E}" type="slidenum">
+              <a:rPr lang="fr-FR" smtClean="0"/>
+              <a:pPr/>
+              <a:t>3</a:t>
+            </a:fld>
+            <a:endParaRPr lang="fr-FR" dirty="0"/>
+          </a:p>
+        </p:txBody>
+      </p:sp>
+    </p:spTree>
+    <p:extLst>
+      <p:ext uri="{BB962C8B-B14F-4D97-AF65-F5344CB8AC3E}">
+        <p14:creationId xmlns:p14="http://schemas.microsoft.com/office/powerpoint/2010/main" val="3893579530"/>
+      </p:ext>
+    </p:extLst>
+  </p:cSld>
+  <p:clrMapOvr>
+    <a:masterClrMapping/>
+  </p:clrMapOvr>
+</p:sld>
+</file>
+
+<file path=ppt/slides/slide30.xml><?xml version="1.0" encoding="utf-8"?>
 <p:sld xmlns:a="http://schemas.openxmlformats.org/drawingml/2006/main" xmlns:r="http://schemas.openxmlformats.org/officeDocument/2006/relationships" xmlns:p="http://schemas.openxmlformats.org/presentationml/2006/main">
   <p:cSld>
     <p:spTree>
@@ -21292,174 +24004,7 @@
 </p:sld>
 </file>
 
-<file path=ppt/slides/slide3.xml><?xml version="1.0" encoding="utf-8"?>
-<p:sld xmlns:a="http://schemas.openxmlformats.org/drawingml/2006/main" xmlns:r="http://schemas.openxmlformats.org/officeDocument/2006/relationships" xmlns:p="http://schemas.openxmlformats.org/presentationml/2006/main">
-  <p:cSld>
-    <p:spTree>
-      <p:nvGrpSpPr>
-        <p:cNvPr id="1" name=""/>
-        <p:cNvGrpSpPr/>
-        <p:nvPr/>
-      </p:nvGrpSpPr>
-      <p:grpSpPr>
-        <a:xfrm>
-          <a:off x="0" y="0"/>
-          <a:ext cx="0" cy="0"/>
-          <a:chOff x="0" y="0"/>
-          <a:chExt cx="0" cy="0"/>
-        </a:xfrm>
-      </p:grpSpPr>
-      <p:sp>
-        <p:nvSpPr>
-          <p:cNvPr id="13" name="Espace réservé du contenu 12">
-            <a:extLst>
-              <a:ext uri="{FF2B5EF4-FFF2-40B4-BE49-F238E27FC236}">
-                <a16:creationId xmlns:a16="http://schemas.microsoft.com/office/drawing/2014/main" id="{423A7093-E76B-4D29-A59E-5FB662695568}"/>
-              </a:ext>
-            </a:extLst>
-          </p:cNvPr>
-          <p:cNvSpPr>
-            <a:spLocks noGrp="1"/>
-          </p:cNvSpPr>
-          <p:nvPr>
-            <p:ph idx="4294967295"/>
-          </p:nvPr>
-        </p:nvSpPr>
-        <p:spPr>
-          <a:xfrm>
-            <a:off x="678905" y="2504783"/>
-            <a:ext cx="10755267" cy="4518372"/>
-          </a:xfrm>
-        </p:spPr>
-        <p:txBody>
-          <a:bodyPr>
-            <a:normAutofit/>
-          </a:bodyPr>
-          <a:lstStyle/>
-          <a:p>
-            <a:pPr marL="0" indent="0">
-              <a:buNone/>
-            </a:pPr>
-            <a:r>
-              <a:rPr lang="fr-FR" sz="4400" b="1" dirty="0"/>
-              <a:t>Introduction</a:t>
-            </a:r>
-          </a:p>
-        </p:txBody>
-      </p:sp>
-      <p:sp>
-        <p:nvSpPr>
-          <p:cNvPr id="3" name="Espace réservé de la date 2">
-            <a:extLst>
-              <a:ext uri="{FF2B5EF4-FFF2-40B4-BE49-F238E27FC236}">
-                <a16:creationId xmlns:a16="http://schemas.microsoft.com/office/drawing/2014/main" id="{7ECD9F17-EC3F-48F2-AA4E-5EB02661C7AE}"/>
-              </a:ext>
-            </a:extLst>
-          </p:cNvPr>
-          <p:cNvSpPr>
-            <a:spLocks noGrp="1"/>
-          </p:cNvSpPr>
-          <p:nvPr>
-            <p:ph type="dt" sz="half" idx="4294967295"/>
-          </p:nvPr>
-        </p:nvSpPr>
-        <p:spPr>
-          <a:xfrm>
-            <a:off x="838201" y="6356274"/>
-            <a:ext cx="2743200" cy="365116"/>
-          </a:xfrm>
-        </p:spPr>
-        <p:txBody>
-          <a:bodyPr/>
-          <a:lstStyle/>
-          <a:p>
-            <a:fld id="{5023A80A-40FC-4210-9452-7B0942DCA00B}" type="datetime1">
-              <a:rPr lang="fr-FR" smtClean="0"/>
-              <a:t>17/01/2022</a:t>
-            </a:fld>
-            <a:endParaRPr lang="fr-FR" dirty="0"/>
-          </a:p>
-        </p:txBody>
-      </p:sp>
-      <p:sp>
-        <p:nvSpPr>
-          <p:cNvPr id="4" name="Espace réservé du pied de page 3">
-            <a:extLst>
-              <a:ext uri="{FF2B5EF4-FFF2-40B4-BE49-F238E27FC236}">
-                <a16:creationId xmlns:a16="http://schemas.microsoft.com/office/drawing/2014/main" id="{B86D65C0-7073-46CE-9C42-F218DFDC8707}"/>
-              </a:ext>
-            </a:extLst>
-          </p:cNvPr>
-          <p:cNvSpPr>
-            <a:spLocks noGrp="1"/>
-          </p:cNvSpPr>
-          <p:nvPr>
-            <p:ph type="ftr" sz="quarter" idx="4294967295"/>
-          </p:nvPr>
-        </p:nvSpPr>
-        <p:spPr>
-          <a:xfrm>
-            <a:off x="4038601" y="6356274"/>
-            <a:ext cx="4114800" cy="365116"/>
-          </a:xfrm>
-        </p:spPr>
-        <p:txBody>
-          <a:bodyPr/>
-          <a:lstStyle/>
-          <a:p>
-            <a:endParaRPr lang="fr-FR"/>
-          </a:p>
-        </p:txBody>
-      </p:sp>
-      <p:sp>
-        <p:nvSpPr>
-          <p:cNvPr id="5" name="Espace réservé du numéro de diapositive 4">
-            <a:extLst>
-              <a:ext uri="{FF2B5EF4-FFF2-40B4-BE49-F238E27FC236}">
-                <a16:creationId xmlns:a16="http://schemas.microsoft.com/office/drawing/2014/main" id="{65F645CD-FD01-4959-AC3F-F6A91E9FCBFC}"/>
-              </a:ext>
-            </a:extLst>
-          </p:cNvPr>
-          <p:cNvSpPr>
-            <a:spLocks noGrp="1"/>
-          </p:cNvSpPr>
-          <p:nvPr>
-            <p:ph type="sldNum" sz="quarter" idx="4294967295"/>
-          </p:nvPr>
-        </p:nvSpPr>
-        <p:spPr>
-          <a:xfrm>
-            <a:off x="8610601" y="6356274"/>
-            <a:ext cx="2743200" cy="365116"/>
-          </a:xfrm>
-        </p:spPr>
-        <p:txBody>
-          <a:bodyPr/>
-          <a:lstStyle/>
-          <a:p>
-            <a:fld id="{A15E53C2-24D8-4AC7-A695-9D161D6D0C6E}" type="slidenum">
-              <a:rPr lang="fr-FR" smtClean="0"/>
-              <a:pPr/>
-              <a:t>3</a:t>
-            </a:fld>
-            <a:endParaRPr lang="fr-FR" dirty="0"/>
-          </a:p>
-        </p:txBody>
-      </p:sp>
-    </p:spTree>
-    <p:extLst>
-      <p:ext uri="{BB962C8B-B14F-4D97-AF65-F5344CB8AC3E}">
-        <p14:creationId xmlns:p14="http://schemas.microsoft.com/office/powerpoint/2010/main" val="3893579530"/>
-      </p:ext>
-    </p:extLst>
-  </p:cSld>
-  <p:clrMapOvr>
-    <a:masterClrMapping/>
-  </p:clrMapOvr>
-</p:sld>
-</file>
-
-<file path=ppt/slides/slide30.xml><?xml version="1.0" encoding="utf-8"?>
+<file path=ppt/slides/slide31.xml><?xml version="1.0" encoding="utf-8"?>
 <p:sld xmlns:a="http://schemas.openxmlformats.org/drawingml/2006/main" xmlns:r="http://schemas.openxmlformats.org/officeDocument/2006/relationships" xmlns:p="http://schemas.openxmlformats.org/presentationml/2006/main">
   <p:cSld>
     <p:spTree>
@@ -21568,7 +24113,7 @@
 </p:sld>
 </file>
 
-<file path=ppt/slides/slide31.xml><?xml version="1.0" encoding="utf-8"?>
+<file path=ppt/slides/slide32.xml><?xml version="1.0" encoding="utf-8"?>
 <p:sld xmlns:a="http://schemas.openxmlformats.org/drawingml/2006/main" xmlns:r="http://schemas.openxmlformats.org/officeDocument/2006/relationships" xmlns:p="http://schemas.openxmlformats.org/presentationml/2006/main">
   <p:cSld>
     <p:spTree>
@@ -21677,7 +24222,7 @@
 </p:sld>
 </file>
 
-<file path=ppt/slides/slide32.xml><?xml version="1.0" encoding="utf-8"?>
+<file path=ppt/slides/slide33.xml><?xml version="1.0" encoding="utf-8"?>
 <p:sld xmlns:a="http://schemas.openxmlformats.org/drawingml/2006/main" xmlns:r="http://schemas.openxmlformats.org/officeDocument/2006/relationships" xmlns:p="http://schemas.openxmlformats.org/presentationml/2006/main">
   <p:cSld>
     <p:spTree>
@@ -22949,7 +25494,7 @@
           <a:p>
             <a:fld id="{5023A80A-40FC-4210-9452-7B0942DCA00B}" type="datetime1">
               <a:rPr lang="fr-FR" smtClean="0"/>
-              <a:t>17/01/2022</a:t>
+              <a:t>20/01/2022</a:t>
             </a:fld>
             <a:endParaRPr lang="fr-FR" dirty="0"/>
           </a:p>
@@ -36700,7 +39245,7 @@
           <a:p>
             <a:fld id="{5023A80A-40FC-4210-9452-7B0942DCA00B}" type="datetime1">
               <a:rPr lang="fr-FR" smtClean="0"/>
-              <a:t>17/01/2022</a:t>
+              <a:t>20/01/2022</a:t>
             </a:fld>
             <a:endParaRPr lang="fr-FR" dirty="0"/>
           </a:p>
@@ -36991,7 +39536,7 @@
           <a:p>
             <a:r>
               <a:rPr lang="fr-FR" dirty="0"/>
-              <a:t>Exemple : présentation</a:t>
+              <a:t>Exemple 1 : capteur</a:t>
             </a:r>
           </a:p>
         </p:txBody>

--- a/documentation/initiative citoyenne.pptx
+++ b/documentation/initiative citoyenne.pptx
@@ -157,7 +157,7 @@
   <pc:docChgLst>
     <pc:chgData name="THOMY Philippe" userId="9df777e5-71f9-47e3-9421-f7a221646164" providerId="ADAL" clId="{8CEBCC67-919E-4D59-8CCF-34FEEFE7FDFA}"/>
     <pc:docChg chg="undo custSel addSld delSld modSld sldOrd">
-      <pc:chgData name="THOMY Philippe" userId="9df777e5-71f9-47e3-9421-f7a221646164" providerId="ADAL" clId="{8CEBCC67-919E-4D59-8CCF-34FEEFE7FDFA}" dt="2022-01-20T10:28:05.616" v="13529" actId="6549"/>
+      <pc:chgData name="THOMY Philippe" userId="9df777e5-71f9-47e3-9421-f7a221646164" providerId="ADAL" clId="{8CEBCC67-919E-4D59-8CCF-34FEEFE7FDFA}" dt="2022-01-20T13:20:43.102" v="13536" actId="207"/>
       <pc:docMkLst>
         <pc:docMk/>
       </pc:docMkLst>
@@ -613,7 +613,7 @@
         </pc:picChg>
       </pc:sldChg>
       <pc:sldChg chg="modSp add mod">
-        <pc:chgData name="THOMY Philippe" userId="9df777e5-71f9-47e3-9421-f7a221646164" providerId="ADAL" clId="{8CEBCC67-919E-4D59-8CCF-34FEEFE7FDFA}" dt="2022-01-20T09:03:59.667" v="11912" actId="20577"/>
+        <pc:chgData name="THOMY Philippe" userId="9df777e5-71f9-47e3-9421-f7a221646164" providerId="ADAL" clId="{8CEBCC67-919E-4D59-8CCF-34FEEFE7FDFA}" dt="2022-01-20T13:19:02.215" v="13530" actId="207"/>
         <pc:sldMkLst>
           <pc:docMk/>
           <pc:sldMk cId="459321918" sldId="570"/>
@@ -634,24 +634,24 @@
             <ac:spMk id="3" creationId="{A66C6D5E-300E-44DE-B323-0D31F952DDC2}"/>
           </ac:spMkLst>
         </pc:spChg>
-        <pc:spChg chg="ord">
-          <ac:chgData name="THOMY Philippe" userId="9df777e5-71f9-47e3-9421-f7a221646164" providerId="ADAL" clId="{8CEBCC67-919E-4D59-8CCF-34FEEFE7FDFA}" dt="2022-01-17T15:05:29.739" v="11301" actId="167"/>
+        <pc:spChg chg="mod ord">
+          <ac:chgData name="THOMY Philippe" userId="9df777e5-71f9-47e3-9421-f7a221646164" providerId="ADAL" clId="{8CEBCC67-919E-4D59-8CCF-34FEEFE7FDFA}" dt="2022-01-20T13:19:02.215" v="13530" actId="207"/>
           <ac:spMkLst>
             <pc:docMk/>
             <pc:sldMk cId="459321918" sldId="570"/>
             <ac:spMk id="122" creationId="{744F38EA-BD58-4FA9-9CDD-D1E63509B44E}"/>
           </ac:spMkLst>
         </pc:spChg>
-        <pc:spChg chg="ord">
-          <ac:chgData name="THOMY Philippe" userId="9df777e5-71f9-47e3-9421-f7a221646164" providerId="ADAL" clId="{8CEBCC67-919E-4D59-8CCF-34FEEFE7FDFA}" dt="2022-01-17T15:05:36.511" v="11302" actId="167"/>
+        <pc:spChg chg="mod ord">
+          <ac:chgData name="THOMY Philippe" userId="9df777e5-71f9-47e3-9421-f7a221646164" providerId="ADAL" clId="{8CEBCC67-919E-4D59-8CCF-34FEEFE7FDFA}" dt="2022-01-20T13:19:02.215" v="13530" actId="207"/>
           <ac:spMkLst>
             <pc:docMk/>
             <pc:sldMk cId="459321918" sldId="570"/>
             <ac:spMk id="123" creationId="{41F4FD3C-9E8B-43A5-826C-45944BFE104B}"/>
           </ac:spMkLst>
         </pc:spChg>
-        <pc:spChg chg="ord">
-          <ac:chgData name="THOMY Philippe" userId="9df777e5-71f9-47e3-9421-f7a221646164" providerId="ADAL" clId="{8CEBCC67-919E-4D59-8CCF-34FEEFE7FDFA}" dt="2022-01-17T15:05:40.418" v="11303" actId="167"/>
+        <pc:spChg chg="mod ord">
+          <ac:chgData name="THOMY Philippe" userId="9df777e5-71f9-47e3-9421-f7a221646164" providerId="ADAL" clId="{8CEBCC67-919E-4D59-8CCF-34FEEFE7FDFA}" dt="2022-01-20T13:19:02.215" v="13530" actId="207"/>
           <ac:spMkLst>
             <pc:docMk/>
             <pc:sldMk cId="459321918" sldId="570"/>
@@ -3026,7 +3026,7 @@
         </pc:picChg>
       </pc:sldChg>
       <pc:sldChg chg="addSp delSp modSp add mod">
-        <pc:chgData name="THOMY Philippe" userId="9df777e5-71f9-47e3-9421-f7a221646164" providerId="ADAL" clId="{8CEBCC67-919E-4D59-8CCF-34FEEFE7FDFA}" dt="2022-01-20T09:35:17.925" v="13204" actId="1038"/>
+        <pc:chgData name="THOMY Philippe" userId="9df777e5-71f9-47e3-9421-f7a221646164" providerId="ADAL" clId="{8CEBCC67-919E-4D59-8CCF-34FEEFE7FDFA}" dt="2022-01-20T13:20:43.102" v="13536" actId="207"/>
         <pc:sldMkLst>
           <pc:docMk/>
           <pc:sldMk cId="1772287133" sldId="663"/>
@@ -3056,7 +3056,7 @@
           </ac:spMkLst>
         </pc:spChg>
         <pc:spChg chg="add mod">
-          <ac:chgData name="THOMY Philippe" userId="9df777e5-71f9-47e3-9421-f7a221646164" providerId="ADAL" clId="{8CEBCC67-919E-4D59-8CCF-34FEEFE7FDFA}" dt="2022-01-20T09:35:11.440" v="13202" actId="12788"/>
+          <ac:chgData name="THOMY Philippe" userId="9df777e5-71f9-47e3-9421-f7a221646164" providerId="ADAL" clId="{8CEBCC67-919E-4D59-8CCF-34FEEFE7FDFA}" dt="2022-01-20T13:20:43.102" v="13536" actId="207"/>
           <ac:spMkLst>
             <pc:docMk/>
             <pc:sldMk cId="1772287133" sldId="663"/>
@@ -3264,7 +3264,7 @@
           </ac:spMkLst>
         </pc:spChg>
         <pc:spChg chg="mod">
-          <ac:chgData name="THOMY Philippe" userId="9df777e5-71f9-47e3-9421-f7a221646164" providerId="ADAL" clId="{8CEBCC67-919E-4D59-8CCF-34FEEFE7FDFA}" dt="2022-01-20T09:30:33.732" v="13158" actId="14100"/>
+          <ac:chgData name="THOMY Philippe" userId="9df777e5-71f9-47e3-9421-f7a221646164" providerId="ADAL" clId="{8CEBCC67-919E-4D59-8CCF-34FEEFE7FDFA}" dt="2022-01-20T13:19:09.662" v="13531" actId="207"/>
           <ac:spMkLst>
             <pc:docMk/>
             <pc:sldMk cId="1772287133" sldId="663"/>
@@ -11648,9 +11648,9 @@
             <a:avLst/>
           </a:prstGeom>
           <a:solidFill>
-            <a:schemeClr val="accent1">
+            <a:srgbClr val="00AD48">
               <a:alpha val="20000"/>
-            </a:schemeClr>
+            </a:srgbClr>
           </a:solidFill>
           <a:ln>
             <a:noFill/>
@@ -12143,12 +12143,15 @@
           <a:prstGeom prst="roundRect">
             <a:avLst/>
           </a:prstGeom>
+          <a:solidFill>
+            <a:srgbClr val="00AD48"/>
+          </a:solidFill>
           <a:effectLst>
-            <a:outerShdw blurRad="50800" dist="38100" dir="2700000" algn="tl" rotWithShape="0">
+            <a:innerShdw blurRad="63500" dist="50800" dir="5400000">
               <a:prstClr val="black">
-                <a:alpha val="40000"/>
+                <a:alpha val="50000"/>
               </a:prstClr>
-            </a:outerShdw>
+            </a:innerShdw>
           </a:effectLst>
         </p:spPr>
         <p:style>
@@ -39367,9 +39370,9 @@
             <a:avLst/>
           </a:prstGeom>
           <a:solidFill>
-            <a:schemeClr val="accent1">
+            <a:srgbClr val="00AD48">
               <a:alpha val="20000"/>
-            </a:schemeClr>
+            </a:srgbClr>
           </a:solidFill>
           <a:ln>
             <a:noFill/>
@@ -39421,9 +39424,9 @@
             <a:avLst/>
           </a:prstGeom>
           <a:solidFill>
-            <a:schemeClr val="accent1">
+            <a:srgbClr val="00AD48">
               <a:alpha val="20000"/>
-            </a:schemeClr>
+            </a:srgbClr>
           </a:solidFill>
           <a:ln>
             <a:noFill/>
@@ -39475,9 +39478,9 @@
             <a:avLst/>
           </a:prstGeom>
           <a:solidFill>
-            <a:schemeClr val="accent1">
+            <a:srgbClr val="00AD48">
               <a:alpha val="20000"/>
-            </a:schemeClr>
+            </a:srgbClr>
           </a:solidFill>
           <a:ln>
             <a:noFill/>

--- a/documentation/initiative citoyenne.pptx
+++ b/documentation/initiative citoyenne.pptx
@@ -7,30 +7,30 @@
   <p:sldIdLst>
     <p:sldId id="256" r:id="rId2"/>
     <p:sldId id="652" r:id="rId3"/>
-    <p:sldId id="653" r:id="rId4"/>
-    <p:sldId id="662" r:id="rId5"/>
-    <p:sldId id="661" r:id="rId6"/>
-    <p:sldId id="567" r:id="rId7"/>
-    <p:sldId id="580" r:id="rId8"/>
-    <p:sldId id="657" r:id="rId9"/>
-    <p:sldId id="570" r:id="rId10"/>
-    <p:sldId id="663" r:id="rId11"/>
-    <p:sldId id="660" r:id="rId12"/>
-    <p:sldId id="581" r:id="rId13"/>
-    <p:sldId id="627" r:id="rId14"/>
-    <p:sldId id="640" r:id="rId15"/>
-    <p:sldId id="641" r:id="rId16"/>
-    <p:sldId id="642" r:id="rId17"/>
-    <p:sldId id="644" r:id="rId18"/>
-    <p:sldId id="645" r:id="rId19"/>
-    <p:sldId id="646" r:id="rId20"/>
-    <p:sldId id="647" r:id="rId21"/>
-    <p:sldId id="648" r:id="rId22"/>
-    <p:sldId id="649" r:id="rId23"/>
-    <p:sldId id="650" r:id="rId24"/>
-    <p:sldId id="651" r:id="rId25"/>
-    <p:sldId id="625" r:id="rId26"/>
-    <p:sldId id="604" r:id="rId27"/>
+    <p:sldId id="661" r:id="rId4"/>
+    <p:sldId id="664" r:id="rId5"/>
+    <p:sldId id="567" r:id="rId6"/>
+    <p:sldId id="580" r:id="rId7"/>
+    <p:sldId id="657" r:id="rId8"/>
+    <p:sldId id="570" r:id="rId9"/>
+    <p:sldId id="663" r:id="rId10"/>
+    <p:sldId id="660" r:id="rId11"/>
+    <p:sldId id="581" r:id="rId12"/>
+    <p:sldId id="627" r:id="rId13"/>
+    <p:sldId id="640" r:id="rId14"/>
+    <p:sldId id="641" r:id="rId15"/>
+    <p:sldId id="642" r:id="rId16"/>
+    <p:sldId id="644" r:id="rId17"/>
+    <p:sldId id="645" r:id="rId18"/>
+    <p:sldId id="646" r:id="rId19"/>
+    <p:sldId id="647" r:id="rId20"/>
+    <p:sldId id="648" r:id="rId21"/>
+    <p:sldId id="649" r:id="rId22"/>
+    <p:sldId id="650" r:id="rId23"/>
+    <p:sldId id="651" r:id="rId24"/>
+    <p:sldId id="662" r:id="rId25"/>
+    <p:sldId id="604" r:id="rId26"/>
+    <p:sldId id="665" r:id="rId27"/>
     <p:sldId id="596" r:id="rId28"/>
     <p:sldId id="607" r:id="rId29"/>
     <p:sldId id="639" r:id="rId30"/>
@@ -147,7 +147,7 @@
 <file path=ppt/revisionInfo.xml><?xml version="1.0" encoding="utf-8"?>
 <p1510:revInfo xmlns:a="http://schemas.openxmlformats.org/drawingml/2006/main" xmlns:r="http://schemas.openxmlformats.org/officeDocument/2006/relationships" xmlns:p1510="http://schemas.microsoft.com/office/powerpoint/2015/10/main">
   <p1510:revLst>
-    <p1510:client id="{8CEBCC67-919E-4D59-8CCF-34FEEFE7FDFA}" v="89" dt="2022-01-20T09:31:55.488"/>
+    <p1510:client id="{8CEBCC67-919E-4D59-8CCF-34FEEFE7FDFA}" v="100" dt="2022-01-22T11:23:11.932"/>
   </p1510:revLst>
 </p1510:revInfo>
 </file>
@@ -157,7 +157,7 @@
   <pc:docChgLst>
     <pc:chgData name="THOMY Philippe" userId="9df777e5-71f9-47e3-9421-f7a221646164" providerId="ADAL" clId="{8CEBCC67-919E-4D59-8CCF-34FEEFE7FDFA}"/>
     <pc:docChg chg="undo custSel addSld delSld modSld sldOrd">
-      <pc:chgData name="THOMY Philippe" userId="9df777e5-71f9-47e3-9421-f7a221646164" providerId="ADAL" clId="{8CEBCC67-919E-4D59-8CCF-34FEEFE7FDFA}" dt="2022-01-20T13:20:43.102" v="13536" actId="207"/>
+      <pc:chgData name="THOMY Philippe" userId="9df777e5-71f9-47e3-9421-f7a221646164" providerId="ADAL" clId="{8CEBCC67-919E-4D59-8CCF-34FEEFE7FDFA}" dt="2022-01-22T11:23:27.932" v="15380" actId="20577"/>
       <pc:docMkLst>
         <pc:docMk/>
       </pc:docMkLst>
@@ -1569,6 +1569,21 @@
           <pc:sldMk cId="824940015" sldId="599"/>
         </pc:sldMkLst>
       </pc:sldChg>
+      <pc:sldChg chg="modSp mod">
+        <pc:chgData name="THOMY Philippe" userId="9df777e5-71f9-47e3-9421-f7a221646164" providerId="ADAL" clId="{8CEBCC67-919E-4D59-8CCF-34FEEFE7FDFA}" dt="2022-01-22T11:12:04.410" v="15258" actId="20577"/>
+        <pc:sldMkLst>
+          <pc:docMk/>
+          <pc:sldMk cId="3267200670" sldId="604"/>
+        </pc:sldMkLst>
+        <pc:spChg chg="mod">
+          <ac:chgData name="THOMY Philippe" userId="9df777e5-71f9-47e3-9421-f7a221646164" providerId="ADAL" clId="{8CEBCC67-919E-4D59-8CCF-34FEEFE7FDFA}" dt="2022-01-22T11:12:04.410" v="15258" actId="20577"/>
+          <ac:spMkLst>
+            <pc:docMk/>
+            <pc:sldMk cId="3267200670" sldId="604"/>
+            <ac:spMk id="6" creationId="{C86253F3-7BCD-400D-9ACB-AE89CFC989AE}"/>
+          </ac:spMkLst>
+        </pc:spChg>
+      </pc:sldChg>
       <pc:sldChg chg="del">
         <pc:chgData name="THOMY Philippe" userId="9df777e5-71f9-47e3-9421-f7a221646164" providerId="ADAL" clId="{8CEBCC67-919E-4D59-8CCF-34FEEFE7FDFA}" dt="2022-01-09T17:05:50.411" v="7767" actId="47"/>
         <pc:sldMkLst>
@@ -1667,8 +1682,8 @@
           <pc:sldMk cId="3308052454" sldId="623"/>
         </pc:sldMkLst>
       </pc:sldChg>
-      <pc:sldChg chg="modSp mod">
-        <pc:chgData name="THOMY Philippe" userId="9df777e5-71f9-47e3-9421-f7a221646164" providerId="ADAL" clId="{8CEBCC67-919E-4D59-8CCF-34FEEFE7FDFA}" dt="2022-01-17T16:51:21.323" v="11855" actId="14100"/>
+      <pc:sldChg chg="modSp del mod">
+        <pc:chgData name="THOMY Philippe" userId="9df777e5-71f9-47e3-9421-f7a221646164" providerId="ADAL" clId="{8CEBCC67-919E-4D59-8CCF-34FEEFE7FDFA}" dt="2022-01-22T11:11:54.917" v="15249" actId="47"/>
         <pc:sldMkLst>
           <pc:docMk/>
           <pc:sldMk cId="91522250" sldId="625"/>
@@ -2319,7 +2334,7 @@
         </pc:spChg>
       </pc:sldChg>
       <pc:sldChg chg="modSp new mod">
-        <pc:chgData name="THOMY Philippe" userId="9df777e5-71f9-47e3-9421-f7a221646164" providerId="ADAL" clId="{8CEBCC67-919E-4D59-8CCF-34FEEFE7FDFA}" dt="2022-01-17T16:51:48.937" v="11903" actId="20577"/>
+        <pc:chgData name="THOMY Philippe" userId="9df777e5-71f9-47e3-9421-f7a221646164" providerId="ADAL" clId="{8CEBCC67-919E-4D59-8CCF-34FEEFE7FDFA}" dt="2022-01-22T11:20:12.099" v="15355" actId="20577"/>
         <pc:sldMkLst>
           <pc:docMk/>
           <pc:sldMk cId="2486580531" sldId="652"/>
@@ -2333,7 +2348,7 @@
           </ac:spMkLst>
         </pc:spChg>
         <pc:spChg chg="mod">
-          <ac:chgData name="THOMY Philippe" userId="9df777e5-71f9-47e3-9421-f7a221646164" providerId="ADAL" clId="{8CEBCC67-919E-4D59-8CCF-34FEEFE7FDFA}" dt="2022-01-17T16:51:48.937" v="11903" actId="20577"/>
+          <ac:chgData name="THOMY Philippe" userId="9df777e5-71f9-47e3-9421-f7a221646164" providerId="ADAL" clId="{8CEBCC67-919E-4D59-8CCF-34FEEFE7FDFA}" dt="2022-01-22T11:20:12.099" v="15355" actId="20577"/>
           <ac:spMkLst>
             <pc:docMk/>
             <pc:sldMk cId="2486580531" sldId="652"/>
@@ -2341,8 +2356,8 @@
           </ac:spMkLst>
         </pc:spChg>
       </pc:sldChg>
-      <pc:sldChg chg="modSp add mod">
-        <pc:chgData name="THOMY Philippe" userId="9df777e5-71f9-47e3-9421-f7a221646164" providerId="ADAL" clId="{8CEBCC67-919E-4D59-8CCF-34FEEFE7FDFA}" dt="2022-01-09T19:53:07.916" v="8630" actId="20577"/>
+      <pc:sldChg chg="modSp add del mod">
+        <pc:chgData name="THOMY Philippe" userId="9df777e5-71f9-47e3-9421-f7a221646164" providerId="ADAL" clId="{8CEBCC67-919E-4D59-8CCF-34FEEFE7FDFA}" dt="2022-01-22T11:17:15.490" v="15322" actId="47"/>
         <pc:sldMkLst>
           <pc:docMk/>
           <pc:sldMk cId="3893579530" sldId="653"/>
@@ -2986,14 +3001,14 @@
           </ac:spMkLst>
         </pc:spChg>
       </pc:sldChg>
-      <pc:sldChg chg="addSp delSp modSp new mod">
-        <pc:chgData name="THOMY Philippe" userId="9df777e5-71f9-47e3-9421-f7a221646164" providerId="ADAL" clId="{8CEBCC67-919E-4D59-8CCF-34FEEFE7FDFA}" dt="2022-01-17T16:43:06.228" v="11730" actId="313"/>
+      <pc:sldChg chg="addSp delSp modSp new mod ord">
+        <pc:chgData name="THOMY Philippe" userId="9df777e5-71f9-47e3-9421-f7a221646164" providerId="ADAL" clId="{8CEBCC67-919E-4D59-8CCF-34FEEFE7FDFA}" dt="2022-01-22T11:16:40.660" v="15319" actId="20577"/>
         <pc:sldMkLst>
           <pc:docMk/>
           <pc:sldMk cId="2601050451" sldId="662"/>
         </pc:sldMkLst>
         <pc:spChg chg="mod">
-          <ac:chgData name="THOMY Philippe" userId="9df777e5-71f9-47e3-9421-f7a221646164" providerId="ADAL" clId="{8CEBCC67-919E-4D59-8CCF-34FEEFE7FDFA}" dt="2022-01-17T16:42:52.792" v="11724" actId="1076"/>
+          <ac:chgData name="THOMY Philippe" userId="9df777e5-71f9-47e3-9421-f7a221646164" providerId="ADAL" clId="{8CEBCC67-919E-4D59-8CCF-34FEEFE7FDFA}" dt="2022-01-22T11:16:22.626" v="15305" actId="20577"/>
           <ac:spMkLst>
             <pc:docMk/>
             <pc:sldMk cId="2601050451" sldId="662"/>
@@ -3001,7 +3016,7 @@
           </ac:spMkLst>
         </pc:spChg>
         <pc:spChg chg="add mod">
-          <ac:chgData name="THOMY Philippe" userId="9df777e5-71f9-47e3-9421-f7a221646164" providerId="ADAL" clId="{8CEBCC67-919E-4D59-8CCF-34FEEFE7FDFA}" dt="2022-01-17T16:43:06.228" v="11730" actId="313"/>
+          <ac:chgData name="THOMY Philippe" userId="9df777e5-71f9-47e3-9421-f7a221646164" providerId="ADAL" clId="{8CEBCC67-919E-4D59-8CCF-34FEEFE7FDFA}" dt="2022-01-22T11:16:40.660" v="15319" actId="20577"/>
           <ac:spMkLst>
             <pc:docMk/>
             <pc:sldMk cId="2601050451" sldId="662"/>
@@ -3496,6 +3511,156 @@
           </ac:cxnSpMkLst>
         </pc:cxnChg>
       </pc:sldChg>
+      <pc:sldChg chg="addSp modSp new mod ord">
+        <pc:chgData name="THOMY Philippe" userId="9df777e5-71f9-47e3-9421-f7a221646164" providerId="ADAL" clId="{8CEBCC67-919E-4D59-8CCF-34FEEFE7FDFA}" dt="2022-01-22T11:17:12.635" v="15321"/>
+        <pc:sldMkLst>
+          <pc:docMk/>
+          <pc:sldMk cId="2500037626" sldId="664"/>
+        </pc:sldMkLst>
+        <pc:spChg chg="mod">
+          <ac:chgData name="THOMY Philippe" userId="9df777e5-71f9-47e3-9421-f7a221646164" providerId="ADAL" clId="{8CEBCC67-919E-4D59-8CCF-34FEEFE7FDFA}" dt="2022-01-22T10:07:35.130" v="13553" actId="1076"/>
+          <ac:spMkLst>
+            <pc:docMk/>
+            <pc:sldMk cId="2500037626" sldId="664"/>
+            <ac:spMk id="2" creationId="{3E5F597A-4D07-4317-A541-2BA8F6C98E60}"/>
+          </ac:spMkLst>
+        </pc:spChg>
+        <pc:spChg chg="add mod">
+          <ac:chgData name="THOMY Philippe" userId="9df777e5-71f9-47e3-9421-f7a221646164" providerId="ADAL" clId="{8CEBCC67-919E-4D59-8CCF-34FEEFE7FDFA}" dt="2022-01-22T10:48:26.426" v="14911" actId="1076"/>
+          <ac:spMkLst>
+            <pc:docMk/>
+            <pc:sldMk cId="2500037626" sldId="664"/>
+            <ac:spMk id="3" creationId="{93311233-8747-4599-8070-FF38C2A1F97B}"/>
+          </ac:spMkLst>
+        </pc:spChg>
+        <pc:spChg chg="add mod">
+          <ac:chgData name="THOMY Philippe" userId="9df777e5-71f9-47e3-9421-f7a221646164" providerId="ADAL" clId="{8CEBCC67-919E-4D59-8CCF-34FEEFE7FDFA}" dt="2022-01-22T10:48:26.426" v="14911" actId="1076"/>
+          <ac:spMkLst>
+            <pc:docMk/>
+            <pc:sldMk cId="2500037626" sldId="664"/>
+            <ac:spMk id="4" creationId="{133F457A-41A3-45EA-99B4-D5BB0007220A}"/>
+          </ac:spMkLst>
+        </pc:spChg>
+        <pc:spChg chg="add mod ord">
+          <ac:chgData name="THOMY Philippe" userId="9df777e5-71f9-47e3-9421-f7a221646164" providerId="ADAL" clId="{8CEBCC67-919E-4D59-8CCF-34FEEFE7FDFA}" dt="2022-01-22T10:48:26.426" v="14911" actId="1076"/>
+          <ac:spMkLst>
+            <pc:docMk/>
+            <pc:sldMk cId="2500037626" sldId="664"/>
+            <ac:spMk id="5" creationId="{B73BD18C-F08F-4654-AEB6-369045527559}"/>
+          </ac:spMkLst>
+        </pc:spChg>
+        <pc:spChg chg="add mod ord">
+          <ac:chgData name="THOMY Philippe" userId="9df777e5-71f9-47e3-9421-f7a221646164" providerId="ADAL" clId="{8CEBCC67-919E-4D59-8CCF-34FEEFE7FDFA}" dt="2022-01-22T10:48:26.426" v="14911" actId="1076"/>
+          <ac:spMkLst>
+            <pc:docMk/>
+            <pc:sldMk cId="2500037626" sldId="664"/>
+            <ac:spMk id="6" creationId="{81EB988C-6386-4D5D-B55D-05ED8F9B566A}"/>
+          </ac:spMkLst>
+        </pc:spChg>
+        <pc:spChg chg="add mod ord">
+          <ac:chgData name="THOMY Philippe" userId="9df777e5-71f9-47e3-9421-f7a221646164" providerId="ADAL" clId="{8CEBCC67-919E-4D59-8CCF-34FEEFE7FDFA}" dt="2022-01-22T10:46:21.149" v="14849" actId="1076"/>
+          <ac:spMkLst>
+            <pc:docMk/>
+            <pc:sldMk cId="2500037626" sldId="664"/>
+            <ac:spMk id="7" creationId="{75D195DA-966F-41CC-8743-79EA809FDC0D}"/>
+          </ac:spMkLst>
+        </pc:spChg>
+        <pc:spChg chg="add mod">
+          <ac:chgData name="THOMY Philippe" userId="9df777e5-71f9-47e3-9421-f7a221646164" providerId="ADAL" clId="{8CEBCC67-919E-4D59-8CCF-34FEEFE7FDFA}" dt="2022-01-22T10:46:34.667" v="14864" actId="20577"/>
+          <ac:spMkLst>
+            <pc:docMk/>
+            <pc:sldMk cId="2500037626" sldId="664"/>
+            <ac:spMk id="8" creationId="{910E108C-0DDB-45E5-925C-7810080FCCAF}"/>
+          </ac:spMkLst>
+        </pc:spChg>
+        <pc:spChg chg="add mod">
+          <ac:chgData name="THOMY Philippe" userId="9df777e5-71f9-47e3-9421-f7a221646164" providerId="ADAL" clId="{8CEBCC67-919E-4D59-8CCF-34FEEFE7FDFA}" dt="2022-01-22T11:10:26.769" v="15237" actId="14100"/>
+          <ac:spMkLst>
+            <pc:docMk/>
+            <pc:sldMk cId="2500037626" sldId="664"/>
+            <ac:spMk id="9" creationId="{43D66707-E88F-4C1E-ADE1-208C5F971166}"/>
+          </ac:spMkLst>
+        </pc:spChg>
+        <pc:spChg chg="add mod">
+          <ac:chgData name="THOMY Philippe" userId="9df777e5-71f9-47e3-9421-f7a221646164" providerId="ADAL" clId="{8CEBCC67-919E-4D59-8CCF-34FEEFE7FDFA}" dt="2022-01-22T11:10:20.077" v="15236" actId="14100"/>
+          <ac:spMkLst>
+            <pc:docMk/>
+            <pc:sldMk cId="2500037626" sldId="664"/>
+            <ac:spMk id="10" creationId="{2F170E18-8615-4B8F-9FFD-5F0EB9EE5320}"/>
+          </ac:spMkLst>
+        </pc:spChg>
+        <pc:spChg chg="add mod">
+          <ac:chgData name="THOMY Philippe" userId="9df777e5-71f9-47e3-9421-f7a221646164" providerId="ADAL" clId="{8CEBCC67-919E-4D59-8CCF-34FEEFE7FDFA}" dt="2022-01-22T10:48:26.426" v="14911" actId="1076"/>
+          <ac:spMkLst>
+            <pc:docMk/>
+            <pc:sldMk cId="2500037626" sldId="664"/>
+            <ac:spMk id="11" creationId="{F48EE964-A7FD-4791-B37F-9EAF49C1DC96}"/>
+          </ac:spMkLst>
+        </pc:spChg>
+        <pc:spChg chg="add mod">
+          <ac:chgData name="THOMY Philippe" userId="9df777e5-71f9-47e3-9421-f7a221646164" providerId="ADAL" clId="{8CEBCC67-919E-4D59-8CCF-34FEEFE7FDFA}" dt="2022-01-22T10:48:26.426" v="14911" actId="1076"/>
+          <ac:spMkLst>
+            <pc:docMk/>
+            <pc:sldMk cId="2500037626" sldId="664"/>
+            <ac:spMk id="12" creationId="{AF9A31C4-D0AA-4520-8703-E5002EC07F52}"/>
+          </ac:spMkLst>
+        </pc:spChg>
+        <pc:spChg chg="add mod">
+          <ac:chgData name="THOMY Philippe" userId="9df777e5-71f9-47e3-9421-f7a221646164" providerId="ADAL" clId="{8CEBCC67-919E-4D59-8CCF-34FEEFE7FDFA}" dt="2022-01-22T10:48:41.408" v="14913" actId="1076"/>
+          <ac:spMkLst>
+            <pc:docMk/>
+            <pc:sldMk cId="2500037626" sldId="664"/>
+            <ac:spMk id="13" creationId="{A9B940A9-5328-4E24-91A5-AD3691135174}"/>
+          </ac:spMkLst>
+        </pc:spChg>
+        <pc:spChg chg="add mod">
+          <ac:chgData name="THOMY Philippe" userId="9df777e5-71f9-47e3-9421-f7a221646164" providerId="ADAL" clId="{8CEBCC67-919E-4D59-8CCF-34FEEFE7FDFA}" dt="2022-01-22T11:08:47.659" v="15160" actId="20577"/>
+          <ac:spMkLst>
+            <pc:docMk/>
+            <pc:sldMk cId="2500037626" sldId="664"/>
+            <ac:spMk id="14" creationId="{588841E9-A773-453F-A7F0-5FF141FAB095}"/>
+          </ac:spMkLst>
+        </pc:spChg>
+        <pc:spChg chg="add mod">
+          <ac:chgData name="THOMY Philippe" userId="9df777e5-71f9-47e3-9421-f7a221646164" providerId="ADAL" clId="{8CEBCC67-919E-4D59-8CCF-34FEEFE7FDFA}" dt="2022-01-22T11:09:23.435" v="15228" actId="20577"/>
+          <ac:spMkLst>
+            <pc:docMk/>
+            <pc:sldMk cId="2500037626" sldId="664"/>
+            <ac:spMk id="15" creationId="{D0BD4AC9-DE21-4A6D-B466-1501D958019B}"/>
+          </ac:spMkLst>
+        </pc:spChg>
+      </pc:sldChg>
+      <pc:sldChg chg="addSp delSp modSp new mod">
+        <pc:chgData name="THOMY Philippe" userId="9df777e5-71f9-47e3-9421-f7a221646164" providerId="ADAL" clId="{8CEBCC67-919E-4D59-8CCF-34FEEFE7FDFA}" dt="2022-01-22T11:23:27.932" v="15380" actId="20577"/>
+        <pc:sldMkLst>
+          <pc:docMk/>
+          <pc:sldMk cId="1414928890" sldId="665"/>
+        </pc:sldMkLst>
+        <pc:spChg chg="del mod">
+          <ac:chgData name="THOMY Philippe" userId="9df777e5-71f9-47e3-9421-f7a221646164" providerId="ADAL" clId="{8CEBCC67-919E-4D59-8CCF-34FEEFE7FDFA}" dt="2022-01-22T11:23:10.427" v="15370" actId="478"/>
+          <ac:spMkLst>
+            <pc:docMk/>
+            <pc:sldMk cId="1414928890" sldId="665"/>
+            <ac:spMk id="2" creationId="{C3397EB1-E229-4773-8D3F-C13A52C82F33}"/>
+          </ac:spMkLst>
+        </pc:spChg>
+        <pc:spChg chg="add mod">
+          <ac:chgData name="THOMY Philippe" userId="9df777e5-71f9-47e3-9421-f7a221646164" providerId="ADAL" clId="{8CEBCC67-919E-4D59-8CCF-34FEEFE7FDFA}" dt="2022-01-22T11:22:51.663" v="15368" actId="114"/>
+          <ac:spMkLst>
+            <pc:docMk/>
+            <pc:sldMk cId="1414928890" sldId="665"/>
+            <ac:spMk id="4" creationId="{48A454AE-3B66-4B6C-9FF4-3616FDCC8490}"/>
+          </ac:spMkLst>
+        </pc:spChg>
+        <pc:spChg chg="add mod">
+          <ac:chgData name="THOMY Philippe" userId="9df777e5-71f9-47e3-9421-f7a221646164" providerId="ADAL" clId="{8CEBCC67-919E-4D59-8CCF-34FEEFE7FDFA}" dt="2022-01-22T11:23:27.932" v="15380" actId="20577"/>
+          <ac:spMkLst>
+            <pc:docMk/>
+            <pc:sldMk cId="1414928890" sldId="665"/>
+            <ac:spMk id="5" creationId="{24223BDC-A597-4D76-AA3B-6679DA085F80}"/>
+          </ac:spMkLst>
+        </pc:spChg>
+      </pc:sldChg>
       <pc:sldMasterChg chg="delSldLayout">
         <pc:chgData name="THOMY Philippe" userId="9df777e5-71f9-47e3-9421-f7a221646164" providerId="ADAL" clId="{8CEBCC67-919E-4D59-8CCF-34FEEFE7FDFA}" dt="2022-01-17T15:04:44.253" v="11299" actId="2696"/>
         <pc:sldMasterMkLst>
@@ -3897,7 +4062,7 @@
             <a:fld id="{B61BEF0D-F0BB-DE4B-95CE-6DB70DBA9567}" type="datetimeFigureOut">
               <a:rPr lang="en-US" dirty="0"/>
               <a:pPr/>
-              <a:t>1/20/2022</a:t>
+              <a:t>1/22/2022</a:t>
             </a:fld>
             <a:endParaRPr lang="en-US" dirty="0"/>
           </a:p>
@@ -4232,7 +4397,7 @@
             <a:fld id="{B61BEF0D-F0BB-DE4B-95CE-6DB70DBA9567}" type="datetimeFigureOut">
               <a:rPr lang="en-US" dirty="0"/>
               <a:pPr/>
-              <a:t>1/20/2022</a:t>
+              <a:t>1/22/2022</a:t>
             </a:fld>
             <a:endParaRPr lang="en-US" dirty="0"/>
           </a:p>
@@ -4630,7 +4795,7 @@
             <a:fld id="{B61BEF0D-F0BB-DE4B-95CE-6DB70DBA9567}" type="datetimeFigureOut">
               <a:rPr lang="en-US" dirty="0"/>
               <a:pPr/>
-              <a:t>1/20/2022</a:t>
+              <a:t>1/22/2022</a:t>
             </a:fld>
             <a:endParaRPr lang="en-US" dirty="0"/>
           </a:p>
@@ -4963,7 +5128,7 @@
             <a:fld id="{B61BEF0D-F0BB-DE4B-95CE-6DB70DBA9567}" type="datetimeFigureOut">
               <a:rPr lang="en-US" dirty="0"/>
               <a:pPr/>
-              <a:t>1/20/2022</a:t>
+              <a:t>1/22/2022</a:t>
             </a:fld>
             <a:endParaRPr lang="en-US" dirty="0"/>
           </a:p>
@@ -5280,7 +5445,7 @@
             <a:fld id="{B61BEF0D-F0BB-DE4B-95CE-6DB70DBA9567}" type="datetimeFigureOut">
               <a:rPr lang="en-US" dirty="0"/>
               <a:pPr/>
-              <a:t>1/20/2022</a:t>
+              <a:t>1/22/2022</a:t>
             </a:fld>
             <a:endParaRPr lang="en-US" dirty="0"/>
           </a:p>
@@ -5673,7 +5838,7 @@
             <a:fld id="{B61BEF0D-F0BB-DE4B-95CE-6DB70DBA9567}" type="datetimeFigureOut">
               <a:rPr lang="en-US" dirty="0"/>
               <a:pPr/>
-              <a:t>1/20/2022</a:t>
+              <a:t>1/22/2022</a:t>
             </a:fld>
             <a:endParaRPr lang="en-US" dirty="0"/>
           </a:p>
@@ -5927,7 +6092,7 @@
             <a:fld id="{B61BEF0D-F0BB-DE4B-95CE-6DB70DBA9567}" type="datetimeFigureOut">
               <a:rPr lang="en-US" dirty="0"/>
               <a:pPr/>
-              <a:t>1/20/2022</a:t>
+              <a:t>1/22/2022</a:t>
             </a:fld>
             <a:endParaRPr lang="en-US" dirty="0"/>
           </a:p>
@@ -6186,7 +6351,7 @@
             <a:fld id="{B61BEF0D-F0BB-DE4B-95CE-6DB70DBA9567}" type="datetimeFigureOut">
               <a:rPr lang="en-US" dirty="0"/>
               <a:pPr/>
-              <a:t>1/20/2022</a:t>
+              <a:t>1/22/2022</a:t>
             </a:fld>
             <a:endParaRPr lang="en-US" dirty="0"/>
           </a:p>
@@ -6604,7 +6769,7 @@
             <a:fld id="{B61BEF0D-F0BB-DE4B-95CE-6DB70DBA9567}" type="datetimeFigureOut">
               <a:rPr lang="en-US" dirty="0"/>
               <a:pPr/>
-              <a:t>1/20/2022</a:t>
+              <a:t>1/22/2022</a:t>
             </a:fld>
             <a:endParaRPr lang="en-US" dirty="0"/>
           </a:p>
@@ -7036,7 +7201,7 @@
             <a:fld id="{B61BEF0D-F0BB-DE4B-95CE-6DB70DBA9567}" type="datetimeFigureOut">
               <a:rPr lang="en-US" dirty="0"/>
               <a:pPr/>
-              <a:t>1/20/2022</a:t>
+              <a:t>1/22/2022</a:t>
             </a:fld>
             <a:endParaRPr lang="en-US" dirty="0"/>
           </a:p>
@@ -7356,7 +7521,7 @@
             <a:fld id="{B61BEF0D-F0BB-DE4B-95CE-6DB70DBA9567}" type="datetimeFigureOut">
               <a:rPr lang="en-US" dirty="0"/>
               <a:pPr/>
-              <a:t>1/20/2022</a:t>
+              <a:t>1/22/2022</a:t>
             </a:fld>
             <a:endParaRPr lang="en-US" dirty="0"/>
           </a:p>
@@ -7810,7 +7975,7 @@
             <a:fld id="{B61BEF0D-F0BB-DE4B-95CE-6DB70DBA9567}" type="datetimeFigureOut">
               <a:rPr lang="en-US" dirty="0"/>
               <a:pPr/>
-              <a:t>1/20/2022</a:t>
+              <a:t>1/22/2022</a:t>
             </a:fld>
             <a:endParaRPr lang="en-US" dirty="0"/>
           </a:p>
@@ -8012,7 +8177,7 @@
             <a:fld id="{B61BEF0D-F0BB-DE4B-95CE-6DB70DBA9567}" type="datetimeFigureOut">
               <a:rPr lang="en-US" dirty="0"/>
               <a:pPr/>
-              <a:t>1/20/2022</a:t>
+              <a:t>1/22/2022</a:t>
             </a:fld>
             <a:endParaRPr lang="en-US" dirty="0"/>
           </a:p>
@@ -8186,7 +8351,7 @@
             <a:fld id="{B61BEF0D-F0BB-DE4B-95CE-6DB70DBA9567}" type="datetimeFigureOut">
               <a:rPr lang="en-US" dirty="0"/>
               <a:pPr/>
-              <a:t>1/20/2022</a:t>
+              <a:t>1/22/2022</a:t>
             </a:fld>
             <a:endParaRPr lang="en-US" dirty="0"/>
           </a:p>
@@ -8516,7 +8681,7 @@
             <a:fld id="{B61BEF0D-F0BB-DE4B-95CE-6DB70DBA9567}" type="datetimeFigureOut">
               <a:rPr lang="en-US" dirty="0"/>
               <a:pPr/>
-              <a:t>1/20/2022</a:t>
+              <a:t>1/22/2022</a:t>
             </a:fld>
             <a:endParaRPr lang="en-US" dirty="0"/>
           </a:p>
@@ -8858,7 +9023,7 @@
             <a:fld id="{B61BEF0D-F0BB-DE4B-95CE-6DB70DBA9567}" type="datetimeFigureOut">
               <a:rPr lang="en-US" dirty="0"/>
               <a:pPr/>
-              <a:t>1/20/2022</a:t>
+              <a:t>1/22/2022</a:t>
             </a:fld>
             <a:endParaRPr lang="en-US" dirty="0"/>
           </a:p>
@@ -10972,7 +11137,7 @@
             <a:fld id="{B61BEF0D-F0BB-DE4B-95CE-6DB70DBA9567}" type="datetimeFigureOut">
               <a:rPr lang="en-US" dirty="0"/>
               <a:pPr/>
-              <a:t>1/20/2022</a:t>
+              <a:t>1/22/2022</a:t>
             </a:fld>
             <a:endParaRPr lang="en-US" dirty="0"/>
           </a:p>
@@ -11629,2048 +11794,6 @@
       </p:grpSpPr>
       <p:sp>
         <p:nvSpPr>
-          <p:cNvPr id="124" name="Rectangle : coins arrondis 123">
-            <a:extLst>
-              <a:ext uri="{FF2B5EF4-FFF2-40B4-BE49-F238E27FC236}">
-                <a16:creationId xmlns:a16="http://schemas.microsoft.com/office/drawing/2014/main" id="{EBF98A3F-A2AD-4685-AFE9-61E5B3406735}"/>
-              </a:ext>
-            </a:extLst>
-          </p:cNvPr>
-          <p:cNvSpPr/>
-          <p:nvPr/>
-        </p:nvSpPr>
-        <p:spPr>
-          <a:xfrm>
-            <a:off x="348792" y="4324827"/>
-            <a:ext cx="11637297" cy="2377631"/>
-          </a:xfrm>
-          <a:prstGeom prst="roundRect">
-            <a:avLst/>
-          </a:prstGeom>
-          <a:solidFill>
-            <a:srgbClr val="00AD48">
-              <a:alpha val="20000"/>
-            </a:srgbClr>
-          </a:solidFill>
-          <a:ln>
-            <a:noFill/>
-          </a:ln>
-        </p:spPr>
-        <p:style>
-          <a:lnRef idx="2">
-            <a:schemeClr val="accent1">
-              <a:shade val="50000"/>
-            </a:schemeClr>
-          </a:lnRef>
-          <a:fillRef idx="1">
-            <a:schemeClr val="accent1"/>
-          </a:fillRef>
-          <a:effectRef idx="0">
-            <a:schemeClr val="accent1"/>
-          </a:effectRef>
-          <a:fontRef idx="minor">
-            <a:schemeClr val="lt1"/>
-          </a:fontRef>
-        </p:style>
-        <p:txBody>
-          <a:bodyPr rtlCol="0" anchor="ctr"/>
-          <a:lstStyle/>
-          <a:p>
-            <a:pPr algn="ctr"/>
-            <a:endParaRPr lang="fr-FR" sz="1270"/>
-          </a:p>
-        </p:txBody>
-      </p:sp>
-      <p:sp>
-        <p:nvSpPr>
-          <p:cNvPr id="122" name="Rectangle : coins arrondis 121">
-            <a:extLst>
-              <a:ext uri="{FF2B5EF4-FFF2-40B4-BE49-F238E27FC236}">
-                <a16:creationId xmlns:a16="http://schemas.microsoft.com/office/drawing/2014/main" id="{744F38EA-BD58-4FA9-9CDD-D1E63509B44E}"/>
-              </a:ext>
-            </a:extLst>
-          </p:cNvPr>
-          <p:cNvSpPr/>
-          <p:nvPr/>
-        </p:nvSpPr>
-        <p:spPr>
-          <a:xfrm>
-            <a:off x="348792" y="1058209"/>
-            <a:ext cx="11637297" cy="3036328"/>
-          </a:xfrm>
-          <a:prstGeom prst="roundRect">
-            <a:avLst/>
-          </a:prstGeom>
-          <a:solidFill>
-            <a:schemeClr val="accent1">
-              <a:alpha val="20000"/>
-            </a:schemeClr>
-          </a:solidFill>
-          <a:ln>
-            <a:noFill/>
-          </a:ln>
-        </p:spPr>
-        <p:style>
-          <a:lnRef idx="2">
-            <a:schemeClr val="accent1">
-              <a:shade val="50000"/>
-            </a:schemeClr>
-          </a:lnRef>
-          <a:fillRef idx="1">
-            <a:schemeClr val="accent1"/>
-          </a:fillRef>
-          <a:effectRef idx="0">
-            <a:schemeClr val="accent1"/>
-          </a:effectRef>
-          <a:fontRef idx="minor">
-            <a:schemeClr val="lt1"/>
-          </a:fontRef>
-        </p:style>
-        <p:txBody>
-          <a:bodyPr rtlCol="0" anchor="ctr"/>
-          <a:lstStyle/>
-          <a:p>
-            <a:pPr algn="ctr"/>
-            <a:endParaRPr lang="fr-FR" sz="1270"/>
-          </a:p>
-        </p:txBody>
-      </p:sp>
-      <p:sp>
-        <p:nvSpPr>
-          <p:cNvPr id="2" name="Titre 1">
-            <a:extLst>
-              <a:ext uri="{FF2B5EF4-FFF2-40B4-BE49-F238E27FC236}">
-                <a16:creationId xmlns:a16="http://schemas.microsoft.com/office/drawing/2014/main" id="{13FE6080-3BF6-4325-8A88-D4284622C441}"/>
-              </a:ext>
-            </a:extLst>
-          </p:cNvPr>
-          <p:cNvSpPr>
-            <a:spLocks noGrp="1"/>
-          </p:cNvSpPr>
-          <p:nvPr>
-            <p:ph type="title"/>
-          </p:nvPr>
-        </p:nvSpPr>
-        <p:spPr>
-          <a:xfrm>
-            <a:off x="1030085" y="272032"/>
-            <a:ext cx="10515600" cy="655166"/>
-          </a:xfrm>
-        </p:spPr>
-        <p:txBody>
-          <a:bodyPr/>
-          <a:lstStyle/>
-          <a:p>
-            <a:r>
-              <a:rPr lang="fr-FR" dirty="0"/>
-              <a:t>Exemple 2 : open-data</a:t>
-            </a:r>
-          </a:p>
-        </p:txBody>
-      </p:sp>
-      <p:sp>
-        <p:nvSpPr>
-          <p:cNvPr id="3" name="Espace réservé du contenu 2">
-            <a:extLst>
-              <a:ext uri="{FF2B5EF4-FFF2-40B4-BE49-F238E27FC236}">
-                <a16:creationId xmlns:a16="http://schemas.microsoft.com/office/drawing/2014/main" id="{A66C6D5E-300E-44DE-B323-0D31F952DDC2}"/>
-              </a:ext>
-            </a:extLst>
-          </p:cNvPr>
-          <p:cNvSpPr>
-            <a:spLocks noGrp="1"/>
-          </p:cNvSpPr>
-          <p:nvPr>
-            <p:ph idx="4294967295"/>
-          </p:nvPr>
-        </p:nvSpPr>
-        <p:spPr>
-          <a:xfrm>
-            <a:off x="535015" y="1160857"/>
-            <a:ext cx="6582971" cy="2853781"/>
-          </a:xfrm>
-        </p:spPr>
-        <p:txBody>
-          <a:bodyPr>
-            <a:normAutofit fontScale="92500" lnSpcReduction="20000"/>
-          </a:bodyPr>
-          <a:lstStyle/>
-          <a:p>
-            <a:r>
-              <a:rPr lang="fr-FR" sz="1600" dirty="0"/>
-              <a:t>Les données de mesure de la qualité de l’air sont caractérisées suivant trois paramètres :</a:t>
-            </a:r>
-          </a:p>
-          <a:p>
-            <a:pPr lvl="1"/>
-            <a:r>
-              <a:rPr lang="fr-FR" sz="1400" dirty="0"/>
-              <a:t>Les stations de mesure (localisation géographique)</a:t>
-            </a:r>
-          </a:p>
-          <a:p>
-            <a:pPr lvl="1"/>
-            <a:r>
-              <a:rPr lang="fr-FR" sz="1400" dirty="0"/>
-              <a:t>Les polluants (propriétés physiques)</a:t>
-            </a:r>
-          </a:p>
-          <a:p>
-            <a:pPr lvl="1"/>
-            <a:r>
-              <a:rPr lang="fr-FR" sz="1400" dirty="0"/>
-              <a:t>Un échantillonnage horaire (datation)</a:t>
-            </a:r>
-          </a:p>
-          <a:p>
-            <a:r>
-              <a:rPr lang="fr-FR" sz="1600" dirty="0"/>
-              <a:t>Il n’existe pas de format de partage (et de stockage) :</a:t>
-            </a:r>
-          </a:p>
-          <a:p>
-            <a:pPr lvl="1"/>
-            <a:r>
-              <a:rPr lang="fr-FR" sz="1400" dirty="0"/>
-              <a:t>soit fichier csv par station et polluants (lignes) et les valeurs horaires (colonnes)</a:t>
-            </a:r>
-          </a:p>
-          <a:p>
-            <a:pPr lvl="1"/>
-            <a:r>
-              <a:rPr lang="fr-FR" sz="1400" dirty="0"/>
-              <a:t>Soit un fichier </a:t>
-            </a:r>
-            <a:r>
-              <a:rPr lang="fr-FR" sz="1400" dirty="0" err="1"/>
-              <a:t>GeoJson</a:t>
-            </a:r>
-            <a:r>
-              <a:rPr lang="fr-FR" sz="1400" dirty="0"/>
-              <a:t> mais sans les valeurs horaires</a:t>
-            </a:r>
-          </a:p>
-          <a:p>
-            <a:r>
-              <a:rPr lang="fr-FR" sz="1600" dirty="0"/>
-              <a:t>Il n’y a pas de traitement simple et automatisable pour analyser ces données</a:t>
-            </a:r>
-          </a:p>
-        </p:txBody>
-      </p:sp>
-      <p:sp>
-        <p:nvSpPr>
-          <p:cNvPr id="101" name="Espace réservé du contenu 2">
-            <a:extLst>
-              <a:ext uri="{FF2B5EF4-FFF2-40B4-BE49-F238E27FC236}">
-                <a16:creationId xmlns:a16="http://schemas.microsoft.com/office/drawing/2014/main" id="{F35427DE-FDED-4FE9-9381-D6DF66797498}"/>
-              </a:ext>
-            </a:extLst>
-          </p:cNvPr>
-          <p:cNvSpPr txBox="1">
-            <a:spLocks/>
-          </p:cNvSpPr>
-          <p:nvPr/>
-        </p:nvSpPr>
-        <p:spPr>
-          <a:xfrm>
-            <a:off x="535015" y="4590759"/>
-            <a:ext cx="6260120" cy="1788956"/>
-          </a:xfrm>
-          <a:prstGeom prst="rect">
-            <a:avLst/>
-          </a:prstGeom>
-        </p:spPr>
-        <p:txBody>
-          <a:bodyPr vert="horz" lIns="91440" tIns="45720" rIns="91440" bIns="45720" rtlCol="0">
-            <a:normAutofit fontScale="92500" lnSpcReduction="10000"/>
-          </a:bodyPr>
-          <a:lstStyle>
-            <a:lvl1pPr marL="342900" indent="-342900" algn="l" defTabSz="457200" rtl="0" eaLnBrk="1" latinLnBrk="0" hangingPunct="1">
-              <a:spcBef>
-                <a:spcPts val="1000"/>
-              </a:spcBef>
-              <a:spcAft>
-                <a:spcPts val="0"/>
-              </a:spcAft>
-              <a:buClr>
-                <a:schemeClr val="accent1"/>
-              </a:buClr>
-              <a:buFont typeface="Wingdings 3" charset="2"/>
-              <a:buChar char=""/>
-              <a:defRPr sz="1800" kern="1200">
-                <a:solidFill>
-                  <a:schemeClr val="tx1">
-                    <a:lumMod val="75000"/>
-                    <a:lumOff val="25000"/>
-                  </a:schemeClr>
-                </a:solidFill>
-                <a:latin typeface="+mn-lt"/>
-                <a:ea typeface="+mn-ea"/>
-                <a:cs typeface="+mn-cs"/>
-              </a:defRPr>
-            </a:lvl1pPr>
-            <a:lvl2pPr marL="742950" indent="-285750" algn="l" defTabSz="457200" rtl="0" eaLnBrk="1" latinLnBrk="0" hangingPunct="1">
-              <a:spcBef>
-                <a:spcPts val="1000"/>
-              </a:spcBef>
-              <a:spcAft>
-                <a:spcPts val="0"/>
-              </a:spcAft>
-              <a:buClr>
-                <a:schemeClr val="accent1"/>
-              </a:buClr>
-              <a:buFont typeface="Wingdings 3" charset="2"/>
-              <a:buChar char=""/>
-              <a:defRPr sz="1600" kern="1200">
-                <a:solidFill>
-                  <a:schemeClr val="tx1">
-                    <a:lumMod val="75000"/>
-                    <a:lumOff val="25000"/>
-                  </a:schemeClr>
-                </a:solidFill>
-                <a:latin typeface="+mn-lt"/>
-                <a:ea typeface="+mn-ea"/>
-                <a:cs typeface="+mn-cs"/>
-              </a:defRPr>
-            </a:lvl2pPr>
-            <a:lvl3pPr marL="1143000" indent="-228600" algn="l" defTabSz="457200" rtl="0" eaLnBrk="1" latinLnBrk="0" hangingPunct="1">
-              <a:spcBef>
-                <a:spcPts val="1000"/>
-              </a:spcBef>
-              <a:spcAft>
-                <a:spcPts val="0"/>
-              </a:spcAft>
-              <a:buClr>
-                <a:schemeClr val="accent1"/>
-              </a:buClr>
-              <a:buFont typeface="Wingdings 3" charset="2"/>
-              <a:buChar char=""/>
-              <a:defRPr sz="1400" kern="1200">
-                <a:solidFill>
-                  <a:schemeClr val="tx1">
-                    <a:lumMod val="75000"/>
-                    <a:lumOff val="25000"/>
-                  </a:schemeClr>
-                </a:solidFill>
-                <a:latin typeface="+mn-lt"/>
-                <a:ea typeface="+mn-ea"/>
-                <a:cs typeface="+mn-cs"/>
-              </a:defRPr>
-            </a:lvl3pPr>
-            <a:lvl4pPr marL="1600200" indent="-228600" algn="l" defTabSz="457200" rtl="0" eaLnBrk="1" latinLnBrk="0" hangingPunct="1">
-              <a:spcBef>
-                <a:spcPts val="1000"/>
-              </a:spcBef>
-              <a:spcAft>
-                <a:spcPts val="0"/>
-              </a:spcAft>
-              <a:buClr>
-                <a:schemeClr val="accent1"/>
-              </a:buClr>
-              <a:buFont typeface="Wingdings 3" charset="2"/>
-              <a:buChar char=""/>
-              <a:defRPr sz="1200" kern="1200">
-                <a:solidFill>
-                  <a:schemeClr val="tx1">
-                    <a:lumMod val="75000"/>
-                    <a:lumOff val="25000"/>
-                  </a:schemeClr>
-                </a:solidFill>
-                <a:latin typeface="+mn-lt"/>
-                <a:ea typeface="+mn-ea"/>
-                <a:cs typeface="+mn-cs"/>
-              </a:defRPr>
-            </a:lvl4pPr>
-            <a:lvl5pPr marL="2057400" indent="-228600" algn="l" defTabSz="457200" rtl="0" eaLnBrk="1" latinLnBrk="0" hangingPunct="1">
-              <a:spcBef>
-                <a:spcPts val="1000"/>
-              </a:spcBef>
-              <a:spcAft>
-                <a:spcPts val="0"/>
-              </a:spcAft>
-              <a:buClr>
-                <a:schemeClr val="accent1"/>
-              </a:buClr>
-              <a:buFont typeface="Wingdings 3" charset="2"/>
-              <a:buChar char=""/>
-              <a:defRPr sz="1200" kern="1200">
-                <a:solidFill>
-                  <a:schemeClr val="tx1">
-                    <a:lumMod val="75000"/>
-                    <a:lumOff val="25000"/>
-                  </a:schemeClr>
-                </a:solidFill>
-                <a:latin typeface="+mn-lt"/>
-                <a:ea typeface="+mn-ea"/>
-                <a:cs typeface="+mn-cs"/>
-              </a:defRPr>
-            </a:lvl5pPr>
-            <a:lvl6pPr marL="2514600" indent="-228600" algn="l" defTabSz="457200" rtl="0" eaLnBrk="1" latinLnBrk="0" hangingPunct="1">
-              <a:spcBef>
-                <a:spcPts val="1000"/>
-              </a:spcBef>
-              <a:spcAft>
-                <a:spcPts val="0"/>
-              </a:spcAft>
-              <a:buClr>
-                <a:schemeClr val="accent1"/>
-              </a:buClr>
-              <a:buFont typeface="Wingdings 3" charset="2"/>
-              <a:buChar char=""/>
-              <a:defRPr sz="1200" kern="1200">
-                <a:solidFill>
-                  <a:schemeClr val="tx1">
-                    <a:lumMod val="75000"/>
-                    <a:lumOff val="25000"/>
-                  </a:schemeClr>
-                </a:solidFill>
-                <a:latin typeface="+mn-lt"/>
-                <a:ea typeface="+mn-ea"/>
-                <a:cs typeface="+mn-cs"/>
-              </a:defRPr>
-            </a:lvl6pPr>
-            <a:lvl7pPr marL="2971800" indent="-228600" algn="l" defTabSz="457200" rtl="0" eaLnBrk="1" latinLnBrk="0" hangingPunct="1">
-              <a:spcBef>
-                <a:spcPts val="1000"/>
-              </a:spcBef>
-              <a:spcAft>
-                <a:spcPts val="0"/>
-              </a:spcAft>
-              <a:buClr>
-                <a:schemeClr val="accent1"/>
-              </a:buClr>
-              <a:buFont typeface="Wingdings 3" charset="2"/>
-              <a:buChar char=""/>
-              <a:defRPr sz="1200" kern="1200">
-                <a:solidFill>
-                  <a:schemeClr val="tx1">
-                    <a:lumMod val="75000"/>
-                    <a:lumOff val="25000"/>
-                  </a:schemeClr>
-                </a:solidFill>
-                <a:latin typeface="+mn-lt"/>
-                <a:ea typeface="+mn-ea"/>
-                <a:cs typeface="+mn-cs"/>
-              </a:defRPr>
-            </a:lvl7pPr>
-            <a:lvl8pPr marL="3429000" indent="-228600" algn="l" defTabSz="457200" rtl="0" eaLnBrk="1" latinLnBrk="0" hangingPunct="1">
-              <a:spcBef>
-                <a:spcPts val="1000"/>
-              </a:spcBef>
-              <a:spcAft>
-                <a:spcPts val="0"/>
-              </a:spcAft>
-              <a:buClr>
-                <a:schemeClr val="accent1"/>
-              </a:buClr>
-              <a:buFont typeface="Wingdings 3" charset="2"/>
-              <a:buChar char=""/>
-              <a:defRPr sz="1200" kern="1200">
-                <a:solidFill>
-                  <a:schemeClr val="tx1">
-                    <a:lumMod val="75000"/>
-                    <a:lumOff val="25000"/>
-                  </a:schemeClr>
-                </a:solidFill>
-                <a:latin typeface="+mn-lt"/>
-                <a:ea typeface="+mn-ea"/>
-                <a:cs typeface="+mn-cs"/>
-              </a:defRPr>
-            </a:lvl8pPr>
-            <a:lvl9pPr marL="3886200" indent="-228600" algn="l" defTabSz="457200" rtl="0" eaLnBrk="1" latinLnBrk="0" hangingPunct="1">
-              <a:spcBef>
-                <a:spcPts val="1000"/>
-              </a:spcBef>
-              <a:spcAft>
-                <a:spcPts val="0"/>
-              </a:spcAft>
-              <a:buClr>
-                <a:schemeClr val="accent1"/>
-              </a:buClr>
-              <a:buFont typeface="Wingdings 3" charset="2"/>
-              <a:buChar char=""/>
-              <a:defRPr sz="1200" kern="1200">
-                <a:solidFill>
-                  <a:schemeClr val="tx1">
-                    <a:lumMod val="75000"/>
-                    <a:lumOff val="25000"/>
-                  </a:schemeClr>
-                </a:solidFill>
-                <a:latin typeface="+mn-lt"/>
-                <a:ea typeface="+mn-ea"/>
-                <a:cs typeface="+mn-cs"/>
-              </a:defRPr>
-            </a:lvl9pPr>
-          </a:lstStyle>
-          <a:p>
-            <a:r>
-              <a:rPr lang="fr-FR" sz="1600" dirty="0"/>
-              <a:t>Je peux faire une demande portant sur un périmètre géographique, une tranche horaire, une liste de polluants (API)</a:t>
-            </a:r>
-          </a:p>
-          <a:p>
-            <a:r>
-              <a:rPr lang="fr-FR" sz="1600" dirty="0"/>
-              <a:t>Je récupère ces données suivant le format standard ObsJSON</a:t>
-            </a:r>
-          </a:p>
-          <a:p>
-            <a:r>
-              <a:rPr lang="fr-FR" sz="1600" dirty="0"/>
-              <a:t>Je les exploite automatiquement suivant mon centre d’intérêt grâce aux outils supportant ce standard</a:t>
-            </a:r>
-          </a:p>
-        </p:txBody>
-      </p:sp>
-      <p:sp>
-        <p:nvSpPr>
-          <p:cNvPr id="55" name="Rectangle : coins arrondis 54">
-            <a:extLst>
-              <a:ext uri="{FF2B5EF4-FFF2-40B4-BE49-F238E27FC236}">
-                <a16:creationId xmlns:a16="http://schemas.microsoft.com/office/drawing/2014/main" id="{45082502-2ED8-4C7F-8FD1-72A5F462C9E1}"/>
-              </a:ext>
-            </a:extLst>
-          </p:cNvPr>
-          <p:cNvSpPr/>
-          <p:nvPr/>
-        </p:nvSpPr>
-        <p:spPr>
-          <a:xfrm>
-            <a:off x="8981888" y="1880011"/>
-            <a:ext cx="1140301" cy="291410"/>
-          </a:xfrm>
-          <a:prstGeom prst="roundRect">
-            <a:avLst/>
-          </a:prstGeom>
-          <a:solidFill>
-            <a:srgbClr val="00AD48"/>
-          </a:solidFill>
-          <a:effectLst>
-            <a:innerShdw blurRad="63500" dist="50800" dir="5400000">
-              <a:prstClr val="black">
-                <a:alpha val="50000"/>
-              </a:prstClr>
-            </a:innerShdw>
-          </a:effectLst>
-        </p:spPr>
-        <p:style>
-          <a:lnRef idx="0">
-            <a:schemeClr val="accent1"/>
-          </a:lnRef>
-          <a:fillRef idx="3">
-            <a:schemeClr val="accent1"/>
-          </a:fillRef>
-          <a:effectRef idx="3">
-            <a:schemeClr val="accent1"/>
-          </a:effectRef>
-          <a:fontRef idx="minor">
-            <a:schemeClr val="lt1"/>
-          </a:fontRef>
-        </p:style>
-        <p:txBody>
-          <a:bodyPr rtlCol="0" anchor="ctr"/>
-          <a:lstStyle/>
-          <a:p>
-            <a:pPr algn="ctr"/>
-            <a:r>
-              <a:rPr lang="fr-FR" sz="1400" dirty="0"/>
-              <a:t>Mesure air</a:t>
-            </a:r>
-          </a:p>
-        </p:txBody>
-      </p:sp>
-      <p:sp>
-        <p:nvSpPr>
-          <p:cNvPr id="56" name="Rectangle : coins arrondis 55">
-            <a:extLst>
-              <a:ext uri="{FF2B5EF4-FFF2-40B4-BE49-F238E27FC236}">
-                <a16:creationId xmlns:a16="http://schemas.microsoft.com/office/drawing/2014/main" id="{B2374D23-F076-4272-94EC-8E705805BCC6}"/>
-              </a:ext>
-            </a:extLst>
-          </p:cNvPr>
-          <p:cNvSpPr/>
-          <p:nvPr/>
-        </p:nvSpPr>
-        <p:spPr>
-          <a:xfrm>
-            <a:off x="7849780" y="1143173"/>
-            <a:ext cx="1069495" cy="380443"/>
-          </a:xfrm>
-          <a:prstGeom prst="roundRect">
-            <a:avLst>
-              <a:gd name="adj" fmla="val 50000"/>
-            </a:avLst>
-          </a:prstGeom>
-          <a:solidFill>
-            <a:srgbClr val="00B050"/>
-          </a:solidFill>
-          <a:effectLst>
-            <a:outerShdw blurRad="50800" dist="38100" dir="2700000" algn="tl" rotWithShape="0">
-              <a:prstClr val="black">
-                <a:alpha val="40000"/>
-              </a:prstClr>
-            </a:outerShdw>
-          </a:effectLst>
-        </p:spPr>
-        <p:style>
-          <a:lnRef idx="0">
-            <a:schemeClr val="accent1"/>
-          </a:lnRef>
-          <a:fillRef idx="3">
-            <a:schemeClr val="accent1"/>
-          </a:fillRef>
-          <a:effectRef idx="3">
-            <a:schemeClr val="accent1"/>
-          </a:effectRef>
-          <a:fontRef idx="minor">
-            <a:schemeClr val="lt1"/>
-          </a:fontRef>
-        </p:style>
-        <p:txBody>
-          <a:bodyPr rtlCol="0" anchor="ctr"/>
-          <a:lstStyle/>
-          <a:p>
-            <a:pPr algn="ctr"/>
-            <a:r>
-              <a:rPr lang="fr-FR" sz="1000" dirty="0"/>
-              <a:t>localisation</a:t>
-            </a:r>
-          </a:p>
-        </p:txBody>
-      </p:sp>
-      <p:sp>
-        <p:nvSpPr>
-          <p:cNvPr id="57" name="Rectangle : coins arrondis 56">
-            <a:extLst>
-              <a:ext uri="{FF2B5EF4-FFF2-40B4-BE49-F238E27FC236}">
-                <a16:creationId xmlns:a16="http://schemas.microsoft.com/office/drawing/2014/main" id="{20768692-B606-4AE3-8D39-3685E25B26AD}"/>
-              </a:ext>
-            </a:extLst>
-          </p:cNvPr>
-          <p:cNvSpPr/>
-          <p:nvPr/>
-        </p:nvSpPr>
-        <p:spPr>
-          <a:xfrm>
-            <a:off x="10157927" y="1159162"/>
-            <a:ext cx="977774" cy="380443"/>
-          </a:xfrm>
-          <a:prstGeom prst="roundRect">
-            <a:avLst>
-              <a:gd name="adj" fmla="val 50000"/>
-            </a:avLst>
-          </a:prstGeom>
-          <a:solidFill>
-            <a:srgbClr val="00B050"/>
-          </a:solidFill>
-          <a:effectLst>
-            <a:outerShdw blurRad="50800" dist="38100" dir="2700000" algn="tl" rotWithShape="0">
-              <a:prstClr val="black">
-                <a:alpha val="40000"/>
-              </a:prstClr>
-            </a:outerShdw>
-          </a:effectLst>
-        </p:spPr>
-        <p:style>
-          <a:lnRef idx="0">
-            <a:schemeClr val="accent1"/>
-          </a:lnRef>
-          <a:fillRef idx="3">
-            <a:schemeClr val="accent1"/>
-          </a:fillRef>
-          <a:effectRef idx="3">
-            <a:schemeClr val="accent1"/>
-          </a:effectRef>
-          <a:fontRef idx="minor">
-            <a:schemeClr val="lt1"/>
-          </a:fontRef>
-        </p:style>
-        <p:txBody>
-          <a:bodyPr rtlCol="0" anchor="ctr"/>
-          <a:lstStyle/>
-          <a:p>
-            <a:pPr algn="ctr"/>
-            <a:r>
-              <a:rPr lang="fr-FR" sz="1000" dirty="0"/>
-              <a:t>datation</a:t>
-            </a:r>
-          </a:p>
-        </p:txBody>
-      </p:sp>
-      <p:sp>
-        <p:nvSpPr>
-          <p:cNvPr id="58" name="Rectangle : coins arrondis 57">
-            <a:extLst>
-              <a:ext uri="{FF2B5EF4-FFF2-40B4-BE49-F238E27FC236}">
-                <a16:creationId xmlns:a16="http://schemas.microsoft.com/office/drawing/2014/main" id="{BBD5EC5C-9A96-41A1-8195-201D108206F4}"/>
-              </a:ext>
-            </a:extLst>
-          </p:cNvPr>
-          <p:cNvSpPr/>
-          <p:nvPr/>
-        </p:nvSpPr>
-        <p:spPr>
-          <a:xfrm>
-            <a:off x="9099541" y="1154380"/>
-            <a:ext cx="904995" cy="369236"/>
-          </a:xfrm>
-          <a:prstGeom prst="roundRect">
-            <a:avLst>
-              <a:gd name="adj" fmla="val 50000"/>
-            </a:avLst>
-          </a:prstGeom>
-          <a:solidFill>
-            <a:srgbClr val="00B050"/>
-          </a:solidFill>
-          <a:effectLst>
-            <a:outerShdw blurRad="50800" dist="38100" dir="2700000" algn="tl" rotWithShape="0">
-              <a:prstClr val="black">
-                <a:alpha val="40000"/>
-              </a:prstClr>
-            </a:outerShdw>
-          </a:effectLst>
-        </p:spPr>
-        <p:style>
-          <a:lnRef idx="0">
-            <a:schemeClr val="accent1"/>
-          </a:lnRef>
-          <a:fillRef idx="3">
-            <a:schemeClr val="accent1"/>
-          </a:fillRef>
-          <a:effectRef idx="3">
-            <a:schemeClr val="accent1"/>
-          </a:effectRef>
-          <a:fontRef idx="minor">
-            <a:schemeClr val="lt1"/>
-          </a:fontRef>
-        </p:style>
-        <p:txBody>
-          <a:bodyPr rtlCol="0" anchor="ctr"/>
-          <a:lstStyle/>
-          <a:p>
-            <a:pPr algn="ctr"/>
-            <a:r>
-              <a:rPr lang="fr-FR" sz="1000" dirty="0"/>
-              <a:t>polluant</a:t>
-            </a:r>
-          </a:p>
-        </p:txBody>
-      </p:sp>
-      <p:sp>
-        <p:nvSpPr>
-          <p:cNvPr id="59" name="Rectangle : coins arrondis 58">
-            <a:extLst>
-              <a:ext uri="{FF2B5EF4-FFF2-40B4-BE49-F238E27FC236}">
-                <a16:creationId xmlns:a16="http://schemas.microsoft.com/office/drawing/2014/main" id="{ACFDA339-2643-426E-AD8D-A24ADF69EDD4}"/>
-              </a:ext>
-            </a:extLst>
-          </p:cNvPr>
-          <p:cNvSpPr/>
-          <p:nvPr/>
-        </p:nvSpPr>
-        <p:spPr>
-          <a:xfrm>
-            <a:off x="8244071" y="3654279"/>
-            <a:ext cx="2615935" cy="362241"/>
-          </a:xfrm>
-          <a:prstGeom prst="roundRect">
-            <a:avLst>
-              <a:gd name="adj" fmla="val 50000"/>
-            </a:avLst>
-          </a:prstGeom>
-          <a:solidFill>
-            <a:srgbClr val="C00000"/>
-          </a:solidFill>
-          <a:effectLst>
-            <a:outerShdw blurRad="50800" dist="38100" dir="2700000" algn="tl" rotWithShape="0">
-              <a:prstClr val="black">
-                <a:alpha val="40000"/>
-              </a:prstClr>
-            </a:outerShdw>
-          </a:effectLst>
-        </p:spPr>
-        <p:style>
-          <a:lnRef idx="0">
-            <a:schemeClr val="accent1"/>
-          </a:lnRef>
-          <a:fillRef idx="3">
-            <a:schemeClr val="accent1"/>
-          </a:fillRef>
-          <a:effectRef idx="3">
-            <a:schemeClr val="accent1"/>
-          </a:effectRef>
-          <a:fontRef idx="minor">
-            <a:schemeClr val="lt1"/>
-          </a:fontRef>
-        </p:style>
-        <p:txBody>
-          <a:bodyPr rtlCol="0" anchor="ctr"/>
-          <a:lstStyle/>
-          <a:p>
-            <a:pPr algn="ctr"/>
-            <a:r>
-              <a:rPr lang="fr-FR" sz="1400" dirty="0"/>
-              <a:t>Traitement manuel</a:t>
-            </a:r>
-          </a:p>
-        </p:txBody>
-      </p:sp>
-      <p:cxnSp>
-        <p:nvCxnSpPr>
-          <p:cNvPr id="60" name="Connecteur droit avec flèche 59">
-            <a:extLst>
-              <a:ext uri="{FF2B5EF4-FFF2-40B4-BE49-F238E27FC236}">
-                <a16:creationId xmlns:a16="http://schemas.microsoft.com/office/drawing/2014/main" id="{CFE6118C-1BB5-4934-A08D-BE06421B72B0}"/>
-              </a:ext>
-            </a:extLst>
-          </p:cNvPr>
-          <p:cNvCxnSpPr>
-            <a:cxnSpLocks/>
-          </p:cNvCxnSpPr>
-          <p:nvPr/>
-        </p:nvCxnSpPr>
-        <p:spPr>
-          <a:xfrm flipH="1">
-            <a:off x="9900767" y="1555477"/>
-            <a:ext cx="306730" cy="272901"/>
-          </a:xfrm>
-          <a:prstGeom prst="straightConnector1">
-            <a:avLst/>
-          </a:prstGeom>
-          <a:ln w="47625" cmpd="dbl">
-            <a:headEnd type="stealth" w="lg" len="lg"/>
-            <a:tailEnd type="none"/>
-          </a:ln>
-        </p:spPr>
-        <p:style>
-          <a:lnRef idx="1">
-            <a:schemeClr val="accent1"/>
-          </a:lnRef>
-          <a:fillRef idx="0">
-            <a:schemeClr val="accent1"/>
-          </a:fillRef>
-          <a:effectRef idx="0">
-            <a:schemeClr val="accent1"/>
-          </a:effectRef>
-          <a:fontRef idx="minor">
-            <a:schemeClr val="tx1"/>
-          </a:fontRef>
-        </p:style>
-      </p:cxnSp>
-      <p:cxnSp>
-        <p:nvCxnSpPr>
-          <p:cNvPr id="66" name="Connecteur droit avec flèche 65">
-            <a:extLst>
-              <a:ext uri="{FF2B5EF4-FFF2-40B4-BE49-F238E27FC236}">
-                <a16:creationId xmlns:a16="http://schemas.microsoft.com/office/drawing/2014/main" id="{DD00C8DC-26CD-46FE-8C5E-C1D622C5E54F}"/>
-              </a:ext>
-            </a:extLst>
-          </p:cNvPr>
-          <p:cNvCxnSpPr>
-            <a:cxnSpLocks/>
-          </p:cNvCxnSpPr>
-          <p:nvPr/>
-        </p:nvCxnSpPr>
-        <p:spPr>
-          <a:xfrm>
-            <a:off x="9552038" y="1523616"/>
-            <a:ext cx="0" cy="279828"/>
-          </a:xfrm>
-          <a:prstGeom prst="straightConnector1">
-            <a:avLst/>
-          </a:prstGeom>
-          <a:ln w="47625" cmpd="dbl">
-            <a:headEnd type="stealth" w="lg" len="lg"/>
-            <a:tailEnd type="none"/>
-          </a:ln>
-        </p:spPr>
-        <p:style>
-          <a:lnRef idx="1">
-            <a:schemeClr val="accent1"/>
-          </a:lnRef>
-          <a:fillRef idx="0">
-            <a:schemeClr val="accent1"/>
-          </a:fillRef>
-          <a:effectRef idx="0">
-            <a:schemeClr val="accent1"/>
-          </a:effectRef>
-          <a:fontRef idx="minor">
-            <a:schemeClr val="tx1"/>
-          </a:fontRef>
-        </p:style>
-      </p:cxnSp>
-      <p:cxnSp>
-        <p:nvCxnSpPr>
-          <p:cNvPr id="68" name="Connecteur droit avec flèche 67">
-            <a:extLst>
-              <a:ext uri="{FF2B5EF4-FFF2-40B4-BE49-F238E27FC236}">
-                <a16:creationId xmlns:a16="http://schemas.microsoft.com/office/drawing/2014/main" id="{0DF34F43-2A28-4BB0-93D9-F457640C860A}"/>
-              </a:ext>
-            </a:extLst>
-          </p:cNvPr>
-          <p:cNvCxnSpPr>
-            <a:cxnSpLocks/>
-          </p:cNvCxnSpPr>
-          <p:nvPr/>
-        </p:nvCxnSpPr>
-        <p:spPr>
-          <a:xfrm>
-            <a:off x="8803413" y="1555477"/>
-            <a:ext cx="237323" cy="276284"/>
-          </a:xfrm>
-          <a:prstGeom prst="straightConnector1">
-            <a:avLst/>
-          </a:prstGeom>
-          <a:ln w="47625" cmpd="dbl">
-            <a:headEnd type="stealth" w="lg" len="lg"/>
-            <a:tailEnd type="none"/>
-          </a:ln>
-        </p:spPr>
-        <p:style>
-          <a:lnRef idx="1">
-            <a:schemeClr val="accent1"/>
-          </a:lnRef>
-          <a:fillRef idx="0">
-            <a:schemeClr val="accent1"/>
-          </a:fillRef>
-          <a:effectRef idx="0">
-            <a:schemeClr val="accent1"/>
-          </a:effectRef>
-          <a:fontRef idx="minor">
-            <a:schemeClr val="tx1"/>
-          </a:fontRef>
-        </p:style>
-      </p:cxnSp>
-      <p:graphicFrame>
-        <p:nvGraphicFramePr>
-          <p:cNvPr id="89" name="Tableau 11">
-            <a:extLst>
-              <a:ext uri="{FF2B5EF4-FFF2-40B4-BE49-F238E27FC236}">
-                <a16:creationId xmlns:a16="http://schemas.microsoft.com/office/drawing/2014/main" id="{FBEDEF14-22D5-4403-B63C-DB5A22A3FBAC}"/>
-              </a:ext>
-            </a:extLst>
-          </p:cNvPr>
-          <p:cNvGraphicFramePr>
-            <a:graphicFrameLocks/>
-          </p:cNvGraphicFramePr>
-          <p:nvPr>
-            <p:extLst>
-              <p:ext uri="{D42A27DB-BD31-4B8C-83A1-F6EECF244321}">
-                <p14:modId xmlns:p14="http://schemas.microsoft.com/office/powerpoint/2010/main" val="3681867423"/>
-              </p:ext>
-            </p:extLst>
-          </p:nvPr>
-        </p:nvGraphicFramePr>
-        <p:xfrm>
-          <a:off x="7577122" y="2531996"/>
-          <a:ext cx="3949832" cy="880440"/>
-        </p:xfrm>
-        <a:graphic>
-          <a:graphicData uri="http://schemas.openxmlformats.org/drawingml/2006/table">
-            <a:tbl>
-              <a:tblPr firstRow="1" bandRow="1">
-                <a:tableStyleId>{5C22544A-7EE6-4342-B048-85BDC9FD1C3A}</a:tableStyleId>
-              </a:tblPr>
-              <a:tblGrid>
-                <a:gridCol w="405636">
-                  <a:extLst>
-                    <a:ext uri="{9D8B030D-6E8A-4147-A177-3AD203B41FA5}">
-                      <a16:colId xmlns:a16="http://schemas.microsoft.com/office/drawing/2014/main" val="4201465443"/>
-                    </a:ext>
-                  </a:extLst>
-                </a:gridCol>
-                <a:gridCol w="348817">
-                  <a:extLst>
-                    <a:ext uri="{9D8B030D-6E8A-4147-A177-3AD203B41FA5}">
-                      <a16:colId xmlns:a16="http://schemas.microsoft.com/office/drawing/2014/main" val="3555002132"/>
-                    </a:ext>
-                  </a:extLst>
-                </a:gridCol>
-                <a:gridCol w="284866">
-                  <a:extLst>
-                    <a:ext uri="{9D8B030D-6E8A-4147-A177-3AD203B41FA5}">
-                      <a16:colId xmlns:a16="http://schemas.microsoft.com/office/drawing/2014/main" val="1792911921"/>
-                    </a:ext>
-                  </a:extLst>
-                </a:gridCol>
-                <a:gridCol w="346440">
-                  <a:extLst>
-                    <a:ext uri="{9D8B030D-6E8A-4147-A177-3AD203B41FA5}">
-                      <a16:colId xmlns:a16="http://schemas.microsoft.com/office/drawing/2014/main" val="527619674"/>
-                    </a:ext>
-                  </a:extLst>
-                </a:gridCol>
-                <a:gridCol w="352029">
-                  <a:extLst>
-                    <a:ext uri="{9D8B030D-6E8A-4147-A177-3AD203B41FA5}">
-                      <a16:colId xmlns:a16="http://schemas.microsoft.com/office/drawing/2014/main" val="905076484"/>
-                    </a:ext>
-                  </a:extLst>
-                </a:gridCol>
-                <a:gridCol w="352029">
-                  <a:extLst>
-                    <a:ext uri="{9D8B030D-6E8A-4147-A177-3AD203B41FA5}">
-                      <a16:colId xmlns:a16="http://schemas.microsoft.com/office/drawing/2014/main" val="4157188487"/>
-                    </a:ext>
-                  </a:extLst>
-                </a:gridCol>
-                <a:gridCol w="372003">
-                  <a:extLst>
-                    <a:ext uri="{9D8B030D-6E8A-4147-A177-3AD203B41FA5}">
-                      <a16:colId xmlns:a16="http://schemas.microsoft.com/office/drawing/2014/main" val="3636296814"/>
-                    </a:ext>
-                  </a:extLst>
-                </a:gridCol>
-                <a:gridCol w="372003">
-                  <a:extLst>
-                    <a:ext uri="{9D8B030D-6E8A-4147-A177-3AD203B41FA5}">
-                      <a16:colId xmlns:a16="http://schemas.microsoft.com/office/drawing/2014/main" val="1870353858"/>
-                    </a:ext>
-                  </a:extLst>
-                </a:gridCol>
-                <a:gridCol w="372003">
-                  <a:extLst>
-                    <a:ext uri="{9D8B030D-6E8A-4147-A177-3AD203B41FA5}">
-                      <a16:colId xmlns:a16="http://schemas.microsoft.com/office/drawing/2014/main" val="3188876929"/>
-                    </a:ext>
-                  </a:extLst>
-                </a:gridCol>
-                <a:gridCol w="372003">
-                  <a:extLst>
-                    <a:ext uri="{9D8B030D-6E8A-4147-A177-3AD203B41FA5}">
-                      <a16:colId xmlns:a16="http://schemas.microsoft.com/office/drawing/2014/main" val="275140166"/>
-                    </a:ext>
-                  </a:extLst>
-                </a:gridCol>
-                <a:gridCol w="372003">
-                  <a:extLst>
-                    <a:ext uri="{9D8B030D-6E8A-4147-A177-3AD203B41FA5}">
-                      <a16:colId xmlns:a16="http://schemas.microsoft.com/office/drawing/2014/main" val="1203488174"/>
-                    </a:ext>
-                  </a:extLst>
-                </a:gridCol>
-              </a:tblGrid>
-              <a:tr h="219461">
-                <a:tc gridSpan="2">
-                  <a:txBody>
-                    <a:bodyPr/>
-                    <a:lstStyle/>
-                    <a:p>
-                      <a:pPr algn="ctr"/>
-                      <a:r>
-                        <a:rPr lang="fr-FR" sz="900" dirty="0"/>
-                        <a:t>Station</a:t>
-                      </a:r>
-                    </a:p>
-                  </a:txBody>
-                  <a:tcPr marL="82951" marR="82951" marT="41475" marB="41475"/>
-                </a:tc>
-                <a:tc hMerge="1">
-                  <a:txBody>
-                    <a:bodyPr/>
-                    <a:lstStyle/>
-                    <a:p>
-                      <a:endParaRPr lang="fr-FR" sz="900" dirty="0"/>
-                    </a:p>
-                  </a:txBody>
-                  <a:tcPr marL="82951" marR="82951" marT="41475" marB="41475"/>
-                </a:tc>
-                <a:tc gridSpan="2">
-                  <a:txBody>
-                    <a:bodyPr/>
-                    <a:lstStyle/>
-                    <a:p>
-                      <a:pPr algn="ctr"/>
-                      <a:r>
-                        <a:rPr lang="fr-FR" sz="900" dirty="0"/>
-                        <a:t>Polluant</a:t>
-                      </a:r>
-                    </a:p>
-                  </a:txBody>
-                  <a:tcPr marL="82951" marR="82951" marT="41475" marB="41475"/>
-                </a:tc>
-                <a:tc hMerge="1">
-                  <a:txBody>
-                    <a:bodyPr/>
-                    <a:lstStyle/>
-                    <a:p>
-                      <a:endParaRPr lang="fr-FR" sz="900" dirty="0"/>
-                    </a:p>
-                  </a:txBody>
-                  <a:tcPr marL="82951" marR="82951" marT="41475" marB="41475"/>
-                </a:tc>
-                <a:tc gridSpan="7">
-                  <a:txBody>
-                    <a:bodyPr/>
-                    <a:lstStyle/>
-                    <a:p>
-                      <a:pPr algn="ctr"/>
-                      <a:r>
-                        <a:rPr lang="fr-FR" sz="900" dirty="0"/>
-                        <a:t>Heure </a:t>
-                      </a:r>
-                    </a:p>
-                  </a:txBody>
-                  <a:tcPr marL="82951" marR="82951" marT="41475" marB="41475"/>
-                </a:tc>
-                <a:tc hMerge="1">
-                  <a:txBody>
-                    <a:bodyPr/>
-                    <a:lstStyle/>
-                    <a:p>
-                      <a:endParaRPr lang="fr-FR" sz="900" dirty="0"/>
-                    </a:p>
-                  </a:txBody>
-                  <a:tcPr marL="82951" marR="82951" marT="41475" marB="41475"/>
-                </a:tc>
-                <a:tc hMerge="1">
-                  <a:txBody>
-                    <a:bodyPr/>
-                    <a:lstStyle/>
-                    <a:p>
-                      <a:r>
-                        <a:rPr lang="fr-FR" sz="900" dirty="0" err="1"/>
-                        <a:t>Result</a:t>
-                      </a:r>
-                      <a:endParaRPr lang="fr-FR" sz="900" dirty="0"/>
-                    </a:p>
-                  </a:txBody>
-                  <a:tcPr marL="82951" marR="82951" marT="41475" marB="41475"/>
-                </a:tc>
-                <a:tc hMerge="1">
-                  <a:txBody>
-                    <a:bodyPr/>
-                    <a:lstStyle/>
-                    <a:p>
-                      <a:pPr algn="ctr"/>
-                      <a:endParaRPr lang="fr-FR" sz="900" dirty="0"/>
-                    </a:p>
-                  </a:txBody>
-                  <a:tcPr marL="82951" marR="82951" marT="41475" marB="41475"/>
-                </a:tc>
-                <a:tc hMerge="1">
-                  <a:txBody>
-                    <a:bodyPr/>
-                    <a:lstStyle/>
-                    <a:p>
-                      <a:pPr algn="ctr"/>
-                      <a:endParaRPr lang="fr-FR" sz="900" dirty="0"/>
-                    </a:p>
-                  </a:txBody>
-                  <a:tcPr marL="82951" marR="82951" marT="41475" marB="41475"/>
-                </a:tc>
-                <a:tc hMerge="1">
-                  <a:txBody>
-                    <a:bodyPr/>
-                    <a:lstStyle/>
-                    <a:p>
-                      <a:pPr algn="ctr"/>
-                      <a:endParaRPr lang="fr-FR" sz="900" dirty="0"/>
-                    </a:p>
-                  </a:txBody>
-                  <a:tcPr marL="82951" marR="82951" marT="41475" marB="41475"/>
-                </a:tc>
-                <a:tc hMerge="1">
-                  <a:txBody>
-                    <a:bodyPr/>
-                    <a:lstStyle/>
-                    <a:p>
-                      <a:pPr algn="ctr"/>
-                      <a:endParaRPr lang="fr-FR" sz="900" dirty="0"/>
-                    </a:p>
-                  </a:txBody>
-                  <a:tcPr marL="82951" marR="82951" marT="41475" marB="41475"/>
-                </a:tc>
-                <a:extLst>
-                  <a:ext uri="{0D108BD9-81ED-4DB2-BD59-A6C34878D82A}">
-                    <a16:rowId xmlns:a16="http://schemas.microsoft.com/office/drawing/2014/main" val="3221545621"/>
-                  </a:ext>
-                </a:extLst>
-              </a:tr>
-              <a:tr h="131677">
-                <a:tc>
-                  <a:txBody>
-                    <a:bodyPr/>
-                    <a:lstStyle/>
-                    <a:p>
-                      <a:endParaRPr lang="fr-FR" sz="900" dirty="0"/>
-                    </a:p>
-                  </a:txBody>
-                  <a:tcPr marL="82951" marR="82951" marT="41475" marB="41475"/>
-                </a:tc>
-                <a:tc>
-                  <a:txBody>
-                    <a:bodyPr/>
-                    <a:lstStyle/>
-                    <a:p>
-                      <a:endParaRPr lang="fr-FR" sz="900" dirty="0"/>
-                    </a:p>
-                  </a:txBody>
-                  <a:tcPr marL="82951" marR="82951" marT="41475" marB="41475"/>
-                </a:tc>
-                <a:tc>
-                  <a:txBody>
-                    <a:bodyPr/>
-                    <a:lstStyle/>
-                    <a:p>
-                      <a:endParaRPr lang="fr-FR" sz="900" dirty="0"/>
-                    </a:p>
-                  </a:txBody>
-                  <a:tcPr marL="82951" marR="82951" marT="41475" marB="41475"/>
-                </a:tc>
-                <a:tc>
-                  <a:txBody>
-                    <a:bodyPr/>
-                    <a:lstStyle/>
-                    <a:p>
-                      <a:endParaRPr lang="fr-FR" sz="900" dirty="0"/>
-                    </a:p>
-                  </a:txBody>
-                  <a:tcPr marL="82951" marR="82951" marT="41475" marB="41475"/>
-                </a:tc>
-                <a:tc>
-                  <a:txBody>
-                    <a:bodyPr/>
-                    <a:lstStyle/>
-                    <a:p>
-                      <a:endParaRPr lang="fr-FR" sz="900" dirty="0"/>
-                    </a:p>
-                  </a:txBody>
-                  <a:tcPr marL="82951" marR="82951" marT="41475" marB="41475"/>
-                </a:tc>
-                <a:tc>
-                  <a:txBody>
-                    <a:bodyPr/>
-                    <a:lstStyle/>
-                    <a:p>
-                      <a:endParaRPr lang="fr-FR" sz="900" dirty="0"/>
-                    </a:p>
-                  </a:txBody>
-                  <a:tcPr marL="82951" marR="82951" marT="41475" marB="41475"/>
-                </a:tc>
-                <a:tc>
-                  <a:txBody>
-                    <a:bodyPr/>
-                    <a:lstStyle/>
-                    <a:p>
-                      <a:endParaRPr lang="fr-FR" sz="900" dirty="0"/>
-                    </a:p>
-                  </a:txBody>
-                  <a:tcPr marL="82951" marR="82951" marT="41475" marB="41475"/>
-                </a:tc>
-                <a:tc>
-                  <a:txBody>
-                    <a:bodyPr/>
-                    <a:lstStyle/>
-                    <a:p>
-                      <a:endParaRPr lang="fr-FR" sz="900" dirty="0"/>
-                    </a:p>
-                  </a:txBody>
-                  <a:tcPr marL="82951" marR="82951" marT="41475" marB="41475"/>
-                </a:tc>
-                <a:tc>
-                  <a:txBody>
-                    <a:bodyPr/>
-                    <a:lstStyle/>
-                    <a:p>
-                      <a:endParaRPr lang="fr-FR" sz="900" dirty="0"/>
-                    </a:p>
-                  </a:txBody>
-                  <a:tcPr marL="82951" marR="82951" marT="41475" marB="41475"/>
-                </a:tc>
-                <a:tc>
-                  <a:txBody>
-                    <a:bodyPr/>
-                    <a:lstStyle/>
-                    <a:p>
-                      <a:endParaRPr lang="fr-FR" sz="900" dirty="0"/>
-                    </a:p>
-                  </a:txBody>
-                  <a:tcPr marL="82951" marR="82951" marT="41475" marB="41475"/>
-                </a:tc>
-                <a:tc>
-                  <a:txBody>
-                    <a:bodyPr/>
-                    <a:lstStyle/>
-                    <a:p>
-                      <a:endParaRPr lang="fr-FR" sz="900" dirty="0"/>
-                    </a:p>
-                  </a:txBody>
-                  <a:tcPr marL="82951" marR="82951" marT="41475" marB="41475"/>
-                </a:tc>
-                <a:extLst>
-                  <a:ext uri="{0D108BD9-81ED-4DB2-BD59-A6C34878D82A}">
-                    <a16:rowId xmlns:a16="http://schemas.microsoft.com/office/drawing/2014/main" val="1022889219"/>
-                  </a:ext>
-                </a:extLst>
-              </a:tr>
-              <a:tr h="131677">
-                <a:tc>
-                  <a:txBody>
-                    <a:bodyPr/>
-                    <a:lstStyle/>
-                    <a:p>
-                      <a:endParaRPr lang="fr-FR" sz="900" dirty="0"/>
-                    </a:p>
-                  </a:txBody>
-                  <a:tcPr marL="82951" marR="82951" marT="41475" marB="41475"/>
-                </a:tc>
-                <a:tc>
-                  <a:txBody>
-                    <a:bodyPr/>
-                    <a:lstStyle/>
-                    <a:p>
-                      <a:endParaRPr lang="fr-FR" sz="900" dirty="0"/>
-                    </a:p>
-                  </a:txBody>
-                  <a:tcPr marL="82951" marR="82951" marT="41475" marB="41475"/>
-                </a:tc>
-                <a:tc>
-                  <a:txBody>
-                    <a:bodyPr/>
-                    <a:lstStyle/>
-                    <a:p>
-                      <a:endParaRPr lang="fr-FR" sz="900" dirty="0"/>
-                    </a:p>
-                  </a:txBody>
-                  <a:tcPr marL="82951" marR="82951" marT="41475" marB="41475"/>
-                </a:tc>
-                <a:tc>
-                  <a:txBody>
-                    <a:bodyPr/>
-                    <a:lstStyle/>
-                    <a:p>
-                      <a:endParaRPr lang="fr-FR" sz="900" dirty="0"/>
-                    </a:p>
-                  </a:txBody>
-                  <a:tcPr marL="82951" marR="82951" marT="41475" marB="41475"/>
-                </a:tc>
-                <a:tc>
-                  <a:txBody>
-                    <a:bodyPr/>
-                    <a:lstStyle/>
-                    <a:p>
-                      <a:endParaRPr lang="fr-FR" sz="900" dirty="0"/>
-                    </a:p>
-                  </a:txBody>
-                  <a:tcPr marL="82951" marR="82951" marT="41475" marB="41475"/>
-                </a:tc>
-                <a:tc>
-                  <a:txBody>
-                    <a:bodyPr/>
-                    <a:lstStyle/>
-                    <a:p>
-                      <a:endParaRPr lang="fr-FR" sz="900" dirty="0"/>
-                    </a:p>
-                  </a:txBody>
-                  <a:tcPr marL="82951" marR="82951" marT="41475" marB="41475"/>
-                </a:tc>
-                <a:tc>
-                  <a:txBody>
-                    <a:bodyPr/>
-                    <a:lstStyle/>
-                    <a:p>
-                      <a:endParaRPr lang="fr-FR" sz="900" dirty="0"/>
-                    </a:p>
-                  </a:txBody>
-                  <a:tcPr marL="82951" marR="82951" marT="41475" marB="41475"/>
-                </a:tc>
-                <a:tc>
-                  <a:txBody>
-                    <a:bodyPr/>
-                    <a:lstStyle/>
-                    <a:p>
-                      <a:endParaRPr lang="fr-FR" sz="900" dirty="0"/>
-                    </a:p>
-                  </a:txBody>
-                  <a:tcPr marL="82951" marR="82951" marT="41475" marB="41475"/>
-                </a:tc>
-                <a:tc>
-                  <a:txBody>
-                    <a:bodyPr/>
-                    <a:lstStyle/>
-                    <a:p>
-                      <a:endParaRPr lang="fr-FR" sz="900" dirty="0"/>
-                    </a:p>
-                  </a:txBody>
-                  <a:tcPr marL="82951" marR="82951" marT="41475" marB="41475"/>
-                </a:tc>
-                <a:tc>
-                  <a:txBody>
-                    <a:bodyPr/>
-                    <a:lstStyle/>
-                    <a:p>
-                      <a:endParaRPr lang="fr-FR" sz="900" dirty="0"/>
-                    </a:p>
-                  </a:txBody>
-                  <a:tcPr marL="82951" marR="82951" marT="41475" marB="41475"/>
-                </a:tc>
-                <a:tc>
-                  <a:txBody>
-                    <a:bodyPr/>
-                    <a:lstStyle/>
-                    <a:p>
-                      <a:endParaRPr lang="fr-FR" sz="900" dirty="0"/>
-                    </a:p>
-                  </a:txBody>
-                  <a:tcPr marL="82951" marR="82951" marT="41475" marB="41475"/>
-                </a:tc>
-                <a:extLst>
-                  <a:ext uri="{0D108BD9-81ED-4DB2-BD59-A6C34878D82A}">
-                    <a16:rowId xmlns:a16="http://schemas.microsoft.com/office/drawing/2014/main" val="368185239"/>
-                  </a:ext>
-                </a:extLst>
-              </a:tr>
-              <a:tr h="131677">
-                <a:tc>
-                  <a:txBody>
-                    <a:bodyPr/>
-                    <a:lstStyle/>
-                    <a:p>
-                      <a:endParaRPr lang="fr-FR" sz="900" dirty="0"/>
-                    </a:p>
-                  </a:txBody>
-                  <a:tcPr marL="82951" marR="82951" marT="41475" marB="41475"/>
-                </a:tc>
-                <a:tc>
-                  <a:txBody>
-                    <a:bodyPr/>
-                    <a:lstStyle/>
-                    <a:p>
-                      <a:endParaRPr lang="fr-FR" sz="900" dirty="0"/>
-                    </a:p>
-                  </a:txBody>
-                  <a:tcPr marL="82951" marR="82951" marT="41475" marB="41475"/>
-                </a:tc>
-                <a:tc>
-                  <a:txBody>
-                    <a:bodyPr/>
-                    <a:lstStyle/>
-                    <a:p>
-                      <a:endParaRPr lang="fr-FR" sz="900" dirty="0"/>
-                    </a:p>
-                  </a:txBody>
-                  <a:tcPr marL="82951" marR="82951" marT="41475" marB="41475"/>
-                </a:tc>
-                <a:tc>
-                  <a:txBody>
-                    <a:bodyPr/>
-                    <a:lstStyle/>
-                    <a:p>
-                      <a:endParaRPr lang="fr-FR" sz="900" dirty="0"/>
-                    </a:p>
-                  </a:txBody>
-                  <a:tcPr marL="82951" marR="82951" marT="41475" marB="41475"/>
-                </a:tc>
-                <a:tc>
-                  <a:txBody>
-                    <a:bodyPr/>
-                    <a:lstStyle/>
-                    <a:p>
-                      <a:endParaRPr lang="fr-FR" sz="900" dirty="0"/>
-                    </a:p>
-                  </a:txBody>
-                  <a:tcPr marL="82951" marR="82951" marT="41475" marB="41475"/>
-                </a:tc>
-                <a:tc>
-                  <a:txBody>
-                    <a:bodyPr/>
-                    <a:lstStyle/>
-                    <a:p>
-                      <a:endParaRPr lang="fr-FR" sz="900" dirty="0"/>
-                    </a:p>
-                  </a:txBody>
-                  <a:tcPr marL="82951" marR="82951" marT="41475" marB="41475"/>
-                </a:tc>
-                <a:tc>
-                  <a:txBody>
-                    <a:bodyPr/>
-                    <a:lstStyle/>
-                    <a:p>
-                      <a:endParaRPr lang="fr-FR" sz="900" dirty="0"/>
-                    </a:p>
-                  </a:txBody>
-                  <a:tcPr marL="82951" marR="82951" marT="41475" marB="41475"/>
-                </a:tc>
-                <a:tc>
-                  <a:txBody>
-                    <a:bodyPr/>
-                    <a:lstStyle/>
-                    <a:p>
-                      <a:endParaRPr lang="fr-FR" sz="900" dirty="0"/>
-                    </a:p>
-                  </a:txBody>
-                  <a:tcPr marL="82951" marR="82951" marT="41475" marB="41475"/>
-                </a:tc>
-                <a:tc>
-                  <a:txBody>
-                    <a:bodyPr/>
-                    <a:lstStyle/>
-                    <a:p>
-                      <a:endParaRPr lang="fr-FR" sz="900" dirty="0"/>
-                    </a:p>
-                  </a:txBody>
-                  <a:tcPr marL="82951" marR="82951" marT="41475" marB="41475"/>
-                </a:tc>
-                <a:tc>
-                  <a:txBody>
-                    <a:bodyPr/>
-                    <a:lstStyle/>
-                    <a:p>
-                      <a:endParaRPr lang="fr-FR" sz="900" dirty="0"/>
-                    </a:p>
-                  </a:txBody>
-                  <a:tcPr marL="82951" marR="82951" marT="41475" marB="41475"/>
-                </a:tc>
-                <a:tc>
-                  <a:txBody>
-                    <a:bodyPr/>
-                    <a:lstStyle/>
-                    <a:p>
-                      <a:endParaRPr lang="fr-FR" sz="900" dirty="0"/>
-                    </a:p>
-                  </a:txBody>
-                  <a:tcPr marL="82951" marR="82951" marT="41475" marB="41475"/>
-                </a:tc>
-                <a:extLst>
-                  <a:ext uri="{0D108BD9-81ED-4DB2-BD59-A6C34878D82A}">
-                    <a16:rowId xmlns:a16="http://schemas.microsoft.com/office/drawing/2014/main" val="3108020006"/>
-                  </a:ext>
-                </a:extLst>
-              </a:tr>
-            </a:tbl>
-          </a:graphicData>
-        </a:graphic>
-      </p:graphicFrame>
-      <p:sp>
-        <p:nvSpPr>
-          <p:cNvPr id="10" name="Flèche : bas 9">
-            <a:extLst>
-              <a:ext uri="{FF2B5EF4-FFF2-40B4-BE49-F238E27FC236}">
-                <a16:creationId xmlns:a16="http://schemas.microsoft.com/office/drawing/2014/main" id="{3EC5E7A8-97B3-4623-93A3-74798D5D70B5}"/>
-              </a:ext>
-            </a:extLst>
-          </p:cNvPr>
-          <p:cNvSpPr/>
-          <p:nvPr/>
-        </p:nvSpPr>
-        <p:spPr>
-          <a:xfrm>
-            <a:off x="9367904" y="2214379"/>
-            <a:ext cx="368269" cy="439295"/>
-          </a:xfrm>
-          <a:prstGeom prst="downArrow">
-            <a:avLst/>
-          </a:prstGeom>
-          <a:solidFill>
-            <a:srgbClr val="002060"/>
-          </a:solidFill>
-          <a:ln>
-            <a:noFill/>
-          </a:ln>
-        </p:spPr>
-        <p:style>
-          <a:lnRef idx="2">
-            <a:schemeClr val="accent1">
-              <a:shade val="50000"/>
-            </a:schemeClr>
-          </a:lnRef>
-          <a:fillRef idx="1">
-            <a:schemeClr val="accent1"/>
-          </a:fillRef>
-          <a:effectRef idx="0">
-            <a:schemeClr val="accent1"/>
-          </a:effectRef>
-          <a:fontRef idx="minor">
-            <a:schemeClr val="lt1"/>
-          </a:fontRef>
-        </p:style>
-        <p:txBody>
-          <a:bodyPr rtlCol="0" anchor="ctr"/>
-          <a:lstStyle/>
-          <a:p>
-            <a:pPr algn="ctr"/>
-            <a:endParaRPr lang="fr-FR"/>
-          </a:p>
-        </p:txBody>
-      </p:sp>
-      <p:sp>
-        <p:nvSpPr>
-          <p:cNvPr id="90" name="Flèche : bas 89">
-            <a:extLst>
-              <a:ext uri="{FF2B5EF4-FFF2-40B4-BE49-F238E27FC236}">
-                <a16:creationId xmlns:a16="http://schemas.microsoft.com/office/drawing/2014/main" id="{9ABA0543-AFBA-42E4-A08E-8FB35BEA6D1F}"/>
-              </a:ext>
-            </a:extLst>
-          </p:cNvPr>
-          <p:cNvSpPr/>
-          <p:nvPr/>
-        </p:nvSpPr>
-        <p:spPr>
-          <a:xfrm>
-            <a:off x="9367904" y="3276664"/>
-            <a:ext cx="368269" cy="439295"/>
-          </a:xfrm>
-          <a:prstGeom prst="downArrow">
-            <a:avLst/>
-          </a:prstGeom>
-          <a:solidFill>
-            <a:srgbClr val="002060"/>
-          </a:solidFill>
-          <a:ln>
-            <a:noFill/>
-          </a:ln>
-        </p:spPr>
-        <p:style>
-          <a:lnRef idx="2">
-            <a:schemeClr val="accent1">
-              <a:shade val="50000"/>
-            </a:schemeClr>
-          </a:lnRef>
-          <a:fillRef idx="1">
-            <a:schemeClr val="accent1"/>
-          </a:fillRef>
-          <a:effectRef idx="0">
-            <a:schemeClr val="accent1"/>
-          </a:effectRef>
-          <a:fontRef idx="minor">
-            <a:schemeClr val="lt1"/>
-          </a:fontRef>
-        </p:style>
-        <p:txBody>
-          <a:bodyPr rtlCol="0" anchor="ctr"/>
-          <a:lstStyle/>
-          <a:p>
-            <a:pPr algn="ctr"/>
-            <a:endParaRPr lang="fr-FR"/>
-          </a:p>
-        </p:txBody>
-      </p:sp>
-      <p:sp>
-        <p:nvSpPr>
-          <p:cNvPr id="95" name="Rectangle : coins arrondis 94">
-            <a:extLst>
-              <a:ext uri="{FF2B5EF4-FFF2-40B4-BE49-F238E27FC236}">
-                <a16:creationId xmlns:a16="http://schemas.microsoft.com/office/drawing/2014/main" id="{E591AA33-4947-4A84-8035-D81CC6F7BDC4}"/>
-              </a:ext>
-            </a:extLst>
-          </p:cNvPr>
-          <p:cNvSpPr/>
-          <p:nvPr/>
-        </p:nvSpPr>
-        <p:spPr>
-          <a:xfrm>
-            <a:off x="8244071" y="4409639"/>
-            <a:ext cx="2615935" cy="362241"/>
-          </a:xfrm>
-          <a:prstGeom prst="roundRect">
-            <a:avLst>
-              <a:gd name="adj" fmla="val 50000"/>
-            </a:avLst>
-          </a:prstGeom>
-          <a:solidFill>
-            <a:srgbClr val="00B050"/>
-          </a:solidFill>
-          <a:effectLst>
-            <a:outerShdw blurRad="50800" dist="38100" dir="2700000" algn="tl" rotWithShape="0">
-              <a:prstClr val="black">
-                <a:alpha val="40000"/>
-              </a:prstClr>
-            </a:outerShdw>
-          </a:effectLst>
-        </p:spPr>
-        <p:style>
-          <a:lnRef idx="0">
-            <a:schemeClr val="accent1"/>
-          </a:lnRef>
-          <a:fillRef idx="3">
-            <a:schemeClr val="accent1"/>
-          </a:fillRef>
-          <a:effectRef idx="3">
-            <a:schemeClr val="accent1"/>
-          </a:effectRef>
-          <a:fontRef idx="minor">
-            <a:schemeClr val="lt1"/>
-          </a:fontRef>
-        </p:style>
-        <p:txBody>
-          <a:bodyPr rtlCol="0" anchor="ctr"/>
-          <a:lstStyle/>
-          <a:p>
-            <a:pPr algn="ctr"/>
-            <a:r>
-              <a:rPr lang="fr-FR" sz="1400" dirty="0"/>
-              <a:t>Stockage « standard »</a:t>
-            </a:r>
-          </a:p>
-        </p:txBody>
-      </p:sp>
-      <p:sp>
-        <p:nvSpPr>
-          <p:cNvPr id="96" name="Rectangle : coins arrondis 95">
-            <a:extLst>
-              <a:ext uri="{FF2B5EF4-FFF2-40B4-BE49-F238E27FC236}">
-                <a16:creationId xmlns:a16="http://schemas.microsoft.com/office/drawing/2014/main" id="{E3741B73-F5AF-4B8C-B827-F732DBF8AD93}"/>
-              </a:ext>
-            </a:extLst>
-          </p:cNvPr>
-          <p:cNvSpPr/>
-          <p:nvPr/>
-        </p:nvSpPr>
-        <p:spPr>
-          <a:xfrm>
-            <a:off x="8244071" y="5027271"/>
-            <a:ext cx="2615935" cy="362241"/>
-          </a:xfrm>
-          <a:prstGeom prst="roundRect">
-            <a:avLst>
-              <a:gd name="adj" fmla="val 50000"/>
-            </a:avLst>
-          </a:prstGeom>
-          <a:solidFill>
-            <a:srgbClr val="00B050"/>
-          </a:solidFill>
-          <a:effectLst>
-            <a:outerShdw blurRad="50800" dist="38100" dir="2700000" algn="tl" rotWithShape="0">
-              <a:prstClr val="black">
-                <a:alpha val="40000"/>
-              </a:prstClr>
-            </a:outerShdw>
-          </a:effectLst>
-        </p:spPr>
-        <p:style>
-          <a:lnRef idx="0">
-            <a:schemeClr val="accent1"/>
-          </a:lnRef>
-          <a:fillRef idx="3">
-            <a:schemeClr val="accent1"/>
-          </a:fillRef>
-          <a:effectRef idx="3">
-            <a:schemeClr val="accent1"/>
-          </a:effectRef>
-          <a:fontRef idx="minor">
-            <a:schemeClr val="lt1"/>
-          </a:fontRef>
-        </p:style>
-        <p:txBody>
-          <a:bodyPr rtlCol="0" anchor="ctr"/>
-          <a:lstStyle/>
-          <a:p>
-            <a:pPr algn="ctr"/>
-            <a:r>
-              <a:rPr lang="fr-FR" sz="1400" dirty="0"/>
-              <a:t>API « standard »</a:t>
-            </a:r>
-          </a:p>
-        </p:txBody>
-      </p:sp>
-      <p:sp>
-        <p:nvSpPr>
-          <p:cNvPr id="97" name="Rectangle : coins arrondis 96">
-            <a:extLst>
-              <a:ext uri="{FF2B5EF4-FFF2-40B4-BE49-F238E27FC236}">
-                <a16:creationId xmlns:a16="http://schemas.microsoft.com/office/drawing/2014/main" id="{234FCD7F-179C-46B5-85E6-2D8638BBD398}"/>
-              </a:ext>
-            </a:extLst>
-          </p:cNvPr>
-          <p:cNvSpPr/>
-          <p:nvPr/>
-        </p:nvSpPr>
-        <p:spPr>
-          <a:xfrm>
-            <a:off x="7915810" y="5644903"/>
-            <a:ext cx="3272457" cy="362241"/>
-          </a:xfrm>
-          <a:prstGeom prst="roundRect">
-            <a:avLst>
-              <a:gd name="adj" fmla="val 50000"/>
-            </a:avLst>
-          </a:prstGeom>
-          <a:solidFill>
-            <a:srgbClr val="00B050"/>
-          </a:solidFill>
-          <a:effectLst>
-            <a:outerShdw blurRad="50800" dist="38100" dir="2700000" algn="tl" rotWithShape="0">
-              <a:prstClr val="black">
-                <a:alpha val="40000"/>
-              </a:prstClr>
-            </a:outerShdw>
-          </a:effectLst>
-        </p:spPr>
-        <p:style>
-          <a:lnRef idx="0">
-            <a:schemeClr val="accent1"/>
-          </a:lnRef>
-          <a:fillRef idx="3">
-            <a:schemeClr val="accent1"/>
-          </a:fillRef>
-          <a:effectRef idx="3">
-            <a:schemeClr val="accent1"/>
-          </a:effectRef>
-          <a:fontRef idx="minor">
-            <a:schemeClr val="lt1"/>
-          </a:fontRef>
-        </p:style>
-        <p:txBody>
-          <a:bodyPr rtlCol="0" anchor="ctr"/>
-          <a:lstStyle/>
-          <a:p>
-            <a:pPr algn="ctr"/>
-            <a:r>
-              <a:rPr lang="fr-FR" sz="1400" dirty="0"/>
-              <a:t>Format de données « standard »</a:t>
-            </a:r>
-          </a:p>
-        </p:txBody>
-      </p:sp>
-      <p:sp>
-        <p:nvSpPr>
-          <p:cNvPr id="125" name="Rectangle : coins arrondis 124">
-            <a:extLst>
-              <a:ext uri="{FF2B5EF4-FFF2-40B4-BE49-F238E27FC236}">
-                <a16:creationId xmlns:a16="http://schemas.microsoft.com/office/drawing/2014/main" id="{747E0223-17BE-4A19-9F47-13B14BB9BE91}"/>
-              </a:ext>
-            </a:extLst>
-          </p:cNvPr>
-          <p:cNvSpPr/>
-          <p:nvPr/>
-        </p:nvSpPr>
-        <p:spPr>
-          <a:xfrm>
-            <a:off x="7915810" y="6262536"/>
-            <a:ext cx="3272457" cy="362241"/>
-          </a:xfrm>
-          <a:prstGeom prst="roundRect">
-            <a:avLst>
-              <a:gd name="adj" fmla="val 50000"/>
-            </a:avLst>
-          </a:prstGeom>
-          <a:solidFill>
-            <a:srgbClr val="00B050"/>
-          </a:solidFill>
-          <a:effectLst>
-            <a:outerShdw blurRad="50800" dist="38100" dir="2700000" algn="tl" rotWithShape="0">
-              <a:prstClr val="black">
-                <a:alpha val="40000"/>
-              </a:prstClr>
-            </a:outerShdw>
-          </a:effectLst>
-        </p:spPr>
-        <p:style>
-          <a:lnRef idx="0">
-            <a:schemeClr val="accent1"/>
-          </a:lnRef>
-          <a:fillRef idx="3">
-            <a:schemeClr val="accent1"/>
-          </a:fillRef>
-          <a:effectRef idx="3">
-            <a:schemeClr val="accent1"/>
-          </a:effectRef>
-          <a:fontRef idx="minor">
-            <a:schemeClr val="lt1"/>
-          </a:fontRef>
-        </p:style>
-        <p:txBody>
-          <a:bodyPr rtlCol="0" anchor="ctr"/>
-          <a:lstStyle/>
-          <a:p>
-            <a:pPr algn="ctr"/>
-            <a:r>
-              <a:rPr lang="fr-FR" sz="1400" dirty="0"/>
-              <a:t>Outils d’exploitation « standard »</a:t>
-            </a:r>
-          </a:p>
-        </p:txBody>
-      </p:sp>
-      <p:sp>
-        <p:nvSpPr>
-          <p:cNvPr id="126" name="Flèche : bas 125">
-            <a:extLst>
-              <a:ext uri="{FF2B5EF4-FFF2-40B4-BE49-F238E27FC236}">
-                <a16:creationId xmlns:a16="http://schemas.microsoft.com/office/drawing/2014/main" id="{C888F139-C34E-4DAF-A2C5-D0D2A054C0C2}"/>
-              </a:ext>
-            </a:extLst>
-          </p:cNvPr>
-          <p:cNvSpPr/>
-          <p:nvPr/>
-        </p:nvSpPr>
-        <p:spPr>
-          <a:xfrm>
-            <a:off x="9367904" y="4736381"/>
-            <a:ext cx="368269" cy="369401"/>
-          </a:xfrm>
-          <a:prstGeom prst="downArrow">
-            <a:avLst/>
-          </a:prstGeom>
-          <a:solidFill>
-            <a:srgbClr val="002060"/>
-          </a:solidFill>
-          <a:ln>
-            <a:noFill/>
-          </a:ln>
-        </p:spPr>
-        <p:style>
-          <a:lnRef idx="2">
-            <a:schemeClr val="accent1">
-              <a:shade val="50000"/>
-            </a:schemeClr>
-          </a:lnRef>
-          <a:fillRef idx="1">
-            <a:schemeClr val="accent1"/>
-          </a:fillRef>
-          <a:effectRef idx="0">
-            <a:schemeClr val="accent1"/>
-          </a:effectRef>
-          <a:fontRef idx="minor">
-            <a:schemeClr val="lt1"/>
-          </a:fontRef>
-        </p:style>
-        <p:txBody>
-          <a:bodyPr rtlCol="0" anchor="ctr"/>
-          <a:lstStyle/>
-          <a:p>
-            <a:pPr algn="ctr"/>
-            <a:endParaRPr lang="fr-FR"/>
-          </a:p>
-        </p:txBody>
-      </p:sp>
-      <p:sp>
-        <p:nvSpPr>
-          <p:cNvPr id="127" name="Flèche : bas 126">
-            <a:extLst>
-              <a:ext uri="{FF2B5EF4-FFF2-40B4-BE49-F238E27FC236}">
-                <a16:creationId xmlns:a16="http://schemas.microsoft.com/office/drawing/2014/main" id="{27DEB356-A859-4719-A2A4-78EB4CD91E9E}"/>
-              </a:ext>
-            </a:extLst>
-          </p:cNvPr>
-          <p:cNvSpPr/>
-          <p:nvPr/>
-        </p:nvSpPr>
-        <p:spPr>
-          <a:xfrm>
-            <a:off x="9367904" y="5340565"/>
-            <a:ext cx="368269" cy="369401"/>
-          </a:xfrm>
-          <a:prstGeom prst="downArrow">
-            <a:avLst/>
-          </a:prstGeom>
-          <a:solidFill>
-            <a:srgbClr val="002060"/>
-          </a:solidFill>
-          <a:ln>
-            <a:noFill/>
-          </a:ln>
-        </p:spPr>
-        <p:style>
-          <a:lnRef idx="2">
-            <a:schemeClr val="accent1">
-              <a:shade val="50000"/>
-            </a:schemeClr>
-          </a:lnRef>
-          <a:fillRef idx="1">
-            <a:schemeClr val="accent1"/>
-          </a:fillRef>
-          <a:effectRef idx="0">
-            <a:schemeClr val="accent1"/>
-          </a:effectRef>
-          <a:fontRef idx="minor">
-            <a:schemeClr val="lt1"/>
-          </a:fontRef>
-        </p:style>
-        <p:txBody>
-          <a:bodyPr rtlCol="0" anchor="ctr"/>
-          <a:lstStyle/>
-          <a:p>
-            <a:pPr algn="ctr"/>
-            <a:endParaRPr lang="fr-FR"/>
-          </a:p>
-        </p:txBody>
-      </p:sp>
-      <p:sp>
-        <p:nvSpPr>
-          <p:cNvPr id="128" name="Flèche : bas 127">
-            <a:extLst>
-              <a:ext uri="{FF2B5EF4-FFF2-40B4-BE49-F238E27FC236}">
-                <a16:creationId xmlns:a16="http://schemas.microsoft.com/office/drawing/2014/main" id="{3EF3A6FF-BBC6-41B9-8CE1-0B991A3B3520}"/>
-              </a:ext>
-            </a:extLst>
-          </p:cNvPr>
-          <p:cNvSpPr/>
-          <p:nvPr/>
-        </p:nvSpPr>
-        <p:spPr>
-          <a:xfrm>
-            <a:off x="9367904" y="5944749"/>
-            <a:ext cx="368269" cy="369401"/>
-          </a:xfrm>
-          <a:prstGeom prst="downArrow">
-            <a:avLst/>
-          </a:prstGeom>
-          <a:solidFill>
-            <a:srgbClr val="002060"/>
-          </a:solidFill>
-          <a:ln>
-            <a:noFill/>
-          </a:ln>
-        </p:spPr>
-        <p:style>
-          <a:lnRef idx="2">
-            <a:schemeClr val="accent1">
-              <a:shade val="50000"/>
-            </a:schemeClr>
-          </a:lnRef>
-          <a:fillRef idx="1">
-            <a:schemeClr val="accent1"/>
-          </a:fillRef>
-          <a:effectRef idx="0">
-            <a:schemeClr val="accent1"/>
-          </a:effectRef>
-          <a:fontRef idx="minor">
-            <a:schemeClr val="lt1"/>
-          </a:fontRef>
-        </p:style>
-        <p:txBody>
-          <a:bodyPr rtlCol="0" anchor="ctr"/>
-          <a:lstStyle/>
-          <a:p>
-            <a:pPr algn="ctr"/>
-            <a:endParaRPr lang="fr-FR"/>
-          </a:p>
-        </p:txBody>
-      </p:sp>
-    </p:spTree>
-    <p:extLst>
-      <p:ext uri="{BB962C8B-B14F-4D97-AF65-F5344CB8AC3E}">
-        <p14:creationId xmlns:p14="http://schemas.microsoft.com/office/powerpoint/2010/main" val="1772287133"/>
-      </p:ext>
-    </p:extLst>
-  </p:cSld>
-  <p:clrMapOvr>
-    <a:masterClrMapping/>
-  </p:clrMapOvr>
-</p:sld>
-</file>
-
-<file path=ppt/slides/slide11.xml><?xml version="1.0" encoding="utf-8"?>
-<p:sld xmlns:a="http://schemas.openxmlformats.org/drawingml/2006/main" xmlns:r="http://schemas.openxmlformats.org/officeDocument/2006/relationships" xmlns:p="http://schemas.openxmlformats.org/presentationml/2006/main">
-  <p:cSld>
-    <p:spTree>
-      <p:nvGrpSpPr>
-        <p:cNvPr id="1" name=""/>
-        <p:cNvGrpSpPr/>
-        <p:nvPr/>
-      </p:nvGrpSpPr>
-      <p:grpSpPr>
-        <a:xfrm>
-          <a:off x="0" y="0"/>
-          <a:ext cx="0" cy="0"/>
-          <a:chOff x="0" y="0"/>
-          <a:chExt cx="0" cy="0"/>
-        </a:xfrm>
-      </p:grpSpPr>
-      <p:sp>
-        <p:nvSpPr>
           <p:cNvPr id="2" name="Titre 1">
             <a:extLst>
               <a:ext uri="{FF2B5EF4-FFF2-40B4-BE49-F238E27FC236}">
@@ -15881,7 +14004,7 @@
 </p:sld>
 </file>
 
-<file path=ppt/slides/slide12.xml><?xml version="1.0" encoding="utf-8"?>
+<file path=ppt/slides/slide11.xml><?xml version="1.0" encoding="utf-8"?>
 <p:sld xmlns:a="http://schemas.openxmlformats.org/drawingml/2006/main" xmlns:r="http://schemas.openxmlformats.org/officeDocument/2006/relationships" xmlns:p="http://schemas.openxmlformats.org/presentationml/2006/main">
   <p:cSld>
     <p:spTree>
@@ -15964,7 +14087,7 @@
           <a:p>
             <a:fld id="{5023A80A-40FC-4210-9452-7B0942DCA00B}" type="datetime1">
               <a:rPr lang="fr-FR" smtClean="0"/>
-              <a:t>20/01/2022</a:t>
+              <a:t>22/01/2022</a:t>
             </a:fld>
             <a:endParaRPr lang="fr-FR" dirty="0"/>
           </a:p>
@@ -16029,7 +14152,7 @@
             <a:fld id="{A15E53C2-24D8-4AC7-A695-9D161D6D0C6E}" type="slidenum">
               <a:rPr lang="fr-FR" smtClean="0"/>
               <a:pPr/>
-              <a:t>12</a:t>
+              <a:t>11</a:t>
             </a:fld>
             <a:endParaRPr lang="fr-FR" dirty="0"/>
           </a:p>
@@ -16048,7 +14171,7 @@
 </p:sld>
 </file>
 
-<file path=ppt/slides/slide13.xml><?xml version="1.0" encoding="utf-8"?>
+<file path=ppt/slides/slide12.xml><?xml version="1.0" encoding="utf-8"?>
 <p:sld xmlns:a="http://schemas.openxmlformats.org/drawingml/2006/main" xmlns:r="http://schemas.openxmlformats.org/officeDocument/2006/relationships" xmlns:p="http://schemas.openxmlformats.org/presentationml/2006/main">
   <p:cSld>
     <p:spTree>
@@ -16547,7 +14670,7 @@
 </p:sld>
 </file>
 
-<file path=ppt/slides/slide14.xml><?xml version="1.0" encoding="utf-8"?>
+<file path=ppt/slides/slide13.xml><?xml version="1.0" encoding="utf-8"?>
 <p:sld xmlns:a="http://schemas.openxmlformats.org/drawingml/2006/main" xmlns:r="http://schemas.openxmlformats.org/officeDocument/2006/relationships" xmlns:p="http://schemas.openxmlformats.org/presentationml/2006/main">
   <p:cSld>
     <p:spTree>
@@ -16915,7 +15038,7 @@
 </p:sld>
 </file>
 
-<file path=ppt/slides/slide15.xml><?xml version="1.0" encoding="utf-8"?>
+<file path=ppt/slides/slide14.xml><?xml version="1.0" encoding="utf-8"?>
 <p:sld xmlns:a="http://schemas.openxmlformats.org/drawingml/2006/main" xmlns:r="http://schemas.openxmlformats.org/officeDocument/2006/relationships" xmlns:p="http://schemas.openxmlformats.org/presentationml/2006/main">
   <p:cSld>
     <p:spTree>
@@ -16998,7 +15121,7 @@
           <a:p>
             <a:fld id="{5023A80A-40FC-4210-9452-7B0942DCA00B}" type="datetime1">
               <a:rPr lang="fr-FR" smtClean="0"/>
-              <a:t>20/01/2022</a:t>
+              <a:t>22/01/2022</a:t>
             </a:fld>
             <a:endParaRPr lang="fr-FR" dirty="0"/>
           </a:p>
@@ -17063,7 +15186,7 @@
             <a:fld id="{A15E53C2-24D8-4AC7-A695-9D161D6D0C6E}" type="slidenum">
               <a:rPr lang="fr-FR" smtClean="0"/>
               <a:pPr/>
-              <a:t>15</a:t>
+              <a:t>14</a:t>
             </a:fld>
             <a:endParaRPr lang="fr-FR" dirty="0"/>
           </a:p>
@@ -17082,7 +15205,7 @@
 </p:sld>
 </file>
 
-<file path=ppt/slides/slide16.xml><?xml version="1.0" encoding="utf-8"?>
+<file path=ppt/slides/slide15.xml><?xml version="1.0" encoding="utf-8"?>
 <p:sld xmlns:a="http://schemas.openxmlformats.org/drawingml/2006/main" xmlns:r="http://schemas.openxmlformats.org/officeDocument/2006/relationships" xmlns:p="http://schemas.openxmlformats.org/presentationml/2006/main">
   <p:cSld>
     <p:spTree>
@@ -17428,7 +15551,7 @@
 </p:sld>
 </file>
 
-<file path=ppt/slides/slide17.xml><?xml version="1.0" encoding="utf-8"?>
+<file path=ppt/slides/slide16.xml><?xml version="1.0" encoding="utf-8"?>
 <p:sld xmlns:a="http://schemas.openxmlformats.org/drawingml/2006/main" xmlns:r="http://schemas.openxmlformats.org/officeDocument/2006/relationships" xmlns:p="http://schemas.openxmlformats.org/presentationml/2006/main">
   <p:cSld>
     <p:spTree>
@@ -17511,7 +15634,7 @@
           <a:p>
             <a:fld id="{5023A80A-40FC-4210-9452-7B0942DCA00B}" type="datetime1">
               <a:rPr lang="fr-FR" smtClean="0"/>
-              <a:t>20/01/2022</a:t>
+              <a:t>22/01/2022</a:t>
             </a:fld>
             <a:endParaRPr lang="fr-FR" dirty="0"/>
           </a:p>
@@ -17576,7 +15699,7 @@
             <a:fld id="{A15E53C2-24D8-4AC7-A695-9D161D6D0C6E}" type="slidenum">
               <a:rPr lang="fr-FR" smtClean="0"/>
               <a:pPr/>
-              <a:t>17</a:t>
+              <a:t>16</a:t>
             </a:fld>
             <a:endParaRPr lang="fr-FR" dirty="0"/>
           </a:p>
@@ -17595,7 +15718,7 @@
 </p:sld>
 </file>
 
-<file path=ppt/slides/slide18.xml><?xml version="1.0" encoding="utf-8"?>
+<file path=ppt/slides/slide17.xml><?xml version="1.0" encoding="utf-8"?>
 <p:sld xmlns:a="http://schemas.openxmlformats.org/drawingml/2006/main" xmlns:r="http://schemas.openxmlformats.org/officeDocument/2006/relationships" xmlns:p="http://schemas.openxmlformats.org/presentationml/2006/main">
   <p:cSld>
     <p:spTree>
@@ -17997,7 +16120,7 @@
 </p:sld>
 </file>
 
-<file path=ppt/slides/slide19.xml><?xml version="1.0" encoding="utf-8"?>
+<file path=ppt/slides/slide18.xml><?xml version="1.0" encoding="utf-8"?>
 <p:sld xmlns:a="http://schemas.openxmlformats.org/drawingml/2006/main" xmlns:r="http://schemas.openxmlformats.org/officeDocument/2006/relationships" xmlns:p="http://schemas.openxmlformats.org/presentationml/2006/main">
   <p:cSld>
     <p:spTree>
@@ -18080,7 +16203,7 @@
           <a:p>
             <a:fld id="{5023A80A-40FC-4210-9452-7B0942DCA00B}" type="datetime1">
               <a:rPr lang="fr-FR" smtClean="0"/>
-              <a:t>20/01/2022</a:t>
+              <a:t>22/01/2022</a:t>
             </a:fld>
             <a:endParaRPr lang="fr-FR" dirty="0"/>
           </a:p>
@@ -18145,7 +16268,7 @@
             <a:fld id="{A15E53C2-24D8-4AC7-A695-9D161D6D0C6E}" type="slidenum">
               <a:rPr lang="fr-FR" smtClean="0"/>
               <a:pPr/>
-              <a:t>19</a:t>
+              <a:t>18</a:t>
             </a:fld>
             <a:endParaRPr lang="fr-FR" dirty="0"/>
           </a:p>
@@ -18164,187 +16287,7 @@
 </p:sld>
 </file>
 
-<file path=ppt/slides/slide2.xml><?xml version="1.0" encoding="utf-8"?>
-<p:sld xmlns:a="http://schemas.openxmlformats.org/drawingml/2006/main" xmlns:r="http://schemas.openxmlformats.org/officeDocument/2006/relationships" xmlns:p="http://schemas.openxmlformats.org/presentationml/2006/main">
-  <p:cSld>
-    <p:spTree>
-      <p:nvGrpSpPr>
-        <p:cNvPr id="1" name=""/>
-        <p:cNvGrpSpPr/>
-        <p:nvPr/>
-      </p:nvGrpSpPr>
-      <p:grpSpPr>
-        <a:xfrm>
-          <a:off x="0" y="0"/>
-          <a:ext cx="0" cy="0"/>
-          <a:chOff x="0" y="0"/>
-          <a:chExt cx="0" cy="0"/>
-        </a:xfrm>
-      </p:grpSpPr>
-      <p:sp>
-        <p:nvSpPr>
-          <p:cNvPr id="2" name="Titre 1">
-            <a:extLst>
-              <a:ext uri="{FF2B5EF4-FFF2-40B4-BE49-F238E27FC236}">
-                <a16:creationId xmlns:a16="http://schemas.microsoft.com/office/drawing/2014/main" id="{EF5BB174-02DB-4DB6-AAA2-3C38728B1102}"/>
-              </a:ext>
-            </a:extLst>
-          </p:cNvPr>
-          <p:cNvSpPr>
-            <a:spLocks noGrp="1"/>
-          </p:cNvSpPr>
-          <p:nvPr>
-            <p:ph type="title"/>
-          </p:nvPr>
-        </p:nvSpPr>
-        <p:spPr/>
-        <p:txBody>
-          <a:bodyPr/>
-          <a:lstStyle/>
-          <a:p>
-            <a:r>
-              <a:rPr lang="fr-FR" dirty="0"/>
-              <a:t>Sommaire</a:t>
-            </a:r>
-          </a:p>
-        </p:txBody>
-      </p:sp>
-      <p:sp>
-        <p:nvSpPr>
-          <p:cNvPr id="3" name="Espace réservé du contenu 2">
-            <a:extLst>
-              <a:ext uri="{FF2B5EF4-FFF2-40B4-BE49-F238E27FC236}">
-                <a16:creationId xmlns:a16="http://schemas.microsoft.com/office/drawing/2014/main" id="{ADB236CE-92C8-4653-8C5E-A41BC60B2457}"/>
-              </a:ext>
-            </a:extLst>
-          </p:cNvPr>
-          <p:cNvSpPr>
-            <a:spLocks noGrp="1"/>
-          </p:cNvSpPr>
-          <p:nvPr>
-            <p:ph idx="1"/>
-          </p:nvPr>
-        </p:nvSpPr>
-        <p:spPr>
-          <a:xfrm>
-            <a:off x="1621410" y="1564849"/>
-            <a:ext cx="10570590" cy="5052767"/>
-          </a:xfrm>
-        </p:spPr>
-        <p:txBody>
-          <a:bodyPr>
-            <a:normAutofit fontScale="92500" lnSpcReduction="20000"/>
-          </a:bodyPr>
-          <a:lstStyle/>
-          <a:p>
-            <a:r>
-              <a:rPr lang="fr-FR" sz="2000" dirty="0"/>
-              <a:t>Introduction</a:t>
-            </a:r>
-          </a:p>
-          <a:p>
-            <a:r>
-              <a:rPr lang="fr-FR" sz="2000" dirty="0"/>
-              <a:t>Projet</a:t>
-            </a:r>
-          </a:p>
-          <a:p>
-            <a:r>
-              <a:rPr lang="fr-FR" sz="2000" dirty="0"/>
-              <a:t>Exemple</a:t>
-            </a:r>
-          </a:p>
-          <a:p>
-            <a:pPr marL="0" indent="0">
-              <a:buNone/>
-            </a:pPr>
-            <a:endParaRPr lang="fr-FR" sz="2000" dirty="0"/>
-          </a:p>
-          <a:p>
-            <a:r>
-              <a:rPr lang="fr-FR" sz="2000" dirty="0"/>
-              <a:t>Critère 1 : La finalité d’intérêt général</a:t>
-            </a:r>
-          </a:p>
-          <a:p>
-            <a:r>
-              <a:rPr lang="fr-FR" sz="2000" dirty="0"/>
-              <a:t>Critère 2 : L’impact</a:t>
-            </a:r>
-          </a:p>
-          <a:p>
-            <a:r>
-              <a:rPr lang="fr-FR" sz="2000" dirty="0"/>
-              <a:t>Critère 3 : La maturité et la structuration du projet</a:t>
-            </a:r>
-          </a:p>
-          <a:p>
-            <a:r>
-              <a:rPr lang="fr-FR" sz="2000" dirty="0"/>
-              <a:t>Critère 4 : L’ouverture, la transparence et l’intégrité</a:t>
-            </a:r>
-          </a:p>
-          <a:p>
-            <a:r>
-              <a:rPr lang="fr-FR" sz="2000" dirty="0"/>
-              <a:t>Critère 5 : Potentiel d'effet de levier de l'accompagnement par l'administration</a:t>
-            </a:r>
-          </a:p>
-          <a:p>
-            <a:endParaRPr lang="fr-FR" sz="2000" dirty="0"/>
-          </a:p>
-          <a:p>
-            <a:r>
-              <a:rPr lang="fr-FR" sz="2000" dirty="0"/>
-              <a:t>Synthèse</a:t>
-            </a:r>
-          </a:p>
-          <a:p>
-            <a:endParaRPr lang="fr-FR" sz="2000" dirty="0"/>
-          </a:p>
-          <a:p>
-            <a:r>
-              <a:rPr lang="fr-FR" sz="2000" i="1" dirty="0"/>
-              <a:t>Annexe : Référentiel normes et standards</a:t>
-            </a:r>
-          </a:p>
-          <a:p>
-            <a:r>
-              <a:rPr lang="fr-FR" sz="2000" i="1" dirty="0"/>
-              <a:t>Annexe : Données environnementales</a:t>
-            </a:r>
-          </a:p>
-          <a:p>
-            <a:endParaRPr lang="fr-FR" sz="2000" dirty="0"/>
-          </a:p>
-          <a:p>
-            <a:endParaRPr lang="fr-FR" sz="2000" dirty="0"/>
-          </a:p>
-          <a:p>
-            <a:endParaRPr lang="fr-FR" sz="2000" dirty="0"/>
-          </a:p>
-          <a:p>
-            <a:endParaRPr lang="fr-FR" sz="2000" dirty="0"/>
-          </a:p>
-          <a:p>
-            <a:endParaRPr lang="fr-FR" sz="2000" dirty="0"/>
-          </a:p>
-        </p:txBody>
-      </p:sp>
-    </p:spTree>
-    <p:extLst>
-      <p:ext uri="{BB962C8B-B14F-4D97-AF65-F5344CB8AC3E}">
-        <p14:creationId xmlns:p14="http://schemas.microsoft.com/office/powerpoint/2010/main" val="2486580531"/>
-      </p:ext>
-    </p:extLst>
-  </p:cSld>
-  <p:clrMapOvr>
-    <a:masterClrMapping/>
-  </p:clrMapOvr>
-</p:sld>
-</file>
-
-<file path=ppt/slides/slide20.xml><?xml version="1.0" encoding="utf-8"?>
+<file path=ppt/slides/slide19.xml><?xml version="1.0" encoding="utf-8"?>
 <p:sld xmlns:a="http://schemas.openxmlformats.org/drawingml/2006/main" xmlns:r="http://schemas.openxmlformats.org/officeDocument/2006/relationships" xmlns:p="http://schemas.openxmlformats.org/presentationml/2006/main">
   <p:cSld>
     <p:spTree>
@@ -18699,7 +16642,187 @@
 </p:sld>
 </file>
 
-<file path=ppt/slides/slide21.xml><?xml version="1.0" encoding="utf-8"?>
+<file path=ppt/slides/slide2.xml><?xml version="1.0" encoding="utf-8"?>
+<p:sld xmlns:a="http://schemas.openxmlformats.org/drawingml/2006/main" xmlns:r="http://schemas.openxmlformats.org/officeDocument/2006/relationships" xmlns:p="http://schemas.openxmlformats.org/presentationml/2006/main">
+  <p:cSld>
+    <p:spTree>
+      <p:nvGrpSpPr>
+        <p:cNvPr id="1" name=""/>
+        <p:cNvGrpSpPr/>
+        <p:nvPr/>
+      </p:nvGrpSpPr>
+      <p:grpSpPr>
+        <a:xfrm>
+          <a:off x="0" y="0"/>
+          <a:ext cx="0" cy="0"/>
+          <a:chOff x="0" y="0"/>
+          <a:chExt cx="0" cy="0"/>
+        </a:xfrm>
+      </p:grpSpPr>
+      <p:sp>
+        <p:nvSpPr>
+          <p:cNvPr id="2" name="Titre 1">
+            <a:extLst>
+              <a:ext uri="{FF2B5EF4-FFF2-40B4-BE49-F238E27FC236}">
+                <a16:creationId xmlns:a16="http://schemas.microsoft.com/office/drawing/2014/main" id="{EF5BB174-02DB-4DB6-AAA2-3C38728B1102}"/>
+              </a:ext>
+            </a:extLst>
+          </p:cNvPr>
+          <p:cNvSpPr>
+            <a:spLocks noGrp="1"/>
+          </p:cNvSpPr>
+          <p:nvPr>
+            <p:ph type="title"/>
+          </p:nvPr>
+        </p:nvSpPr>
+        <p:spPr/>
+        <p:txBody>
+          <a:bodyPr/>
+          <a:lstStyle/>
+          <a:p>
+            <a:r>
+              <a:rPr lang="fr-FR" dirty="0"/>
+              <a:t>Sommaire</a:t>
+            </a:r>
+          </a:p>
+        </p:txBody>
+      </p:sp>
+      <p:sp>
+        <p:nvSpPr>
+          <p:cNvPr id="3" name="Espace réservé du contenu 2">
+            <a:extLst>
+              <a:ext uri="{FF2B5EF4-FFF2-40B4-BE49-F238E27FC236}">
+                <a16:creationId xmlns:a16="http://schemas.microsoft.com/office/drawing/2014/main" id="{ADB236CE-92C8-4653-8C5E-A41BC60B2457}"/>
+              </a:ext>
+            </a:extLst>
+          </p:cNvPr>
+          <p:cNvSpPr>
+            <a:spLocks noGrp="1"/>
+          </p:cNvSpPr>
+          <p:nvPr>
+            <p:ph idx="1"/>
+          </p:nvPr>
+        </p:nvSpPr>
+        <p:spPr>
+          <a:xfrm>
+            <a:off x="1621410" y="1264555"/>
+            <a:ext cx="10570590" cy="5052767"/>
+          </a:xfrm>
+        </p:spPr>
+        <p:txBody>
+          <a:bodyPr>
+            <a:normAutofit fontScale="92500" lnSpcReduction="20000"/>
+          </a:bodyPr>
+          <a:lstStyle/>
+          <a:p>
+            <a:r>
+              <a:rPr lang="fr-FR" sz="2000" dirty="0"/>
+              <a:t>Projet</a:t>
+            </a:r>
+          </a:p>
+          <a:p>
+            <a:r>
+              <a:rPr lang="fr-FR" sz="2000" dirty="0"/>
+              <a:t>Exemple</a:t>
+            </a:r>
+          </a:p>
+          <a:p>
+            <a:pPr marL="0" indent="0">
+              <a:buNone/>
+            </a:pPr>
+            <a:endParaRPr lang="fr-FR" sz="2000" dirty="0"/>
+          </a:p>
+          <a:p>
+            <a:r>
+              <a:rPr lang="fr-FR" sz="2000" dirty="0"/>
+              <a:t>Critère 1 : La finalité d’intérêt général</a:t>
+            </a:r>
+          </a:p>
+          <a:p>
+            <a:r>
+              <a:rPr lang="fr-FR" sz="2000" dirty="0"/>
+              <a:t>Critère 2 : L’impact</a:t>
+            </a:r>
+          </a:p>
+          <a:p>
+            <a:r>
+              <a:rPr lang="fr-FR" sz="2000" dirty="0"/>
+              <a:t>Critère 3 : La maturité et la structuration du projet</a:t>
+            </a:r>
+          </a:p>
+          <a:p>
+            <a:r>
+              <a:rPr lang="fr-FR" sz="2000" dirty="0"/>
+              <a:t>Critère 4 : L’ouverture, la transparence et l’intégrité</a:t>
+            </a:r>
+          </a:p>
+          <a:p>
+            <a:r>
+              <a:rPr lang="fr-FR" sz="2000" dirty="0"/>
+              <a:t>Critère 5 : Potentiel d'effet de levier de l'accompagnement par l'administration</a:t>
+            </a:r>
+          </a:p>
+          <a:p>
+            <a:endParaRPr lang="fr-FR" sz="2000" dirty="0"/>
+          </a:p>
+          <a:p>
+            <a:r>
+              <a:rPr lang="fr-FR" sz="2000" dirty="0"/>
+              <a:t>Synthèse</a:t>
+            </a:r>
+          </a:p>
+          <a:p>
+            <a:endParaRPr lang="fr-FR" sz="2000" dirty="0"/>
+          </a:p>
+          <a:p>
+            <a:r>
+              <a:rPr lang="fr-FR" sz="2000" i="1" dirty="0"/>
+              <a:t>Annexe : Données environnementales</a:t>
+            </a:r>
+          </a:p>
+          <a:p>
+            <a:r>
+              <a:rPr lang="fr-FR" sz="2000" i="1" dirty="0"/>
+              <a:t>Annexe : Référentiel normes et standards</a:t>
+            </a:r>
+          </a:p>
+          <a:p>
+            <a:r>
+              <a:rPr lang="fr-FR" sz="2000" i="1" dirty="0"/>
+              <a:t>Annexe : Extraits d’étude</a:t>
+            </a:r>
+          </a:p>
+          <a:p>
+            <a:endParaRPr lang="fr-FR" sz="2000" dirty="0"/>
+          </a:p>
+          <a:p>
+            <a:endParaRPr lang="fr-FR" sz="2000" dirty="0"/>
+          </a:p>
+          <a:p>
+            <a:endParaRPr lang="fr-FR" sz="2000" dirty="0"/>
+          </a:p>
+          <a:p>
+            <a:endParaRPr lang="fr-FR" sz="2000" dirty="0"/>
+          </a:p>
+          <a:p>
+            <a:endParaRPr lang="fr-FR" sz="2000" dirty="0"/>
+          </a:p>
+        </p:txBody>
+      </p:sp>
+    </p:spTree>
+    <p:extLst>
+      <p:ext uri="{BB962C8B-B14F-4D97-AF65-F5344CB8AC3E}">
+        <p14:creationId xmlns:p14="http://schemas.microsoft.com/office/powerpoint/2010/main" val="2486580531"/>
+      </p:ext>
+    </p:extLst>
+  </p:cSld>
+  <p:clrMapOvr>
+    <a:masterClrMapping/>
+  </p:clrMapOvr>
+</p:sld>
+</file>
+
+<file path=ppt/slides/slide20.xml><?xml version="1.0" encoding="utf-8"?>
 <p:sld xmlns:a="http://schemas.openxmlformats.org/drawingml/2006/main" xmlns:r="http://schemas.openxmlformats.org/officeDocument/2006/relationships" xmlns:p="http://schemas.openxmlformats.org/presentationml/2006/main">
   <p:cSld>
     <p:spTree>
@@ -18782,7 +16905,7 @@
           <a:p>
             <a:fld id="{5023A80A-40FC-4210-9452-7B0942DCA00B}" type="datetime1">
               <a:rPr lang="fr-FR" smtClean="0"/>
-              <a:t>20/01/2022</a:t>
+              <a:t>22/01/2022</a:t>
             </a:fld>
             <a:endParaRPr lang="fr-FR" dirty="0"/>
           </a:p>
@@ -18847,7 +16970,7 @@
             <a:fld id="{A15E53C2-24D8-4AC7-A695-9D161D6D0C6E}" type="slidenum">
               <a:rPr lang="fr-FR" smtClean="0"/>
               <a:pPr/>
-              <a:t>21</a:t>
+              <a:t>20</a:t>
             </a:fld>
             <a:endParaRPr lang="fr-FR" dirty="0"/>
           </a:p>
@@ -18866,7 +16989,7 @@
 </p:sld>
 </file>
 
-<file path=ppt/slides/slide22.xml><?xml version="1.0" encoding="utf-8"?>
+<file path=ppt/slides/slide21.xml><?xml version="1.0" encoding="utf-8"?>
 <p:sld xmlns:a="http://schemas.openxmlformats.org/drawingml/2006/main" xmlns:r="http://schemas.openxmlformats.org/officeDocument/2006/relationships" xmlns:p="http://schemas.openxmlformats.org/presentationml/2006/main">
   <p:cSld>
     <p:spTree>
@@ -19240,7 +17363,7 @@
 </p:sld>
 </file>
 
-<file path=ppt/slides/slide23.xml><?xml version="1.0" encoding="utf-8"?>
+<file path=ppt/slides/slide22.xml><?xml version="1.0" encoding="utf-8"?>
 <p:sld xmlns:a="http://schemas.openxmlformats.org/drawingml/2006/main" xmlns:r="http://schemas.openxmlformats.org/officeDocument/2006/relationships" xmlns:p="http://schemas.openxmlformats.org/presentationml/2006/main">
   <p:cSld>
     <p:spTree>
@@ -19323,7 +17446,7 @@
           <a:p>
             <a:fld id="{5023A80A-40FC-4210-9452-7B0942DCA00B}" type="datetime1">
               <a:rPr lang="fr-FR" smtClean="0"/>
-              <a:t>20/01/2022</a:t>
+              <a:t>22/01/2022</a:t>
             </a:fld>
             <a:endParaRPr lang="fr-FR" dirty="0"/>
           </a:p>
@@ -19388,7 +17511,7 @@
             <a:fld id="{A15E53C2-24D8-4AC7-A695-9D161D6D0C6E}" type="slidenum">
               <a:rPr lang="fr-FR" smtClean="0"/>
               <a:pPr/>
-              <a:t>23</a:t>
+              <a:t>22</a:t>
             </a:fld>
             <a:endParaRPr lang="fr-FR" dirty="0"/>
           </a:p>
@@ -19407,7 +17530,7 @@
 </p:sld>
 </file>
 
-<file path=ppt/slides/slide24.xml><?xml version="1.0" encoding="utf-8"?>
+<file path=ppt/slides/slide23.xml><?xml version="1.0" encoding="utf-8"?>
 <p:sld xmlns:a="http://schemas.openxmlformats.org/drawingml/2006/main" xmlns:r="http://schemas.openxmlformats.org/officeDocument/2006/relationships" xmlns:p="http://schemas.openxmlformats.org/presentationml/2006/main">
   <p:cSld>
     <p:spTree>
@@ -19814,7 +17937,7 @@
 </p:sld>
 </file>
 
-<file path=ppt/slides/slide25.xml><?xml version="1.0" encoding="utf-8"?>
+<file path=ppt/slides/slide24.xml><?xml version="1.0" encoding="utf-8"?>
 <p:sld xmlns:a="http://schemas.openxmlformats.org/drawingml/2006/main" xmlns:r="http://schemas.openxmlformats.org/officeDocument/2006/relationships" xmlns:p="http://schemas.openxmlformats.org/presentationml/2006/main">
   <p:cSld>
     <p:spTree>
@@ -19833,10 +17956,10 @@
       </p:grpSpPr>
       <p:sp>
         <p:nvSpPr>
-          <p:cNvPr id="13" name="Espace réservé du contenu 12">
+          <p:cNvPr id="2" name="Titre 1">
             <a:extLst>
               <a:ext uri="{FF2B5EF4-FFF2-40B4-BE49-F238E27FC236}">
-                <a16:creationId xmlns:a16="http://schemas.microsoft.com/office/drawing/2014/main" id="{423A7093-E76B-4D29-A59E-5FB662695568}"/>
+                <a16:creationId xmlns:a16="http://schemas.microsoft.com/office/drawing/2014/main" id="{275ECB47-2D7D-4427-BBD3-9E4A6B909524}"/>
               </a:ext>
             </a:extLst>
           </p:cNvPr>
@@ -19844,134 +17967,885 @@
             <a:spLocks noGrp="1"/>
           </p:cNvSpPr>
           <p:nvPr>
-            <p:ph idx="4294967295"/>
+            <p:ph type="title"/>
           </p:nvPr>
         </p:nvSpPr>
         <p:spPr>
           <a:xfrm>
-            <a:off x="678905" y="2504783"/>
-            <a:ext cx="11406258" cy="4518372"/>
-          </a:xfrm>
-        </p:spPr>
-        <p:txBody>
-          <a:bodyPr>
-            <a:normAutofit/>
-          </a:bodyPr>
-          <a:lstStyle/>
-          <a:p>
-            <a:pPr marL="0" indent="0">
-              <a:buNone/>
-            </a:pPr>
-            <a:r>
-              <a:rPr lang="fr-FR" sz="4400" b="1" dirty="0"/>
-              <a:t>Annexe : Référentiel normes et standards</a:t>
-            </a:r>
-          </a:p>
-        </p:txBody>
-      </p:sp>
-      <p:sp>
-        <p:nvSpPr>
-          <p:cNvPr id="3" name="Espace réservé de la date 2">
-            <a:extLst>
-              <a:ext uri="{FF2B5EF4-FFF2-40B4-BE49-F238E27FC236}">
-                <a16:creationId xmlns:a16="http://schemas.microsoft.com/office/drawing/2014/main" id="{7ECD9F17-EC3F-48F2-AA4E-5EB02661C7AE}"/>
-              </a:ext>
-            </a:extLst>
-          </p:cNvPr>
-          <p:cNvSpPr>
-            <a:spLocks noGrp="1"/>
-          </p:cNvSpPr>
-          <p:nvPr>
-            <p:ph type="dt" sz="half" idx="4294967295"/>
-          </p:nvPr>
-        </p:nvSpPr>
-        <p:spPr>
-          <a:xfrm>
-            <a:off x="838201" y="6356274"/>
-            <a:ext cx="2743200" cy="365116"/>
+            <a:off x="434186" y="205860"/>
+            <a:ext cx="12724465" cy="1280890"/>
           </a:xfrm>
         </p:spPr>
         <p:txBody>
           <a:bodyPr/>
           <a:lstStyle/>
           <a:p>
-            <a:fld id="{5023A80A-40FC-4210-9452-7B0942DCA00B}" type="datetime1">
-              <a:rPr lang="fr-FR" smtClean="0"/>
-              <a:t>20/01/2022</a:t>
-            </a:fld>
-            <a:endParaRPr lang="fr-FR" dirty="0"/>
+            <a:r>
+              <a:rPr lang="fr-FR" dirty="0"/>
+              <a:t>Annexe : Données environnementales</a:t>
+            </a:r>
           </a:p>
         </p:txBody>
       </p:sp>
       <p:sp>
         <p:nvSpPr>
-          <p:cNvPr id="4" name="Espace réservé du pied de page 3">
+          <p:cNvPr id="3" name="Espace réservé du contenu 2">
             <a:extLst>
               <a:ext uri="{FF2B5EF4-FFF2-40B4-BE49-F238E27FC236}">
-                <a16:creationId xmlns:a16="http://schemas.microsoft.com/office/drawing/2014/main" id="{B86D65C0-7073-46CE-9C42-F218DFDC8707}"/>
+                <a16:creationId xmlns:a16="http://schemas.microsoft.com/office/drawing/2014/main" id="{91FB79E7-0E84-4291-BBE6-29180B6A0BD2}"/>
               </a:ext>
             </a:extLst>
           </p:cNvPr>
-          <p:cNvSpPr>
-            <a:spLocks noGrp="1"/>
+          <p:cNvSpPr txBox="1">
+            <a:spLocks/>
           </p:cNvSpPr>
-          <p:nvPr>
-            <p:ph type="ftr" sz="quarter" idx="4294967295"/>
-          </p:nvPr>
+          <p:nvPr/>
         </p:nvSpPr>
         <p:spPr>
           <a:xfrm>
-            <a:off x="4038601" y="6356274"/>
-            <a:ext cx="4114800" cy="365116"/>
+            <a:off x="1187055" y="999243"/>
+            <a:ext cx="10040268" cy="3987537"/>
           </a:xfrm>
+          <a:prstGeom prst="rect">
+            <a:avLst/>
+          </a:prstGeom>
         </p:spPr>
         <p:txBody>
-          <a:bodyPr/>
-          <a:lstStyle/>
-          <a:p>
-            <a:endParaRPr lang="fr-FR"/>
+          <a:bodyPr vert="horz" lIns="91440" tIns="45720" rIns="91440" bIns="45720" rtlCol="0">
+            <a:normAutofit fontScale="92500" lnSpcReduction="10000"/>
+          </a:bodyPr>
+          <a:lstStyle>
+            <a:lvl1pPr marL="342900" indent="-342900" algn="l" defTabSz="457200" rtl="0" eaLnBrk="1" latinLnBrk="0" hangingPunct="1">
+              <a:spcBef>
+                <a:spcPts val="1000"/>
+              </a:spcBef>
+              <a:spcAft>
+                <a:spcPts val="0"/>
+              </a:spcAft>
+              <a:buClr>
+                <a:schemeClr val="accent1"/>
+              </a:buClr>
+              <a:buFont typeface="Wingdings 3" charset="2"/>
+              <a:buChar char=""/>
+              <a:defRPr sz="1800" kern="1200">
+                <a:solidFill>
+                  <a:schemeClr val="tx1">
+                    <a:lumMod val="75000"/>
+                    <a:lumOff val="25000"/>
+                  </a:schemeClr>
+                </a:solidFill>
+                <a:latin typeface="+mn-lt"/>
+                <a:ea typeface="+mn-ea"/>
+                <a:cs typeface="+mn-cs"/>
+              </a:defRPr>
+            </a:lvl1pPr>
+            <a:lvl2pPr marL="742950" indent="-285750" algn="l" defTabSz="457200" rtl="0" eaLnBrk="1" latinLnBrk="0" hangingPunct="1">
+              <a:spcBef>
+                <a:spcPts val="1000"/>
+              </a:spcBef>
+              <a:spcAft>
+                <a:spcPts val="0"/>
+              </a:spcAft>
+              <a:buClr>
+                <a:schemeClr val="accent1"/>
+              </a:buClr>
+              <a:buFont typeface="Wingdings 3" charset="2"/>
+              <a:buChar char=""/>
+              <a:defRPr sz="1600" kern="1200">
+                <a:solidFill>
+                  <a:schemeClr val="tx1">
+                    <a:lumMod val="75000"/>
+                    <a:lumOff val="25000"/>
+                  </a:schemeClr>
+                </a:solidFill>
+                <a:latin typeface="+mn-lt"/>
+                <a:ea typeface="+mn-ea"/>
+                <a:cs typeface="+mn-cs"/>
+              </a:defRPr>
+            </a:lvl2pPr>
+            <a:lvl3pPr marL="1143000" indent="-228600" algn="l" defTabSz="457200" rtl="0" eaLnBrk="1" latinLnBrk="0" hangingPunct="1">
+              <a:spcBef>
+                <a:spcPts val="1000"/>
+              </a:spcBef>
+              <a:spcAft>
+                <a:spcPts val="0"/>
+              </a:spcAft>
+              <a:buClr>
+                <a:schemeClr val="accent1"/>
+              </a:buClr>
+              <a:buFont typeface="Wingdings 3" charset="2"/>
+              <a:buChar char=""/>
+              <a:defRPr sz="1400" kern="1200">
+                <a:solidFill>
+                  <a:schemeClr val="tx1">
+                    <a:lumMod val="75000"/>
+                    <a:lumOff val="25000"/>
+                  </a:schemeClr>
+                </a:solidFill>
+                <a:latin typeface="+mn-lt"/>
+                <a:ea typeface="+mn-ea"/>
+                <a:cs typeface="+mn-cs"/>
+              </a:defRPr>
+            </a:lvl3pPr>
+            <a:lvl4pPr marL="1600200" indent="-228600" algn="l" defTabSz="457200" rtl="0" eaLnBrk="1" latinLnBrk="0" hangingPunct="1">
+              <a:spcBef>
+                <a:spcPts val="1000"/>
+              </a:spcBef>
+              <a:spcAft>
+                <a:spcPts val="0"/>
+              </a:spcAft>
+              <a:buClr>
+                <a:schemeClr val="accent1"/>
+              </a:buClr>
+              <a:buFont typeface="Wingdings 3" charset="2"/>
+              <a:buChar char=""/>
+              <a:defRPr sz="1200" kern="1200">
+                <a:solidFill>
+                  <a:schemeClr val="tx1">
+                    <a:lumMod val="75000"/>
+                    <a:lumOff val="25000"/>
+                  </a:schemeClr>
+                </a:solidFill>
+                <a:latin typeface="+mn-lt"/>
+                <a:ea typeface="+mn-ea"/>
+                <a:cs typeface="+mn-cs"/>
+              </a:defRPr>
+            </a:lvl4pPr>
+            <a:lvl5pPr marL="2057400" indent="-228600" algn="l" defTabSz="457200" rtl="0" eaLnBrk="1" latinLnBrk="0" hangingPunct="1">
+              <a:spcBef>
+                <a:spcPts val="1000"/>
+              </a:spcBef>
+              <a:spcAft>
+                <a:spcPts val="0"/>
+              </a:spcAft>
+              <a:buClr>
+                <a:schemeClr val="accent1"/>
+              </a:buClr>
+              <a:buFont typeface="Wingdings 3" charset="2"/>
+              <a:buChar char=""/>
+              <a:defRPr sz="1200" kern="1200">
+                <a:solidFill>
+                  <a:schemeClr val="tx1">
+                    <a:lumMod val="75000"/>
+                    <a:lumOff val="25000"/>
+                  </a:schemeClr>
+                </a:solidFill>
+                <a:latin typeface="+mn-lt"/>
+                <a:ea typeface="+mn-ea"/>
+                <a:cs typeface="+mn-cs"/>
+              </a:defRPr>
+            </a:lvl5pPr>
+            <a:lvl6pPr marL="2514600" indent="-228600" algn="l" defTabSz="457200" rtl="0" eaLnBrk="1" latinLnBrk="0" hangingPunct="1">
+              <a:spcBef>
+                <a:spcPts val="1000"/>
+              </a:spcBef>
+              <a:spcAft>
+                <a:spcPts val="0"/>
+              </a:spcAft>
+              <a:buClr>
+                <a:schemeClr val="accent1"/>
+              </a:buClr>
+              <a:buFont typeface="Wingdings 3" charset="2"/>
+              <a:buChar char=""/>
+              <a:defRPr sz="1200" kern="1200">
+                <a:solidFill>
+                  <a:schemeClr val="tx1">
+                    <a:lumMod val="75000"/>
+                    <a:lumOff val="25000"/>
+                  </a:schemeClr>
+                </a:solidFill>
+                <a:latin typeface="+mn-lt"/>
+                <a:ea typeface="+mn-ea"/>
+                <a:cs typeface="+mn-cs"/>
+              </a:defRPr>
+            </a:lvl6pPr>
+            <a:lvl7pPr marL="2971800" indent="-228600" algn="l" defTabSz="457200" rtl="0" eaLnBrk="1" latinLnBrk="0" hangingPunct="1">
+              <a:spcBef>
+                <a:spcPts val="1000"/>
+              </a:spcBef>
+              <a:spcAft>
+                <a:spcPts val="0"/>
+              </a:spcAft>
+              <a:buClr>
+                <a:schemeClr val="accent1"/>
+              </a:buClr>
+              <a:buFont typeface="Wingdings 3" charset="2"/>
+              <a:buChar char=""/>
+              <a:defRPr sz="1200" kern="1200">
+                <a:solidFill>
+                  <a:schemeClr val="tx1">
+                    <a:lumMod val="75000"/>
+                    <a:lumOff val="25000"/>
+                  </a:schemeClr>
+                </a:solidFill>
+                <a:latin typeface="+mn-lt"/>
+                <a:ea typeface="+mn-ea"/>
+                <a:cs typeface="+mn-cs"/>
+              </a:defRPr>
+            </a:lvl7pPr>
+            <a:lvl8pPr marL="3429000" indent="-228600" algn="l" defTabSz="457200" rtl="0" eaLnBrk="1" latinLnBrk="0" hangingPunct="1">
+              <a:spcBef>
+                <a:spcPts val="1000"/>
+              </a:spcBef>
+              <a:spcAft>
+                <a:spcPts val="0"/>
+              </a:spcAft>
+              <a:buClr>
+                <a:schemeClr val="accent1"/>
+              </a:buClr>
+              <a:buFont typeface="Wingdings 3" charset="2"/>
+              <a:buChar char=""/>
+              <a:defRPr sz="1200" kern="1200">
+                <a:solidFill>
+                  <a:schemeClr val="tx1">
+                    <a:lumMod val="75000"/>
+                    <a:lumOff val="25000"/>
+                  </a:schemeClr>
+                </a:solidFill>
+                <a:latin typeface="+mn-lt"/>
+                <a:ea typeface="+mn-ea"/>
+                <a:cs typeface="+mn-cs"/>
+              </a:defRPr>
+            </a:lvl8pPr>
+            <a:lvl9pPr marL="3886200" indent="-228600" algn="l" defTabSz="457200" rtl="0" eaLnBrk="1" latinLnBrk="0" hangingPunct="1">
+              <a:spcBef>
+                <a:spcPts val="1000"/>
+              </a:spcBef>
+              <a:spcAft>
+                <a:spcPts val="0"/>
+              </a:spcAft>
+              <a:buClr>
+                <a:schemeClr val="accent1"/>
+              </a:buClr>
+              <a:buFont typeface="Wingdings 3" charset="2"/>
+              <a:buChar char=""/>
+              <a:defRPr sz="1200" kern="1200">
+                <a:solidFill>
+                  <a:schemeClr val="tx1">
+                    <a:lumMod val="75000"/>
+                    <a:lumOff val="25000"/>
+                  </a:schemeClr>
+                </a:solidFill>
+                <a:latin typeface="+mn-lt"/>
+                <a:ea typeface="+mn-ea"/>
+                <a:cs typeface="+mn-cs"/>
+              </a:defRPr>
+            </a:lvl9pPr>
+          </a:lstStyle>
+          <a:p>
+            <a:r>
+              <a:rPr lang="fr-FR" sz="2400" dirty="0"/>
+              <a:t>Qualification</a:t>
+            </a:r>
+          </a:p>
+          <a:p>
+            <a:pPr lvl="1"/>
+            <a:r>
+              <a:rPr lang="fr-FR" sz="2000" dirty="0"/>
+              <a:t>« par nature ou par destination » (ex données liées à la mobilité)</a:t>
+            </a:r>
+          </a:p>
+          <a:p>
+            <a:pPr lvl="1"/>
+            <a:r>
+              <a:rPr lang="fr-FR" sz="2000" dirty="0"/>
+              <a:t>Qualifiées « d’intérêt général »</a:t>
+            </a:r>
+          </a:p>
+          <a:p>
+            <a:pPr lvl="1"/>
+            <a:r>
+              <a:rPr lang="fr-FR" sz="2000" dirty="0"/>
+              <a:t>Privées ou publiques</a:t>
+            </a:r>
+          </a:p>
+          <a:p>
+            <a:pPr lvl="1"/>
+            <a:r>
+              <a:rPr lang="fr-FR" sz="2000" dirty="0"/>
+              <a:t>Données ouvertes</a:t>
+            </a:r>
+          </a:p>
+          <a:p>
+            <a:pPr marL="457200" lvl="1" indent="0">
+              <a:buNone/>
+            </a:pPr>
+            <a:endParaRPr lang="fr-FR" sz="2000" dirty="0"/>
+          </a:p>
+          <a:p>
+            <a:r>
+              <a:rPr lang="fr-FR" sz="2400" dirty="0"/>
+              <a:t>Interopérabilité</a:t>
+            </a:r>
+          </a:p>
+          <a:p>
+            <a:pPr lvl="1"/>
+            <a:r>
+              <a:rPr lang="fr-FR" sz="2000" dirty="0"/>
+              <a:t>Formats ouverts</a:t>
+            </a:r>
+          </a:p>
+          <a:p>
+            <a:pPr lvl="1"/>
+            <a:r>
+              <a:rPr lang="fr-FR" sz="2000" dirty="0"/>
+              <a:t>Standards de Données</a:t>
+            </a:r>
+          </a:p>
+          <a:p>
+            <a:pPr lvl="1"/>
+            <a:r>
+              <a:rPr lang="fr-FR" sz="2000" dirty="0"/>
+              <a:t>Interface de programmation (API)</a:t>
+            </a:r>
+          </a:p>
+          <a:p>
+            <a:pPr lvl="1"/>
+            <a:endParaRPr lang="fr-FR" sz="2000" dirty="0"/>
+          </a:p>
+          <a:p>
+            <a:pPr lvl="1"/>
+            <a:endParaRPr lang="fr-FR" sz="2000" dirty="0"/>
+          </a:p>
+          <a:p>
+            <a:pPr lvl="1"/>
+            <a:endParaRPr lang="fr-FR" sz="2000" dirty="0"/>
           </a:p>
         </p:txBody>
       </p:sp>
       <p:sp>
         <p:nvSpPr>
-          <p:cNvPr id="5" name="Espace réservé du numéro de diapositive 4">
+          <p:cNvPr id="5" name="Espace réservé du contenu 2">
             <a:extLst>
               <a:ext uri="{FF2B5EF4-FFF2-40B4-BE49-F238E27FC236}">
-                <a16:creationId xmlns:a16="http://schemas.microsoft.com/office/drawing/2014/main" id="{65F645CD-FD01-4959-AC3F-F6A91E9FCBFC}"/>
+                <a16:creationId xmlns:a16="http://schemas.microsoft.com/office/drawing/2014/main" id="{9CADEECD-E677-47C6-8683-A28AD61BAE16}"/>
               </a:ext>
             </a:extLst>
           </p:cNvPr>
-          <p:cNvSpPr>
-            <a:spLocks noGrp="1"/>
+          <p:cNvSpPr txBox="1">
+            <a:spLocks/>
           </p:cNvSpPr>
-          <p:nvPr>
-            <p:ph type="sldNum" sz="quarter" idx="4294967295"/>
-          </p:nvPr>
+          <p:nvPr/>
         </p:nvSpPr>
         <p:spPr>
           <a:xfrm>
-            <a:off x="8610601" y="6356274"/>
-            <a:ext cx="2743200" cy="365116"/>
+            <a:off x="711172" y="5240608"/>
+            <a:ext cx="10769656" cy="1411532"/>
           </a:xfrm>
+          <a:prstGeom prst="rect">
+            <a:avLst/>
+          </a:prstGeom>
         </p:spPr>
         <p:txBody>
-          <a:bodyPr/>
-          <a:lstStyle/>
-          <a:p>
-            <a:fld id="{A15E53C2-24D8-4AC7-A695-9D161D6D0C6E}" type="slidenum">
-              <a:rPr lang="fr-FR" smtClean="0"/>
-              <a:pPr/>
-              <a:t>25</a:t>
-            </a:fld>
-            <a:endParaRPr lang="fr-FR" dirty="0"/>
+          <a:bodyPr vert="horz" lIns="82951" tIns="41475" rIns="82951" bIns="41475" rtlCol="0">
+            <a:normAutofit fontScale="70000" lnSpcReduction="20000"/>
+          </a:bodyPr>
+          <a:lstStyle>
+            <a:lvl1pPr marL="251986" indent="-251986" algn="l" defTabSz="1007943" rtl="0" eaLnBrk="1" latinLnBrk="0" hangingPunct="1">
+              <a:lnSpc>
+                <a:spcPct val="90000"/>
+              </a:lnSpc>
+              <a:spcBef>
+                <a:spcPts val="1102"/>
+              </a:spcBef>
+              <a:buFont typeface="Arial" panose="020B0604020202020204" pitchFamily="34" charset="0"/>
+              <a:buChar char="•"/>
+              <a:defRPr sz="3086" kern="1200">
+                <a:solidFill>
+                  <a:schemeClr val="tx1"/>
+                </a:solidFill>
+                <a:latin typeface="+mn-lt"/>
+                <a:ea typeface="+mn-ea"/>
+                <a:cs typeface="+mn-cs"/>
+              </a:defRPr>
+            </a:lvl1pPr>
+            <a:lvl2pPr marL="755957" indent="-251986" algn="l" defTabSz="1007943" rtl="0" eaLnBrk="1" latinLnBrk="0" hangingPunct="1">
+              <a:lnSpc>
+                <a:spcPct val="90000"/>
+              </a:lnSpc>
+              <a:spcBef>
+                <a:spcPts val="551"/>
+              </a:spcBef>
+              <a:buFont typeface="Arial" panose="020B0604020202020204" pitchFamily="34" charset="0"/>
+              <a:buChar char="•"/>
+              <a:defRPr sz="2646" kern="1200">
+                <a:solidFill>
+                  <a:schemeClr val="tx1"/>
+                </a:solidFill>
+                <a:latin typeface="+mn-lt"/>
+                <a:ea typeface="+mn-ea"/>
+                <a:cs typeface="+mn-cs"/>
+              </a:defRPr>
+            </a:lvl2pPr>
+            <a:lvl3pPr marL="1259929" indent="-251986" algn="l" defTabSz="1007943" rtl="0" eaLnBrk="1" latinLnBrk="0" hangingPunct="1">
+              <a:lnSpc>
+                <a:spcPct val="90000"/>
+              </a:lnSpc>
+              <a:spcBef>
+                <a:spcPts val="551"/>
+              </a:spcBef>
+              <a:buFont typeface="Arial" panose="020B0604020202020204" pitchFamily="34" charset="0"/>
+              <a:buChar char="•"/>
+              <a:defRPr sz="2205" kern="1200">
+                <a:solidFill>
+                  <a:schemeClr val="tx1"/>
+                </a:solidFill>
+                <a:latin typeface="+mn-lt"/>
+                <a:ea typeface="+mn-ea"/>
+                <a:cs typeface="+mn-cs"/>
+              </a:defRPr>
+            </a:lvl3pPr>
+            <a:lvl4pPr marL="1763900" indent="-251986" algn="l" defTabSz="1007943" rtl="0" eaLnBrk="1" latinLnBrk="0" hangingPunct="1">
+              <a:lnSpc>
+                <a:spcPct val="90000"/>
+              </a:lnSpc>
+              <a:spcBef>
+                <a:spcPts val="551"/>
+              </a:spcBef>
+              <a:buFont typeface="Arial" panose="020B0604020202020204" pitchFamily="34" charset="0"/>
+              <a:buChar char="•"/>
+              <a:defRPr sz="1984" kern="1200">
+                <a:solidFill>
+                  <a:schemeClr val="tx1"/>
+                </a:solidFill>
+                <a:latin typeface="+mn-lt"/>
+                <a:ea typeface="+mn-ea"/>
+                <a:cs typeface="+mn-cs"/>
+              </a:defRPr>
+            </a:lvl4pPr>
+            <a:lvl5pPr marL="2267872" indent="-251986" algn="l" defTabSz="1007943" rtl="0" eaLnBrk="1" latinLnBrk="0" hangingPunct="1">
+              <a:lnSpc>
+                <a:spcPct val="90000"/>
+              </a:lnSpc>
+              <a:spcBef>
+                <a:spcPts val="551"/>
+              </a:spcBef>
+              <a:buFont typeface="Arial" panose="020B0604020202020204" pitchFamily="34" charset="0"/>
+              <a:buChar char="•"/>
+              <a:defRPr sz="1984" kern="1200">
+                <a:solidFill>
+                  <a:schemeClr val="tx1"/>
+                </a:solidFill>
+                <a:latin typeface="+mn-lt"/>
+                <a:ea typeface="+mn-ea"/>
+                <a:cs typeface="+mn-cs"/>
+              </a:defRPr>
+            </a:lvl5pPr>
+            <a:lvl6pPr marL="2771844" indent="-251986" algn="l" defTabSz="1007943" rtl="0" eaLnBrk="1" latinLnBrk="0" hangingPunct="1">
+              <a:lnSpc>
+                <a:spcPct val="90000"/>
+              </a:lnSpc>
+              <a:spcBef>
+                <a:spcPts val="551"/>
+              </a:spcBef>
+              <a:buFont typeface="Arial" panose="020B0604020202020204" pitchFamily="34" charset="0"/>
+              <a:buChar char="•"/>
+              <a:defRPr sz="1984" kern="1200">
+                <a:solidFill>
+                  <a:schemeClr val="tx1"/>
+                </a:solidFill>
+                <a:latin typeface="+mn-lt"/>
+                <a:ea typeface="+mn-ea"/>
+                <a:cs typeface="+mn-cs"/>
+              </a:defRPr>
+            </a:lvl6pPr>
+            <a:lvl7pPr marL="3275815" indent="-251986" algn="l" defTabSz="1007943" rtl="0" eaLnBrk="1" latinLnBrk="0" hangingPunct="1">
+              <a:lnSpc>
+                <a:spcPct val="90000"/>
+              </a:lnSpc>
+              <a:spcBef>
+                <a:spcPts val="551"/>
+              </a:spcBef>
+              <a:buFont typeface="Arial" panose="020B0604020202020204" pitchFamily="34" charset="0"/>
+              <a:buChar char="•"/>
+              <a:defRPr sz="1984" kern="1200">
+                <a:solidFill>
+                  <a:schemeClr val="tx1"/>
+                </a:solidFill>
+                <a:latin typeface="+mn-lt"/>
+                <a:ea typeface="+mn-ea"/>
+                <a:cs typeface="+mn-cs"/>
+              </a:defRPr>
+            </a:lvl7pPr>
+            <a:lvl8pPr marL="3779787" indent="-251986" algn="l" defTabSz="1007943" rtl="0" eaLnBrk="1" latinLnBrk="0" hangingPunct="1">
+              <a:lnSpc>
+                <a:spcPct val="90000"/>
+              </a:lnSpc>
+              <a:spcBef>
+                <a:spcPts val="551"/>
+              </a:spcBef>
+              <a:buFont typeface="Arial" panose="020B0604020202020204" pitchFamily="34" charset="0"/>
+              <a:buChar char="•"/>
+              <a:defRPr sz="1984" kern="1200">
+                <a:solidFill>
+                  <a:schemeClr val="tx1"/>
+                </a:solidFill>
+                <a:latin typeface="+mn-lt"/>
+                <a:ea typeface="+mn-ea"/>
+                <a:cs typeface="+mn-cs"/>
+              </a:defRPr>
+            </a:lvl8pPr>
+            <a:lvl9pPr marL="4283758" indent="-251986" algn="l" defTabSz="1007943" rtl="0" eaLnBrk="1" latinLnBrk="0" hangingPunct="1">
+              <a:lnSpc>
+                <a:spcPct val="90000"/>
+              </a:lnSpc>
+              <a:spcBef>
+                <a:spcPts val="551"/>
+              </a:spcBef>
+              <a:buFont typeface="Arial" panose="020B0604020202020204" pitchFamily="34" charset="0"/>
+              <a:buChar char="•"/>
+              <a:defRPr sz="1984" kern="1200">
+                <a:solidFill>
+                  <a:schemeClr val="tx1"/>
+                </a:solidFill>
+                <a:latin typeface="+mn-lt"/>
+                <a:ea typeface="+mn-ea"/>
+                <a:cs typeface="+mn-cs"/>
+              </a:defRPr>
+            </a:lvl9pPr>
+          </a:lstStyle>
+          <a:p>
+            <a:pPr>
+              <a:buFont typeface="Wingdings" panose="05000000000000000000" pitchFamily="2" charset="2"/>
+              <a:buChar char="§"/>
+            </a:pPr>
+            <a:r>
+              <a:rPr lang="fr-FR" sz="2400" b="1" dirty="0">
+                <a:solidFill>
+                  <a:srgbClr val="0070C0"/>
+                </a:solidFill>
+                <a:hlinkClick r:id="rId2">
+                  <a:extLst>
+                    <a:ext uri="{A12FA001-AC4F-418D-AE19-62706E023703}">
+                      <ahyp:hlinkClr xmlns:ahyp="http://schemas.microsoft.com/office/drawing/2018/hyperlinkcolor" val="tx"/>
+                    </a:ext>
+                  </a:extLst>
+                </a:hlinkClick>
+              </a:rPr>
+              <a:t>Faire des données environnementales des données d’intérêt général (rapport </a:t>
+            </a:r>
+            <a:r>
+              <a:rPr lang="fr-FR" sz="2400" b="1" dirty="0" err="1">
+                <a:solidFill>
+                  <a:srgbClr val="0070C0"/>
+                </a:solidFill>
+                <a:hlinkClick r:id="rId2">
+                  <a:extLst>
+                    <a:ext uri="{A12FA001-AC4F-418D-AE19-62706E023703}">
+                      <ahyp:hlinkClr xmlns:ahyp="http://schemas.microsoft.com/office/drawing/2018/hyperlinkcolor" val="tx"/>
+                    </a:ext>
+                  </a:extLst>
+                </a:hlinkClick>
+              </a:rPr>
+              <a:t>CNNum</a:t>
+            </a:r>
+            <a:r>
+              <a:rPr lang="fr-FR" sz="2400" b="1" dirty="0">
+                <a:solidFill>
+                  <a:srgbClr val="0070C0"/>
+                </a:solidFill>
+                <a:hlinkClick r:id="rId2">
+                  <a:extLst>
+                    <a:ext uri="{A12FA001-AC4F-418D-AE19-62706E023703}">
+                      <ahyp:hlinkClr xmlns:ahyp="http://schemas.microsoft.com/office/drawing/2018/hyperlinkcolor" val="tx"/>
+                    </a:ext>
+                  </a:extLst>
+                </a:hlinkClick>
+              </a:rPr>
+              <a:t> juillet 2020)</a:t>
+            </a:r>
+            <a:endParaRPr lang="fr-FR" sz="2400" b="1" u="sng" dirty="0">
+              <a:solidFill>
+                <a:srgbClr val="0070C0"/>
+              </a:solidFill>
+              <a:hlinkClick r:id="rId3">
+                <a:extLst>
+                  <a:ext uri="{A12FA001-AC4F-418D-AE19-62706E023703}">
+                    <ahyp:hlinkClr xmlns:ahyp="http://schemas.microsoft.com/office/drawing/2018/hyperlinkcolor" val="tx"/>
+                  </a:ext>
+                </a:extLst>
+              </a:hlinkClick>
+            </a:endParaRPr>
+          </a:p>
+          <a:p>
+            <a:pPr lvl="0">
+              <a:buFont typeface="Wingdings" panose="05000000000000000000" pitchFamily="2" charset="2"/>
+              <a:buChar char="§"/>
+            </a:pPr>
+            <a:r>
+              <a:rPr lang="fr-FR" sz="2400" b="1" u="sng" dirty="0">
+                <a:solidFill>
+                  <a:srgbClr val="0070C0"/>
+                </a:solidFill>
+                <a:hlinkClick r:id="rId3">
+                  <a:extLst>
+                    <a:ext uri="{A12FA001-AC4F-418D-AE19-62706E023703}">
+                      <ahyp:hlinkClr xmlns:ahyp="http://schemas.microsoft.com/office/drawing/2018/hyperlinkcolor" val="tx"/>
+                    </a:ext>
+                  </a:extLst>
+                </a:hlinkClick>
+              </a:rPr>
+              <a:t>Pour une politique publique de la donnée (rapport Bothorel décembre 2020)</a:t>
+            </a:r>
+            <a:endParaRPr lang="fr-FR" sz="2400" b="1" dirty="0">
+              <a:solidFill>
+                <a:srgbClr val="0070C0"/>
+              </a:solidFill>
+            </a:endParaRPr>
+          </a:p>
+          <a:p>
+            <a:pPr lvl="0">
+              <a:buFont typeface="Wingdings" panose="05000000000000000000" pitchFamily="2" charset="2"/>
+              <a:buChar char="§"/>
+            </a:pPr>
+            <a:r>
+              <a:rPr lang="fr-FR" sz="2400" b="1" dirty="0" err="1">
+                <a:solidFill>
+                  <a:srgbClr val="0070C0"/>
+                </a:solidFill>
+                <a:hlinkClick r:id="rId4">
+                  <a:extLst>
+                    <a:ext uri="{A12FA001-AC4F-418D-AE19-62706E023703}">
+                      <ahyp:hlinkClr xmlns:ahyp="http://schemas.microsoft.com/office/drawing/2018/hyperlinkcolor" val="tx"/>
+                    </a:ext>
+                  </a:extLst>
+                </a:hlinkClick>
+              </a:rPr>
+              <a:t>Proposal</a:t>
+            </a:r>
+            <a:r>
+              <a:rPr lang="fr-FR" sz="2400" b="1" dirty="0">
+                <a:solidFill>
+                  <a:srgbClr val="0070C0"/>
+                </a:solidFill>
+                <a:hlinkClick r:id="rId4">
+                  <a:extLst>
+                    <a:ext uri="{A12FA001-AC4F-418D-AE19-62706E023703}">
+                      <ahyp:hlinkClr xmlns:ahyp="http://schemas.microsoft.com/office/drawing/2018/hyperlinkcolor" val="tx"/>
+                    </a:ext>
+                  </a:extLst>
+                </a:hlinkClick>
+              </a:rPr>
+              <a:t> for a </a:t>
+            </a:r>
+            <a:r>
+              <a:rPr lang="fr-FR" sz="2400" b="1" dirty="0" err="1">
+                <a:solidFill>
+                  <a:srgbClr val="0070C0"/>
+                </a:solidFill>
+                <a:hlinkClick r:id="rId4">
+                  <a:extLst>
+                    <a:ext uri="{A12FA001-AC4F-418D-AE19-62706E023703}">
+                      <ahyp:hlinkClr xmlns:ahyp="http://schemas.microsoft.com/office/drawing/2018/hyperlinkcolor" val="tx"/>
+                    </a:ext>
+                  </a:extLst>
+                </a:hlinkClick>
+              </a:rPr>
+              <a:t>European</a:t>
+            </a:r>
+            <a:r>
+              <a:rPr lang="fr-FR" sz="2400" b="1" dirty="0">
+                <a:solidFill>
+                  <a:srgbClr val="0070C0"/>
+                </a:solidFill>
+                <a:hlinkClick r:id="rId4">
+                  <a:extLst>
+                    <a:ext uri="{A12FA001-AC4F-418D-AE19-62706E023703}">
+                      <ahyp:hlinkClr xmlns:ahyp="http://schemas.microsoft.com/office/drawing/2018/hyperlinkcolor" val="tx"/>
+                    </a:ext>
+                  </a:extLst>
+                </a:hlinkClick>
+              </a:rPr>
+              <a:t> </a:t>
+            </a:r>
+            <a:r>
+              <a:rPr lang="fr-FR" sz="2400" b="1" dirty="0" err="1">
+                <a:solidFill>
+                  <a:srgbClr val="0070C0"/>
+                </a:solidFill>
+                <a:hlinkClick r:id="rId4">
+                  <a:extLst>
+                    <a:ext uri="{A12FA001-AC4F-418D-AE19-62706E023703}">
+                      <ahyp:hlinkClr xmlns:ahyp="http://schemas.microsoft.com/office/drawing/2018/hyperlinkcolor" val="tx"/>
+                    </a:ext>
+                  </a:extLst>
+                </a:hlinkClick>
+              </a:rPr>
+              <a:t>Interoperability</a:t>
+            </a:r>
+            <a:r>
+              <a:rPr lang="fr-FR" sz="2400" b="1" dirty="0">
+                <a:solidFill>
+                  <a:srgbClr val="0070C0"/>
+                </a:solidFill>
+                <a:hlinkClick r:id="rId4">
+                  <a:extLst>
+                    <a:ext uri="{A12FA001-AC4F-418D-AE19-62706E023703}">
+                      <ahyp:hlinkClr xmlns:ahyp="http://schemas.microsoft.com/office/drawing/2018/hyperlinkcolor" val="tx"/>
+                    </a:ext>
+                  </a:extLst>
+                </a:hlinkClick>
+              </a:rPr>
+              <a:t> Framework for Smart Cities and </a:t>
+            </a:r>
+            <a:r>
+              <a:rPr lang="fr-FR" sz="2400" b="1" dirty="0" err="1">
+                <a:solidFill>
+                  <a:srgbClr val="0070C0"/>
+                </a:solidFill>
+                <a:hlinkClick r:id="rId4">
+                  <a:extLst>
+                    <a:ext uri="{A12FA001-AC4F-418D-AE19-62706E023703}">
+                      <ahyp:hlinkClr xmlns:ahyp="http://schemas.microsoft.com/office/drawing/2018/hyperlinkcolor" val="tx"/>
+                    </a:ext>
+                  </a:extLst>
+                </a:hlinkClick>
+              </a:rPr>
+              <a:t>Communities</a:t>
+            </a:r>
+            <a:r>
+              <a:rPr lang="fr-FR" sz="2400" b="1" dirty="0">
+                <a:solidFill>
+                  <a:srgbClr val="0070C0"/>
+                </a:solidFill>
+                <a:hlinkClick r:id="rId4">
+                  <a:extLst>
+                    <a:ext uri="{A12FA001-AC4F-418D-AE19-62706E023703}">
+                      <ahyp:hlinkClr xmlns:ahyp="http://schemas.microsoft.com/office/drawing/2018/hyperlinkcolor" val="tx"/>
+                    </a:ext>
+                  </a:extLst>
+                </a:hlinkClick>
+              </a:rPr>
+              <a:t> (</a:t>
+            </a:r>
+            <a:r>
+              <a:rPr lang="fr-FR" sz="2400" b="1" dirty="0" err="1">
+                <a:solidFill>
+                  <a:srgbClr val="0070C0"/>
+                </a:solidFill>
+                <a:hlinkClick r:id="rId4">
+                  <a:extLst>
+                    <a:ext uri="{A12FA001-AC4F-418D-AE19-62706E023703}">
+                      <ahyp:hlinkClr xmlns:ahyp="http://schemas.microsoft.com/office/drawing/2018/hyperlinkcolor" val="tx"/>
+                    </a:ext>
+                  </a:extLst>
+                </a:hlinkClick>
+              </a:rPr>
+              <a:t>may</a:t>
+            </a:r>
+            <a:r>
+              <a:rPr lang="fr-FR" sz="2400" b="1" dirty="0">
+                <a:solidFill>
+                  <a:srgbClr val="0070C0"/>
+                </a:solidFill>
+                <a:hlinkClick r:id="rId4">
+                  <a:extLst>
+                    <a:ext uri="{A12FA001-AC4F-418D-AE19-62706E023703}">
+                      <ahyp:hlinkClr xmlns:ahyp="http://schemas.microsoft.com/office/drawing/2018/hyperlinkcolor" val="tx"/>
+                    </a:ext>
+                  </a:extLst>
+                </a:hlinkClick>
+              </a:rPr>
+              <a:t> 2021)</a:t>
+            </a:r>
+            <a:endParaRPr lang="fr-FR" sz="2400" b="1" dirty="0">
+              <a:solidFill>
+                <a:srgbClr val="0070C0"/>
+              </a:solidFill>
+            </a:endParaRPr>
+          </a:p>
+          <a:p>
+            <a:pPr lvl="0">
+              <a:buFont typeface="Wingdings" panose="05000000000000000000" pitchFamily="2" charset="2"/>
+              <a:buChar char="§"/>
+            </a:pPr>
+            <a:r>
+              <a:rPr lang="fr-FR" sz="2400" b="1" dirty="0">
+                <a:solidFill>
+                  <a:srgbClr val="0070C0"/>
+                </a:solidFill>
+                <a:hlinkClick r:id="rId5">
+                  <a:extLst>
+                    <a:ext uri="{A12FA001-AC4F-418D-AE19-62706E023703}">
+                      <ahyp:hlinkClr xmlns:ahyp="http://schemas.microsoft.com/office/drawing/2018/hyperlinkcolor" val="tx"/>
+                    </a:ext>
+                  </a:extLst>
+                </a:hlinkClick>
+              </a:rPr>
+              <a:t>OECD </a:t>
+            </a:r>
+            <a:r>
+              <a:rPr lang="en-US" sz="2400" b="1" dirty="0">
+                <a:solidFill>
+                  <a:srgbClr val="0070C0"/>
+                </a:solidFill>
+                <a:hlinkClick r:id="rId5">
+                  <a:extLst>
+                    <a:ext uri="{A12FA001-AC4F-418D-AE19-62706E023703}">
+                      <ahyp:hlinkClr xmlns:ahyp="http://schemas.microsoft.com/office/drawing/2018/hyperlinkcolor" val="tx"/>
+                    </a:ext>
+                  </a:extLst>
+                </a:hlinkClick>
+              </a:rPr>
+              <a:t>Mapping data portability initiatives, opportunities and challenges (December 2021)</a:t>
+            </a:r>
+            <a:r>
+              <a:rPr lang="fr-FR" sz="2400" b="1" dirty="0">
+                <a:solidFill>
+                  <a:srgbClr val="0070C0"/>
+                </a:solidFill>
+                <a:hlinkClick r:id="rId5">
+                  <a:extLst>
+                    <a:ext uri="{A12FA001-AC4F-418D-AE19-62706E023703}">
+                      <ahyp:hlinkClr xmlns:ahyp="http://schemas.microsoft.com/office/drawing/2018/hyperlinkcolor" val="tx"/>
+                    </a:ext>
+                  </a:extLst>
+                </a:hlinkClick>
+              </a:rPr>
+              <a:t> </a:t>
+            </a:r>
+            <a:endParaRPr lang="fr-FR" sz="2400" b="1" dirty="0">
+              <a:solidFill>
+                <a:srgbClr val="0070C0"/>
+              </a:solidFill>
+            </a:endParaRPr>
+          </a:p>
+          <a:p>
+            <a:pPr marL="0" indent="0">
+              <a:buNone/>
+            </a:pPr>
+            <a:endParaRPr lang="fr-FR" sz="4000" b="1" dirty="0">
+              <a:solidFill>
+                <a:srgbClr val="0070C0"/>
+              </a:solidFill>
+            </a:endParaRPr>
+          </a:p>
+          <a:p>
+            <a:pPr marL="0" indent="0">
+              <a:buNone/>
+            </a:pPr>
+            <a:endParaRPr lang="fr-FR" sz="4000" b="1" dirty="0">
+              <a:solidFill>
+                <a:srgbClr val="0070C0"/>
+              </a:solidFill>
+            </a:endParaRPr>
+          </a:p>
+          <a:p>
+            <a:pPr marL="0" indent="0">
+              <a:buNone/>
+            </a:pPr>
+            <a:endParaRPr lang="fr-FR" sz="4000" b="1" dirty="0">
+              <a:solidFill>
+                <a:srgbClr val="0070C0"/>
+              </a:solidFill>
+            </a:endParaRPr>
           </a:p>
         </p:txBody>
       </p:sp>
     </p:spTree>
     <p:extLst>
       <p:ext uri="{BB962C8B-B14F-4D97-AF65-F5344CB8AC3E}">
-        <p14:creationId xmlns:p14="http://schemas.microsoft.com/office/powerpoint/2010/main" val="91522250"/>
+        <p14:creationId xmlns:p14="http://schemas.microsoft.com/office/powerpoint/2010/main" val="2601050451"/>
       </p:ext>
     </p:extLst>
   </p:cSld>
@@ -19981,7 +18855,7 @@
 </p:sld>
 </file>
 
-<file path=ppt/slides/slide26.xml><?xml version="1.0" encoding="utf-8"?>
+<file path=ppt/slides/slide25.xml><?xml version="1.0" encoding="utf-8"?>
 <p:sld xmlns:a="http://schemas.openxmlformats.org/drawingml/2006/main" xmlns:r="http://schemas.openxmlformats.org/officeDocument/2006/relationships" xmlns:p="http://schemas.openxmlformats.org/presentationml/2006/main">
   <p:cSld>
     <p:spTree>
@@ -20077,7 +18951,7 @@
           <a:p>
             <a:r>
               <a:rPr lang="fr-FR" dirty="0"/>
-              <a:t>Référentiel normes et standards</a:t>
+              <a:t>Annexe : Référentiel normes et standards</a:t>
             </a:r>
           </a:p>
         </p:txBody>
@@ -20151,7 +19025,7 @@
           <a:p>
             <a:fld id="{5023A80A-40FC-4210-9452-7B0942DCA00B}" type="datetime1">
               <a:rPr lang="fr-FR" smtClean="0"/>
-              <a:t>20/01/2022</a:t>
+              <a:t>22/01/2022</a:t>
             </a:fld>
             <a:endParaRPr lang="fr-FR" dirty="0"/>
           </a:p>
@@ -20216,7 +19090,7 @@
             <a:fld id="{A15E53C2-24D8-4AC7-A695-9D161D6D0C6E}" type="slidenum">
               <a:rPr lang="fr-FR" sz="1140"/>
               <a:pPr/>
-              <a:t>26</a:t>
+              <a:t>25</a:t>
             </a:fld>
             <a:endParaRPr lang="fr-FR" sz="1140" dirty="0"/>
           </a:p>
@@ -23087,6 +21961,127 @@
 </p:sld>
 </file>
 
+<file path=ppt/slides/slide26.xml><?xml version="1.0" encoding="utf-8"?>
+<p:sld xmlns:a="http://schemas.openxmlformats.org/drawingml/2006/main" xmlns:r="http://schemas.openxmlformats.org/officeDocument/2006/relationships" xmlns:p="http://schemas.openxmlformats.org/presentationml/2006/main">
+  <p:cSld>
+    <p:spTree>
+      <p:nvGrpSpPr>
+        <p:cNvPr id="1" name=""/>
+        <p:cNvGrpSpPr/>
+        <p:nvPr/>
+      </p:nvGrpSpPr>
+      <p:grpSpPr>
+        <a:xfrm>
+          <a:off x="0" y="0"/>
+          <a:ext cx="0" cy="0"/>
+          <a:chOff x="0" y="0"/>
+          <a:chExt cx="0" cy="0"/>
+        </a:xfrm>
+      </p:grpSpPr>
+      <p:sp>
+        <p:nvSpPr>
+          <p:cNvPr id="4" name="ZoneTexte 3">
+            <a:extLst>
+              <a:ext uri="{FF2B5EF4-FFF2-40B4-BE49-F238E27FC236}">
+                <a16:creationId xmlns:a16="http://schemas.microsoft.com/office/drawing/2014/main" id="{48A454AE-3B66-4B6C-9FF4-3616FDCC8490}"/>
+              </a:ext>
+            </a:extLst>
+          </p:cNvPr>
+          <p:cNvSpPr txBox="1"/>
+          <p:nvPr/>
+        </p:nvSpPr>
+        <p:spPr>
+          <a:xfrm>
+            <a:off x="1201781" y="1106218"/>
+            <a:ext cx="10798630" cy="5632311"/>
+          </a:xfrm>
+          <a:prstGeom prst="rect">
+            <a:avLst/>
+          </a:prstGeom>
+          <a:noFill/>
+        </p:spPr>
+        <p:txBody>
+          <a:bodyPr wrap="square">
+            <a:spAutoFit/>
+          </a:bodyPr>
+          <a:lstStyle/>
+          <a:p>
+            <a:r>
+              <a:rPr lang="en-US" sz="2400" i="1" dirty="0"/>
+              <a:t>“This International Standard defines a conceptual schema for observations, and for features involved in sampling when making observations. These provide models for the exchange of information describing observation acts and their results, both within and between different scientific and technical communities.</a:t>
+            </a:r>
+          </a:p>
+          <a:p>
+            <a:endParaRPr lang="en-US" sz="2400" i="1" dirty="0"/>
+          </a:p>
+          <a:p>
+            <a:r>
+              <a:rPr lang="en-US" sz="2400" i="1" dirty="0"/>
+              <a:t>Observations commonly involve sampling of an ultimate feature-of-interest. This International Standard defines a common set of sampling feature types classified primarily by topological dimension, as well as samples for ex-situ observations. The schema includes relationships between sampling features (subsampling, derived samples).</a:t>
+            </a:r>
+          </a:p>
+          <a:p>
+            <a:endParaRPr lang="en-US" sz="2400" i="1" dirty="0"/>
+          </a:p>
+          <a:p>
+            <a:r>
+              <a:rPr lang="en-US" sz="2400" i="1" dirty="0"/>
+              <a:t>This International Standard concerns only externally visible interfaces and places no restriction on the underlying implementations other than what is needed to satisfy the interface specifications in the actual”.</a:t>
+            </a:r>
+          </a:p>
+        </p:txBody>
+      </p:sp>
+      <p:sp>
+        <p:nvSpPr>
+          <p:cNvPr id="5" name="Titre 5">
+            <a:extLst>
+              <a:ext uri="{FF2B5EF4-FFF2-40B4-BE49-F238E27FC236}">
+                <a16:creationId xmlns:a16="http://schemas.microsoft.com/office/drawing/2014/main" id="{24223BDC-A597-4D76-AA3B-6679DA085F80}"/>
+              </a:ext>
+            </a:extLst>
+          </p:cNvPr>
+          <p:cNvSpPr>
+            <a:spLocks noGrp="1"/>
+          </p:cNvSpPr>
+          <p:nvPr>
+            <p:ph type="title"/>
+          </p:nvPr>
+        </p:nvSpPr>
+        <p:spPr>
+          <a:xfrm>
+            <a:off x="598503" y="54487"/>
+            <a:ext cx="10515600" cy="783275"/>
+          </a:xfrm>
+        </p:spPr>
+        <p:txBody>
+          <a:bodyPr/>
+          <a:lstStyle/>
+          <a:p>
+            <a:r>
+              <a:rPr lang="fr-FR" dirty="0"/>
+              <a:t>Annexe : </a:t>
+            </a:r>
+            <a:r>
+              <a:rPr lang="fr-FR"/>
+              <a:t>Référentiel ISO-19156</a:t>
+            </a:r>
+            <a:endParaRPr lang="fr-FR" dirty="0"/>
+          </a:p>
+        </p:txBody>
+      </p:sp>
+    </p:spTree>
+    <p:extLst>
+      <p:ext uri="{BB962C8B-B14F-4D97-AF65-F5344CB8AC3E}">
+        <p14:creationId xmlns:p14="http://schemas.microsoft.com/office/powerpoint/2010/main" val="1414928890"/>
+      </p:ext>
+    </p:extLst>
+  </p:cSld>
+  <p:clrMapOvr>
+    <a:masterClrMapping/>
+  </p:clrMapOvr>
+</p:sld>
+</file>
+
 <file path=ppt/slides/slide27.xml><?xml version="1.0" encoding="utf-8"?>
 <p:sld xmlns:a="http://schemas.openxmlformats.org/drawingml/2006/main" xmlns:r="http://schemas.openxmlformats.org/officeDocument/2006/relationships" xmlns:p="http://schemas.openxmlformats.org/presentationml/2006/main">
   <p:cSld>
@@ -23170,7 +22165,7 @@
           <a:p>
             <a:fld id="{5023A80A-40FC-4210-9452-7B0942DCA00B}" type="datetime1">
               <a:rPr lang="fr-FR" smtClean="0"/>
-              <a:t>20/01/2022</a:t>
+              <a:t>22/01/2022</a:t>
             </a:fld>
             <a:endParaRPr lang="fr-FR" dirty="0"/>
           </a:p>
@@ -23781,7 +22776,7 @@
             </a:pPr>
             <a:r>
               <a:rPr lang="fr-FR" sz="4400" b="1" dirty="0"/>
-              <a:t>Introduction</a:t>
+              <a:t>Projet</a:t>
             </a:r>
           </a:p>
         </p:txBody>
@@ -23814,7 +22809,7 @@
           <a:p>
             <a:fld id="{5023A80A-40FC-4210-9452-7B0942DCA00B}" type="datetime1">
               <a:rPr lang="fr-FR" smtClean="0"/>
-              <a:t>20/01/2022</a:t>
+              <a:t>22/01/2022</a:t>
             </a:fld>
             <a:endParaRPr lang="fr-FR" dirty="0"/>
           </a:p>
@@ -23888,7 +22883,7 @@
     </p:spTree>
     <p:extLst>
       <p:ext uri="{BB962C8B-B14F-4D97-AF65-F5344CB8AC3E}">
-        <p14:creationId xmlns:p14="http://schemas.microsoft.com/office/powerpoint/2010/main" val="3893579530"/>
+        <p14:creationId xmlns:p14="http://schemas.microsoft.com/office/powerpoint/2010/main" val="1435665520"/>
       </p:ext>
     </p:extLst>
   </p:cSld>
@@ -24515,10 +23510,172 @@
       </p:grpSpPr>
       <p:sp>
         <p:nvSpPr>
+          <p:cNvPr id="5" name="Rectangle : coins arrondis 4">
+            <a:extLst>
+              <a:ext uri="{FF2B5EF4-FFF2-40B4-BE49-F238E27FC236}">
+                <a16:creationId xmlns:a16="http://schemas.microsoft.com/office/drawing/2014/main" id="{B73BD18C-F08F-4654-AEB6-369045527559}"/>
+              </a:ext>
+            </a:extLst>
+          </p:cNvPr>
+          <p:cNvSpPr/>
+          <p:nvPr/>
+        </p:nvSpPr>
+        <p:spPr>
+          <a:xfrm>
+            <a:off x="716218" y="2692489"/>
+            <a:ext cx="7127964" cy="1739974"/>
+          </a:xfrm>
+          <a:prstGeom prst="roundRect">
+            <a:avLst/>
+          </a:prstGeom>
+          <a:solidFill>
+            <a:srgbClr val="A53010">
+              <a:alpha val="12941"/>
+            </a:srgbClr>
+          </a:solidFill>
+          <a:ln>
+            <a:noFill/>
+          </a:ln>
+        </p:spPr>
+        <p:style>
+          <a:lnRef idx="2">
+            <a:schemeClr val="accent1">
+              <a:shade val="50000"/>
+            </a:schemeClr>
+          </a:lnRef>
+          <a:fillRef idx="1">
+            <a:schemeClr val="accent1"/>
+          </a:fillRef>
+          <a:effectRef idx="0">
+            <a:schemeClr val="accent1"/>
+          </a:effectRef>
+          <a:fontRef idx="minor">
+            <a:schemeClr val="lt1"/>
+          </a:fontRef>
+        </p:style>
+        <p:txBody>
+          <a:bodyPr rtlCol="0" anchor="ctr"/>
+          <a:lstStyle/>
+          <a:p>
+            <a:pPr algn="ctr"/>
+            <a:endParaRPr lang="fr-FR" sz="1600"/>
+          </a:p>
+        </p:txBody>
+      </p:sp>
+      <p:sp>
+        <p:nvSpPr>
+          <p:cNvPr id="6" name="Rectangle : coins arrondis 5">
+            <a:extLst>
+              <a:ext uri="{FF2B5EF4-FFF2-40B4-BE49-F238E27FC236}">
+                <a16:creationId xmlns:a16="http://schemas.microsoft.com/office/drawing/2014/main" id="{81EB988C-6386-4D5D-B55D-05ED8F9B566A}"/>
+              </a:ext>
+            </a:extLst>
+          </p:cNvPr>
+          <p:cNvSpPr/>
+          <p:nvPr/>
+        </p:nvSpPr>
+        <p:spPr>
+          <a:xfrm>
+            <a:off x="727160" y="4502131"/>
+            <a:ext cx="7127964" cy="2229394"/>
+          </a:xfrm>
+          <a:prstGeom prst="roundRect">
+            <a:avLst/>
+          </a:prstGeom>
+          <a:solidFill>
+            <a:srgbClr val="A53010">
+              <a:alpha val="12941"/>
+            </a:srgbClr>
+          </a:solidFill>
+          <a:ln>
+            <a:noFill/>
+          </a:ln>
+        </p:spPr>
+        <p:style>
+          <a:lnRef idx="2">
+            <a:schemeClr val="accent1">
+              <a:shade val="50000"/>
+            </a:schemeClr>
+          </a:lnRef>
+          <a:fillRef idx="1">
+            <a:schemeClr val="accent1"/>
+          </a:fillRef>
+          <a:effectRef idx="0">
+            <a:schemeClr val="accent1"/>
+          </a:effectRef>
+          <a:fontRef idx="minor">
+            <a:schemeClr val="lt1"/>
+          </a:fontRef>
+        </p:style>
+        <p:txBody>
+          <a:bodyPr rtlCol="0" anchor="ctr"/>
+          <a:lstStyle/>
+          <a:p>
+            <a:pPr algn="ctr"/>
+            <a:endParaRPr lang="fr-FR" sz="1600" dirty="0"/>
+          </a:p>
+        </p:txBody>
+      </p:sp>
+      <p:sp>
+        <p:nvSpPr>
+          <p:cNvPr id="7" name="Rectangle : coins arrondis 6">
+            <a:extLst>
+              <a:ext uri="{FF2B5EF4-FFF2-40B4-BE49-F238E27FC236}">
+                <a16:creationId xmlns:a16="http://schemas.microsoft.com/office/drawing/2014/main" id="{75D195DA-966F-41CC-8743-79EA809FDC0D}"/>
+              </a:ext>
+            </a:extLst>
+          </p:cNvPr>
+          <p:cNvSpPr/>
+          <p:nvPr/>
+        </p:nvSpPr>
+        <p:spPr>
+          <a:xfrm>
+            <a:off x="8142509" y="1358407"/>
+            <a:ext cx="3923212" cy="2451157"/>
+          </a:xfrm>
+          <a:prstGeom prst="roundRect">
+            <a:avLst/>
+          </a:prstGeom>
+          <a:solidFill>
+            <a:srgbClr val="16A02A">
+              <a:alpha val="50980"/>
+            </a:srgbClr>
+          </a:solidFill>
+          <a:ln>
+            <a:noFill/>
+          </a:ln>
+        </p:spPr>
+        <p:style>
+          <a:lnRef idx="2">
+            <a:schemeClr val="accent1">
+              <a:shade val="50000"/>
+            </a:schemeClr>
+          </a:lnRef>
+          <a:fillRef idx="1">
+            <a:schemeClr val="accent1"/>
+          </a:fillRef>
+          <a:effectRef idx="0">
+            <a:schemeClr val="accent1"/>
+          </a:effectRef>
+          <a:fontRef idx="minor">
+            <a:schemeClr val="lt1"/>
+          </a:fontRef>
+        </p:style>
+        <p:txBody>
+          <a:bodyPr rtlCol="0" anchor="ctr"/>
+          <a:lstStyle/>
+          <a:p>
+            <a:pPr algn="ctr"/>
+            <a:endParaRPr lang="fr-FR"/>
+          </a:p>
+        </p:txBody>
+      </p:sp>
+      <p:sp>
+        <p:nvSpPr>
           <p:cNvPr id="2" name="Titre 1">
             <a:extLst>
               <a:ext uri="{FF2B5EF4-FFF2-40B4-BE49-F238E27FC236}">
-                <a16:creationId xmlns:a16="http://schemas.microsoft.com/office/drawing/2014/main" id="{275ECB47-2D7D-4427-BBD3-9E4A6B909524}"/>
+                <a16:creationId xmlns:a16="http://schemas.microsoft.com/office/drawing/2014/main" id="{3E5F597A-4D07-4317-A541-2BA8F6C98E60}"/>
               </a:ext>
             </a:extLst>
           </p:cNvPr>
@@ -24531,8 +23688,8 @@
         </p:nvSpPr>
         <p:spPr>
           <a:xfrm>
-            <a:off x="434186" y="205860"/>
-            <a:ext cx="8911687" cy="1280890"/>
+            <a:off x="781541" y="136430"/>
+            <a:ext cx="3938505" cy="917307"/>
           </a:xfrm>
         </p:spPr>
         <p:txBody>
@@ -24541,870 +23698,503 @@
           <a:p>
             <a:r>
               <a:rPr lang="fr-FR" dirty="0"/>
-              <a:t>Contexte</a:t>
+              <a:t>Introduction</a:t>
             </a:r>
           </a:p>
         </p:txBody>
       </p:sp>
       <p:sp>
         <p:nvSpPr>
-          <p:cNvPr id="3" name="Espace réservé du contenu 2">
+          <p:cNvPr id="3" name="ZoneTexte 2">
             <a:extLst>
               <a:ext uri="{FF2B5EF4-FFF2-40B4-BE49-F238E27FC236}">
-                <a16:creationId xmlns:a16="http://schemas.microsoft.com/office/drawing/2014/main" id="{91FB79E7-0E84-4291-BBE6-29180B6A0BD2}"/>
+                <a16:creationId xmlns:a16="http://schemas.microsoft.com/office/drawing/2014/main" id="{93311233-8747-4599-8070-FF38C2A1F97B}"/>
               </a:ext>
             </a:extLst>
           </p:cNvPr>
-          <p:cNvSpPr txBox="1">
-            <a:spLocks/>
-          </p:cNvSpPr>
+          <p:cNvSpPr txBox="1"/>
           <p:nvPr/>
         </p:nvSpPr>
         <p:spPr>
           <a:xfrm>
-            <a:off x="1187055" y="999243"/>
-            <a:ext cx="10040268" cy="3987537"/>
+            <a:off x="872973" y="2717191"/>
+            <a:ext cx="6614065" cy="1508105"/>
           </a:xfrm>
           <a:prstGeom prst="rect">
             <a:avLst/>
           </a:prstGeom>
+          <a:noFill/>
         </p:spPr>
         <p:txBody>
-          <a:bodyPr vert="horz" lIns="91440" tIns="45720" rIns="91440" bIns="45720" rtlCol="0">
-            <a:normAutofit fontScale="92500" lnSpcReduction="10000"/>
+          <a:bodyPr wrap="square" rtlCol="0">
+            <a:spAutoFit/>
           </a:bodyPr>
-          <a:lstStyle>
-            <a:lvl1pPr marL="342900" indent="-342900" algn="l" defTabSz="457200" rtl="0" eaLnBrk="1" latinLnBrk="0" hangingPunct="1">
-              <a:spcBef>
-                <a:spcPts val="1000"/>
-              </a:spcBef>
-              <a:spcAft>
-                <a:spcPts val="0"/>
-              </a:spcAft>
-              <a:buClr>
-                <a:schemeClr val="accent1"/>
-              </a:buClr>
-              <a:buFont typeface="Wingdings 3" charset="2"/>
-              <a:buChar char=""/>
-              <a:defRPr sz="1800" kern="1200">
+          <a:lstStyle/>
+          <a:p>
+            <a:r>
+              <a:rPr lang="fr-FR" sz="1600" dirty="0"/>
+              <a:t>Mon casque Bluetooth fonctionne avec tous les équipements audio.</a:t>
+            </a:r>
+          </a:p>
+          <a:p>
+            <a:endParaRPr lang="fr-FR" sz="1200" dirty="0"/>
+          </a:p>
+          <a:p>
+            <a:r>
+              <a:rPr lang="fr-FR" sz="1600" dirty="0">
                 <a:solidFill>
-                  <a:schemeClr val="tx1">
-                    <a:lumMod val="75000"/>
-                    <a:lumOff val="25000"/>
-                  </a:schemeClr>
+                  <a:srgbClr val="C00000"/>
                 </a:solidFill>
-                <a:latin typeface="+mn-lt"/>
-                <a:ea typeface="+mn-ea"/>
-                <a:cs typeface="+mn-cs"/>
-              </a:defRPr>
-            </a:lvl1pPr>
-            <a:lvl2pPr marL="742950" indent="-285750" algn="l" defTabSz="457200" rtl="0" eaLnBrk="1" latinLnBrk="0" hangingPunct="1">
-              <a:spcBef>
-                <a:spcPts val="1000"/>
-              </a:spcBef>
-              <a:spcAft>
-                <a:spcPts val="0"/>
-              </a:spcAft>
-              <a:buClr>
-                <a:schemeClr val="accent1"/>
-              </a:buClr>
-              <a:buFont typeface="Wingdings 3" charset="2"/>
-              <a:buChar char=""/>
-              <a:defRPr sz="1600" kern="1200">
-                <a:solidFill>
-                  <a:schemeClr val="tx1">
-                    <a:lumMod val="75000"/>
-                    <a:lumOff val="25000"/>
-                  </a:schemeClr>
-                </a:solidFill>
-                <a:latin typeface="+mn-lt"/>
-                <a:ea typeface="+mn-ea"/>
-                <a:cs typeface="+mn-cs"/>
-              </a:defRPr>
-            </a:lvl2pPr>
-            <a:lvl3pPr marL="1143000" indent="-228600" algn="l" defTabSz="457200" rtl="0" eaLnBrk="1" latinLnBrk="0" hangingPunct="1">
-              <a:spcBef>
-                <a:spcPts val="1000"/>
-              </a:spcBef>
-              <a:spcAft>
-                <a:spcPts val="0"/>
-              </a:spcAft>
-              <a:buClr>
-                <a:schemeClr val="accent1"/>
-              </a:buClr>
-              <a:buFont typeface="Wingdings 3" charset="2"/>
-              <a:buChar char=""/>
-              <a:defRPr sz="1400" kern="1200">
-                <a:solidFill>
-                  <a:schemeClr val="tx1">
-                    <a:lumMod val="75000"/>
-                    <a:lumOff val="25000"/>
-                  </a:schemeClr>
-                </a:solidFill>
-                <a:latin typeface="+mn-lt"/>
-                <a:ea typeface="+mn-ea"/>
-                <a:cs typeface="+mn-cs"/>
-              </a:defRPr>
-            </a:lvl3pPr>
-            <a:lvl4pPr marL="1600200" indent="-228600" algn="l" defTabSz="457200" rtl="0" eaLnBrk="1" latinLnBrk="0" hangingPunct="1">
-              <a:spcBef>
-                <a:spcPts val="1000"/>
-              </a:spcBef>
-              <a:spcAft>
-                <a:spcPts val="0"/>
-              </a:spcAft>
-              <a:buClr>
-                <a:schemeClr val="accent1"/>
-              </a:buClr>
-              <a:buFont typeface="Wingdings 3" charset="2"/>
-              <a:buChar char=""/>
-              <a:defRPr sz="1200" kern="1200">
-                <a:solidFill>
-                  <a:schemeClr val="tx1">
-                    <a:lumMod val="75000"/>
-                    <a:lumOff val="25000"/>
-                  </a:schemeClr>
-                </a:solidFill>
-                <a:latin typeface="+mn-lt"/>
-                <a:ea typeface="+mn-ea"/>
-                <a:cs typeface="+mn-cs"/>
-              </a:defRPr>
-            </a:lvl4pPr>
-            <a:lvl5pPr marL="2057400" indent="-228600" algn="l" defTabSz="457200" rtl="0" eaLnBrk="1" latinLnBrk="0" hangingPunct="1">
-              <a:spcBef>
-                <a:spcPts val="1000"/>
-              </a:spcBef>
-              <a:spcAft>
-                <a:spcPts val="0"/>
-              </a:spcAft>
-              <a:buClr>
-                <a:schemeClr val="accent1"/>
-              </a:buClr>
-              <a:buFont typeface="Wingdings 3" charset="2"/>
-              <a:buChar char=""/>
-              <a:defRPr sz="1200" kern="1200">
-                <a:solidFill>
-                  <a:schemeClr val="tx1">
-                    <a:lumMod val="75000"/>
-                    <a:lumOff val="25000"/>
-                  </a:schemeClr>
-                </a:solidFill>
-                <a:latin typeface="+mn-lt"/>
-                <a:ea typeface="+mn-ea"/>
-                <a:cs typeface="+mn-cs"/>
-              </a:defRPr>
-            </a:lvl5pPr>
-            <a:lvl6pPr marL="2514600" indent="-228600" algn="l" defTabSz="457200" rtl="0" eaLnBrk="1" latinLnBrk="0" hangingPunct="1">
-              <a:spcBef>
-                <a:spcPts val="1000"/>
-              </a:spcBef>
-              <a:spcAft>
-                <a:spcPts val="0"/>
-              </a:spcAft>
-              <a:buClr>
-                <a:schemeClr val="accent1"/>
-              </a:buClr>
-              <a:buFont typeface="Wingdings 3" charset="2"/>
-              <a:buChar char=""/>
-              <a:defRPr sz="1200" kern="1200">
-                <a:solidFill>
-                  <a:schemeClr val="tx1">
-                    <a:lumMod val="75000"/>
-                    <a:lumOff val="25000"/>
-                  </a:schemeClr>
-                </a:solidFill>
-                <a:latin typeface="+mn-lt"/>
-                <a:ea typeface="+mn-ea"/>
-                <a:cs typeface="+mn-cs"/>
-              </a:defRPr>
-            </a:lvl6pPr>
-            <a:lvl7pPr marL="2971800" indent="-228600" algn="l" defTabSz="457200" rtl="0" eaLnBrk="1" latinLnBrk="0" hangingPunct="1">
-              <a:spcBef>
-                <a:spcPts val="1000"/>
-              </a:spcBef>
-              <a:spcAft>
-                <a:spcPts val="0"/>
-              </a:spcAft>
-              <a:buClr>
-                <a:schemeClr val="accent1"/>
-              </a:buClr>
-              <a:buFont typeface="Wingdings 3" charset="2"/>
-              <a:buChar char=""/>
-              <a:defRPr sz="1200" kern="1200">
-                <a:solidFill>
-                  <a:schemeClr val="tx1">
-                    <a:lumMod val="75000"/>
-                    <a:lumOff val="25000"/>
-                  </a:schemeClr>
-                </a:solidFill>
-                <a:latin typeface="+mn-lt"/>
-                <a:ea typeface="+mn-ea"/>
-                <a:cs typeface="+mn-cs"/>
-              </a:defRPr>
-            </a:lvl7pPr>
-            <a:lvl8pPr marL="3429000" indent="-228600" algn="l" defTabSz="457200" rtl="0" eaLnBrk="1" latinLnBrk="0" hangingPunct="1">
-              <a:spcBef>
-                <a:spcPts val="1000"/>
-              </a:spcBef>
-              <a:spcAft>
-                <a:spcPts val="0"/>
-              </a:spcAft>
-              <a:buClr>
-                <a:schemeClr val="accent1"/>
-              </a:buClr>
-              <a:buFont typeface="Wingdings 3" charset="2"/>
-              <a:buChar char=""/>
-              <a:defRPr sz="1200" kern="1200">
-                <a:solidFill>
-                  <a:schemeClr val="tx1">
-                    <a:lumMod val="75000"/>
-                    <a:lumOff val="25000"/>
-                  </a:schemeClr>
-                </a:solidFill>
-                <a:latin typeface="+mn-lt"/>
-                <a:ea typeface="+mn-ea"/>
-                <a:cs typeface="+mn-cs"/>
-              </a:defRPr>
-            </a:lvl8pPr>
-            <a:lvl9pPr marL="3886200" indent="-228600" algn="l" defTabSz="457200" rtl="0" eaLnBrk="1" latinLnBrk="0" hangingPunct="1">
-              <a:spcBef>
-                <a:spcPts val="1000"/>
-              </a:spcBef>
-              <a:spcAft>
-                <a:spcPts val="0"/>
-              </a:spcAft>
-              <a:buClr>
-                <a:schemeClr val="accent1"/>
-              </a:buClr>
-              <a:buFont typeface="Wingdings 3" charset="2"/>
-              <a:buChar char=""/>
-              <a:defRPr sz="1200" kern="1200">
-                <a:solidFill>
-                  <a:schemeClr val="tx1">
-                    <a:lumMod val="75000"/>
-                    <a:lumOff val="25000"/>
-                  </a:schemeClr>
-                </a:solidFill>
-                <a:latin typeface="+mn-lt"/>
-                <a:ea typeface="+mn-ea"/>
-                <a:cs typeface="+mn-cs"/>
-              </a:defRPr>
-            </a:lvl9pPr>
-          </a:lstStyle>
-          <a:p>
-            <a:r>
-              <a:rPr lang="fr-FR" sz="2400" dirty="0"/>
-              <a:t>Les données environnementales</a:t>
-            </a:r>
-          </a:p>
-          <a:p>
-            <a:pPr lvl="1"/>
-            <a:r>
-              <a:rPr lang="fr-FR" sz="2000" dirty="0"/>
-              <a:t>« par nature ou par destination » (ex données liées à la mobilité)</a:t>
-            </a:r>
-          </a:p>
-          <a:p>
-            <a:pPr lvl="1"/>
-            <a:r>
-              <a:rPr lang="fr-FR" sz="2000" dirty="0"/>
-              <a:t>Qualifiées « d’intérêt général »</a:t>
-            </a:r>
-          </a:p>
-          <a:p>
-            <a:pPr lvl="1"/>
-            <a:r>
-              <a:rPr lang="fr-FR" sz="2000" dirty="0"/>
-              <a:t>Privées ou publiques</a:t>
-            </a:r>
-          </a:p>
-          <a:p>
-            <a:pPr lvl="1"/>
-            <a:r>
-              <a:rPr lang="fr-FR" sz="2000" dirty="0"/>
-              <a:t>Données ouvertes</a:t>
-            </a:r>
-          </a:p>
-          <a:p>
-            <a:pPr marL="457200" lvl="1" indent="0">
-              <a:buNone/>
-            </a:pPr>
-            <a:endParaRPr lang="fr-FR" sz="2000" dirty="0"/>
-          </a:p>
-          <a:p>
-            <a:r>
-              <a:rPr lang="fr-FR" sz="2400" dirty="0"/>
-              <a:t>Interopérabilité des données environnementales</a:t>
-            </a:r>
-          </a:p>
-          <a:p>
-            <a:pPr lvl="1"/>
-            <a:r>
-              <a:rPr lang="fr-FR" sz="2000" dirty="0"/>
-              <a:t>Formats ouverts</a:t>
-            </a:r>
-          </a:p>
-          <a:p>
-            <a:pPr lvl="1"/>
-            <a:r>
-              <a:rPr lang="fr-FR" sz="2000" dirty="0"/>
-              <a:t>Standards de Données</a:t>
-            </a:r>
-          </a:p>
-          <a:p>
-            <a:pPr lvl="1"/>
-            <a:r>
-              <a:rPr lang="fr-FR" sz="2000" dirty="0"/>
-              <a:t>Interface de programmation (API)</a:t>
-            </a:r>
-          </a:p>
-          <a:p>
-            <a:pPr lvl="1"/>
-            <a:endParaRPr lang="fr-FR" sz="2000" dirty="0"/>
-          </a:p>
-          <a:p>
-            <a:pPr lvl="1"/>
-            <a:endParaRPr lang="fr-FR" sz="2000" dirty="0"/>
-          </a:p>
-          <a:p>
-            <a:pPr lvl="1"/>
-            <a:endParaRPr lang="fr-FR" sz="2000" dirty="0"/>
+              </a:rPr>
+              <a:t>Pourquoi alors, les simples capteurs environnementaux ne sont pas consultables avec toutes les applications ?</a:t>
+            </a:r>
+          </a:p>
+          <a:p>
+            <a:endParaRPr lang="fr-FR" sz="1600" dirty="0">
+              <a:solidFill>
+                <a:srgbClr val="C00000"/>
+              </a:solidFill>
+            </a:endParaRPr>
           </a:p>
         </p:txBody>
       </p:sp>
       <p:sp>
         <p:nvSpPr>
-          <p:cNvPr id="5" name="Espace réservé du contenu 2">
+          <p:cNvPr id="4" name="ZoneTexte 3">
             <a:extLst>
               <a:ext uri="{FF2B5EF4-FFF2-40B4-BE49-F238E27FC236}">
-                <a16:creationId xmlns:a16="http://schemas.microsoft.com/office/drawing/2014/main" id="{9CADEECD-E677-47C6-8683-A28AD61BAE16}"/>
+                <a16:creationId xmlns:a16="http://schemas.microsoft.com/office/drawing/2014/main" id="{133F457A-41A3-45EA-99B4-D5BB0007220A}"/>
               </a:ext>
             </a:extLst>
           </p:cNvPr>
-          <p:cNvSpPr txBox="1">
-            <a:spLocks/>
-          </p:cNvSpPr>
+          <p:cNvSpPr txBox="1"/>
           <p:nvPr/>
         </p:nvSpPr>
         <p:spPr>
           <a:xfrm>
-            <a:off x="711172" y="5240608"/>
-            <a:ext cx="10769656" cy="1411532"/>
+            <a:off x="805538" y="4589468"/>
+            <a:ext cx="6984264" cy="1508105"/>
           </a:xfrm>
           <a:prstGeom prst="rect">
             <a:avLst/>
           </a:prstGeom>
+          <a:noFill/>
         </p:spPr>
         <p:txBody>
-          <a:bodyPr vert="horz" lIns="82951" tIns="41475" rIns="82951" bIns="41475" rtlCol="0">
-            <a:normAutofit fontScale="70000" lnSpcReduction="20000"/>
+          <a:bodyPr wrap="square" rtlCol="0">
+            <a:spAutoFit/>
           </a:bodyPr>
-          <a:lstStyle>
-            <a:lvl1pPr marL="251986" indent="-251986" algn="l" defTabSz="1007943" rtl="0" eaLnBrk="1" latinLnBrk="0" hangingPunct="1">
-              <a:lnSpc>
-                <a:spcPct val="90000"/>
-              </a:lnSpc>
-              <a:spcBef>
-                <a:spcPts val="1102"/>
-              </a:spcBef>
-              <a:buFont typeface="Arial" panose="020B0604020202020204" pitchFamily="34" charset="0"/>
-              <a:buChar char="•"/>
-              <a:defRPr sz="3086" kern="1200">
+          <a:lstStyle/>
+          <a:p>
+            <a:r>
+              <a:rPr lang="fr-FR" sz="1600" dirty="0"/>
+              <a:t>Beaucoup de données environnementales sont partagées ou accessibles en open-data.</a:t>
+            </a:r>
+          </a:p>
+          <a:p>
+            <a:endParaRPr lang="fr-FR" sz="1200" dirty="0"/>
+          </a:p>
+          <a:p>
+            <a:r>
+              <a:rPr lang="fr-FR" sz="1600" dirty="0">
                 <a:solidFill>
-                  <a:schemeClr val="tx1"/>
+                  <a:srgbClr val="C00000"/>
                 </a:solidFill>
-                <a:latin typeface="+mn-lt"/>
-                <a:ea typeface="+mn-ea"/>
-                <a:cs typeface="+mn-cs"/>
-              </a:defRPr>
-            </a:lvl1pPr>
-            <a:lvl2pPr marL="755957" indent="-251986" algn="l" defTabSz="1007943" rtl="0" eaLnBrk="1" latinLnBrk="0" hangingPunct="1">
-              <a:lnSpc>
-                <a:spcPct val="90000"/>
-              </a:lnSpc>
-              <a:spcBef>
-                <a:spcPts val="551"/>
-              </a:spcBef>
-              <a:buFont typeface="Arial" panose="020B0604020202020204" pitchFamily="34" charset="0"/>
-              <a:buChar char="•"/>
-              <a:defRPr sz="2646" kern="1200">
+              </a:rPr>
+              <a:t>Pourquoi alors est-ce que je ne peux pas visualiser simplement les données pour la zone et la période qui m’intéressent sur mon application préférée  ? </a:t>
+            </a:r>
+          </a:p>
+        </p:txBody>
+      </p:sp>
+      <p:sp>
+        <p:nvSpPr>
+          <p:cNvPr id="8" name="ZoneTexte 7">
+            <a:extLst>
+              <a:ext uri="{FF2B5EF4-FFF2-40B4-BE49-F238E27FC236}">
+                <a16:creationId xmlns:a16="http://schemas.microsoft.com/office/drawing/2014/main" id="{910E108C-0DDB-45E5-925C-7810080FCCAF}"/>
+              </a:ext>
+            </a:extLst>
+          </p:cNvPr>
+          <p:cNvSpPr txBox="1"/>
+          <p:nvPr/>
+        </p:nvSpPr>
+        <p:spPr>
+          <a:xfrm>
+            <a:off x="8530039" y="1595409"/>
+            <a:ext cx="3248297" cy="2031325"/>
+          </a:xfrm>
+          <a:prstGeom prst="rect">
+            <a:avLst/>
+          </a:prstGeom>
+          <a:noFill/>
+        </p:spPr>
+        <p:txBody>
+          <a:bodyPr wrap="square" rtlCol="0">
+            <a:spAutoFit/>
+          </a:bodyPr>
+          <a:lstStyle/>
+          <a:p>
+            <a:r>
+              <a:rPr lang="fr-FR" dirty="0"/>
+              <a:t>Parce qu’il n’existe pas pour les données environnementales </a:t>
+            </a:r>
+          </a:p>
+          <a:p>
+            <a:pPr marL="285750" indent="-285750">
+              <a:buFontTx/>
+              <a:buChar char="-"/>
+            </a:pPr>
+            <a:r>
+              <a:rPr lang="fr-FR" dirty="0"/>
+              <a:t>de standard simple et applicable</a:t>
+            </a:r>
+          </a:p>
+          <a:p>
+            <a:pPr marL="285750" indent="-285750">
+              <a:buFontTx/>
+              <a:buChar char="-"/>
+            </a:pPr>
+            <a:r>
+              <a:rPr lang="fr-FR" dirty="0"/>
+              <a:t>d’outils open-source pour l’utiliser</a:t>
+            </a:r>
+          </a:p>
+        </p:txBody>
+      </p:sp>
+      <p:sp>
+        <p:nvSpPr>
+          <p:cNvPr id="9" name="Rectangle : coins arrondis 8">
+            <a:extLst>
+              <a:ext uri="{FF2B5EF4-FFF2-40B4-BE49-F238E27FC236}">
+                <a16:creationId xmlns:a16="http://schemas.microsoft.com/office/drawing/2014/main" id="{43D66707-E88F-4C1E-ADE1-208C5F971166}"/>
+              </a:ext>
+            </a:extLst>
+          </p:cNvPr>
+          <p:cNvSpPr/>
+          <p:nvPr/>
+        </p:nvSpPr>
+        <p:spPr>
+          <a:xfrm>
+            <a:off x="8142509" y="4113718"/>
+            <a:ext cx="3923212" cy="1739974"/>
+          </a:xfrm>
+          <a:prstGeom prst="roundRect">
+            <a:avLst/>
+          </a:prstGeom>
+          <a:solidFill>
+            <a:srgbClr val="FF0000">
+              <a:alpha val="50196"/>
+            </a:srgbClr>
+          </a:solidFill>
+          <a:ln>
+            <a:noFill/>
+          </a:ln>
+        </p:spPr>
+        <p:style>
+          <a:lnRef idx="2">
+            <a:schemeClr val="accent1">
+              <a:shade val="50000"/>
+            </a:schemeClr>
+          </a:lnRef>
+          <a:fillRef idx="1">
+            <a:schemeClr val="accent1"/>
+          </a:fillRef>
+          <a:effectRef idx="0">
+            <a:schemeClr val="accent1"/>
+          </a:effectRef>
+          <a:fontRef idx="minor">
+            <a:schemeClr val="lt1"/>
+          </a:fontRef>
+        </p:style>
+        <p:txBody>
+          <a:bodyPr rtlCol="0" anchor="ctr"/>
+          <a:lstStyle/>
+          <a:p>
+            <a:pPr algn="ctr"/>
+            <a:endParaRPr lang="fr-FR"/>
+          </a:p>
+        </p:txBody>
+      </p:sp>
+      <p:sp>
+        <p:nvSpPr>
+          <p:cNvPr id="10" name="ZoneTexte 9">
+            <a:extLst>
+              <a:ext uri="{FF2B5EF4-FFF2-40B4-BE49-F238E27FC236}">
+                <a16:creationId xmlns:a16="http://schemas.microsoft.com/office/drawing/2014/main" id="{2F170E18-8615-4B8F-9FFD-5F0EB9EE5320}"/>
+              </a:ext>
+            </a:extLst>
+          </p:cNvPr>
+          <p:cNvSpPr txBox="1"/>
+          <p:nvPr/>
+        </p:nvSpPr>
+        <p:spPr>
+          <a:xfrm>
+            <a:off x="8530039" y="4203626"/>
+            <a:ext cx="3248297" cy="1477328"/>
+          </a:xfrm>
+          <a:prstGeom prst="rect">
+            <a:avLst/>
+          </a:prstGeom>
+          <a:noFill/>
+        </p:spPr>
+        <p:txBody>
+          <a:bodyPr wrap="square" rtlCol="0">
+            <a:spAutoFit/>
+          </a:bodyPr>
+          <a:lstStyle/>
+          <a:p>
+            <a:r>
+              <a:rPr lang="fr-FR" dirty="0"/>
+              <a:t>Pourtant, c’est un sujet « d’intérêt général » et encadré par un « référentiel ISO » </a:t>
+            </a:r>
+          </a:p>
+          <a:p>
+            <a:r>
+              <a:rPr lang="fr-FR" dirty="0"/>
+              <a:t>(ISO – 19156)</a:t>
+            </a:r>
+          </a:p>
+        </p:txBody>
+      </p:sp>
+      <p:sp>
+        <p:nvSpPr>
+          <p:cNvPr id="11" name="ZoneTexte 10">
+            <a:extLst>
+              <a:ext uri="{FF2B5EF4-FFF2-40B4-BE49-F238E27FC236}">
+                <a16:creationId xmlns:a16="http://schemas.microsoft.com/office/drawing/2014/main" id="{F48EE964-A7FD-4791-B37F-9EAF49C1DC96}"/>
+              </a:ext>
+            </a:extLst>
+          </p:cNvPr>
+          <p:cNvSpPr txBox="1"/>
+          <p:nvPr/>
+        </p:nvSpPr>
+        <p:spPr>
+          <a:xfrm>
+            <a:off x="1447735" y="3951957"/>
+            <a:ext cx="5741530" cy="646331"/>
+          </a:xfrm>
+          <a:prstGeom prst="rect">
+            <a:avLst/>
+          </a:prstGeom>
+          <a:noFill/>
+        </p:spPr>
+        <p:txBody>
+          <a:bodyPr wrap="square" rtlCol="0">
+            <a:spAutoFit/>
+          </a:bodyPr>
+          <a:lstStyle/>
+          <a:p>
+            <a:r>
+              <a:rPr lang="fr-FR" sz="1200" i="1" dirty="0">
                 <a:solidFill>
-                  <a:schemeClr val="tx1"/>
+                  <a:srgbClr val="C00000"/>
                 </a:solidFill>
-                <a:latin typeface="+mn-lt"/>
-                <a:ea typeface="+mn-ea"/>
-                <a:cs typeface="+mn-cs"/>
-              </a:defRPr>
-            </a:lvl2pPr>
-            <a:lvl3pPr marL="1259929" indent="-251986" algn="l" defTabSz="1007943" rtl="0" eaLnBrk="1" latinLnBrk="0" hangingPunct="1">
-              <a:lnSpc>
-                <a:spcPct val="90000"/>
-              </a:lnSpc>
-              <a:spcBef>
-                <a:spcPts val="551"/>
-              </a:spcBef>
-              <a:buFont typeface="Arial" panose="020B0604020202020204" pitchFamily="34" charset="0"/>
-              <a:buChar char="•"/>
-              <a:defRPr sz="2205" kern="1200">
+              </a:rPr>
+              <a:t>Ex1. Pourquoi, avec mon téléphone je ne peux pas consulter le niveau CO2 de la classe ou est installé un capteur CO2 ?</a:t>
+            </a:r>
+          </a:p>
+          <a:p>
+            <a:endParaRPr lang="fr-FR" sz="1200" dirty="0"/>
+          </a:p>
+        </p:txBody>
+      </p:sp>
+      <p:sp>
+        <p:nvSpPr>
+          <p:cNvPr id="12" name="ZoneTexte 11">
+            <a:extLst>
+              <a:ext uri="{FF2B5EF4-FFF2-40B4-BE49-F238E27FC236}">
+                <a16:creationId xmlns:a16="http://schemas.microsoft.com/office/drawing/2014/main" id="{AF9A31C4-D0AA-4520-8703-E5002EC07F52}"/>
+              </a:ext>
+            </a:extLst>
+          </p:cNvPr>
+          <p:cNvSpPr txBox="1"/>
+          <p:nvPr/>
+        </p:nvSpPr>
+        <p:spPr>
+          <a:xfrm>
+            <a:off x="1510927" y="6027003"/>
+            <a:ext cx="5607459" cy="830997"/>
+          </a:xfrm>
+          <a:prstGeom prst="rect">
+            <a:avLst/>
+          </a:prstGeom>
+          <a:noFill/>
+        </p:spPr>
+        <p:txBody>
+          <a:bodyPr wrap="square" rtlCol="0">
+            <a:spAutoFit/>
+          </a:bodyPr>
+          <a:lstStyle/>
+          <a:p>
+            <a:r>
+              <a:rPr lang="fr-FR" sz="1200" i="1" dirty="0">
                 <a:solidFill>
-                  <a:schemeClr val="tx1"/>
+                  <a:srgbClr val="C00000"/>
                 </a:solidFill>
-                <a:latin typeface="+mn-lt"/>
-                <a:ea typeface="+mn-ea"/>
-                <a:cs typeface="+mn-cs"/>
-              </a:defRPr>
-            </a:lvl3pPr>
-            <a:lvl4pPr marL="1763900" indent="-251986" algn="l" defTabSz="1007943" rtl="0" eaLnBrk="1" latinLnBrk="0" hangingPunct="1">
-              <a:lnSpc>
-                <a:spcPct val="90000"/>
-              </a:lnSpc>
-              <a:spcBef>
-                <a:spcPts val="551"/>
-              </a:spcBef>
-              <a:buFont typeface="Arial" panose="020B0604020202020204" pitchFamily="34" charset="0"/>
-              <a:buChar char="•"/>
-              <a:defRPr sz="1984" kern="1200">
+              </a:rPr>
+              <a:t>Ex. Pourquoi, est-ce que je ne peux pas visualiser en même temps, la qualité de l’air, le trafic, la localisation des stations essence de la semaine dernière dans ma ville ? </a:t>
+            </a:r>
+          </a:p>
+          <a:p>
+            <a:endParaRPr lang="fr-FR" sz="1200" dirty="0"/>
+          </a:p>
+        </p:txBody>
+      </p:sp>
+      <p:sp>
+        <p:nvSpPr>
+          <p:cNvPr id="13" name="Rectangle : coins arrondis 12">
+            <a:extLst>
+              <a:ext uri="{FF2B5EF4-FFF2-40B4-BE49-F238E27FC236}">
+                <a16:creationId xmlns:a16="http://schemas.microsoft.com/office/drawing/2014/main" id="{A9B940A9-5328-4E24-91A5-AD3691135174}"/>
+              </a:ext>
+            </a:extLst>
+          </p:cNvPr>
+          <p:cNvSpPr/>
+          <p:nvPr/>
+        </p:nvSpPr>
+        <p:spPr>
+          <a:xfrm>
+            <a:off x="677014" y="859471"/>
+            <a:ext cx="7127964" cy="1739974"/>
+          </a:xfrm>
+          <a:prstGeom prst="roundRect">
+            <a:avLst/>
+          </a:prstGeom>
+          <a:solidFill>
+            <a:srgbClr val="A53010">
+              <a:alpha val="12941"/>
+            </a:srgbClr>
+          </a:solidFill>
+          <a:ln>
+            <a:noFill/>
+          </a:ln>
+        </p:spPr>
+        <p:style>
+          <a:lnRef idx="2">
+            <a:schemeClr val="accent1">
+              <a:shade val="50000"/>
+            </a:schemeClr>
+          </a:lnRef>
+          <a:fillRef idx="1">
+            <a:schemeClr val="accent1"/>
+          </a:fillRef>
+          <a:effectRef idx="0">
+            <a:schemeClr val="accent1"/>
+          </a:effectRef>
+          <a:fontRef idx="minor">
+            <a:schemeClr val="lt1"/>
+          </a:fontRef>
+        </p:style>
+        <p:txBody>
+          <a:bodyPr rtlCol="0" anchor="ctr"/>
+          <a:lstStyle/>
+          <a:p>
+            <a:pPr algn="ctr"/>
+            <a:endParaRPr lang="fr-FR" sz="1600"/>
+          </a:p>
+        </p:txBody>
+      </p:sp>
+      <p:sp>
+        <p:nvSpPr>
+          <p:cNvPr id="14" name="ZoneTexte 13">
+            <a:extLst>
+              <a:ext uri="{FF2B5EF4-FFF2-40B4-BE49-F238E27FC236}">
+                <a16:creationId xmlns:a16="http://schemas.microsoft.com/office/drawing/2014/main" id="{588841E9-A773-453F-A7F0-5FF141FAB095}"/>
+              </a:ext>
+            </a:extLst>
+          </p:cNvPr>
+          <p:cNvSpPr txBox="1"/>
+          <p:nvPr/>
+        </p:nvSpPr>
+        <p:spPr>
+          <a:xfrm>
+            <a:off x="833769" y="884173"/>
+            <a:ext cx="6614065" cy="1508105"/>
+          </a:xfrm>
+          <a:prstGeom prst="rect">
+            <a:avLst/>
+          </a:prstGeom>
+          <a:noFill/>
+        </p:spPr>
+        <p:txBody>
+          <a:bodyPr wrap="square" rtlCol="0">
+            <a:spAutoFit/>
+          </a:bodyPr>
+          <a:lstStyle/>
+          <a:p>
+            <a:r>
+              <a:rPr lang="fr-FR" sz="1600" dirty="0"/>
+              <a:t>Plusieurs applications me communiquent des données environnementales. </a:t>
+            </a:r>
+          </a:p>
+          <a:p>
+            <a:endParaRPr lang="fr-FR" sz="1200" dirty="0"/>
+          </a:p>
+          <a:p>
+            <a:r>
+              <a:rPr lang="fr-FR" sz="1600" dirty="0">
                 <a:solidFill>
-                  <a:schemeClr val="tx1"/>
+                  <a:srgbClr val="C00000"/>
                 </a:solidFill>
-                <a:latin typeface="+mn-lt"/>
-                <a:ea typeface="+mn-ea"/>
-                <a:cs typeface="+mn-cs"/>
-              </a:defRPr>
-            </a:lvl4pPr>
-            <a:lvl5pPr marL="2267872" indent="-251986" algn="l" defTabSz="1007943" rtl="0" eaLnBrk="1" latinLnBrk="0" hangingPunct="1">
-              <a:lnSpc>
-                <a:spcPct val="90000"/>
-              </a:lnSpc>
-              <a:spcBef>
-                <a:spcPts val="551"/>
-              </a:spcBef>
-              <a:buFont typeface="Arial" panose="020B0604020202020204" pitchFamily="34" charset="0"/>
-              <a:buChar char="•"/>
-              <a:defRPr sz="1984" kern="1200">
-                <a:solidFill>
-                  <a:schemeClr val="tx1"/>
-                </a:solidFill>
-                <a:latin typeface="+mn-lt"/>
-                <a:ea typeface="+mn-ea"/>
-                <a:cs typeface="+mn-cs"/>
-              </a:defRPr>
-            </a:lvl5pPr>
-            <a:lvl6pPr marL="2771844" indent="-251986" algn="l" defTabSz="1007943" rtl="0" eaLnBrk="1" latinLnBrk="0" hangingPunct="1">
-              <a:lnSpc>
-                <a:spcPct val="90000"/>
-              </a:lnSpc>
-              <a:spcBef>
-                <a:spcPts val="551"/>
-              </a:spcBef>
-              <a:buFont typeface="Arial" panose="020B0604020202020204" pitchFamily="34" charset="0"/>
-              <a:buChar char="•"/>
-              <a:defRPr sz="1984" kern="1200">
-                <a:solidFill>
-                  <a:schemeClr val="tx1"/>
-                </a:solidFill>
-                <a:latin typeface="+mn-lt"/>
-                <a:ea typeface="+mn-ea"/>
-                <a:cs typeface="+mn-cs"/>
-              </a:defRPr>
-            </a:lvl6pPr>
-            <a:lvl7pPr marL="3275815" indent="-251986" algn="l" defTabSz="1007943" rtl="0" eaLnBrk="1" latinLnBrk="0" hangingPunct="1">
-              <a:lnSpc>
-                <a:spcPct val="90000"/>
-              </a:lnSpc>
-              <a:spcBef>
-                <a:spcPts val="551"/>
-              </a:spcBef>
-              <a:buFont typeface="Arial" panose="020B0604020202020204" pitchFamily="34" charset="0"/>
-              <a:buChar char="•"/>
-              <a:defRPr sz="1984" kern="1200">
-                <a:solidFill>
-                  <a:schemeClr val="tx1"/>
-                </a:solidFill>
-                <a:latin typeface="+mn-lt"/>
-                <a:ea typeface="+mn-ea"/>
-                <a:cs typeface="+mn-cs"/>
-              </a:defRPr>
-            </a:lvl7pPr>
-            <a:lvl8pPr marL="3779787" indent="-251986" algn="l" defTabSz="1007943" rtl="0" eaLnBrk="1" latinLnBrk="0" hangingPunct="1">
-              <a:lnSpc>
-                <a:spcPct val="90000"/>
-              </a:lnSpc>
-              <a:spcBef>
-                <a:spcPts val="551"/>
-              </a:spcBef>
-              <a:buFont typeface="Arial" panose="020B0604020202020204" pitchFamily="34" charset="0"/>
-              <a:buChar char="•"/>
-              <a:defRPr sz="1984" kern="1200">
-                <a:solidFill>
-                  <a:schemeClr val="tx1"/>
-                </a:solidFill>
-                <a:latin typeface="+mn-lt"/>
-                <a:ea typeface="+mn-ea"/>
-                <a:cs typeface="+mn-cs"/>
-              </a:defRPr>
-            </a:lvl8pPr>
-            <a:lvl9pPr marL="4283758" indent="-251986" algn="l" defTabSz="1007943" rtl="0" eaLnBrk="1" latinLnBrk="0" hangingPunct="1">
-              <a:lnSpc>
-                <a:spcPct val="90000"/>
-              </a:lnSpc>
-              <a:spcBef>
-                <a:spcPts val="551"/>
-              </a:spcBef>
-              <a:buFont typeface="Arial" panose="020B0604020202020204" pitchFamily="34" charset="0"/>
-              <a:buChar char="•"/>
-              <a:defRPr sz="1984" kern="1200">
-                <a:solidFill>
-                  <a:schemeClr val="tx1"/>
-                </a:solidFill>
-                <a:latin typeface="+mn-lt"/>
-                <a:ea typeface="+mn-ea"/>
-                <a:cs typeface="+mn-cs"/>
-              </a:defRPr>
-            </a:lvl9pPr>
-          </a:lstStyle>
-          <a:p>
-            <a:pPr>
-              <a:buFont typeface="Wingdings" panose="05000000000000000000" pitchFamily="2" charset="2"/>
-              <a:buChar char="§"/>
-            </a:pPr>
-            <a:r>
-              <a:rPr lang="fr-FR" sz="2400" b="1" dirty="0">
-                <a:solidFill>
-                  <a:srgbClr val="0070C0"/>
-                </a:solidFill>
-                <a:hlinkClick r:id="rId2">
-                  <a:extLst>
-                    <a:ext uri="{A12FA001-AC4F-418D-AE19-62706E023703}">
-                      <ahyp:hlinkClr xmlns:ahyp="http://schemas.microsoft.com/office/drawing/2018/hyperlinkcolor" val="tx"/>
-                    </a:ext>
-                  </a:extLst>
-                </a:hlinkClick>
               </a:rPr>
-              <a:t>Faire des données environnementales des données d’intérêt général (rapport </a:t>
-            </a:r>
-            <a:r>
-              <a:rPr lang="fr-FR" sz="2400" b="1" dirty="0" err="1">
-                <a:solidFill>
-                  <a:srgbClr val="0070C0"/>
-                </a:solidFill>
-                <a:hlinkClick r:id="rId2">
-                  <a:extLst>
-                    <a:ext uri="{A12FA001-AC4F-418D-AE19-62706E023703}">
-                      <ahyp:hlinkClr xmlns:ahyp="http://schemas.microsoft.com/office/drawing/2018/hyperlinkcolor" val="tx"/>
-                    </a:ext>
-                  </a:extLst>
-                </a:hlinkClick>
-              </a:rPr>
-              <a:t>CNNum</a:t>
-            </a:r>
-            <a:r>
-              <a:rPr lang="fr-FR" sz="2400" b="1" dirty="0">
-                <a:solidFill>
-                  <a:srgbClr val="0070C0"/>
-                </a:solidFill>
-                <a:hlinkClick r:id="rId2">
-                  <a:extLst>
-                    <a:ext uri="{A12FA001-AC4F-418D-AE19-62706E023703}">
-                      <ahyp:hlinkClr xmlns:ahyp="http://schemas.microsoft.com/office/drawing/2018/hyperlinkcolor" val="tx"/>
-                    </a:ext>
-                  </a:extLst>
-                </a:hlinkClick>
-              </a:rPr>
-              <a:t> juillet 2020)</a:t>
-            </a:r>
-            <a:endParaRPr lang="fr-FR" sz="2400" b="1" u="sng" dirty="0">
+              <a:t>Pourquoi alors, aucune ne me donne celles auxquelles je suis réellement confrontées ?</a:t>
+            </a:r>
+          </a:p>
+          <a:p>
+            <a:endParaRPr lang="fr-FR" sz="1600" dirty="0">
               <a:solidFill>
-                <a:srgbClr val="0070C0"/>
-              </a:solidFill>
-              <a:hlinkClick r:id="rId3">
-                <a:extLst>
-                  <a:ext uri="{A12FA001-AC4F-418D-AE19-62706E023703}">
-                    <ahyp:hlinkClr xmlns:ahyp="http://schemas.microsoft.com/office/drawing/2018/hyperlinkcolor" val="tx"/>
-                  </a:ext>
-                </a:extLst>
-              </a:hlinkClick>
-            </a:endParaRPr>
-          </a:p>
-          <a:p>
-            <a:pPr lvl="0">
-              <a:buFont typeface="Wingdings" panose="05000000000000000000" pitchFamily="2" charset="2"/>
-              <a:buChar char="§"/>
-            </a:pPr>
-            <a:r>
-              <a:rPr lang="fr-FR" sz="2400" b="1" u="sng" dirty="0">
-                <a:solidFill>
-                  <a:srgbClr val="0070C0"/>
-                </a:solidFill>
-                <a:hlinkClick r:id="rId3">
-                  <a:extLst>
-                    <a:ext uri="{A12FA001-AC4F-418D-AE19-62706E023703}">
-                      <ahyp:hlinkClr xmlns:ahyp="http://schemas.microsoft.com/office/drawing/2018/hyperlinkcolor" val="tx"/>
-                    </a:ext>
-                  </a:extLst>
-                </a:hlinkClick>
-              </a:rPr>
-              <a:t>Pour une politique publique de la donnée (rapport Bothorel décembre 2020)</a:t>
-            </a:r>
-            <a:endParaRPr lang="fr-FR" sz="2400" b="1" dirty="0">
-              <a:solidFill>
-                <a:srgbClr val="0070C0"/>
+                <a:srgbClr val="C00000"/>
               </a:solidFill>
             </a:endParaRPr>
           </a:p>
-          <a:p>
-            <a:pPr lvl="0">
-              <a:buFont typeface="Wingdings" panose="05000000000000000000" pitchFamily="2" charset="2"/>
-              <a:buChar char="§"/>
-            </a:pPr>
-            <a:r>
-              <a:rPr lang="fr-FR" sz="2400" b="1" dirty="0" err="1">
+        </p:txBody>
+      </p:sp>
+      <p:sp>
+        <p:nvSpPr>
+          <p:cNvPr id="15" name="ZoneTexte 14">
+            <a:extLst>
+              <a:ext uri="{FF2B5EF4-FFF2-40B4-BE49-F238E27FC236}">
+                <a16:creationId xmlns:a16="http://schemas.microsoft.com/office/drawing/2014/main" id="{D0BD4AC9-DE21-4A6D-B466-1501D958019B}"/>
+              </a:ext>
+            </a:extLst>
+          </p:cNvPr>
+          <p:cNvSpPr txBox="1"/>
+          <p:nvPr/>
+        </p:nvSpPr>
+        <p:spPr>
+          <a:xfrm>
+            <a:off x="1408531" y="2118939"/>
+            <a:ext cx="5741530" cy="646331"/>
+          </a:xfrm>
+          <a:prstGeom prst="rect">
+            <a:avLst/>
+          </a:prstGeom>
+          <a:noFill/>
+        </p:spPr>
+        <p:txBody>
+          <a:bodyPr wrap="square" rtlCol="0">
+            <a:spAutoFit/>
+          </a:bodyPr>
+          <a:lstStyle/>
+          <a:p>
+            <a:r>
+              <a:rPr lang="fr-FR" sz="1200" i="1" dirty="0">
                 <a:solidFill>
-                  <a:srgbClr val="0070C0"/>
+                  <a:srgbClr val="C00000"/>
                 </a:solidFill>
-                <a:hlinkClick r:id="rId4">
-                  <a:extLst>
-                    <a:ext uri="{A12FA001-AC4F-418D-AE19-62706E023703}">
-                      <ahyp:hlinkClr xmlns:ahyp="http://schemas.microsoft.com/office/drawing/2018/hyperlinkcolor" val="tx"/>
-                    </a:ext>
-                  </a:extLst>
-                </a:hlinkClick>
               </a:rPr>
-              <a:t>Proposal</a:t>
-            </a:r>
-            <a:r>
-              <a:rPr lang="fr-FR" sz="2400" b="1" dirty="0">
-                <a:solidFill>
-                  <a:srgbClr val="0070C0"/>
-                </a:solidFill>
-                <a:hlinkClick r:id="rId4">
-                  <a:extLst>
-                    <a:ext uri="{A12FA001-AC4F-418D-AE19-62706E023703}">
-                      <ahyp:hlinkClr xmlns:ahyp="http://schemas.microsoft.com/office/drawing/2018/hyperlinkcolor" val="tx"/>
-                    </a:ext>
-                  </a:extLst>
-                </a:hlinkClick>
-              </a:rPr>
-              <a:t> for a </a:t>
-            </a:r>
-            <a:r>
-              <a:rPr lang="fr-FR" sz="2400" b="1" dirty="0" err="1">
-                <a:solidFill>
-                  <a:srgbClr val="0070C0"/>
-                </a:solidFill>
-                <a:hlinkClick r:id="rId4">
-                  <a:extLst>
-                    <a:ext uri="{A12FA001-AC4F-418D-AE19-62706E023703}">
-                      <ahyp:hlinkClr xmlns:ahyp="http://schemas.microsoft.com/office/drawing/2018/hyperlinkcolor" val="tx"/>
-                    </a:ext>
-                  </a:extLst>
-                </a:hlinkClick>
-              </a:rPr>
-              <a:t>European</a:t>
-            </a:r>
-            <a:r>
-              <a:rPr lang="fr-FR" sz="2400" b="1" dirty="0">
-                <a:solidFill>
-                  <a:srgbClr val="0070C0"/>
-                </a:solidFill>
-                <a:hlinkClick r:id="rId4">
-                  <a:extLst>
-                    <a:ext uri="{A12FA001-AC4F-418D-AE19-62706E023703}">
-                      <ahyp:hlinkClr xmlns:ahyp="http://schemas.microsoft.com/office/drawing/2018/hyperlinkcolor" val="tx"/>
-                    </a:ext>
-                  </a:extLst>
-                </a:hlinkClick>
-              </a:rPr>
-              <a:t> </a:t>
-            </a:r>
-            <a:r>
-              <a:rPr lang="fr-FR" sz="2400" b="1" dirty="0" err="1">
-                <a:solidFill>
-                  <a:srgbClr val="0070C0"/>
-                </a:solidFill>
-                <a:hlinkClick r:id="rId4">
-                  <a:extLst>
-                    <a:ext uri="{A12FA001-AC4F-418D-AE19-62706E023703}">
-                      <ahyp:hlinkClr xmlns:ahyp="http://schemas.microsoft.com/office/drawing/2018/hyperlinkcolor" val="tx"/>
-                    </a:ext>
-                  </a:extLst>
-                </a:hlinkClick>
-              </a:rPr>
-              <a:t>Interoperability</a:t>
-            </a:r>
-            <a:r>
-              <a:rPr lang="fr-FR" sz="2400" b="1" dirty="0">
-                <a:solidFill>
-                  <a:srgbClr val="0070C0"/>
-                </a:solidFill>
-                <a:hlinkClick r:id="rId4">
-                  <a:extLst>
-                    <a:ext uri="{A12FA001-AC4F-418D-AE19-62706E023703}">
-                      <ahyp:hlinkClr xmlns:ahyp="http://schemas.microsoft.com/office/drawing/2018/hyperlinkcolor" val="tx"/>
-                    </a:ext>
-                  </a:extLst>
-                </a:hlinkClick>
-              </a:rPr>
-              <a:t> Framework for Smart Cities and </a:t>
-            </a:r>
-            <a:r>
-              <a:rPr lang="fr-FR" sz="2400" b="1" dirty="0" err="1">
-                <a:solidFill>
-                  <a:srgbClr val="0070C0"/>
-                </a:solidFill>
-                <a:hlinkClick r:id="rId4">
-                  <a:extLst>
-                    <a:ext uri="{A12FA001-AC4F-418D-AE19-62706E023703}">
-                      <ahyp:hlinkClr xmlns:ahyp="http://schemas.microsoft.com/office/drawing/2018/hyperlinkcolor" val="tx"/>
-                    </a:ext>
-                  </a:extLst>
-                </a:hlinkClick>
-              </a:rPr>
-              <a:t>Communities</a:t>
-            </a:r>
-            <a:r>
-              <a:rPr lang="fr-FR" sz="2400" b="1" dirty="0">
-                <a:solidFill>
-                  <a:srgbClr val="0070C0"/>
-                </a:solidFill>
-                <a:hlinkClick r:id="rId4">
-                  <a:extLst>
-                    <a:ext uri="{A12FA001-AC4F-418D-AE19-62706E023703}">
-                      <ahyp:hlinkClr xmlns:ahyp="http://schemas.microsoft.com/office/drawing/2018/hyperlinkcolor" val="tx"/>
-                    </a:ext>
-                  </a:extLst>
-                </a:hlinkClick>
-              </a:rPr>
-              <a:t> (</a:t>
-            </a:r>
-            <a:r>
-              <a:rPr lang="fr-FR" sz="2400" b="1" dirty="0" err="1">
-                <a:solidFill>
-                  <a:srgbClr val="0070C0"/>
-                </a:solidFill>
-                <a:hlinkClick r:id="rId4">
-                  <a:extLst>
-                    <a:ext uri="{A12FA001-AC4F-418D-AE19-62706E023703}">
-                      <ahyp:hlinkClr xmlns:ahyp="http://schemas.microsoft.com/office/drawing/2018/hyperlinkcolor" val="tx"/>
-                    </a:ext>
-                  </a:extLst>
-                </a:hlinkClick>
-              </a:rPr>
-              <a:t>may</a:t>
-            </a:r>
-            <a:r>
-              <a:rPr lang="fr-FR" sz="2400" b="1" dirty="0">
-                <a:solidFill>
-                  <a:srgbClr val="0070C0"/>
-                </a:solidFill>
-                <a:hlinkClick r:id="rId4">
-                  <a:extLst>
-                    <a:ext uri="{A12FA001-AC4F-418D-AE19-62706E023703}">
-                      <ahyp:hlinkClr xmlns:ahyp="http://schemas.microsoft.com/office/drawing/2018/hyperlinkcolor" val="tx"/>
-                    </a:ext>
-                  </a:extLst>
-                </a:hlinkClick>
-              </a:rPr>
-              <a:t> 2021)</a:t>
-            </a:r>
-            <a:endParaRPr lang="fr-FR" sz="2400" b="1" dirty="0">
-              <a:solidFill>
-                <a:srgbClr val="0070C0"/>
-              </a:solidFill>
-            </a:endParaRPr>
-          </a:p>
-          <a:p>
-            <a:pPr lvl="0">
-              <a:buFont typeface="Wingdings" panose="05000000000000000000" pitchFamily="2" charset="2"/>
-              <a:buChar char="§"/>
-            </a:pPr>
-            <a:r>
-              <a:rPr lang="fr-FR" sz="2400" b="1" dirty="0">
-                <a:solidFill>
-                  <a:srgbClr val="0070C0"/>
-                </a:solidFill>
-                <a:hlinkClick r:id="rId5">
-                  <a:extLst>
-                    <a:ext uri="{A12FA001-AC4F-418D-AE19-62706E023703}">
-                      <ahyp:hlinkClr xmlns:ahyp="http://schemas.microsoft.com/office/drawing/2018/hyperlinkcolor" val="tx"/>
-                    </a:ext>
-                  </a:extLst>
-                </a:hlinkClick>
-              </a:rPr>
-              <a:t>OECD </a:t>
-            </a:r>
-            <a:r>
-              <a:rPr lang="en-US" sz="2400" b="1" dirty="0">
-                <a:solidFill>
-                  <a:srgbClr val="0070C0"/>
-                </a:solidFill>
-                <a:hlinkClick r:id="rId5">
-                  <a:extLst>
-                    <a:ext uri="{A12FA001-AC4F-418D-AE19-62706E023703}">
-                      <ahyp:hlinkClr xmlns:ahyp="http://schemas.microsoft.com/office/drawing/2018/hyperlinkcolor" val="tx"/>
-                    </a:ext>
-                  </a:extLst>
-                </a:hlinkClick>
-              </a:rPr>
-              <a:t>Mapping data portability initiatives, opportunities and challenges (December 2021)</a:t>
-            </a:r>
-            <a:r>
-              <a:rPr lang="fr-FR" sz="2400" b="1" dirty="0">
-                <a:solidFill>
-                  <a:srgbClr val="0070C0"/>
-                </a:solidFill>
-                <a:hlinkClick r:id="rId5">
-                  <a:extLst>
-                    <a:ext uri="{A12FA001-AC4F-418D-AE19-62706E023703}">
-                      <ahyp:hlinkClr xmlns:ahyp="http://schemas.microsoft.com/office/drawing/2018/hyperlinkcolor" val="tx"/>
-                    </a:ext>
-                  </a:extLst>
-                </a:hlinkClick>
-              </a:rPr>
-              <a:t> </a:t>
-            </a:r>
-            <a:endParaRPr lang="fr-FR" sz="2400" b="1" dirty="0">
-              <a:solidFill>
-                <a:srgbClr val="0070C0"/>
-              </a:solidFill>
-            </a:endParaRPr>
-          </a:p>
-          <a:p>
-            <a:pPr marL="0" indent="0">
-              <a:buNone/>
-            </a:pPr>
-            <a:endParaRPr lang="fr-FR" sz="4000" b="1" dirty="0">
-              <a:solidFill>
-                <a:srgbClr val="0070C0"/>
-              </a:solidFill>
-            </a:endParaRPr>
-          </a:p>
-          <a:p>
-            <a:pPr marL="0" indent="0">
-              <a:buNone/>
-            </a:pPr>
-            <a:endParaRPr lang="fr-FR" sz="4000" b="1" dirty="0">
-              <a:solidFill>
-                <a:srgbClr val="0070C0"/>
-              </a:solidFill>
-            </a:endParaRPr>
-          </a:p>
-          <a:p>
-            <a:pPr marL="0" indent="0">
-              <a:buNone/>
-            </a:pPr>
-            <a:endParaRPr lang="fr-FR" sz="4000" b="1" dirty="0">
-              <a:solidFill>
-                <a:srgbClr val="0070C0"/>
-              </a:solidFill>
-            </a:endParaRPr>
+              <a:t>Ex1. Pourquoi, est-ce que je ne peux pas consulter la « dose » de polluants que j’ai respirés aujourd’hui au cours de mes différentes activités ?</a:t>
+            </a:r>
+          </a:p>
+          <a:p>
+            <a:endParaRPr lang="fr-FR" sz="1200" dirty="0"/>
           </a:p>
         </p:txBody>
       </p:sp>
     </p:spTree>
     <p:extLst>
       <p:ext uri="{BB962C8B-B14F-4D97-AF65-F5344CB8AC3E}">
-        <p14:creationId xmlns:p14="http://schemas.microsoft.com/office/powerpoint/2010/main" val="2601050451"/>
+        <p14:creationId xmlns:p14="http://schemas.microsoft.com/office/powerpoint/2010/main" val="2500037626"/>
       </p:ext>
     </p:extLst>
   </p:cSld>
@@ -25415,173 +24205,6 @@
 </file>
 
 <file path=ppt/slides/slide5.xml><?xml version="1.0" encoding="utf-8"?>
-<p:sld xmlns:a="http://schemas.openxmlformats.org/drawingml/2006/main" xmlns:r="http://schemas.openxmlformats.org/officeDocument/2006/relationships" xmlns:p="http://schemas.openxmlformats.org/presentationml/2006/main">
-  <p:cSld>
-    <p:spTree>
-      <p:nvGrpSpPr>
-        <p:cNvPr id="1" name=""/>
-        <p:cNvGrpSpPr/>
-        <p:nvPr/>
-      </p:nvGrpSpPr>
-      <p:grpSpPr>
-        <a:xfrm>
-          <a:off x="0" y="0"/>
-          <a:ext cx="0" cy="0"/>
-          <a:chOff x="0" y="0"/>
-          <a:chExt cx="0" cy="0"/>
-        </a:xfrm>
-      </p:grpSpPr>
-      <p:sp>
-        <p:nvSpPr>
-          <p:cNvPr id="13" name="Espace réservé du contenu 12">
-            <a:extLst>
-              <a:ext uri="{FF2B5EF4-FFF2-40B4-BE49-F238E27FC236}">
-                <a16:creationId xmlns:a16="http://schemas.microsoft.com/office/drawing/2014/main" id="{423A7093-E76B-4D29-A59E-5FB662695568}"/>
-              </a:ext>
-            </a:extLst>
-          </p:cNvPr>
-          <p:cNvSpPr>
-            <a:spLocks noGrp="1"/>
-          </p:cNvSpPr>
-          <p:nvPr>
-            <p:ph idx="4294967295"/>
-          </p:nvPr>
-        </p:nvSpPr>
-        <p:spPr>
-          <a:xfrm>
-            <a:off x="678905" y="2504783"/>
-            <a:ext cx="10755267" cy="4518372"/>
-          </a:xfrm>
-        </p:spPr>
-        <p:txBody>
-          <a:bodyPr>
-            <a:normAutofit/>
-          </a:bodyPr>
-          <a:lstStyle/>
-          <a:p>
-            <a:pPr marL="0" indent="0">
-              <a:buNone/>
-            </a:pPr>
-            <a:r>
-              <a:rPr lang="fr-FR" sz="4400" b="1" dirty="0"/>
-              <a:t>Projet</a:t>
-            </a:r>
-          </a:p>
-        </p:txBody>
-      </p:sp>
-      <p:sp>
-        <p:nvSpPr>
-          <p:cNvPr id="3" name="Espace réservé de la date 2">
-            <a:extLst>
-              <a:ext uri="{FF2B5EF4-FFF2-40B4-BE49-F238E27FC236}">
-                <a16:creationId xmlns:a16="http://schemas.microsoft.com/office/drawing/2014/main" id="{7ECD9F17-EC3F-48F2-AA4E-5EB02661C7AE}"/>
-              </a:ext>
-            </a:extLst>
-          </p:cNvPr>
-          <p:cNvSpPr>
-            <a:spLocks noGrp="1"/>
-          </p:cNvSpPr>
-          <p:nvPr>
-            <p:ph type="dt" sz="half" idx="4294967295"/>
-          </p:nvPr>
-        </p:nvSpPr>
-        <p:spPr>
-          <a:xfrm>
-            <a:off x="838201" y="6356274"/>
-            <a:ext cx="2743200" cy="365116"/>
-          </a:xfrm>
-        </p:spPr>
-        <p:txBody>
-          <a:bodyPr/>
-          <a:lstStyle/>
-          <a:p>
-            <a:fld id="{5023A80A-40FC-4210-9452-7B0942DCA00B}" type="datetime1">
-              <a:rPr lang="fr-FR" smtClean="0"/>
-              <a:t>20/01/2022</a:t>
-            </a:fld>
-            <a:endParaRPr lang="fr-FR" dirty="0"/>
-          </a:p>
-        </p:txBody>
-      </p:sp>
-      <p:sp>
-        <p:nvSpPr>
-          <p:cNvPr id="4" name="Espace réservé du pied de page 3">
-            <a:extLst>
-              <a:ext uri="{FF2B5EF4-FFF2-40B4-BE49-F238E27FC236}">
-                <a16:creationId xmlns:a16="http://schemas.microsoft.com/office/drawing/2014/main" id="{B86D65C0-7073-46CE-9C42-F218DFDC8707}"/>
-              </a:ext>
-            </a:extLst>
-          </p:cNvPr>
-          <p:cNvSpPr>
-            <a:spLocks noGrp="1"/>
-          </p:cNvSpPr>
-          <p:nvPr>
-            <p:ph type="ftr" sz="quarter" idx="4294967295"/>
-          </p:nvPr>
-        </p:nvSpPr>
-        <p:spPr>
-          <a:xfrm>
-            <a:off x="4038601" y="6356274"/>
-            <a:ext cx="4114800" cy="365116"/>
-          </a:xfrm>
-        </p:spPr>
-        <p:txBody>
-          <a:bodyPr/>
-          <a:lstStyle/>
-          <a:p>
-            <a:endParaRPr lang="fr-FR"/>
-          </a:p>
-        </p:txBody>
-      </p:sp>
-      <p:sp>
-        <p:nvSpPr>
-          <p:cNvPr id="5" name="Espace réservé du numéro de diapositive 4">
-            <a:extLst>
-              <a:ext uri="{FF2B5EF4-FFF2-40B4-BE49-F238E27FC236}">
-                <a16:creationId xmlns:a16="http://schemas.microsoft.com/office/drawing/2014/main" id="{65F645CD-FD01-4959-AC3F-F6A91E9FCBFC}"/>
-              </a:ext>
-            </a:extLst>
-          </p:cNvPr>
-          <p:cNvSpPr>
-            <a:spLocks noGrp="1"/>
-          </p:cNvSpPr>
-          <p:nvPr>
-            <p:ph type="sldNum" sz="quarter" idx="4294967295"/>
-          </p:nvPr>
-        </p:nvSpPr>
-        <p:spPr>
-          <a:xfrm>
-            <a:off x="8610601" y="6356274"/>
-            <a:ext cx="2743200" cy="365116"/>
-          </a:xfrm>
-        </p:spPr>
-        <p:txBody>
-          <a:bodyPr/>
-          <a:lstStyle/>
-          <a:p>
-            <a:fld id="{A15E53C2-24D8-4AC7-A695-9D161D6D0C6E}" type="slidenum">
-              <a:rPr lang="fr-FR" smtClean="0"/>
-              <a:pPr/>
-              <a:t>5</a:t>
-            </a:fld>
-            <a:endParaRPr lang="fr-FR" dirty="0"/>
-          </a:p>
-        </p:txBody>
-      </p:sp>
-    </p:spTree>
-    <p:extLst>
-      <p:ext uri="{BB962C8B-B14F-4D97-AF65-F5344CB8AC3E}">
-        <p14:creationId xmlns:p14="http://schemas.microsoft.com/office/powerpoint/2010/main" val="1435665520"/>
-      </p:ext>
-    </p:extLst>
-  </p:cSld>
-  <p:clrMapOvr>
-    <a:masterClrMapping/>
-  </p:clrMapOvr>
-</p:sld>
-</file>
-
-<file path=ppt/slides/slide6.xml><?xml version="1.0" encoding="utf-8"?>
 <p:sld xmlns:a="http://schemas.openxmlformats.org/drawingml/2006/main" xmlns:r="http://schemas.openxmlformats.org/officeDocument/2006/relationships" xmlns:p="http://schemas.openxmlformats.org/presentationml/2006/main">
   <p:cSld>
     <p:spTree>
@@ -31145,7 +29768,7 @@
 </p:sld>
 </file>
 
-<file path=ppt/slides/slide7.xml><?xml version="1.0" encoding="utf-8"?>
+<file path=ppt/slides/slide6.xml><?xml version="1.0" encoding="utf-8"?>
 <p:sld xmlns:a="http://schemas.openxmlformats.org/drawingml/2006/main" xmlns:r="http://schemas.openxmlformats.org/officeDocument/2006/relationships" xmlns:p="http://schemas.openxmlformats.org/presentationml/2006/main">
   <p:cSld>
     <p:spTree>
@@ -33473,7 +32096,7 @@
             <a:fld id="{A15E53C2-24D8-4AC7-A695-9D161D6D0C6E}" type="slidenum">
               <a:rPr lang="fr-FR" smtClean="0"/>
               <a:pPr/>
-              <a:t>7</a:t>
+              <a:t>6</a:t>
             </a:fld>
             <a:endParaRPr lang="fr-FR" dirty="0"/>
           </a:p>
@@ -39165,7 +37788,7 @@
 </p:sld>
 </file>
 
-<file path=ppt/slides/slide8.xml><?xml version="1.0" encoding="utf-8"?>
+<file path=ppt/slides/slide7.xml><?xml version="1.0" encoding="utf-8"?>
 <p:sld xmlns:a="http://schemas.openxmlformats.org/drawingml/2006/main" xmlns:r="http://schemas.openxmlformats.org/officeDocument/2006/relationships" xmlns:p="http://schemas.openxmlformats.org/presentationml/2006/main">
   <p:cSld>
     <p:spTree>
@@ -39248,7 +37871,7 @@
           <a:p>
             <a:fld id="{5023A80A-40FC-4210-9452-7B0942DCA00B}" type="datetime1">
               <a:rPr lang="fr-FR" smtClean="0"/>
-              <a:t>20/01/2022</a:t>
+              <a:t>22/01/2022</a:t>
             </a:fld>
             <a:endParaRPr lang="fr-FR" dirty="0"/>
           </a:p>
@@ -39313,7 +37936,7 @@
             <a:fld id="{A15E53C2-24D8-4AC7-A695-9D161D6D0C6E}" type="slidenum">
               <a:rPr lang="fr-FR" smtClean="0"/>
               <a:pPr/>
-              <a:t>8</a:t>
+              <a:t>7</a:t>
             </a:fld>
             <a:endParaRPr lang="fr-FR" dirty="0"/>
           </a:p>
@@ -39332,7 +37955,7 @@
 </p:sld>
 </file>
 
-<file path=ppt/slides/slide9.xml><?xml version="1.0" encoding="utf-8"?>
+<file path=ppt/slides/slide8.xml><?xml version="1.0" encoding="utf-8"?>
 <p:sld xmlns:a="http://schemas.openxmlformats.org/drawingml/2006/main" xmlns:r="http://schemas.openxmlformats.org/officeDocument/2006/relationships" xmlns:p="http://schemas.openxmlformats.org/presentationml/2006/main">
   <p:cSld>
     <p:spTree>
@@ -42198,6 +40821,2048 @@
 </p:sld>
 </file>
 
+<file path=ppt/slides/slide9.xml><?xml version="1.0" encoding="utf-8"?>
+<p:sld xmlns:a="http://schemas.openxmlformats.org/drawingml/2006/main" xmlns:r="http://schemas.openxmlformats.org/officeDocument/2006/relationships" xmlns:p="http://schemas.openxmlformats.org/presentationml/2006/main">
+  <p:cSld>
+    <p:spTree>
+      <p:nvGrpSpPr>
+        <p:cNvPr id="1" name=""/>
+        <p:cNvGrpSpPr/>
+        <p:nvPr/>
+      </p:nvGrpSpPr>
+      <p:grpSpPr>
+        <a:xfrm>
+          <a:off x="0" y="0"/>
+          <a:ext cx="0" cy="0"/>
+          <a:chOff x="0" y="0"/>
+          <a:chExt cx="0" cy="0"/>
+        </a:xfrm>
+      </p:grpSpPr>
+      <p:sp>
+        <p:nvSpPr>
+          <p:cNvPr id="124" name="Rectangle : coins arrondis 123">
+            <a:extLst>
+              <a:ext uri="{FF2B5EF4-FFF2-40B4-BE49-F238E27FC236}">
+                <a16:creationId xmlns:a16="http://schemas.microsoft.com/office/drawing/2014/main" id="{EBF98A3F-A2AD-4685-AFE9-61E5B3406735}"/>
+              </a:ext>
+            </a:extLst>
+          </p:cNvPr>
+          <p:cNvSpPr/>
+          <p:nvPr/>
+        </p:nvSpPr>
+        <p:spPr>
+          <a:xfrm>
+            <a:off x="348792" y="4324827"/>
+            <a:ext cx="11637297" cy="2377631"/>
+          </a:xfrm>
+          <a:prstGeom prst="roundRect">
+            <a:avLst/>
+          </a:prstGeom>
+          <a:solidFill>
+            <a:srgbClr val="00AD48">
+              <a:alpha val="20000"/>
+            </a:srgbClr>
+          </a:solidFill>
+          <a:ln>
+            <a:noFill/>
+          </a:ln>
+        </p:spPr>
+        <p:style>
+          <a:lnRef idx="2">
+            <a:schemeClr val="accent1">
+              <a:shade val="50000"/>
+            </a:schemeClr>
+          </a:lnRef>
+          <a:fillRef idx="1">
+            <a:schemeClr val="accent1"/>
+          </a:fillRef>
+          <a:effectRef idx="0">
+            <a:schemeClr val="accent1"/>
+          </a:effectRef>
+          <a:fontRef idx="minor">
+            <a:schemeClr val="lt1"/>
+          </a:fontRef>
+        </p:style>
+        <p:txBody>
+          <a:bodyPr rtlCol="0" anchor="ctr"/>
+          <a:lstStyle/>
+          <a:p>
+            <a:pPr algn="ctr"/>
+            <a:endParaRPr lang="fr-FR" sz="1270"/>
+          </a:p>
+        </p:txBody>
+      </p:sp>
+      <p:sp>
+        <p:nvSpPr>
+          <p:cNvPr id="122" name="Rectangle : coins arrondis 121">
+            <a:extLst>
+              <a:ext uri="{FF2B5EF4-FFF2-40B4-BE49-F238E27FC236}">
+                <a16:creationId xmlns:a16="http://schemas.microsoft.com/office/drawing/2014/main" id="{744F38EA-BD58-4FA9-9CDD-D1E63509B44E}"/>
+              </a:ext>
+            </a:extLst>
+          </p:cNvPr>
+          <p:cNvSpPr/>
+          <p:nvPr/>
+        </p:nvSpPr>
+        <p:spPr>
+          <a:xfrm>
+            <a:off x="348792" y="1058209"/>
+            <a:ext cx="11637297" cy="3036328"/>
+          </a:xfrm>
+          <a:prstGeom prst="roundRect">
+            <a:avLst/>
+          </a:prstGeom>
+          <a:solidFill>
+            <a:schemeClr val="accent1">
+              <a:alpha val="20000"/>
+            </a:schemeClr>
+          </a:solidFill>
+          <a:ln>
+            <a:noFill/>
+          </a:ln>
+        </p:spPr>
+        <p:style>
+          <a:lnRef idx="2">
+            <a:schemeClr val="accent1">
+              <a:shade val="50000"/>
+            </a:schemeClr>
+          </a:lnRef>
+          <a:fillRef idx="1">
+            <a:schemeClr val="accent1"/>
+          </a:fillRef>
+          <a:effectRef idx="0">
+            <a:schemeClr val="accent1"/>
+          </a:effectRef>
+          <a:fontRef idx="minor">
+            <a:schemeClr val="lt1"/>
+          </a:fontRef>
+        </p:style>
+        <p:txBody>
+          <a:bodyPr rtlCol="0" anchor="ctr"/>
+          <a:lstStyle/>
+          <a:p>
+            <a:pPr algn="ctr"/>
+            <a:endParaRPr lang="fr-FR" sz="1270"/>
+          </a:p>
+        </p:txBody>
+      </p:sp>
+      <p:sp>
+        <p:nvSpPr>
+          <p:cNvPr id="2" name="Titre 1">
+            <a:extLst>
+              <a:ext uri="{FF2B5EF4-FFF2-40B4-BE49-F238E27FC236}">
+                <a16:creationId xmlns:a16="http://schemas.microsoft.com/office/drawing/2014/main" id="{13FE6080-3BF6-4325-8A88-D4284622C441}"/>
+              </a:ext>
+            </a:extLst>
+          </p:cNvPr>
+          <p:cNvSpPr>
+            <a:spLocks noGrp="1"/>
+          </p:cNvSpPr>
+          <p:nvPr>
+            <p:ph type="title"/>
+          </p:nvPr>
+        </p:nvSpPr>
+        <p:spPr>
+          <a:xfrm>
+            <a:off x="1030085" y="272032"/>
+            <a:ext cx="10515600" cy="655166"/>
+          </a:xfrm>
+        </p:spPr>
+        <p:txBody>
+          <a:bodyPr/>
+          <a:lstStyle/>
+          <a:p>
+            <a:r>
+              <a:rPr lang="fr-FR" dirty="0"/>
+              <a:t>Exemple 2 : open-data</a:t>
+            </a:r>
+          </a:p>
+        </p:txBody>
+      </p:sp>
+      <p:sp>
+        <p:nvSpPr>
+          <p:cNvPr id="3" name="Espace réservé du contenu 2">
+            <a:extLst>
+              <a:ext uri="{FF2B5EF4-FFF2-40B4-BE49-F238E27FC236}">
+                <a16:creationId xmlns:a16="http://schemas.microsoft.com/office/drawing/2014/main" id="{A66C6D5E-300E-44DE-B323-0D31F952DDC2}"/>
+              </a:ext>
+            </a:extLst>
+          </p:cNvPr>
+          <p:cNvSpPr>
+            <a:spLocks noGrp="1"/>
+          </p:cNvSpPr>
+          <p:nvPr>
+            <p:ph idx="4294967295"/>
+          </p:nvPr>
+        </p:nvSpPr>
+        <p:spPr>
+          <a:xfrm>
+            <a:off x="535015" y="1160857"/>
+            <a:ext cx="6582971" cy="2853781"/>
+          </a:xfrm>
+        </p:spPr>
+        <p:txBody>
+          <a:bodyPr>
+            <a:normAutofit fontScale="92500" lnSpcReduction="20000"/>
+          </a:bodyPr>
+          <a:lstStyle/>
+          <a:p>
+            <a:r>
+              <a:rPr lang="fr-FR" sz="1600" dirty="0"/>
+              <a:t>Les données de mesure de la qualité de l’air sont caractérisées suivant trois paramètres :</a:t>
+            </a:r>
+          </a:p>
+          <a:p>
+            <a:pPr lvl="1"/>
+            <a:r>
+              <a:rPr lang="fr-FR" sz="1400" dirty="0"/>
+              <a:t>Les stations de mesure (localisation géographique)</a:t>
+            </a:r>
+          </a:p>
+          <a:p>
+            <a:pPr lvl="1"/>
+            <a:r>
+              <a:rPr lang="fr-FR" sz="1400" dirty="0"/>
+              <a:t>Les polluants (propriétés physiques)</a:t>
+            </a:r>
+          </a:p>
+          <a:p>
+            <a:pPr lvl="1"/>
+            <a:r>
+              <a:rPr lang="fr-FR" sz="1400" dirty="0"/>
+              <a:t>Un échantillonnage horaire (datation)</a:t>
+            </a:r>
+          </a:p>
+          <a:p>
+            <a:r>
+              <a:rPr lang="fr-FR" sz="1600" dirty="0"/>
+              <a:t>Il n’existe pas de format de partage (et de stockage) :</a:t>
+            </a:r>
+          </a:p>
+          <a:p>
+            <a:pPr lvl="1"/>
+            <a:r>
+              <a:rPr lang="fr-FR" sz="1400" dirty="0"/>
+              <a:t>soit fichier csv par station et polluants (lignes) et les valeurs horaires (colonnes)</a:t>
+            </a:r>
+          </a:p>
+          <a:p>
+            <a:pPr lvl="1"/>
+            <a:r>
+              <a:rPr lang="fr-FR" sz="1400" dirty="0"/>
+              <a:t>Soit un fichier </a:t>
+            </a:r>
+            <a:r>
+              <a:rPr lang="fr-FR" sz="1400" dirty="0" err="1"/>
+              <a:t>GeoJson</a:t>
+            </a:r>
+            <a:r>
+              <a:rPr lang="fr-FR" sz="1400" dirty="0"/>
+              <a:t> mais sans les valeurs horaires</a:t>
+            </a:r>
+          </a:p>
+          <a:p>
+            <a:r>
+              <a:rPr lang="fr-FR" sz="1600" dirty="0"/>
+              <a:t>Il n’y a pas de traitement simple et automatisable pour analyser ces données</a:t>
+            </a:r>
+          </a:p>
+        </p:txBody>
+      </p:sp>
+      <p:sp>
+        <p:nvSpPr>
+          <p:cNvPr id="101" name="Espace réservé du contenu 2">
+            <a:extLst>
+              <a:ext uri="{FF2B5EF4-FFF2-40B4-BE49-F238E27FC236}">
+                <a16:creationId xmlns:a16="http://schemas.microsoft.com/office/drawing/2014/main" id="{F35427DE-FDED-4FE9-9381-D6DF66797498}"/>
+              </a:ext>
+            </a:extLst>
+          </p:cNvPr>
+          <p:cNvSpPr txBox="1">
+            <a:spLocks/>
+          </p:cNvSpPr>
+          <p:nvPr/>
+        </p:nvSpPr>
+        <p:spPr>
+          <a:xfrm>
+            <a:off x="535015" y="4590759"/>
+            <a:ext cx="6260120" cy="1788956"/>
+          </a:xfrm>
+          <a:prstGeom prst="rect">
+            <a:avLst/>
+          </a:prstGeom>
+        </p:spPr>
+        <p:txBody>
+          <a:bodyPr vert="horz" lIns="91440" tIns="45720" rIns="91440" bIns="45720" rtlCol="0">
+            <a:normAutofit fontScale="92500" lnSpcReduction="10000"/>
+          </a:bodyPr>
+          <a:lstStyle>
+            <a:lvl1pPr marL="342900" indent="-342900" algn="l" defTabSz="457200" rtl="0" eaLnBrk="1" latinLnBrk="0" hangingPunct="1">
+              <a:spcBef>
+                <a:spcPts val="1000"/>
+              </a:spcBef>
+              <a:spcAft>
+                <a:spcPts val="0"/>
+              </a:spcAft>
+              <a:buClr>
+                <a:schemeClr val="accent1"/>
+              </a:buClr>
+              <a:buFont typeface="Wingdings 3" charset="2"/>
+              <a:buChar char=""/>
+              <a:defRPr sz="1800" kern="1200">
+                <a:solidFill>
+                  <a:schemeClr val="tx1">
+                    <a:lumMod val="75000"/>
+                    <a:lumOff val="25000"/>
+                  </a:schemeClr>
+                </a:solidFill>
+                <a:latin typeface="+mn-lt"/>
+                <a:ea typeface="+mn-ea"/>
+                <a:cs typeface="+mn-cs"/>
+              </a:defRPr>
+            </a:lvl1pPr>
+            <a:lvl2pPr marL="742950" indent="-285750" algn="l" defTabSz="457200" rtl="0" eaLnBrk="1" latinLnBrk="0" hangingPunct="1">
+              <a:spcBef>
+                <a:spcPts val="1000"/>
+              </a:spcBef>
+              <a:spcAft>
+                <a:spcPts val="0"/>
+              </a:spcAft>
+              <a:buClr>
+                <a:schemeClr val="accent1"/>
+              </a:buClr>
+              <a:buFont typeface="Wingdings 3" charset="2"/>
+              <a:buChar char=""/>
+              <a:defRPr sz="1600" kern="1200">
+                <a:solidFill>
+                  <a:schemeClr val="tx1">
+                    <a:lumMod val="75000"/>
+                    <a:lumOff val="25000"/>
+                  </a:schemeClr>
+                </a:solidFill>
+                <a:latin typeface="+mn-lt"/>
+                <a:ea typeface="+mn-ea"/>
+                <a:cs typeface="+mn-cs"/>
+              </a:defRPr>
+            </a:lvl2pPr>
+            <a:lvl3pPr marL="1143000" indent="-228600" algn="l" defTabSz="457200" rtl="0" eaLnBrk="1" latinLnBrk="0" hangingPunct="1">
+              <a:spcBef>
+                <a:spcPts val="1000"/>
+              </a:spcBef>
+              <a:spcAft>
+                <a:spcPts val="0"/>
+              </a:spcAft>
+              <a:buClr>
+                <a:schemeClr val="accent1"/>
+              </a:buClr>
+              <a:buFont typeface="Wingdings 3" charset="2"/>
+              <a:buChar char=""/>
+              <a:defRPr sz="1400" kern="1200">
+                <a:solidFill>
+                  <a:schemeClr val="tx1">
+                    <a:lumMod val="75000"/>
+                    <a:lumOff val="25000"/>
+                  </a:schemeClr>
+                </a:solidFill>
+                <a:latin typeface="+mn-lt"/>
+                <a:ea typeface="+mn-ea"/>
+                <a:cs typeface="+mn-cs"/>
+              </a:defRPr>
+            </a:lvl3pPr>
+            <a:lvl4pPr marL="1600200" indent="-228600" algn="l" defTabSz="457200" rtl="0" eaLnBrk="1" latinLnBrk="0" hangingPunct="1">
+              <a:spcBef>
+                <a:spcPts val="1000"/>
+              </a:spcBef>
+              <a:spcAft>
+                <a:spcPts val="0"/>
+              </a:spcAft>
+              <a:buClr>
+                <a:schemeClr val="accent1"/>
+              </a:buClr>
+              <a:buFont typeface="Wingdings 3" charset="2"/>
+              <a:buChar char=""/>
+              <a:defRPr sz="1200" kern="1200">
+                <a:solidFill>
+                  <a:schemeClr val="tx1">
+                    <a:lumMod val="75000"/>
+                    <a:lumOff val="25000"/>
+                  </a:schemeClr>
+                </a:solidFill>
+                <a:latin typeface="+mn-lt"/>
+                <a:ea typeface="+mn-ea"/>
+                <a:cs typeface="+mn-cs"/>
+              </a:defRPr>
+            </a:lvl4pPr>
+            <a:lvl5pPr marL="2057400" indent="-228600" algn="l" defTabSz="457200" rtl="0" eaLnBrk="1" latinLnBrk="0" hangingPunct="1">
+              <a:spcBef>
+                <a:spcPts val="1000"/>
+              </a:spcBef>
+              <a:spcAft>
+                <a:spcPts val="0"/>
+              </a:spcAft>
+              <a:buClr>
+                <a:schemeClr val="accent1"/>
+              </a:buClr>
+              <a:buFont typeface="Wingdings 3" charset="2"/>
+              <a:buChar char=""/>
+              <a:defRPr sz="1200" kern="1200">
+                <a:solidFill>
+                  <a:schemeClr val="tx1">
+                    <a:lumMod val="75000"/>
+                    <a:lumOff val="25000"/>
+                  </a:schemeClr>
+                </a:solidFill>
+                <a:latin typeface="+mn-lt"/>
+                <a:ea typeface="+mn-ea"/>
+                <a:cs typeface="+mn-cs"/>
+              </a:defRPr>
+            </a:lvl5pPr>
+            <a:lvl6pPr marL="2514600" indent="-228600" algn="l" defTabSz="457200" rtl="0" eaLnBrk="1" latinLnBrk="0" hangingPunct="1">
+              <a:spcBef>
+                <a:spcPts val="1000"/>
+              </a:spcBef>
+              <a:spcAft>
+                <a:spcPts val="0"/>
+              </a:spcAft>
+              <a:buClr>
+                <a:schemeClr val="accent1"/>
+              </a:buClr>
+              <a:buFont typeface="Wingdings 3" charset="2"/>
+              <a:buChar char=""/>
+              <a:defRPr sz="1200" kern="1200">
+                <a:solidFill>
+                  <a:schemeClr val="tx1">
+                    <a:lumMod val="75000"/>
+                    <a:lumOff val="25000"/>
+                  </a:schemeClr>
+                </a:solidFill>
+                <a:latin typeface="+mn-lt"/>
+                <a:ea typeface="+mn-ea"/>
+                <a:cs typeface="+mn-cs"/>
+              </a:defRPr>
+            </a:lvl6pPr>
+            <a:lvl7pPr marL="2971800" indent="-228600" algn="l" defTabSz="457200" rtl="0" eaLnBrk="1" latinLnBrk="0" hangingPunct="1">
+              <a:spcBef>
+                <a:spcPts val="1000"/>
+              </a:spcBef>
+              <a:spcAft>
+                <a:spcPts val="0"/>
+              </a:spcAft>
+              <a:buClr>
+                <a:schemeClr val="accent1"/>
+              </a:buClr>
+              <a:buFont typeface="Wingdings 3" charset="2"/>
+              <a:buChar char=""/>
+              <a:defRPr sz="1200" kern="1200">
+                <a:solidFill>
+                  <a:schemeClr val="tx1">
+                    <a:lumMod val="75000"/>
+                    <a:lumOff val="25000"/>
+                  </a:schemeClr>
+                </a:solidFill>
+                <a:latin typeface="+mn-lt"/>
+                <a:ea typeface="+mn-ea"/>
+                <a:cs typeface="+mn-cs"/>
+              </a:defRPr>
+            </a:lvl7pPr>
+            <a:lvl8pPr marL="3429000" indent="-228600" algn="l" defTabSz="457200" rtl="0" eaLnBrk="1" latinLnBrk="0" hangingPunct="1">
+              <a:spcBef>
+                <a:spcPts val="1000"/>
+              </a:spcBef>
+              <a:spcAft>
+                <a:spcPts val="0"/>
+              </a:spcAft>
+              <a:buClr>
+                <a:schemeClr val="accent1"/>
+              </a:buClr>
+              <a:buFont typeface="Wingdings 3" charset="2"/>
+              <a:buChar char=""/>
+              <a:defRPr sz="1200" kern="1200">
+                <a:solidFill>
+                  <a:schemeClr val="tx1">
+                    <a:lumMod val="75000"/>
+                    <a:lumOff val="25000"/>
+                  </a:schemeClr>
+                </a:solidFill>
+                <a:latin typeface="+mn-lt"/>
+                <a:ea typeface="+mn-ea"/>
+                <a:cs typeface="+mn-cs"/>
+              </a:defRPr>
+            </a:lvl8pPr>
+            <a:lvl9pPr marL="3886200" indent="-228600" algn="l" defTabSz="457200" rtl="0" eaLnBrk="1" latinLnBrk="0" hangingPunct="1">
+              <a:spcBef>
+                <a:spcPts val="1000"/>
+              </a:spcBef>
+              <a:spcAft>
+                <a:spcPts val="0"/>
+              </a:spcAft>
+              <a:buClr>
+                <a:schemeClr val="accent1"/>
+              </a:buClr>
+              <a:buFont typeface="Wingdings 3" charset="2"/>
+              <a:buChar char=""/>
+              <a:defRPr sz="1200" kern="1200">
+                <a:solidFill>
+                  <a:schemeClr val="tx1">
+                    <a:lumMod val="75000"/>
+                    <a:lumOff val="25000"/>
+                  </a:schemeClr>
+                </a:solidFill>
+                <a:latin typeface="+mn-lt"/>
+                <a:ea typeface="+mn-ea"/>
+                <a:cs typeface="+mn-cs"/>
+              </a:defRPr>
+            </a:lvl9pPr>
+          </a:lstStyle>
+          <a:p>
+            <a:r>
+              <a:rPr lang="fr-FR" sz="1600" dirty="0"/>
+              <a:t>Je peux faire une demande portant sur un périmètre géographique, une tranche horaire, une liste de polluants (API)</a:t>
+            </a:r>
+          </a:p>
+          <a:p>
+            <a:r>
+              <a:rPr lang="fr-FR" sz="1600" dirty="0"/>
+              <a:t>Je récupère ces données suivant le format standard ObsJSON</a:t>
+            </a:r>
+          </a:p>
+          <a:p>
+            <a:r>
+              <a:rPr lang="fr-FR" sz="1600" dirty="0"/>
+              <a:t>Je les exploite automatiquement suivant mon centre d’intérêt grâce aux outils supportant ce standard</a:t>
+            </a:r>
+          </a:p>
+        </p:txBody>
+      </p:sp>
+      <p:sp>
+        <p:nvSpPr>
+          <p:cNvPr id="55" name="Rectangle : coins arrondis 54">
+            <a:extLst>
+              <a:ext uri="{FF2B5EF4-FFF2-40B4-BE49-F238E27FC236}">
+                <a16:creationId xmlns:a16="http://schemas.microsoft.com/office/drawing/2014/main" id="{45082502-2ED8-4C7F-8FD1-72A5F462C9E1}"/>
+              </a:ext>
+            </a:extLst>
+          </p:cNvPr>
+          <p:cNvSpPr/>
+          <p:nvPr/>
+        </p:nvSpPr>
+        <p:spPr>
+          <a:xfrm>
+            <a:off x="8981888" y="1880011"/>
+            <a:ext cx="1140301" cy="291410"/>
+          </a:xfrm>
+          <a:prstGeom prst="roundRect">
+            <a:avLst/>
+          </a:prstGeom>
+          <a:solidFill>
+            <a:srgbClr val="00AD48"/>
+          </a:solidFill>
+          <a:effectLst>
+            <a:innerShdw blurRad="63500" dist="50800" dir="5400000">
+              <a:prstClr val="black">
+                <a:alpha val="50000"/>
+              </a:prstClr>
+            </a:innerShdw>
+          </a:effectLst>
+        </p:spPr>
+        <p:style>
+          <a:lnRef idx="0">
+            <a:schemeClr val="accent1"/>
+          </a:lnRef>
+          <a:fillRef idx="3">
+            <a:schemeClr val="accent1"/>
+          </a:fillRef>
+          <a:effectRef idx="3">
+            <a:schemeClr val="accent1"/>
+          </a:effectRef>
+          <a:fontRef idx="minor">
+            <a:schemeClr val="lt1"/>
+          </a:fontRef>
+        </p:style>
+        <p:txBody>
+          <a:bodyPr rtlCol="0" anchor="ctr"/>
+          <a:lstStyle/>
+          <a:p>
+            <a:pPr algn="ctr"/>
+            <a:r>
+              <a:rPr lang="fr-FR" sz="1400" dirty="0"/>
+              <a:t>Mesure air</a:t>
+            </a:r>
+          </a:p>
+        </p:txBody>
+      </p:sp>
+      <p:sp>
+        <p:nvSpPr>
+          <p:cNvPr id="56" name="Rectangle : coins arrondis 55">
+            <a:extLst>
+              <a:ext uri="{FF2B5EF4-FFF2-40B4-BE49-F238E27FC236}">
+                <a16:creationId xmlns:a16="http://schemas.microsoft.com/office/drawing/2014/main" id="{B2374D23-F076-4272-94EC-8E705805BCC6}"/>
+              </a:ext>
+            </a:extLst>
+          </p:cNvPr>
+          <p:cNvSpPr/>
+          <p:nvPr/>
+        </p:nvSpPr>
+        <p:spPr>
+          <a:xfrm>
+            <a:off x="7849780" y="1143173"/>
+            <a:ext cx="1069495" cy="380443"/>
+          </a:xfrm>
+          <a:prstGeom prst="roundRect">
+            <a:avLst>
+              <a:gd name="adj" fmla="val 50000"/>
+            </a:avLst>
+          </a:prstGeom>
+          <a:solidFill>
+            <a:srgbClr val="00B050"/>
+          </a:solidFill>
+          <a:effectLst>
+            <a:outerShdw blurRad="50800" dist="38100" dir="2700000" algn="tl" rotWithShape="0">
+              <a:prstClr val="black">
+                <a:alpha val="40000"/>
+              </a:prstClr>
+            </a:outerShdw>
+          </a:effectLst>
+        </p:spPr>
+        <p:style>
+          <a:lnRef idx="0">
+            <a:schemeClr val="accent1"/>
+          </a:lnRef>
+          <a:fillRef idx="3">
+            <a:schemeClr val="accent1"/>
+          </a:fillRef>
+          <a:effectRef idx="3">
+            <a:schemeClr val="accent1"/>
+          </a:effectRef>
+          <a:fontRef idx="minor">
+            <a:schemeClr val="lt1"/>
+          </a:fontRef>
+        </p:style>
+        <p:txBody>
+          <a:bodyPr rtlCol="0" anchor="ctr"/>
+          <a:lstStyle/>
+          <a:p>
+            <a:pPr algn="ctr"/>
+            <a:r>
+              <a:rPr lang="fr-FR" sz="1000" dirty="0"/>
+              <a:t>localisation</a:t>
+            </a:r>
+          </a:p>
+        </p:txBody>
+      </p:sp>
+      <p:sp>
+        <p:nvSpPr>
+          <p:cNvPr id="57" name="Rectangle : coins arrondis 56">
+            <a:extLst>
+              <a:ext uri="{FF2B5EF4-FFF2-40B4-BE49-F238E27FC236}">
+                <a16:creationId xmlns:a16="http://schemas.microsoft.com/office/drawing/2014/main" id="{20768692-B606-4AE3-8D39-3685E25B26AD}"/>
+              </a:ext>
+            </a:extLst>
+          </p:cNvPr>
+          <p:cNvSpPr/>
+          <p:nvPr/>
+        </p:nvSpPr>
+        <p:spPr>
+          <a:xfrm>
+            <a:off x="10157927" y="1159162"/>
+            <a:ext cx="977774" cy="380443"/>
+          </a:xfrm>
+          <a:prstGeom prst="roundRect">
+            <a:avLst>
+              <a:gd name="adj" fmla="val 50000"/>
+            </a:avLst>
+          </a:prstGeom>
+          <a:solidFill>
+            <a:srgbClr val="00B050"/>
+          </a:solidFill>
+          <a:effectLst>
+            <a:outerShdw blurRad="50800" dist="38100" dir="2700000" algn="tl" rotWithShape="0">
+              <a:prstClr val="black">
+                <a:alpha val="40000"/>
+              </a:prstClr>
+            </a:outerShdw>
+          </a:effectLst>
+        </p:spPr>
+        <p:style>
+          <a:lnRef idx="0">
+            <a:schemeClr val="accent1"/>
+          </a:lnRef>
+          <a:fillRef idx="3">
+            <a:schemeClr val="accent1"/>
+          </a:fillRef>
+          <a:effectRef idx="3">
+            <a:schemeClr val="accent1"/>
+          </a:effectRef>
+          <a:fontRef idx="minor">
+            <a:schemeClr val="lt1"/>
+          </a:fontRef>
+        </p:style>
+        <p:txBody>
+          <a:bodyPr rtlCol="0" anchor="ctr"/>
+          <a:lstStyle/>
+          <a:p>
+            <a:pPr algn="ctr"/>
+            <a:r>
+              <a:rPr lang="fr-FR" sz="1000" dirty="0"/>
+              <a:t>datation</a:t>
+            </a:r>
+          </a:p>
+        </p:txBody>
+      </p:sp>
+      <p:sp>
+        <p:nvSpPr>
+          <p:cNvPr id="58" name="Rectangle : coins arrondis 57">
+            <a:extLst>
+              <a:ext uri="{FF2B5EF4-FFF2-40B4-BE49-F238E27FC236}">
+                <a16:creationId xmlns:a16="http://schemas.microsoft.com/office/drawing/2014/main" id="{BBD5EC5C-9A96-41A1-8195-201D108206F4}"/>
+              </a:ext>
+            </a:extLst>
+          </p:cNvPr>
+          <p:cNvSpPr/>
+          <p:nvPr/>
+        </p:nvSpPr>
+        <p:spPr>
+          <a:xfrm>
+            <a:off x="9099541" y="1154380"/>
+            <a:ext cx="904995" cy="369236"/>
+          </a:xfrm>
+          <a:prstGeom prst="roundRect">
+            <a:avLst>
+              <a:gd name="adj" fmla="val 50000"/>
+            </a:avLst>
+          </a:prstGeom>
+          <a:solidFill>
+            <a:srgbClr val="00B050"/>
+          </a:solidFill>
+          <a:effectLst>
+            <a:outerShdw blurRad="50800" dist="38100" dir="2700000" algn="tl" rotWithShape="0">
+              <a:prstClr val="black">
+                <a:alpha val="40000"/>
+              </a:prstClr>
+            </a:outerShdw>
+          </a:effectLst>
+        </p:spPr>
+        <p:style>
+          <a:lnRef idx="0">
+            <a:schemeClr val="accent1"/>
+          </a:lnRef>
+          <a:fillRef idx="3">
+            <a:schemeClr val="accent1"/>
+          </a:fillRef>
+          <a:effectRef idx="3">
+            <a:schemeClr val="accent1"/>
+          </a:effectRef>
+          <a:fontRef idx="minor">
+            <a:schemeClr val="lt1"/>
+          </a:fontRef>
+        </p:style>
+        <p:txBody>
+          <a:bodyPr rtlCol="0" anchor="ctr"/>
+          <a:lstStyle/>
+          <a:p>
+            <a:pPr algn="ctr"/>
+            <a:r>
+              <a:rPr lang="fr-FR" sz="1000" dirty="0"/>
+              <a:t>polluant</a:t>
+            </a:r>
+          </a:p>
+        </p:txBody>
+      </p:sp>
+      <p:sp>
+        <p:nvSpPr>
+          <p:cNvPr id="59" name="Rectangle : coins arrondis 58">
+            <a:extLst>
+              <a:ext uri="{FF2B5EF4-FFF2-40B4-BE49-F238E27FC236}">
+                <a16:creationId xmlns:a16="http://schemas.microsoft.com/office/drawing/2014/main" id="{ACFDA339-2643-426E-AD8D-A24ADF69EDD4}"/>
+              </a:ext>
+            </a:extLst>
+          </p:cNvPr>
+          <p:cNvSpPr/>
+          <p:nvPr/>
+        </p:nvSpPr>
+        <p:spPr>
+          <a:xfrm>
+            <a:off x="8244071" y="3654279"/>
+            <a:ext cx="2615935" cy="362241"/>
+          </a:xfrm>
+          <a:prstGeom prst="roundRect">
+            <a:avLst>
+              <a:gd name="adj" fmla="val 50000"/>
+            </a:avLst>
+          </a:prstGeom>
+          <a:solidFill>
+            <a:srgbClr val="C00000"/>
+          </a:solidFill>
+          <a:effectLst>
+            <a:outerShdw blurRad="50800" dist="38100" dir="2700000" algn="tl" rotWithShape="0">
+              <a:prstClr val="black">
+                <a:alpha val="40000"/>
+              </a:prstClr>
+            </a:outerShdw>
+          </a:effectLst>
+        </p:spPr>
+        <p:style>
+          <a:lnRef idx="0">
+            <a:schemeClr val="accent1"/>
+          </a:lnRef>
+          <a:fillRef idx="3">
+            <a:schemeClr val="accent1"/>
+          </a:fillRef>
+          <a:effectRef idx="3">
+            <a:schemeClr val="accent1"/>
+          </a:effectRef>
+          <a:fontRef idx="minor">
+            <a:schemeClr val="lt1"/>
+          </a:fontRef>
+        </p:style>
+        <p:txBody>
+          <a:bodyPr rtlCol="0" anchor="ctr"/>
+          <a:lstStyle/>
+          <a:p>
+            <a:pPr algn="ctr"/>
+            <a:r>
+              <a:rPr lang="fr-FR" sz="1400" dirty="0"/>
+              <a:t>Traitement manuel</a:t>
+            </a:r>
+          </a:p>
+        </p:txBody>
+      </p:sp>
+      <p:cxnSp>
+        <p:nvCxnSpPr>
+          <p:cNvPr id="60" name="Connecteur droit avec flèche 59">
+            <a:extLst>
+              <a:ext uri="{FF2B5EF4-FFF2-40B4-BE49-F238E27FC236}">
+                <a16:creationId xmlns:a16="http://schemas.microsoft.com/office/drawing/2014/main" id="{CFE6118C-1BB5-4934-A08D-BE06421B72B0}"/>
+              </a:ext>
+            </a:extLst>
+          </p:cNvPr>
+          <p:cNvCxnSpPr>
+            <a:cxnSpLocks/>
+          </p:cNvCxnSpPr>
+          <p:nvPr/>
+        </p:nvCxnSpPr>
+        <p:spPr>
+          <a:xfrm flipH="1">
+            <a:off x="9900767" y="1555477"/>
+            <a:ext cx="306730" cy="272901"/>
+          </a:xfrm>
+          <a:prstGeom prst="straightConnector1">
+            <a:avLst/>
+          </a:prstGeom>
+          <a:ln w="47625" cmpd="dbl">
+            <a:headEnd type="stealth" w="lg" len="lg"/>
+            <a:tailEnd type="none"/>
+          </a:ln>
+        </p:spPr>
+        <p:style>
+          <a:lnRef idx="1">
+            <a:schemeClr val="accent1"/>
+          </a:lnRef>
+          <a:fillRef idx="0">
+            <a:schemeClr val="accent1"/>
+          </a:fillRef>
+          <a:effectRef idx="0">
+            <a:schemeClr val="accent1"/>
+          </a:effectRef>
+          <a:fontRef idx="minor">
+            <a:schemeClr val="tx1"/>
+          </a:fontRef>
+        </p:style>
+      </p:cxnSp>
+      <p:cxnSp>
+        <p:nvCxnSpPr>
+          <p:cNvPr id="66" name="Connecteur droit avec flèche 65">
+            <a:extLst>
+              <a:ext uri="{FF2B5EF4-FFF2-40B4-BE49-F238E27FC236}">
+                <a16:creationId xmlns:a16="http://schemas.microsoft.com/office/drawing/2014/main" id="{DD00C8DC-26CD-46FE-8C5E-C1D622C5E54F}"/>
+              </a:ext>
+            </a:extLst>
+          </p:cNvPr>
+          <p:cNvCxnSpPr>
+            <a:cxnSpLocks/>
+          </p:cNvCxnSpPr>
+          <p:nvPr/>
+        </p:nvCxnSpPr>
+        <p:spPr>
+          <a:xfrm>
+            <a:off x="9552038" y="1523616"/>
+            <a:ext cx="0" cy="279828"/>
+          </a:xfrm>
+          <a:prstGeom prst="straightConnector1">
+            <a:avLst/>
+          </a:prstGeom>
+          <a:ln w="47625" cmpd="dbl">
+            <a:headEnd type="stealth" w="lg" len="lg"/>
+            <a:tailEnd type="none"/>
+          </a:ln>
+        </p:spPr>
+        <p:style>
+          <a:lnRef idx="1">
+            <a:schemeClr val="accent1"/>
+          </a:lnRef>
+          <a:fillRef idx="0">
+            <a:schemeClr val="accent1"/>
+          </a:fillRef>
+          <a:effectRef idx="0">
+            <a:schemeClr val="accent1"/>
+          </a:effectRef>
+          <a:fontRef idx="minor">
+            <a:schemeClr val="tx1"/>
+          </a:fontRef>
+        </p:style>
+      </p:cxnSp>
+      <p:cxnSp>
+        <p:nvCxnSpPr>
+          <p:cNvPr id="68" name="Connecteur droit avec flèche 67">
+            <a:extLst>
+              <a:ext uri="{FF2B5EF4-FFF2-40B4-BE49-F238E27FC236}">
+                <a16:creationId xmlns:a16="http://schemas.microsoft.com/office/drawing/2014/main" id="{0DF34F43-2A28-4BB0-93D9-F457640C860A}"/>
+              </a:ext>
+            </a:extLst>
+          </p:cNvPr>
+          <p:cNvCxnSpPr>
+            <a:cxnSpLocks/>
+          </p:cNvCxnSpPr>
+          <p:nvPr/>
+        </p:nvCxnSpPr>
+        <p:spPr>
+          <a:xfrm>
+            <a:off x="8803413" y="1555477"/>
+            <a:ext cx="237323" cy="276284"/>
+          </a:xfrm>
+          <a:prstGeom prst="straightConnector1">
+            <a:avLst/>
+          </a:prstGeom>
+          <a:ln w="47625" cmpd="dbl">
+            <a:headEnd type="stealth" w="lg" len="lg"/>
+            <a:tailEnd type="none"/>
+          </a:ln>
+        </p:spPr>
+        <p:style>
+          <a:lnRef idx="1">
+            <a:schemeClr val="accent1"/>
+          </a:lnRef>
+          <a:fillRef idx="0">
+            <a:schemeClr val="accent1"/>
+          </a:fillRef>
+          <a:effectRef idx="0">
+            <a:schemeClr val="accent1"/>
+          </a:effectRef>
+          <a:fontRef idx="minor">
+            <a:schemeClr val="tx1"/>
+          </a:fontRef>
+        </p:style>
+      </p:cxnSp>
+      <p:graphicFrame>
+        <p:nvGraphicFramePr>
+          <p:cNvPr id="89" name="Tableau 11">
+            <a:extLst>
+              <a:ext uri="{FF2B5EF4-FFF2-40B4-BE49-F238E27FC236}">
+                <a16:creationId xmlns:a16="http://schemas.microsoft.com/office/drawing/2014/main" id="{FBEDEF14-22D5-4403-B63C-DB5A22A3FBAC}"/>
+              </a:ext>
+            </a:extLst>
+          </p:cNvPr>
+          <p:cNvGraphicFramePr>
+            <a:graphicFrameLocks/>
+          </p:cNvGraphicFramePr>
+          <p:nvPr>
+            <p:extLst>
+              <p:ext uri="{D42A27DB-BD31-4B8C-83A1-F6EECF244321}">
+                <p14:modId xmlns:p14="http://schemas.microsoft.com/office/powerpoint/2010/main" val="3681867423"/>
+              </p:ext>
+            </p:extLst>
+          </p:nvPr>
+        </p:nvGraphicFramePr>
+        <p:xfrm>
+          <a:off x="7577122" y="2531996"/>
+          <a:ext cx="3949832" cy="880440"/>
+        </p:xfrm>
+        <a:graphic>
+          <a:graphicData uri="http://schemas.openxmlformats.org/drawingml/2006/table">
+            <a:tbl>
+              <a:tblPr firstRow="1" bandRow="1">
+                <a:tableStyleId>{5C22544A-7EE6-4342-B048-85BDC9FD1C3A}</a:tableStyleId>
+              </a:tblPr>
+              <a:tblGrid>
+                <a:gridCol w="405636">
+                  <a:extLst>
+                    <a:ext uri="{9D8B030D-6E8A-4147-A177-3AD203B41FA5}">
+                      <a16:colId xmlns:a16="http://schemas.microsoft.com/office/drawing/2014/main" val="4201465443"/>
+                    </a:ext>
+                  </a:extLst>
+                </a:gridCol>
+                <a:gridCol w="348817">
+                  <a:extLst>
+                    <a:ext uri="{9D8B030D-6E8A-4147-A177-3AD203B41FA5}">
+                      <a16:colId xmlns:a16="http://schemas.microsoft.com/office/drawing/2014/main" val="3555002132"/>
+                    </a:ext>
+                  </a:extLst>
+                </a:gridCol>
+                <a:gridCol w="284866">
+                  <a:extLst>
+                    <a:ext uri="{9D8B030D-6E8A-4147-A177-3AD203B41FA5}">
+                      <a16:colId xmlns:a16="http://schemas.microsoft.com/office/drawing/2014/main" val="1792911921"/>
+                    </a:ext>
+                  </a:extLst>
+                </a:gridCol>
+                <a:gridCol w="346440">
+                  <a:extLst>
+                    <a:ext uri="{9D8B030D-6E8A-4147-A177-3AD203B41FA5}">
+                      <a16:colId xmlns:a16="http://schemas.microsoft.com/office/drawing/2014/main" val="527619674"/>
+                    </a:ext>
+                  </a:extLst>
+                </a:gridCol>
+                <a:gridCol w="352029">
+                  <a:extLst>
+                    <a:ext uri="{9D8B030D-6E8A-4147-A177-3AD203B41FA5}">
+                      <a16:colId xmlns:a16="http://schemas.microsoft.com/office/drawing/2014/main" val="905076484"/>
+                    </a:ext>
+                  </a:extLst>
+                </a:gridCol>
+                <a:gridCol w="352029">
+                  <a:extLst>
+                    <a:ext uri="{9D8B030D-6E8A-4147-A177-3AD203B41FA5}">
+                      <a16:colId xmlns:a16="http://schemas.microsoft.com/office/drawing/2014/main" val="4157188487"/>
+                    </a:ext>
+                  </a:extLst>
+                </a:gridCol>
+                <a:gridCol w="372003">
+                  <a:extLst>
+                    <a:ext uri="{9D8B030D-6E8A-4147-A177-3AD203B41FA5}">
+                      <a16:colId xmlns:a16="http://schemas.microsoft.com/office/drawing/2014/main" val="3636296814"/>
+                    </a:ext>
+                  </a:extLst>
+                </a:gridCol>
+                <a:gridCol w="372003">
+                  <a:extLst>
+                    <a:ext uri="{9D8B030D-6E8A-4147-A177-3AD203B41FA5}">
+                      <a16:colId xmlns:a16="http://schemas.microsoft.com/office/drawing/2014/main" val="1870353858"/>
+                    </a:ext>
+                  </a:extLst>
+                </a:gridCol>
+                <a:gridCol w="372003">
+                  <a:extLst>
+                    <a:ext uri="{9D8B030D-6E8A-4147-A177-3AD203B41FA5}">
+                      <a16:colId xmlns:a16="http://schemas.microsoft.com/office/drawing/2014/main" val="3188876929"/>
+                    </a:ext>
+                  </a:extLst>
+                </a:gridCol>
+                <a:gridCol w="372003">
+                  <a:extLst>
+                    <a:ext uri="{9D8B030D-6E8A-4147-A177-3AD203B41FA5}">
+                      <a16:colId xmlns:a16="http://schemas.microsoft.com/office/drawing/2014/main" val="275140166"/>
+                    </a:ext>
+                  </a:extLst>
+                </a:gridCol>
+                <a:gridCol w="372003">
+                  <a:extLst>
+                    <a:ext uri="{9D8B030D-6E8A-4147-A177-3AD203B41FA5}">
+                      <a16:colId xmlns:a16="http://schemas.microsoft.com/office/drawing/2014/main" val="1203488174"/>
+                    </a:ext>
+                  </a:extLst>
+                </a:gridCol>
+              </a:tblGrid>
+              <a:tr h="219461">
+                <a:tc gridSpan="2">
+                  <a:txBody>
+                    <a:bodyPr/>
+                    <a:lstStyle/>
+                    <a:p>
+                      <a:pPr algn="ctr"/>
+                      <a:r>
+                        <a:rPr lang="fr-FR" sz="900" dirty="0"/>
+                        <a:t>Station</a:t>
+                      </a:r>
+                    </a:p>
+                  </a:txBody>
+                  <a:tcPr marL="82951" marR="82951" marT="41475" marB="41475"/>
+                </a:tc>
+                <a:tc hMerge="1">
+                  <a:txBody>
+                    <a:bodyPr/>
+                    <a:lstStyle/>
+                    <a:p>
+                      <a:endParaRPr lang="fr-FR" sz="900" dirty="0"/>
+                    </a:p>
+                  </a:txBody>
+                  <a:tcPr marL="82951" marR="82951" marT="41475" marB="41475"/>
+                </a:tc>
+                <a:tc gridSpan="2">
+                  <a:txBody>
+                    <a:bodyPr/>
+                    <a:lstStyle/>
+                    <a:p>
+                      <a:pPr algn="ctr"/>
+                      <a:r>
+                        <a:rPr lang="fr-FR" sz="900" dirty="0"/>
+                        <a:t>Polluant</a:t>
+                      </a:r>
+                    </a:p>
+                  </a:txBody>
+                  <a:tcPr marL="82951" marR="82951" marT="41475" marB="41475"/>
+                </a:tc>
+                <a:tc hMerge="1">
+                  <a:txBody>
+                    <a:bodyPr/>
+                    <a:lstStyle/>
+                    <a:p>
+                      <a:endParaRPr lang="fr-FR" sz="900" dirty="0"/>
+                    </a:p>
+                  </a:txBody>
+                  <a:tcPr marL="82951" marR="82951" marT="41475" marB="41475"/>
+                </a:tc>
+                <a:tc gridSpan="7">
+                  <a:txBody>
+                    <a:bodyPr/>
+                    <a:lstStyle/>
+                    <a:p>
+                      <a:pPr algn="ctr"/>
+                      <a:r>
+                        <a:rPr lang="fr-FR" sz="900" dirty="0"/>
+                        <a:t>Heure </a:t>
+                      </a:r>
+                    </a:p>
+                  </a:txBody>
+                  <a:tcPr marL="82951" marR="82951" marT="41475" marB="41475"/>
+                </a:tc>
+                <a:tc hMerge="1">
+                  <a:txBody>
+                    <a:bodyPr/>
+                    <a:lstStyle/>
+                    <a:p>
+                      <a:endParaRPr lang="fr-FR" sz="900" dirty="0"/>
+                    </a:p>
+                  </a:txBody>
+                  <a:tcPr marL="82951" marR="82951" marT="41475" marB="41475"/>
+                </a:tc>
+                <a:tc hMerge="1">
+                  <a:txBody>
+                    <a:bodyPr/>
+                    <a:lstStyle/>
+                    <a:p>
+                      <a:r>
+                        <a:rPr lang="fr-FR" sz="900" dirty="0" err="1"/>
+                        <a:t>Result</a:t>
+                      </a:r>
+                      <a:endParaRPr lang="fr-FR" sz="900" dirty="0"/>
+                    </a:p>
+                  </a:txBody>
+                  <a:tcPr marL="82951" marR="82951" marT="41475" marB="41475"/>
+                </a:tc>
+                <a:tc hMerge="1">
+                  <a:txBody>
+                    <a:bodyPr/>
+                    <a:lstStyle/>
+                    <a:p>
+                      <a:pPr algn="ctr"/>
+                      <a:endParaRPr lang="fr-FR" sz="900" dirty="0"/>
+                    </a:p>
+                  </a:txBody>
+                  <a:tcPr marL="82951" marR="82951" marT="41475" marB="41475"/>
+                </a:tc>
+                <a:tc hMerge="1">
+                  <a:txBody>
+                    <a:bodyPr/>
+                    <a:lstStyle/>
+                    <a:p>
+                      <a:pPr algn="ctr"/>
+                      <a:endParaRPr lang="fr-FR" sz="900" dirty="0"/>
+                    </a:p>
+                  </a:txBody>
+                  <a:tcPr marL="82951" marR="82951" marT="41475" marB="41475"/>
+                </a:tc>
+                <a:tc hMerge="1">
+                  <a:txBody>
+                    <a:bodyPr/>
+                    <a:lstStyle/>
+                    <a:p>
+                      <a:pPr algn="ctr"/>
+                      <a:endParaRPr lang="fr-FR" sz="900" dirty="0"/>
+                    </a:p>
+                  </a:txBody>
+                  <a:tcPr marL="82951" marR="82951" marT="41475" marB="41475"/>
+                </a:tc>
+                <a:tc hMerge="1">
+                  <a:txBody>
+                    <a:bodyPr/>
+                    <a:lstStyle/>
+                    <a:p>
+                      <a:pPr algn="ctr"/>
+                      <a:endParaRPr lang="fr-FR" sz="900" dirty="0"/>
+                    </a:p>
+                  </a:txBody>
+                  <a:tcPr marL="82951" marR="82951" marT="41475" marB="41475"/>
+                </a:tc>
+                <a:extLst>
+                  <a:ext uri="{0D108BD9-81ED-4DB2-BD59-A6C34878D82A}">
+                    <a16:rowId xmlns:a16="http://schemas.microsoft.com/office/drawing/2014/main" val="3221545621"/>
+                  </a:ext>
+                </a:extLst>
+              </a:tr>
+              <a:tr h="131677">
+                <a:tc>
+                  <a:txBody>
+                    <a:bodyPr/>
+                    <a:lstStyle/>
+                    <a:p>
+                      <a:endParaRPr lang="fr-FR" sz="900" dirty="0"/>
+                    </a:p>
+                  </a:txBody>
+                  <a:tcPr marL="82951" marR="82951" marT="41475" marB="41475"/>
+                </a:tc>
+                <a:tc>
+                  <a:txBody>
+                    <a:bodyPr/>
+                    <a:lstStyle/>
+                    <a:p>
+                      <a:endParaRPr lang="fr-FR" sz="900" dirty="0"/>
+                    </a:p>
+                  </a:txBody>
+                  <a:tcPr marL="82951" marR="82951" marT="41475" marB="41475"/>
+                </a:tc>
+                <a:tc>
+                  <a:txBody>
+                    <a:bodyPr/>
+                    <a:lstStyle/>
+                    <a:p>
+                      <a:endParaRPr lang="fr-FR" sz="900" dirty="0"/>
+                    </a:p>
+                  </a:txBody>
+                  <a:tcPr marL="82951" marR="82951" marT="41475" marB="41475"/>
+                </a:tc>
+                <a:tc>
+                  <a:txBody>
+                    <a:bodyPr/>
+                    <a:lstStyle/>
+                    <a:p>
+                      <a:endParaRPr lang="fr-FR" sz="900" dirty="0"/>
+                    </a:p>
+                  </a:txBody>
+                  <a:tcPr marL="82951" marR="82951" marT="41475" marB="41475"/>
+                </a:tc>
+                <a:tc>
+                  <a:txBody>
+                    <a:bodyPr/>
+                    <a:lstStyle/>
+                    <a:p>
+                      <a:endParaRPr lang="fr-FR" sz="900" dirty="0"/>
+                    </a:p>
+                  </a:txBody>
+                  <a:tcPr marL="82951" marR="82951" marT="41475" marB="41475"/>
+                </a:tc>
+                <a:tc>
+                  <a:txBody>
+                    <a:bodyPr/>
+                    <a:lstStyle/>
+                    <a:p>
+                      <a:endParaRPr lang="fr-FR" sz="900" dirty="0"/>
+                    </a:p>
+                  </a:txBody>
+                  <a:tcPr marL="82951" marR="82951" marT="41475" marB="41475"/>
+                </a:tc>
+                <a:tc>
+                  <a:txBody>
+                    <a:bodyPr/>
+                    <a:lstStyle/>
+                    <a:p>
+                      <a:endParaRPr lang="fr-FR" sz="900" dirty="0"/>
+                    </a:p>
+                  </a:txBody>
+                  <a:tcPr marL="82951" marR="82951" marT="41475" marB="41475"/>
+                </a:tc>
+                <a:tc>
+                  <a:txBody>
+                    <a:bodyPr/>
+                    <a:lstStyle/>
+                    <a:p>
+                      <a:endParaRPr lang="fr-FR" sz="900" dirty="0"/>
+                    </a:p>
+                  </a:txBody>
+                  <a:tcPr marL="82951" marR="82951" marT="41475" marB="41475"/>
+                </a:tc>
+                <a:tc>
+                  <a:txBody>
+                    <a:bodyPr/>
+                    <a:lstStyle/>
+                    <a:p>
+                      <a:endParaRPr lang="fr-FR" sz="900" dirty="0"/>
+                    </a:p>
+                  </a:txBody>
+                  <a:tcPr marL="82951" marR="82951" marT="41475" marB="41475"/>
+                </a:tc>
+                <a:tc>
+                  <a:txBody>
+                    <a:bodyPr/>
+                    <a:lstStyle/>
+                    <a:p>
+                      <a:endParaRPr lang="fr-FR" sz="900" dirty="0"/>
+                    </a:p>
+                  </a:txBody>
+                  <a:tcPr marL="82951" marR="82951" marT="41475" marB="41475"/>
+                </a:tc>
+                <a:tc>
+                  <a:txBody>
+                    <a:bodyPr/>
+                    <a:lstStyle/>
+                    <a:p>
+                      <a:endParaRPr lang="fr-FR" sz="900" dirty="0"/>
+                    </a:p>
+                  </a:txBody>
+                  <a:tcPr marL="82951" marR="82951" marT="41475" marB="41475"/>
+                </a:tc>
+                <a:extLst>
+                  <a:ext uri="{0D108BD9-81ED-4DB2-BD59-A6C34878D82A}">
+                    <a16:rowId xmlns:a16="http://schemas.microsoft.com/office/drawing/2014/main" val="1022889219"/>
+                  </a:ext>
+                </a:extLst>
+              </a:tr>
+              <a:tr h="131677">
+                <a:tc>
+                  <a:txBody>
+                    <a:bodyPr/>
+                    <a:lstStyle/>
+                    <a:p>
+                      <a:endParaRPr lang="fr-FR" sz="900" dirty="0"/>
+                    </a:p>
+                  </a:txBody>
+                  <a:tcPr marL="82951" marR="82951" marT="41475" marB="41475"/>
+                </a:tc>
+                <a:tc>
+                  <a:txBody>
+                    <a:bodyPr/>
+                    <a:lstStyle/>
+                    <a:p>
+                      <a:endParaRPr lang="fr-FR" sz="900" dirty="0"/>
+                    </a:p>
+                  </a:txBody>
+                  <a:tcPr marL="82951" marR="82951" marT="41475" marB="41475"/>
+                </a:tc>
+                <a:tc>
+                  <a:txBody>
+                    <a:bodyPr/>
+                    <a:lstStyle/>
+                    <a:p>
+                      <a:endParaRPr lang="fr-FR" sz="900" dirty="0"/>
+                    </a:p>
+                  </a:txBody>
+                  <a:tcPr marL="82951" marR="82951" marT="41475" marB="41475"/>
+                </a:tc>
+                <a:tc>
+                  <a:txBody>
+                    <a:bodyPr/>
+                    <a:lstStyle/>
+                    <a:p>
+                      <a:endParaRPr lang="fr-FR" sz="900" dirty="0"/>
+                    </a:p>
+                  </a:txBody>
+                  <a:tcPr marL="82951" marR="82951" marT="41475" marB="41475"/>
+                </a:tc>
+                <a:tc>
+                  <a:txBody>
+                    <a:bodyPr/>
+                    <a:lstStyle/>
+                    <a:p>
+                      <a:endParaRPr lang="fr-FR" sz="900" dirty="0"/>
+                    </a:p>
+                  </a:txBody>
+                  <a:tcPr marL="82951" marR="82951" marT="41475" marB="41475"/>
+                </a:tc>
+                <a:tc>
+                  <a:txBody>
+                    <a:bodyPr/>
+                    <a:lstStyle/>
+                    <a:p>
+                      <a:endParaRPr lang="fr-FR" sz="900" dirty="0"/>
+                    </a:p>
+                  </a:txBody>
+                  <a:tcPr marL="82951" marR="82951" marT="41475" marB="41475"/>
+                </a:tc>
+                <a:tc>
+                  <a:txBody>
+                    <a:bodyPr/>
+                    <a:lstStyle/>
+                    <a:p>
+                      <a:endParaRPr lang="fr-FR" sz="900" dirty="0"/>
+                    </a:p>
+                  </a:txBody>
+                  <a:tcPr marL="82951" marR="82951" marT="41475" marB="41475"/>
+                </a:tc>
+                <a:tc>
+                  <a:txBody>
+                    <a:bodyPr/>
+                    <a:lstStyle/>
+                    <a:p>
+                      <a:endParaRPr lang="fr-FR" sz="900" dirty="0"/>
+                    </a:p>
+                  </a:txBody>
+                  <a:tcPr marL="82951" marR="82951" marT="41475" marB="41475"/>
+                </a:tc>
+                <a:tc>
+                  <a:txBody>
+                    <a:bodyPr/>
+                    <a:lstStyle/>
+                    <a:p>
+                      <a:endParaRPr lang="fr-FR" sz="900" dirty="0"/>
+                    </a:p>
+                  </a:txBody>
+                  <a:tcPr marL="82951" marR="82951" marT="41475" marB="41475"/>
+                </a:tc>
+                <a:tc>
+                  <a:txBody>
+                    <a:bodyPr/>
+                    <a:lstStyle/>
+                    <a:p>
+                      <a:endParaRPr lang="fr-FR" sz="900" dirty="0"/>
+                    </a:p>
+                  </a:txBody>
+                  <a:tcPr marL="82951" marR="82951" marT="41475" marB="41475"/>
+                </a:tc>
+                <a:tc>
+                  <a:txBody>
+                    <a:bodyPr/>
+                    <a:lstStyle/>
+                    <a:p>
+                      <a:endParaRPr lang="fr-FR" sz="900" dirty="0"/>
+                    </a:p>
+                  </a:txBody>
+                  <a:tcPr marL="82951" marR="82951" marT="41475" marB="41475"/>
+                </a:tc>
+                <a:extLst>
+                  <a:ext uri="{0D108BD9-81ED-4DB2-BD59-A6C34878D82A}">
+                    <a16:rowId xmlns:a16="http://schemas.microsoft.com/office/drawing/2014/main" val="368185239"/>
+                  </a:ext>
+                </a:extLst>
+              </a:tr>
+              <a:tr h="131677">
+                <a:tc>
+                  <a:txBody>
+                    <a:bodyPr/>
+                    <a:lstStyle/>
+                    <a:p>
+                      <a:endParaRPr lang="fr-FR" sz="900" dirty="0"/>
+                    </a:p>
+                  </a:txBody>
+                  <a:tcPr marL="82951" marR="82951" marT="41475" marB="41475"/>
+                </a:tc>
+                <a:tc>
+                  <a:txBody>
+                    <a:bodyPr/>
+                    <a:lstStyle/>
+                    <a:p>
+                      <a:endParaRPr lang="fr-FR" sz="900" dirty="0"/>
+                    </a:p>
+                  </a:txBody>
+                  <a:tcPr marL="82951" marR="82951" marT="41475" marB="41475"/>
+                </a:tc>
+                <a:tc>
+                  <a:txBody>
+                    <a:bodyPr/>
+                    <a:lstStyle/>
+                    <a:p>
+                      <a:endParaRPr lang="fr-FR" sz="900" dirty="0"/>
+                    </a:p>
+                  </a:txBody>
+                  <a:tcPr marL="82951" marR="82951" marT="41475" marB="41475"/>
+                </a:tc>
+                <a:tc>
+                  <a:txBody>
+                    <a:bodyPr/>
+                    <a:lstStyle/>
+                    <a:p>
+                      <a:endParaRPr lang="fr-FR" sz="900" dirty="0"/>
+                    </a:p>
+                  </a:txBody>
+                  <a:tcPr marL="82951" marR="82951" marT="41475" marB="41475"/>
+                </a:tc>
+                <a:tc>
+                  <a:txBody>
+                    <a:bodyPr/>
+                    <a:lstStyle/>
+                    <a:p>
+                      <a:endParaRPr lang="fr-FR" sz="900" dirty="0"/>
+                    </a:p>
+                  </a:txBody>
+                  <a:tcPr marL="82951" marR="82951" marT="41475" marB="41475"/>
+                </a:tc>
+                <a:tc>
+                  <a:txBody>
+                    <a:bodyPr/>
+                    <a:lstStyle/>
+                    <a:p>
+                      <a:endParaRPr lang="fr-FR" sz="900" dirty="0"/>
+                    </a:p>
+                  </a:txBody>
+                  <a:tcPr marL="82951" marR="82951" marT="41475" marB="41475"/>
+                </a:tc>
+                <a:tc>
+                  <a:txBody>
+                    <a:bodyPr/>
+                    <a:lstStyle/>
+                    <a:p>
+                      <a:endParaRPr lang="fr-FR" sz="900" dirty="0"/>
+                    </a:p>
+                  </a:txBody>
+                  <a:tcPr marL="82951" marR="82951" marT="41475" marB="41475"/>
+                </a:tc>
+                <a:tc>
+                  <a:txBody>
+                    <a:bodyPr/>
+                    <a:lstStyle/>
+                    <a:p>
+                      <a:endParaRPr lang="fr-FR" sz="900" dirty="0"/>
+                    </a:p>
+                  </a:txBody>
+                  <a:tcPr marL="82951" marR="82951" marT="41475" marB="41475"/>
+                </a:tc>
+                <a:tc>
+                  <a:txBody>
+                    <a:bodyPr/>
+                    <a:lstStyle/>
+                    <a:p>
+                      <a:endParaRPr lang="fr-FR" sz="900" dirty="0"/>
+                    </a:p>
+                  </a:txBody>
+                  <a:tcPr marL="82951" marR="82951" marT="41475" marB="41475"/>
+                </a:tc>
+                <a:tc>
+                  <a:txBody>
+                    <a:bodyPr/>
+                    <a:lstStyle/>
+                    <a:p>
+                      <a:endParaRPr lang="fr-FR" sz="900" dirty="0"/>
+                    </a:p>
+                  </a:txBody>
+                  <a:tcPr marL="82951" marR="82951" marT="41475" marB="41475"/>
+                </a:tc>
+                <a:tc>
+                  <a:txBody>
+                    <a:bodyPr/>
+                    <a:lstStyle/>
+                    <a:p>
+                      <a:endParaRPr lang="fr-FR" sz="900" dirty="0"/>
+                    </a:p>
+                  </a:txBody>
+                  <a:tcPr marL="82951" marR="82951" marT="41475" marB="41475"/>
+                </a:tc>
+                <a:extLst>
+                  <a:ext uri="{0D108BD9-81ED-4DB2-BD59-A6C34878D82A}">
+                    <a16:rowId xmlns:a16="http://schemas.microsoft.com/office/drawing/2014/main" val="3108020006"/>
+                  </a:ext>
+                </a:extLst>
+              </a:tr>
+            </a:tbl>
+          </a:graphicData>
+        </a:graphic>
+      </p:graphicFrame>
+      <p:sp>
+        <p:nvSpPr>
+          <p:cNvPr id="10" name="Flèche : bas 9">
+            <a:extLst>
+              <a:ext uri="{FF2B5EF4-FFF2-40B4-BE49-F238E27FC236}">
+                <a16:creationId xmlns:a16="http://schemas.microsoft.com/office/drawing/2014/main" id="{3EC5E7A8-97B3-4623-93A3-74798D5D70B5}"/>
+              </a:ext>
+            </a:extLst>
+          </p:cNvPr>
+          <p:cNvSpPr/>
+          <p:nvPr/>
+        </p:nvSpPr>
+        <p:spPr>
+          <a:xfrm>
+            <a:off x="9367904" y="2214379"/>
+            <a:ext cx="368269" cy="439295"/>
+          </a:xfrm>
+          <a:prstGeom prst="downArrow">
+            <a:avLst/>
+          </a:prstGeom>
+          <a:solidFill>
+            <a:srgbClr val="002060"/>
+          </a:solidFill>
+          <a:ln>
+            <a:noFill/>
+          </a:ln>
+        </p:spPr>
+        <p:style>
+          <a:lnRef idx="2">
+            <a:schemeClr val="accent1">
+              <a:shade val="50000"/>
+            </a:schemeClr>
+          </a:lnRef>
+          <a:fillRef idx="1">
+            <a:schemeClr val="accent1"/>
+          </a:fillRef>
+          <a:effectRef idx="0">
+            <a:schemeClr val="accent1"/>
+          </a:effectRef>
+          <a:fontRef idx="minor">
+            <a:schemeClr val="lt1"/>
+          </a:fontRef>
+        </p:style>
+        <p:txBody>
+          <a:bodyPr rtlCol="0" anchor="ctr"/>
+          <a:lstStyle/>
+          <a:p>
+            <a:pPr algn="ctr"/>
+            <a:endParaRPr lang="fr-FR"/>
+          </a:p>
+        </p:txBody>
+      </p:sp>
+      <p:sp>
+        <p:nvSpPr>
+          <p:cNvPr id="90" name="Flèche : bas 89">
+            <a:extLst>
+              <a:ext uri="{FF2B5EF4-FFF2-40B4-BE49-F238E27FC236}">
+                <a16:creationId xmlns:a16="http://schemas.microsoft.com/office/drawing/2014/main" id="{9ABA0543-AFBA-42E4-A08E-8FB35BEA6D1F}"/>
+              </a:ext>
+            </a:extLst>
+          </p:cNvPr>
+          <p:cNvSpPr/>
+          <p:nvPr/>
+        </p:nvSpPr>
+        <p:spPr>
+          <a:xfrm>
+            <a:off x="9367904" y="3276664"/>
+            <a:ext cx="368269" cy="439295"/>
+          </a:xfrm>
+          <a:prstGeom prst="downArrow">
+            <a:avLst/>
+          </a:prstGeom>
+          <a:solidFill>
+            <a:srgbClr val="002060"/>
+          </a:solidFill>
+          <a:ln>
+            <a:noFill/>
+          </a:ln>
+        </p:spPr>
+        <p:style>
+          <a:lnRef idx="2">
+            <a:schemeClr val="accent1">
+              <a:shade val="50000"/>
+            </a:schemeClr>
+          </a:lnRef>
+          <a:fillRef idx="1">
+            <a:schemeClr val="accent1"/>
+          </a:fillRef>
+          <a:effectRef idx="0">
+            <a:schemeClr val="accent1"/>
+          </a:effectRef>
+          <a:fontRef idx="minor">
+            <a:schemeClr val="lt1"/>
+          </a:fontRef>
+        </p:style>
+        <p:txBody>
+          <a:bodyPr rtlCol="0" anchor="ctr"/>
+          <a:lstStyle/>
+          <a:p>
+            <a:pPr algn="ctr"/>
+            <a:endParaRPr lang="fr-FR"/>
+          </a:p>
+        </p:txBody>
+      </p:sp>
+      <p:sp>
+        <p:nvSpPr>
+          <p:cNvPr id="95" name="Rectangle : coins arrondis 94">
+            <a:extLst>
+              <a:ext uri="{FF2B5EF4-FFF2-40B4-BE49-F238E27FC236}">
+                <a16:creationId xmlns:a16="http://schemas.microsoft.com/office/drawing/2014/main" id="{E591AA33-4947-4A84-8035-D81CC6F7BDC4}"/>
+              </a:ext>
+            </a:extLst>
+          </p:cNvPr>
+          <p:cNvSpPr/>
+          <p:nvPr/>
+        </p:nvSpPr>
+        <p:spPr>
+          <a:xfrm>
+            <a:off x="8244071" y="4409639"/>
+            <a:ext cx="2615935" cy="362241"/>
+          </a:xfrm>
+          <a:prstGeom prst="roundRect">
+            <a:avLst>
+              <a:gd name="adj" fmla="val 50000"/>
+            </a:avLst>
+          </a:prstGeom>
+          <a:solidFill>
+            <a:srgbClr val="00B050"/>
+          </a:solidFill>
+          <a:effectLst>
+            <a:outerShdw blurRad="50800" dist="38100" dir="2700000" algn="tl" rotWithShape="0">
+              <a:prstClr val="black">
+                <a:alpha val="40000"/>
+              </a:prstClr>
+            </a:outerShdw>
+          </a:effectLst>
+        </p:spPr>
+        <p:style>
+          <a:lnRef idx="0">
+            <a:schemeClr val="accent1"/>
+          </a:lnRef>
+          <a:fillRef idx="3">
+            <a:schemeClr val="accent1"/>
+          </a:fillRef>
+          <a:effectRef idx="3">
+            <a:schemeClr val="accent1"/>
+          </a:effectRef>
+          <a:fontRef idx="minor">
+            <a:schemeClr val="lt1"/>
+          </a:fontRef>
+        </p:style>
+        <p:txBody>
+          <a:bodyPr rtlCol="0" anchor="ctr"/>
+          <a:lstStyle/>
+          <a:p>
+            <a:pPr algn="ctr"/>
+            <a:r>
+              <a:rPr lang="fr-FR" sz="1400" dirty="0"/>
+              <a:t>Stockage « standard »</a:t>
+            </a:r>
+          </a:p>
+        </p:txBody>
+      </p:sp>
+      <p:sp>
+        <p:nvSpPr>
+          <p:cNvPr id="96" name="Rectangle : coins arrondis 95">
+            <a:extLst>
+              <a:ext uri="{FF2B5EF4-FFF2-40B4-BE49-F238E27FC236}">
+                <a16:creationId xmlns:a16="http://schemas.microsoft.com/office/drawing/2014/main" id="{E3741B73-F5AF-4B8C-B827-F732DBF8AD93}"/>
+              </a:ext>
+            </a:extLst>
+          </p:cNvPr>
+          <p:cNvSpPr/>
+          <p:nvPr/>
+        </p:nvSpPr>
+        <p:spPr>
+          <a:xfrm>
+            <a:off x="8244071" y="5027271"/>
+            <a:ext cx="2615935" cy="362241"/>
+          </a:xfrm>
+          <a:prstGeom prst="roundRect">
+            <a:avLst>
+              <a:gd name="adj" fmla="val 50000"/>
+            </a:avLst>
+          </a:prstGeom>
+          <a:solidFill>
+            <a:srgbClr val="00B050"/>
+          </a:solidFill>
+          <a:effectLst>
+            <a:outerShdw blurRad="50800" dist="38100" dir="2700000" algn="tl" rotWithShape="0">
+              <a:prstClr val="black">
+                <a:alpha val="40000"/>
+              </a:prstClr>
+            </a:outerShdw>
+          </a:effectLst>
+        </p:spPr>
+        <p:style>
+          <a:lnRef idx="0">
+            <a:schemeClr val="accent1"/>
+          </a:lnRef>
+          <a:fillRef idx="3">
+            <a:schemeClr val="accent1"/>
+          </a:fillRef>
+          <a:effectRef idx="3">
+            <a:schemeClr val="accent1"/>
+          </a:effectRef>
+          <a:fontRef idx="minor">
+            <a:schemeClr val="lt1"/>
+          </a:fontRef>
+        </p:style>
+        <p:txBody>
+          <a:bodyPr rtlCol="0" anchor="ctr"/>
+          <a:lstStyle/>
+          <a:p>
+            <a:pPr algn="ctr"/>
+            <a:r>
+              <a:rPr lang="fr-FR" sz="1400" dirty="0"/>
+              <a:t>API « standard »</a:t>
+            </a:r>
+          </a:p>
+        </p:txBody>
+      </p:sp>
+      <p:sp>
+        <p:nvSpPr>
+          <p:cNvPr id="97" name="Rectangle : coins arrondis 96">
+            <a:extLst>
+              <a:ext uri="{FF2B5EF4-FFF2-40B4-BE49-F238E27FC236}">
+                <a16:creationId xmlns:a16="http://schemas.microsoft.com/office/drawing/2014/main" id="{234FCD7F-179C-46B5-85E6-2D8638BBD398}"/>
+              </a:ext>
+            </a:extLst>
+          </p:cNvPr>
+          <p:cNvSpPr/>
+          <p:nvPr/>
+        </p:nvSpPr>
+        <p:spPr>
+          <a:xfrm>
+            <a:off x="7915810" y="5644903"/>
+            <a:ext cx="3272457" cy="362241"/>
+          </a:xfrm>
+          <a:prstGeom prst="roundRect">
+            <a:avLst>
+              <a:gd name="adj" fmla="val 50000"/>
+            </a:avLst>
+          </a:prstGeom>
+          <a:solidFill>
+            <a:srgbClr val="00B050"/>
+          </a:solidFill>
+          <a:effectLst>
+            <a:outerShdw blurRad="50800" dist="38100" dir="2700000" algn="tl" rotWithShape="0">
+              <a:prstClr val="black">
+                <a:alpha val="40000"/>
+              </a:prstClr>
+            </a:outerShdw>
+          </a:effectLst>
+        </p:spPr>
+        <p:style>
+          <a:lnRef idx="0">
+            <a:schemeClr val="accent1"/>
+          </a:lnRef>
+          <a:fillRef idx="3">
+            <a:schemeClr val="accent1"/>
+          </a:fillRef>
+          <a:effectRef idx="3">
+            <a:schemeClr val="accent1"/>
+          </a:effectRef>
+          <a:fontRef idx="minor">
+            <a:schemeClr val="lt1"/>
+          </a:fontRef>
+        </p:style>
+        <p:txBody>
+          <a:bodyPr rtlCol="0" anchor="ctr"/>
+          <a:lstStyle/>
+          <a:p>
+            <a:pPr algn="ctr"/>
+            <a:r>
+              <a:rPr lang="fr-FR" sz="1400" dirty="0"/>
+              <a:t>Format de données « standard »</a:t>
+            </a:r>
+          </a:p>
+        </p:txBody>
+      </p:sp>
+      <p:sp>
+        <p:nvSpPr>
+          <p:cNvPr id="125" name="Rectangle : coins arrondis 124">
+            <a:extLst>
+              <a:ext uri="{FF2B5EF4-FFF2-40B4-BE49-F238E27FC236}">
+                <a16:creationId xmlns:a16="http://schemas.microsoft.com/office/drawing/2014/main" id="{747E0223-17BE-4A19-9F47-13B14BB9BE91}"/>
+              </a:ext>
+            </a:extLst>
+          </p:cNvPr>
+          <p:cNvSpPr/>
+          <p:nvPr/>
+        </p:nvSpPr>
+        <p:spPr>
+          <a:xfrm>
+            <a:off x="7915810" y="6262536"/>
+            <a:ext cx="3272457" cy="362241"/>
+          </a:xfrm>
+          <a:prstGeom prst="roundRect">
+            <a:avLst>
+              <a:gd name="adj" fmla="val 50000"/>
+            </a:avLst>
+          </a:prstGeom>
+          <a:solidFill>
+            <a:srgbClr val="00B050"/>
+          </a:solidFill>
+          <a:effectLst>
+            <a:outerShdw blurRad="50800" dist="38100" dir="2700000" algn="tl" rotWithShape="0">
+              <a:prstClr val="black">
+                <a:alpha val="40000"/>
+              </a:prstClr>
+            </a:outerShdw>
+          </a:effectLst>
+        </p:spPr>
+        <p:style>
+          <a:lnRef idx="0">
+            <a:schemeClr val="accent1"/>
+          </a:lnRef>
+          <a:fillRef idx="3">
+            <a:schemeClr val="accent1"/>
+          </a:fillRef>
+          <a:effectRef idx="3">
+            <a:schemeClr val="accent1"/>
+          </a:effectRef>
+          <a:fontRef idx="minor">
+            <a:schemeClr val="lt1"/>
+          </a:fontRef>
+        </p:style>
+        <p:txBody>
+          <a:bodyPr rtlCol="0" anchor="ctr"/>
+          <a:lstStyle/>
+          <a:p>
+            <a:pPr algn="ctr"/>
+            <a:r>
+              <a:rPr lang="fr-FR" sz="1400" dirty="0"/>
+              <a:t>Outils d’exploitation « standard »</a:t>
+            </a:r>
+          </a:p>
+        </p:txBody>
+      </p:sp>
+      <p:sp>
+        <p:nvSpPr>
+          <p:cNvPr id="126" name="Flèche : bas 125">
+            <a:extLst>
+              <a:ext uri="{FF2B5EF4-FFF2-40B4-BE49-F238E27FC236}">
+                <a16:creationId xmlns:a16="http://schemas.microsoft.com/office/drawing/2014/main" id="{C888F139-C34E-4DAF-A2C5-D0D2A054C0C2}"/>
+              </a:ext>
+            </a:extLst>
+          </p:cNvPr>
+          <p:cNvSpPr/>
+          <p:nvPr/>
+        </p:nvSpPr>
+        <p:spPr>
+          <a:xfrm>
+            <a:off x="9367904" y="4736381"/>
+            <a:ext cx="368269" cy="369401"/>
+          </a:xfrm>
+          <a:prstGeom prst="downArrow">
+            <a:avLst/>
+          </a:prstGeom>
+          <a:solidFill>
+            <a:srgbClr val="002060"/>
+          </a:solidFill>
+          <a:ln>
+            <a:noFill/>
+          </a:ln>
+        </p:spPr>
+        <p:style>
+          <a:lnRef idx="2">
+            <a:schemeClr val="accent1">
+              <a:shade val="50000"/>
+            </a:schemeClr>
+          </a:lnRef>
+          <a:fillRef idx="1">
+            <a:schemeClr val="accent1"/>
+          </a:fillRef>
+          <a:effectRef idx="0">
+            <a:schemeClr val="accent1"/>
+          </a:effectRef>
+          <a:fontRef idx="minor">
+            <a:schemeClr val="lt1"/>
+          </a:fontRef>
+        </p:style>
+        <p:txBody>
+          <a:bodyPr rtlCol="0" anchor="ctr"/>
+          <a:lstStyle/>
+          <a:p>
+            <a:pPr algn="ctr"/>
+            <a:endParaRPr lang="fr-FR"/>
+          </a:p>
+        </p:txBody>
+      </p:sp>
+      <p:sp>
+        <p:nvSpPr>
+          <p:cNvPr id="127" name="Flèche : bas 126">
+            <a:extLst>
+              <a:ext uri="{FF2B5EF4-FFF2-40B4-BE49-F238E27FC236}">
+                <a16:creationId xmlns:a16="http://schemas.microsoft.com/office/drawing/2014/main" id="{27DEB356-A859-4719-A2A4-78EB4CD91E9E}"/>
+              </a:ext>
+            </a:extLst>
+          </p:cNvPr>
+          <p:cNvSpPr/>
+          <p:nvPr/>
+        </p:nvSpPr>
+        <p:spPr>
+          <a:xfrm>
+            <a:off x="9367904" y="5340565"/>
+            <a:ext cx="368269" cy="369401"/>
+          </a:xfrm>
+          <a:prstGeom prst="downArrow">
+            <a:avLst/>
+          </a:prstGeom>
+          <a:solidFill>
+            <a:srgbClr val="002060"/>
+          </a:solidFill>
+          <a:ln>
+            <a:noFill/>
+          </a:ln>
+        </p:spPr>
+        <p:style>
+          <a:lnRef idx="2">
+            <a:schemeClr val="accent1">
+              <a:shade val="50000"/>
+            </a:schemeClr>
+          </a:lnRef>
+          <a:fillRef idx="1">
+            <a:schemeClr val="accent1"/>
+          </a:fillRef>
+          <a:effectRef idx="0">
+            <a:schemeClr val="accent1"/>
+          </a:effectRef>
+          <a:fontRef idx="minor">
+            <a:schemeClr val="lt1"/>
+          </a:fontRef>
+        </p:style>
+        <p:txBody>
+          <a:bodyPr rtlCol="0" anchor="ctr"/>
+          <a:lstStyle/>
+          <a:p>
+            <a:pPr algn="ctr"/>
+            <a:endParaRPr lang="fr-FR"/>
+          </a:p>
+        </p:txBody>
+      </p:sp>
+      <p:sp>
+        <p:nvSpPr>
+          <p:cNvPr id="128" name="Flèche : bas 127">
+            <a:extLst>
+              <a:ext uri="{FF2B5EF4-FFF2-40B4-BE49-F238E27FC236}">
+                <a16:creationId xmlns:a16="http://schemas.microsoft.com/office/drawing/2014/main" id="{3EF3A6FF-BBC6-41B9-8CE1-0B991A3B3520}"/>
+              </a:ext>
+            </a:extLst>
+          </p:cNvPr>
+          <p:cNvSpPr/>
+          <p:nvPr/>
+        </p:nvSpPr>
+        <p:spPr>
+          <a:xfrm>
+            <a:off x="9367904" y="5944749"/>
+            <a:ext cx="368269" cy="369401"/>
+          </a:xfrm>
+          <a:prstGeom prst="downArrow">
+            <a:avLst/>
+          </a:prstGeom>
+          <a:solidFill>
+            <a:srgbClr val="002060"/>
+          </a:solidFill>
+          <a:ln>
+            <a:noFill/>
+          </a:ln>
+        </p:spPr>
+        <p:style>
+          <a:lnRef idx="2">
+            <a:schemeClr val="accent1">
+              <a:shade val="50000"/>
+            </a:schemeClr>
+          </a:lnRef>
+          <a:fillRef idx="1">
+            <a:schemeClr val="accent1"/>
+          </a:fillRef>
+          <a:effectRef idx="0">
+            <a:schemeClr val="accent1"/>
+          </a:effectRef>
+          <a:fontRef idx="minor">
+            <a:schemeClr val="lt1"/>
+          </a:fontRef>
+        </p:style>
+        <p:txBody>
+          <a:bodyPr rtlCol="0" anchor="ctr"/>
+          <a:lstStyle/>
+          <a:p>
+            <a:pPr algn="ctr"/>
+            <a:endParaRPr lang="fr-FR"/>
+          </a:p>
+        </p:txBody>
+      </p:sp>
+    </p:spTree>
+    <p:extLst>
+      <p:ext uri="{BB962C8B-B14F-4D97-AF65-F5344CB8AC3E}">
+        <p14:creationId xmlns:p14="http://schemas.microsoft.com/office/powerpoint/2010/main" val="1772287133"/>
+      </p:ext>
+    </p:extLst>
+  </p:cSld>
+  <p:clrMapOvr>
+    <a:masterClrMapping/>
+  </p:clrMapOvr>
+</p:sld>
+</file>
+
 <file path=ppt/theme/theme1.xml><?xml version="1.0" encoding="utf-8"?>
 <a:theme xmlns:a="http://schemas.openxmlformats.org/drawingml/2006/main" name="Brin">
   <a:themeElements>
